--- a/ClassMaterials/ProjectWorkday1/Slides/DesignInheritance.pptx
+++ b/ClassMaterials/ProjectWorkday1/Slides/DesignInheritance.pptx
@@ -5,31 +5,33 @@
     <p:sldMasterId id="2147484629" r:id="rId1"/>
   </p:sldMasterIdLst>
   <p:notesMasterIdLst>
-    <p:notesMasterId r:id="rId21"/>
+    <p:notesMasterId r:id="rId23"/>
   </p:notesMasterIdLst>
   <p:handoutMasterIdLst>
-    <p:handoutMasterId r:id="rId22"/>
+    <p:handoutMasterId r:id="rId24"/>
   </p:handoutMasterIdLst>
   <p:sldIdLst>
     <p:sldId id="311" r:id="rId2"/>
     <p:sldId id="313" r:id="rId3"/>
-    <p:sldId id="316" r:id="rId4"/>
-    <p:sldId id="310" r:id="rId5"/>
-    <p:sldId id="314" r:id="rId6"/>
-    <p:sldId id="315" r:id="rId7"/>
-    <p:sldId id="317" r:id="rId8"/>
-    <p:sldId id="318" r:id="rId9"/>
-    <p:sldId id="320" r:id="rId10"/>
-    <p:sldId id="321" r:id="rId11"/>
-    <p:sldId id="319" r:id="rId12"/>
-    <p:sldId id="322" r:id="rId13"/>
-    <p:sldId id="323" r:id="rId14"/>
-    <p:sldId id="325" r:id="rId15"/>
-    <p:sldId id="328" r:id="rId16"/>
-    <p:sldId id="329" r:id="rId17"/>
-    <p:sldId id="312" r:id="rId18"/>
-    <p:sldId id="326" r:id="rId19"/>
-    <p:sldId id="327" r:id="rId20"/>
+    <p:sldId id="331" r:id="rId4"/>
+    <p:sldId id="316" r:id="rId5"/>
+    <p:sldId id="310" r:id="rId6"/>
+    <p:sldId id="314" r:id="rId7"/>
+    <p:sldId id="315" r:id="rId8"/>
+    <p:sldId id="317" r:id="rId9"/>
+    <p:sldId id="318" r:id="rId10"/>
+    <p:sldId id="320" r:id="rId11"/>
+    <p:sldId id="321" r:id="rId12"/>
+    <p:sldId id="319" r:id="rId13"/>
+    <p:sldId id="322" r:id="rId14"/>
+    <p:sldId id="323" r:id="rId15"/>
+    <p:sldId id="325" r:id="rId16"/>
+    <p:sldId id="328" r:id="rId17"/>
+    <p:sldId id="329" r:id="rId18"/>
+    <p:sldId id="312" r:id="rId19"/>
+    <p:sldId id="326" r:id="rId20"/>
+    <p:sldId id="327" r:id="rId21"/>
+    <p:sldId id="330" r:id="rId22"/>
   </p:sldIdLst>
   <p:sldSz cx="9144000" cy="6858000" type="screen4x3"/>
   <p:notesSz cx="6881813" cy="9296400"/>
@@ -291,7 +293,7 @@
             <a:fld id="{68AFFCC9-E980-4A2E-8F84-91052C1F2C22}" type="datetime1">
               <a:rPr lang="en-US"/>
               <a:pPr/>
-              <a:t>5/7/2018</a:t>
+              <a:t>5/9/2020</a:t>
             </a:fld>
             <a:endParaRPr lang="en-US"/>
           </a:p>
@@ -520,7 +522,7 @@
             <a:fld id="{C4411CED-79EF-4046-B79B-F8927B54B6B0}" type="datetime1">
               <a:rPr lang="en-US"/>
               <a:pPr/>
-              <a:t>5/7/2018</a:t>
+              <a:t>5/9/2020</a:t>
             </a:fld>
             <a:endParaRPr lang="en-US"/>
           </a:p>
@@ -1040,7 +1042,7 @@
             <a:fld id="{36B4252A-5ADE-4726-AF7E-E9EADC640C88}" type="slidenum">
               <a:rPr lang="en-US" smtClean="0"/>
               <a:pPr/>
-              <a:t>4</a:t>
+              <a:t>5</a:t>
             </a:fld>
             <a:endParaRPr lang="en-US"/>
           </a:p>
@@ -1135,7 +1137,7 @@
             <a:fld id="{36B4252A-5ADE-4726-AF7E-E9EADC640C88}" type="slidenum">
               <a:rPr lang="en-US" smtClean="0"/>
               <a:pPr/>
-              <a:t>5</a:t>
+              <a:t>6</a:t>
             </a:fld>
             <a:endParaRPr lang="en-US"/>
           </a:p>
@@ -1228,7 +1230,7 @@
             <a:fld id="{36B4252A-5ADE-4726-AF7E-E9EADC640C88}" type="slidenum">
               <a:rPr lang="en-US" smtClean="0"/>
               <a:pPr/>
-              <a:t>6</a:t>
+              <a:t>7</a:t>
             </a:fld>
             <a:endParaRPr lang="en-US"/>
           </a:p>
@@ -1329,7 +1331,7 @@
             <a:fld id="{36B4252A-5ADE-4726-AF7E-E9EADC640C88}" type="slidenum">
               <a:rPr lang="en-US" smtClean="0"/>
               <a:pPr/>
-              <a:t>11</a:t>
+              <a:t>12</a:t>
             </a:fld>
             <a:endParaRPr lang="en-US"/>
           </a:p>
@@ -1424,7 +1426,7 @@
             <a:fld id="{36B4252A-5ADE-4726-AF7E-E9EADC640C88}" type="slidenum">
               <a:rPr lang="en-US" smtClean="0"/>
               <a:pPr/>
-              <a:t>14</a:t>
+              <a:t>15</a:t>
             </a:fld>
             <a:endParaRPr lang="en-US"/>
           </a:p>
@@ -1524,7 +1526,7 @@
             <a:fld id="{4EE02099-3122-448C-8379-2F83E5A8613A}" type="slidenum">
               <a:rPr lang="en-US"/>
               <a:pPr/>
-              <a:t>17</a:t>
+              <a:t>18</a:t>
             </a:fld>
             <a:endParaRPr lang="en-US"/>
           </a:p>
@@ -1617,7 +1619,7 @@
             <a:fld id="{36B4252A-5ADE-4726-AF7E-E9EADC640C88}" type="slidenum">
               <a:rPr lang="en-US" smtClean="0"/>
               <a:pPr/>
-              <a:t>18</a:t>
+              <a:t>19</a:t>
             </a:fld>
             <a:endParaRPr lang="en-US"/>
           </a:p>
@@ -1818,7 +1820,7 @@
             <a:fld id="{43E6E5DC-7A70-4CAB-B8CA-FD7CFBA6DDCF}" type="datetime1">
               <a:rPr lang="en-US" smtClean="0"/>
               <a:pPr/>
-              <a:t>5/7/2018</a:t>
+              <a:t>5/9/2020</a:t>
             </a:fld>
             <a:endParaRPr lang="en-US"/>
           </a:p>
@@ -1993,7 +1995,7 @@
             <a:fld id="{34C58A64-F6CF-4D4F-A14E-4E9A6689521C}" type="datetime1">
               <a:rPr lang="en-US" smtClean="0"/>
               <a:pPr/>
-              <a:t>5/7/2018</a:t>
+              <a:t>5/9/2020</a:t>
             </a:fld>
             <a:endParaRPr lang="en-US"/>
           </a:p>
@@ -2178,7 +2180,7 @@
             <a:fld id="{28A961FD-7946-4EF3-8B09-2E96C5099CE1}" type="datetime1">
               <a:rPr lang="en-US" smtClean="0"/>
               <a:pPr/>
-              <a:t>5/7/2018</a:t>
+              <a:t>5/9/2020</a:t>
             </a:fld>
             <a:endParaRPr lang="en-US"/>
           </a:p>
@@ -2353,7 +2355,7 @@
             <a:fld id="{410E03A8-3A50-4824-93B1-5AB2817A85E6}" type="datetime1">
               <a:rPr lang="en-US" smtClean="0"/>
               <a:pPr/>
-              <a:t>5/7/2018</a:t>
+              <a:t>5/9/2020</a:t>
             </a:fld>
             <a:endParaRPr lang="en-US"/>
           </a:p>
@@ -2604,7 +2606,7 @@
             <a:fld id="{69EE78C3-2E3E-4EDD-A8FC-A11FEA9CDF04}" type="datetime1">
               <a:rPr lang="en-US" smtClean="0"/>
               <a:pPr/>
-              <a:t>5/7/2018</a:t>
+              <a:t>5/9/2020</a:t>
             </a:fld>
             <a:endParaRPr lang="en-US"/>
           </a:p>
@@ -2897,7 +2899,7 @@
             <a:fld id="{9CAD6738-AE48-490E-BA60-16B31C3E5798}" type="datetime1">
               <a:rPr lang="en-US" smtClean="0"/>
               <a:pPr/>
-              <a:t>5/7/2018</a:t>
+              <a:t>5/9/2020</a:t>
             </a:fld>
             <a:endParaRPr lang="en-US"/>
           </a:p>
@@ -3324,7 +3326,7 @@
             <a:fld id="{12137309-80BC-4890-B91A-AB9885E172E5}" type="datetime1">
               <a:rPr lang="en-US" smtClean="0"/>
               <a:pPr/>
-              <a:t>5/7/2018</a:t>
+              <a:t>5/9/2020</a:t>
             </a:fld>
             <a:endParaRPr lang="en-US"/>
           </a:p>
@@ -3447,7 +3449,7 @@
             <a:fld id="{79C16A63-0F78-4E9D-81E4-A84E1F25A0A3}" type="datetime1">
               <a:rPr lang="en-US" smtClean="0"/>
               <a:pPr/>
-              <a:t>5/7/2018</a:t>
+              <a:t>5/9/2020</a:t>
             </a:fld>
             <a:endParaRPr lang="en-US"/>
           </a:p>
@@ -3547,7 +3549,7 @@
             <a:fld id="{DC5FF9E9-979C-4422-A1BB-1DC64426F0DA}" type="datetime1">
               <a:rPr lang="en-US" smtClean="0"/>
               <a:pPr/>
-              <a:t>5/7/2018</a:t>
+              <a:t>5/9/2020</a:t>
             </a:fld>
             <a:endParaRPr lang="en-US"/>
           </a:p>
@@ -3829,7 +3831,7 @@
             <a:fld id="{B9B7020D-910B-4676-A902-AD52382F28B6}" type="datetime1">
               <a:rPr lang="en-US" smtClean="0"/>
               <a:pPr/>
-              <a:t>5/7/2018</a:t>
+              <a:t>5/9/2020</a:t>
             </a:fld>
             <a:endParaRPr lang="en-US"/>
           </a:p>
@@ -4087,7 +4089,7 @@
             <a:fld id="{4695FF79-924D-47D6-A727-6A03000C0C91}" type="datetime1">
               <a:rPr lang="en-US" smtClean="0"/>
               <a:pPr/>
-              <a:t>5/7/2018</a:t>
+              <a:t>5/9/2020</a:t>
             </a:fld>
             <a:endParaRPr lang="en-US"/>
           </a:p>
@@ -4305,7 +4307,7 @@
             <a:fld id="{A51E304D-C692-4D58-A925-D35D66927263}" type="datetime1">
               <a:rPr lang="en-US" smtClean="0"/>
               <a:pPr/>
-              <a:t>5/7/2018</a:t>
+              <a:t>5/9/2020</a:t>
             </a:fld>
             <a:endParaRPr lang="en-US"/>
           </a:p>
@@ -4832,8 +4834,13 @@
             </a:r>
             <a:r>
               <a:rPr lang="en-US" dirty="0"/>
-              <a:t>from SVN</a:t>
-            </a:r>
+              <a:t>from </a:t>
+            </a:r>
+            <a:r>
+              <a:rPr lang="en-US" dirty="0" smtClean="0"/>
+              <a:t>repo</a:t>
+            </a:r>
+            <a:endParaRPr lang="en-US" dirty="0"/>
           </a:p>
         </p:txBody>
       </p:sp>
@@ -4897,1183 +4904,6 @@
           </a:p>
         </p:txBody>
       </p:sp>
-      <p:sp>
-        <p:nvSpPr>
-          <p:cNvPr id="5" name="TextBox 4"/>
-          <p:cNvSpPr txBox="1"/>
-          <p:nvPr/>
-        </p:nvSpPr>
-        <p:spPr>
-          <a:xfrm>
-            <a:off x="347194" y="1417638"/>
-            <a:ext cx="8449612" cy="1569660"/>
-          </a:xfrm>
-          <a:prstGeom prst="rect">
-            <a:avLst/>
-          </a:prstGeom>
-          <a:noFill/>
-        </p:spPr>
-        <p:txBody>
-          <a:bodyPr wrap="square" rtlCol="0">
-            <a:spAutoFit/>
-          </a:bodyPr>
-          <a:lstStyle/>
-          <a:p>
-            <a:r>
-              <a:rPr lang="en-US" sz="2400" dirty="0" smtClean="0"/>
-              <a:t>When we have multiple objects which interact with the same object, we can use </a:t>
-            </a:r>
-            <a:r>
-              <a:rPr lang="en-US" sz="2400" b="1" i="1" dirty="0" smtClean="0"/>
-              <a:t>inheritance</a:t>
-            </a:r>
-            <a:r>
-              <a:rPr lang="en-US" sz="2400" dirty="0" smtClean="0"/>
-              <a:t> to help us make a design to deal with the collisions. We should have the classes which differ provide the functionality to deal with the collisions.</a:t>
-            </a:r>
-            <a:endParaRPr lang="en-US" sz="2400" dirty="0"/>
-          </a:p>
-        </p:txBody>
-      </p:sp>
-      <p:sp>
-        <p:nvSpPr>
-          <p:cNvPr id="6" name="TextBox 5"/>
-          <p:cNvSpPr txBox="1"/>
-          <p:nvPr/>
-        </p:nvSpPr>
-        <p:spPr>
-          <a:xfrm>
-            <a:off x="445168" y="3345468"/>
-            <a:ext cx="8449612" cy="2677656"/>
-          </a:xfrm>
-          <a:prstGeom prst="rect">
-            <a:avLst/>
-          </a:prstGeom>
-          <a:noFill/>
-        </p:spPr>
-        <p:txBody>
-          <a:bodyPr wrap="square" rtlCol="0">
-            <a:spAutoFit/>
-          </a:bodyPr>
-          <a:lstStyle/>
-          <a:p>
-            <a:r>
-              <a:rPr lang="en-US" sz="2400" dirty="0" smtClean="0"/>
-              <a:t>So in this case, the different drops (and </a:t>
-            </a:r>
-            <a:r>
-              <a:rPr lang="en-US" sz="2400" dirty="0" err="1" smtClean="0"/>
-              <a:t>InvincibilityDrop</a:t>
-            </a:r>
-            <a:r>
-              <a:rPr lang="en-US" sz="2400" dirty="0" smtClean="0"/>
-              <a:t>) differ in how they affect the platform. Thus, we can could create an </a:t>
-            </a:r>
-            <a:r>
-              <a:rPr lang="en-US" sz="2400" dirty="0"/>
-              <a:t>a</a:t>
-            </a:r>
-            <a:r>
-              <a:rPr lang="en-US" sz="2400" dirty="0" smtClean="0"/>
-              <a:t>bstract class and require an implementation of the </a:t>
-            </a:r>
-            <a:r>
-              <a:rPr lang="en-US" sz="2400" dirty="0" err="1" smtClean="0"/>
-              <a:t>collideWith</a:t>
-            </a:r>
-            <a:r>
-              <a:rPr lang="en-US" sz="2400" dirty="0" smtClean="0"/>
-              <a:t>(</a:t>
-            </a:r>
-            <a:r>
-              <a:rPr lang="en-US" sz="2400" dirty="0" err="1" smtClean="0"/>
-              <a:t>BouncingPlatform</a:t>
-            </a:r>
-            <a:r>
-              <a:rPr lang="en-US" sz="2400" dirty="0" smtClean="0"/>
-              <a:t>) method. Similarly, we can provide a </a:t>
-            </a:r>
-            <a:r>
-              <a:rPr lang="en-US" sz="2400" dirty="0" err="1" smtClean="0"/>
-              <a:t>collideWith</a:t>
-            </a:r>
-            <a:r>
-              <a:rPr lang="en-US" sz="2400" dirty="0" smtClean="0"/>
-              <a:t>( </a:t>
-            </a:r>
-            <a:r>
-              <a:rPr lang="en-US" sz="2400" dirty="0" err="1" smtClean="0"/>
-              <a:t>UserControlledPlatform</a:t>
-            </a:r>
-            <a:r>
-              <a:rPr lang="en-US" sz="2400" dirty="0" smtClean="0"/>
-              <a:t>) method, this will allow us to put the code in the drop classes and make the processing MUCH cleaner as we will see.</a:t>
-            </a:r>
-            <a:endParaRPr lang="en-US" sz="2400" dirty="0"/>
-          </a:p>
-        </p:txBody>
-      </p:sp>
-    </p:spTree>
-    <p:extLst>
-      <p:ext uri="{BB962C8B-B14F-4D97-AF65-F5344CB8AC3E}">
-        <p14:creationId xmlns:p14="http://schemas.microsoft.com/office/powerpoint/2010/main" val="286113809"/>
-      </p:ext>
-    </p:extLst>
-  </p:cSld>
-  <p:clrMapOvr>
-    <a:masterClrMapping/>
-  </p:clrMapOvr>
-</p:sld>
-</file>
-
-<file path=ppt/slides/slide11.xml><?xml version="1.0" encoding="utf-8"?>
-<p:sld xmlns:a="http://schemas.openxmlformats.org/drawingml/2006/main" xmlns:r="http://schemas.openxmlformats.org/officeDocument/2006/relationships" xmlns:p="http://schemas.openxmlformats.org/presentationml/2006/main">
-  <p:cSld>
-    <p:spTree>
-      <p:nvGrpSpPr>
-        <p:cNvPr id="1" name=""/>
-        <p:cNvGrpSpPr/>
-        <p:nvPr/>
-      </p:nvGrpSpPr>
-      <p:grpSpPr>
-        <a:xfrm>
-          <a:off x="0" y="0"/>
-          <a:ext cx="0" cy="0"/>
-          <a:chOff x="0" y="0"/>
-          <a:chExt cx="0" cy="0"/>
-        </a:xfrm>
-      </p:grpSpPr>
-      <p:sp>
-        <p:nvSpPr>
-          <p:cNvPr id="2" name="Title 1"/>
-          <p:cNvSpPr>
-            <a:spLocks noGrp="1"/>
-          </p:cNvSpPr>
-          <p:nvPr>
-            <p:ph type="title"/>
-          </p:nvPr>
-        </p:nvSpPr>
-        <p:spPr/>
-        <p:txBody>
-          <a:bodyPr/>
-          <a:lstStyle/>
-          <a:p>
-            <a:r>
-              <a:rPr lang="en-US" dirty="0" smtClean="0"/>
-              <a:t>Live-coding</a:t>
-            </a:r>
-            <a:endParaRPr lang="en-US" dirty="0"/>
-          </a:p>
-        </p:txBody>
-      </p:sp>
-      <p:sp>
-        <p:nvSpPr>
-          <p:cNvPr id="3" name="Content Placeholder 2"/>
-          <p:cNvSpPr>
-            <a:spLocks noGrp="1"/>
-          </p:cNvSpPr>
-          <p:nvPr>
-            <p:ph idx="1"/>
-          </p:nvPr>
-        </p:nvSpPr>
-        <p:spPr/>
-        <p:txBody>
-          <a:bodyPr/>
-          <a:lstStyle/>
-          <a:p>
-            <a:endParaRPr lang="en-US"/>
-          </a:p>
-        </p:txBody>
-      </p:sp>
-    </p:spTree>
-    <p:extLst>
-      <p:ext uri="{BB962C8B-B14F-4D97-AF65-F5344CB8AC3E}">
-        <p14:creationId xmlns:p14="http://schemas.microsoft.com/office/powerpoint/2010/main" val="714179036"/>
-      </p:ext>
-    </p:extLst>
-  </p:cSld>
-  <p:clrMapOvr>
-    <a:masterClrMapping/>
-  </p:clrMapOvr>
-</p:sld>
-</file>
-
-<file path=ppt/slides/slide12.xml><?xml version="1.0" encoding="utf-8"?>
-<p:sld xmlns:a="http://schemas.openxmlformats.org/drawingml/2006/main" xmlns:r="http://schemas.openxmlformats.org/officeDocument/2006/relationships" xmlns:p="http://schemas.openxmlformats.org/presentationml/2006/main">
-  <p:cSld>
-    <p:spTree>
-      <p:nvGrpSpPr>
-        <p:cNvPr id="1" name=""/>
-        <p:cNvGrpSpPr/>
-        <p:nvPr/>
-      </p:nvGrpSpPr>
-      <p:grpSpPr>
-        <a:xfrm>
-          <a:off x="0" y="0"/>
-          <a:ext cx="0" cy="0"/>
-          <a:chOff x="0" y="0"/>
-          <a:chExt cx="0" cy="0"/>
-        </a:xfrm>
-      </p:grpSpPr>
-      <p:sp>
-        <p:nvSpPr>
-          <p:cNvPr id="2" name="Title 1"/>
-          <p:cNvSpPr>
-            <a:spLocks noGrp="1"/>
-          </p:cNvSpPr>
-          <p:nvPr>
-            <p:ph type="title"/>
-          </p:nvPr>
-        </p:nvSpPr>
-        <p:spPr/>
-        <p:txBody>
-          <a:bodyPr/>
-          <a:lstStyle/>
-          <a:p>
-            <a:r>
-              <a:rPr lang="en-US" dirty="0" smtClean="0"/>
-              <a:t>Design Activity</a:t>
-            </a:r>
-            <a:endParaRPr lang="en-US" dirty="0"/>
-          </a:p>
-        </p:txBody>
-      </p:sp>
-      <p:sp>
-        <p:nvSpPr>
-          <p:cNvPr id="3" name="Content Placeholder 2"/>
-          <p:cNvSpPr>
-            <a:spLocks noGrp="1"/>
-          </p:cNvSpPr>
-          <p:nvPr>
-            <p:ph idx="1"/>
-          </p:nvPr>
-        </p:nvSpPr>
-        <p:spPr/>
-        <p:txBody>
-          <a:bodyPr/>
-          <a:lstStyle/>
-          <a:p>
-            <a:r>
-              <a:rPr lang="en-US" dirty="0" smtClean="0"/>
-              <a:t>Hand out </a:t>
-            </a:r>
-            <a:endParaRPr lang="en-US" dirty="0"/>
-          </a:p>
-        </p:txBody>
-      </p:sp>
-    </p:spTree>
-    <p:extLst>
-      <p:ext uri="{BB962C8B-B14F-4D97-AF65-F5344CB8AC3E}">
-        <p14:creationId xmlns:p14="http://schemas.microsoft.com/office/powerpoint/2010/main" val="3038993397"/>
-      </p:ext>
-    </p:extLst>
-  </p:cSld>
-  <p:clrMapOvr>
-    <a:masterClrMapping/>
-  </p:clrMapOvr>
-</p:sld>
-</file>
-
-<file path=ppt/slides/slide13.xml><?xml version="1.0" encoding="utf-8"?>
-<p:sld xmlns:a="http://schemas.openxmlformats.org/drawingml/2006/main" xmlns:r="http://schemas.openxmlformats.org/officeDocument/2006/relationships" xmlns:p="http://schemas.openxmlformats.org/presentationml/2006/main">
-  <p:cSld>
-    <p:spTree>
-      <p:nvGrpSpPr>
-        <p:cNvPr id="1" name=""/>
-        <p:cNvGrpSpPr/>
-        <p:nvPr/>
-      </p:nvGrpSpPr>
-      <p:grpSpPr>
-        <a:xfrm>
-          <a:off x="0" y="0"/>
-          <a:ext cx="0" cy="0"/>
-          <a:chOff x="0" y="0"/>
-          <a:chExt cx="0" cy="0"/>
-        </a:xfrm>
-      </p:grpSpPr>
-      <p:sp>
-        <p:nvSpPr>
-          <p:cNvPr id="3" name="Content Placeholder 2"/>
-          <p:cNvSpPr>
-            <a:spLocks noGrp="1"/>
-          </p:cNvSpPr>
-          <p:nvPr>
-            <p:ph idx="1"/>
-          </p:nvPr>
-        </p:nvSpPr>
-        <p:spPr>
-          <a:xfrm>
-            <a:off x="152400" y="533400"/>
-            <a:ext cx="8686800" cy="2133600"/>
-          </a:xfrm>
-        </p:spPr>
-        <p:txBody>
-          <a:bodyPr>
-            <a:normAutofit fontScale="85000" lnSpcReduction="20000"/>
-          </a:bodyPr>
-          <a:lstStyle/>
-          <a:p>
-            <a:pPr marL="0" indent="0">
-              <a:buNone/>
-            </a:pPr>
-            <a:r>
-              <a:rPr lang="en-US" dirty="0" smtClean="0"/>
-              <a:t>In </a:t>
-            </a:r>
-            <a:r>
-              <a:rPr lang="en-US" dirty="0"/>
-              <a:t>the </a:t>
-            </a:r>
-            <a:r>
-              <a:rPr lang="en-US" dirty="0" smtClean="0"/>
-              <a:t>game </a:t>
-            </a:r>
-            <a:r>
-              <a:rPr lang="en-US" dirty="0" err="1"/>
-              <a:t>Bomberman</a:t>
-            </a:r>
-            <a:r>
-              <a:rPr lang="en-US" dirty="0"/>
-              <a:t>, everything has special behavior if caught in a bomb explosion.  </a:t>
-            </a:r>
-            <a:r>
-              <a:rPr lang="en-US" dirty="0" smtClean="0"/>
-              <a:t>Heroes </a:t>
-            </a:r>
-            <a:r>
-              <a:rPr lang="en-US" dirty="0"/>
-              <a:t>die and restart the level, monsters are killed and score points, walls are destroyed, and bombs explode themselves.  In the design below, the Bomb class has an </a:t>
-            </a:r>
-            <a:r>
-              <a:rPr lang="en-US" dirty="0" err="1"/>
-              <a:t>onExplosion</a:t>
-            </a:r>
-            <a:r>
-              <a:rPr lang="en-US" dirty="0"/>
-              <a:t> method which handles this behavior and (you can assume) works correctly</a:t>
-            </a:r>
-            <a:r>
-              <a:rPr lang="en-US" dirty="0" smtClean="0"/>
-              <a:t>.</a:t>
-            </a:r>
-            <a:endParaRPr lang="en-US" dirty="0"/>
-          </a:p>
-        </p:txBody>
-      </p:sp>
-      <p:pic>
-        <p:nvPicPr>
-          <p:cNvPr id="2" name="Picture 1"/>
-          <p:cNvPicPr>
-            <a:picLocks noChangeAspect="1"/>
-          </p:cNvPicPr>
-          <p:nvPr/>
-        </p:nvPicPr>
-        <p:blipFill>
-          <a:blip r:embed="rId2"/>
-          <a:stretch>
-            <a:fillRect/>
-          </a:stretch>
-        </p:blipFill>
-        <p:spPr>
-          <a:xfrm>
-            <a:off x="533400" y="2667000"/>
-            <a:ext cx="8153400" cy="4072274"/>
-          </a:xfrm>
-          <a:prstGeom prst="rect">
-            <a:avLst/>
-          </a:prstGeom>
-        </p:spPr>
-      </p:pic>
-    </p:spTree>
-    <p:extLst>
-      <p:ext uri="{BB962C8B-B14F-4D97-AF65-F5344CB8AC3E}">
-        <p14:creationId xmlns:p14="http://schemas.microsoft.com/office/powerpoint/2010/main" val="862967812"/>
-      </p:ext>
-    </p:extLst>
-  </p:cSld>
-  <p:clrMapOvr>
-    <a:masterClrMapping/>
-  </p:clrMapOvr>
-</p:sld>
-</file>
-
-<file path=ppt/slides/slide14.xml><?xml version="1.0" encoding="utf-8"?>
-<p:sld xmlns:a="http://schemas.openxmlformats.org/drawingml/2006/main" xmlns:r="http://schemas.openxmlformats.org/officeDocument/2006/relationships" xmlns:p="http://schemas.openxmlformats.org/presentationml/2006/main">
-  <p:cSld>
-    <p:spTree>
-      <p:nvGrpSpPr>
-        <p:cNvPr id="1" name=""/>
-        <p:cNvGrpSpPr/>
-        <p:nvPr/>
-      </p:nvGrpSpPr>
-      <p:grpSpPr>
-        <a:xfrm>
-          <a:off x="0" y="0"/>
-          <a:ext cx="0" cy="0"/>
-          <a:chOff x="0" y="0"/>
-          <a:chExt cx="0" cy="0"/>
-        </a:xfrm>
-      </p:grpSpPr>
-      <p:sp>
-        <p:nvSpPr>
-          <p:cNvPr id="2" name="Title 1"/>
-          <p:cNvSpPr>
-            <a:spLocks noGrp="1"/>
-          </p:cNvSpPr>
-          <p:nvPr>
-            <p:ph type="title"/>
-          </p:nvPr>
-        </p:nvSpPr>
-        <p:spPr/>
-        <p:txBody>
-          <a:bodyPr/>
-          <a:lstStyle/>
-          <a:p>
-            <a:r>
-              <a:rPr lang="en-US" dirty="0" smtClean="0"/>
-              <a:t>Collision Code</a:t>
-            </a:r>
-            <a:endParaRPr lang="en-US" dirty="0"/>
-          </a:p>
-        </p:txBody>
-      </p:sp>
-      <p:sp>
-        <p:nvSpPr>
-          <p:cNvPr id="3" name="Content Placeholder 2"/>
-          <p:cNvSpPr>
-            <a:spLocks noGrp="1"/>
-          </p:cNvSpPr>
-          <p:nvPr>
-            <p:ph idx="1"/>
-          </p:nvPr>
-        </p:nvSpPr>
-        <p:spPr>
-          <a:xfrm>
-            <a:off x="457200" y="1177410"/>
-            <a:ext cx="8229600" cy="4525963"/>
-          </a:xfrm>
-        </p:spPr>
-        <p:txBody>
-          <a:bodyPr>
-            <a:normAutofit fontScale="85000" lnSpcReduction="20000"/>
-          </a:bodyPr>
-          <a:lstStyle/>
-          <a:p>
-            <a:pPr marL="0" indent="0">
-              <a:buNone/>
-            </a:pPr>
-            <a:r>
-              <a:rPr lang="en-US" dirty="0"/>
-              <a:t>for(</a:t>
-            </a:r>
-            <a:r>
-              <a:rPr lang="en-US" dirty="0" err="1"/>
-              <a:t>GameObject</a:t>
-            </a:r>
-            <a:r>
-              <a:rPr lang="en-US" dirty="0"/>
-              <a:t> g : </a:t>
-            </a:r>
-            <a:r>
-              <a:rPr lang="en-US" dirty="0" err="1"/>
-              <a:t>getObjectsWithinBombExplosion</a:t>
-            </a:r>
-            <a:r>
-              <a:rPr lang="en-US" dirty="0"/>
-              <a:t>()) {</a:t>
-            </a:r>
-          </a:p>
-          <a:p>
-            <a:pPr marL="0" indent="0">
-              <a:buNone/>
-            </a:pPr>
-            <a:r>
-              <a:rPr lang="en-US" dirty="0"/>
-              <a:t/>
-            </a:r>
-            <a:br>
-              <a:rPr lang="en-US" dirty="0"/>
-            </a:br>
-            <a:r>
-              <a:rPr lang="en-US" dirty="0"/>
-              <a:t>if(g </a:t>
-            </a:r>
-            <a:r>
-              <a:rPr lang="en-US" dirty="0" err="1"/>
-              <a:t>instanceof</a:t>
-            </a:r>
-            <a:r>
-              <a:rPr lang="en-US" dirty="0"/>
-              <a:t> Bomb) {</a:t>
-            </a:r>
-          </a:p>
-          <a:p>
-            <a:pPr marL="0" indent="0">
-              <a:buNone/>
-            </a:pPr>
-            <a:r>
-              <a:rPr lang="en-US" dirty="0"/>
-              <a:t>    // bomb specific code</a:t>
-            </a:r>
-          </a:p>
-          <a:p>
-            <a:pPr marL="0" indent="0">
-              <a:buNone/>
-            </a:pPr>
-            <a:r>
-              <a:rPr lang="en-US" dirty="0"/>
-              <a:t>}</a:t>
-            </a:r>
-          </a:p>
-          <a:p>
-            <a:pPr marL="0" indent="0">
-              <a:buNone/>
-            </a:pPr>
-            <a:r>
-              <a:rPr lang="en-US" dirty="0"/>
-              <a:t>if(g </a:t>
-            </a:r>
-            <a:r>
-              <a:rPr lang="en-US" dirty="0" err="1"/>
-              <a:t>instanceof</a:t>
-            </a:r>
-            <a:r>
-              <a:rPr lang="en-US" dirty="0"/>
-              <a:t> Wall) {</a:t>
-            </a:r>
-          </a:p>
-          <a:p>
-            <a:pPr marL="0" indent="0">
-              <a:buNone/>
-            </a:pPr>
-            <a:r>
-              <a:rPr lang="en-US" dirty="0"/>
-              <a:t>    //wall specific code</a:t>
-            </a:r>
-          </a:p>
-          <a:p>
-            <a:pPr marL="0" indent="0">
-              <a:buNone/>
-            </a:pPr>
-            <a:r>
-              <a:rPr lang="en-US" dirty="0"/>
-              <a:t>}</a:t>
-            </a:r>
-          </a:p>
-          <a:p>
-            <a:pPr marL="0" indent="0">
-              <a:buNone/>
-            </a:pPr>
-            <a:r>
-              <a:rPr lang="en-US" dirty="0"/>
-              <a:t>//pattern continues...</a:t>
-            </a:r>
-          </a:p>
-          <a:p>
-            <a:pPr marL="0" indent="0">
-              <a:buNone/>
-            </a:pPr>
-            <a:r>
-              <a:rPr lang="en-US" dirty="0" smtClean="0"/>
-              <a:t>}</a:t>
-            </a:r>
-            <a:r>
-              <a:rPr lang="en-US" dirty="0"/>
-              <a:t/>
-            </a:r>
-            <a:br>
-              <a:rPr lang="en-US" dirty="0"/>
-            </a:br>
-            <a:endParaRPr lang="en-US" dirty="0"/>
-          </a:p>
-        </p:txBody>
-      </p:sp>
-      <p:sp>
-        <p:nvSpPr>
-          <p:cNvPr id="5" name="TextBox 4"/>
-          <p:cNvSpPr txBox="1"/>
-          <p:nvPr/>
-        </p:nvSpPr>
-        <p:spPr>
-          <a:xfrm>
-            <a:off x="457200" y="5317436"/>
-            <a:ext cx="8458200" cy="1754326"/>
-          </a:xfrm>
-          <a:prstGeom prst="rect">
-            <a:avLst/>
-          </a:prstGeom>
-          <a:noFill/>
-        </p:spPr>
-        <p:txBody>
-          <a:bodyPr wrap="square" rtlCol="0">
-            <a:spAutoFit/>
-          </a:bodyPr>
-          <a:lstStyle/>
-          <a:p>
-            <a:r>
-              <a:rPr lang="en-US" dirty="0" smtClean="0"/>
-              <a:t>1</a:t>
-            </a:r>
-            <a:r>
-              <a:rPr lang="en-US" dirty="0"/>
-              <a:t>. What is wrong with the design?</a:t>
-            </a:r>
-          </a:p>
-          <a:p>
-            <a:r>
-              <a:rPr lang="en-US" dirty="0"/>
-              <a:t>2. Propose a new design that does not have the problem you identified in #1.  You only need include in your UML diagram classes that are *different* from their version in the given diagram</a:t>
-            </a:r>
-            <a:r>
-              <a:rPr lang="en-US" dirty="0" smtClean="0"/>
-              <a:t>.</a:t>
-            </a:r>
-            <a:r>
-              <a:rPr lang="en-US" dirty="0"/>
-              <a:t/>
-            </a:r>
-            <a:br>
-              <a:rPr lang="en-US" dirty="0"/>
-            </a:br>
-            <a:r>
-              <a:rPr lang="en-US" dirty="0"/>
-              <a:t>Also include a sample for what the analogous code on </a:t>
-            </a:r>
-            <a:r>
-              <a:rPr lang="en-US" dirty="0" err="1"/>
-              <a:t>onExplosion</a:t>
-            </a:r>
-            <a:r>
-              <a:rPr lang="en-US" dirty="0"/>
-              <a:t> looks like</a:t>
-            </a:r>
-            <a:endParaRPr lang="en-US" dirty="0" smtClean="0"/>
-          </a:p>
-          <a:p>
-            <a:endParaRPr lang="en-US" dirty="0"/>
-          </a:p>
-        </p:txBody>
-      </p:sp>
-      <p:pic>
-        <p:nvPicPr>
-          <p:cNvPr id="6" name="Picture 5"/>
-          <p:cNvPicPr>
-            <a:picLocks noChangeAspect="1"/>
-          </p:cNvPicPr>
-          <p:nvPr/>
-        </p:nvPicPr>
-        <p:blipFill>
-          <a:blip r:embed="rId3"/>
-          <a:stretch>
-            <a:fillRect/>
-          </a:stretch>
-        </p:blipFill>
-        <p:spPr>
-          <a:xfrm>
-            <a:off x="3845457" y="2590800"/>
-            <a:ext cx="5149091" cy="2571750"/>
-          </a:xfrm>
-          <a:prstGeom prst="rect">
-            <a:avLst/>
-          </a:prstGeom>
-        </p:spPr>
-      </p:pic>
-    </p:spTree>
-    <p:extLst>
-      <p:ext uri="{BB962C8B-B14F-4D97-AF65-F5344CB8AC3E}">
-        <p14:creationId xmlns:p14="http://schemas.microsoft.com/office/powerpoint/2010/main" val="2717704157"/>
-      </p:ext>
-    </p:extLst>
-  </p:cSld>
-  <p:clrMapOvr>
-    <a:masterClrMapping/>
-  </p:clrMapOvr>
-</p:sld>
-</file>
-
-<file path=ppt/slides/slide15.xml><?xml version="1.0" encoding="utf-8"?>
-<p:sld xmlns:a="http://schemas.openxmlformats.org/drawingml/2006/main" xmlns:r="http://schemas.openxmlformats.org/officeDocument/2006/relationships" xmlns:p="http://schemas.openxmlformats.org/presentationml/2006/main" show="0">
-  <p:cSld>
-    <p:spTree>
-      <p:nvGrpSpPr>
-        <p:cNvPr id="1" name=""/>
-        <p:cNvGrpSpPr/>
-        <p:nvPr/>
-      </p:nvGrpSpPr>
-      <p:grpSpPr>
-        <a:xfrm>
-          <a:off x="0" y="0"/>
-          <a:ext cx="0" cy="0"/>
-          <a:chOff x="0" y="0"/>
-          <a:chExt cx="0" cy="0"/>
-        </a:xfrm>
-      </p:grpSpPr>
-      <p:sp>
-        <p:nvSpPr>
-          <p:cNvPr id="2" name="Title 1"/>
-          <p:cNvSpPr>
-            <a:spLocks noGrp="1"/>
-          </p:cNvSpPr>
-          <p:nvPr>
-            <p:ph type="title"/>
-          </p:nvPr>
-        </p:nvSpPr>
-        <p:spPr/>
-        <p:txBody>
-          <a:bodyPr/>
-          <a:lstStyle/>
-          <a:p>
-            <a:r>
-              <a:rPr lang="en-US" dirty="0" smtClean="0"/>
-              <a:t>A Solution</a:t>
-            </a:r>
-            <a:endParaRPr lang="en-US" dirty="0"/>
-          </a:p>
-        </p:txBody>
-      </p:sp>
-      <p:sp>
-        <p:nvSpPr>
-          <p:cNvPr id="3" name="Content Placeholder 2"/>
-          <p:cNvSpPr>
-            <a:spLocks noGrp="1"/>
-          </p:cNvSpPr>
-          <p:nvPr>
-            <p:ph idx="1"/>
-          </p:nvPr>
-        </p:nvSpPr>
-        <p:spPr/>
-        <p:txBody>
-          <a:bodyPr/>
-          <a:lstStyle/>
-          <a:p>
-            <a:endParaRPr lang="en-US"/>
-          </a:p>
-        </p:txBody>
-      </p:sp>
-      <p:pic>
-        <p:nvPicPr>
-          <p:cNvPr id="4" name="Picture 3"/>
-          <p:cNvPicPr>
-            <a:picLocks noChangeAspect="1"/>
-          </p:cNvPicPr>
-          <p:nvPr/>
-        </p:nvPicPr>
-        <p:blipFill>
-          <a:blip r:embed="rId2"/>
-          <a:stretch>
-            <a:fillRect/>
-          </a:stretch>
-        </p:blipFill>
-        <p:spPr>
-          <a:xfrm>
-            <a:off x="403905" y="1506538"/>
-            <a:ext cx="8372475" cy="4619625"/>
-          </a:xfrm>
-          <a:prstGeom prst="rect">
-            <a:avLst/>
-          </a:prstGeom>
-        </p:spPr>
-      </p:pic>
-    </p:spTree>
-    <p:extLst>
-      <p:ext uri="{BB962C8B-B14F-4D97-AF65-F5344CB8AC3E}">
-        <p14:creationId xmlns:p14="http://schemas.microsoft.com/office/powerpoint/2010/main" val="2927449891"/>
-      </p:ext>
-    </p:extLst>
-  </p:cSld>
-  <p:clrMapOvr>
-    <a:masterClrMapping/>
-  </p:clrMapOvr>
-  <mc:AlternateContent xmlns:mc="http://schemas.openxmlformats.org/markup-compatibility/2006">
-    <mc:Choice xmlns:p14="http://schemas.microsoft.com/office/powerpoint/2010/main" Requires="p14">
-      <p:transition spd="slow" p14:dur="2000"/>
-    </mc:Choice>
-    <mc:Fallback>
-      <p:transition spd="slow"/>
-    </mc:Fallback>
-  </mc:AlternateContent>
-</p:sld>
-</file>
-
-<file path=ppt/slides/slide16.xml><?xml version="1.0" encoding="utf-8"?>
-<p:sld xmlns:a="http://schemas.openxmlformats.org/drawingml/2006/main" xmlns:r="http://schemas.openxmlformats.org/officeDocument/2006/relationships" xmlns:p="http://schemas.openxmlformats.org/presentationml/2006/main" show="0">
-  <p:cSld>
-    <p:spTree>
-      <p:nvGrpSpPr>
-        <p:cNvPr id="1" name=""/>
-        <p:cNvGrpSpPr/>
-        <p:nvPr/>
-      </p:nvGrpSpPr>
-      <p:grpSpPr>
-        <a:xfrm>
-          <a:off x="0" y="0"/>
-          <a:ext cx="0" cy="0"/>
-          <a:chOff x="0" y="0"/>
-          <a:chExt cx="0" cy="0"/>
-        </a:xfrm>
-      </p:grpSpPr>
-      <p:sp>
-        <p:nvSpPr>
-          <p:cNvPr id="3" name="Content Placeholder 2"/>
-          <p:cNvSpPr>
-            <a:spLocks noGrp="1"/>
-          </p:cNvSpPr>
-          <p:nvPr>
-            <p:ph idx="1"/>
-          </p:nvPr>
-        </p:nvSpPr>
-        <p:spPr>
-          <a:xfrm>
-            <a:off x="457200" y="4313237"/>
-            <a:ext cx="8229600" cy="2544763"/>
-          </a:xfrm>
-        </p:spPr>
-        <p:txBody>
-          <a:bodyPr>
-            <a:normAutofit fontScale="55000" lnSpcReduction="20000"/>
-          </a:bodyPr>
-          <a:lstStyle/>
-          <a:p>
-            <a:pPr marL="0" indent="0">
-              <a:buNone/>
-            </a:pPr>
-            <a:r>
-              <a:rPr lang="en-US" dirty="0"/>
-              <a:t>Each subclass will process the effects of a collision inside of the </a:t>
-            </a:r>
-            <a:r>
-              <a:rPr lang="en-US" dirty="0" err="1"/>
-              <a:t>collideWithExplodingBomb</a:t>
-            </a:r>
-            <a:r>
-              <a:rPr lang="en-US" dirty="0"/>
-              <a:t> method. No </a:t>
-            </a:r>
-            <a:r>
-              <a:rPr lang="en-US" dirty="0" err="1"/>
-              <a:t>instanceof</a:t>
-            </a:r>
-            <a:r>
-              <a:rPr lang="en-US" dirty="0"/>
-              <a:t> is required. Additionally, the code to handle collisions can be </a:t>
-            </a:r>
-            <a:r>
-              <a:rPr lang="en-US" dirty="0" smtClean="0"/>
-              <a:t>done inside </a:t>
-            </a:r>
-            <a:r>
-              <a:rPr lang="en-US" dirty="0" err="1" smtClean="0"/>
-              <a:t>onExplosion</a:t>
-            </a:r>
-            <a:r>
-              <a:rPr lang="en-US" dirty="0" smtClean="0"/>
-              <a:t> as before:</a:t>
-            </a:r>
-            <a:endParaRPr lang="en-US" dirty="0"/>
-          </a:p>
-          <a:p>
-            <a:pPr marL="0" indent="0">
-              <a:buNone/>
-            </a:pPr>
-            <a:r>
-              <a:rPr lang="en-US" dirty="0"/>
-              <a:t/>
-            </a:r>
-            <a:br>
-              <a:rPr lang="en-US" dirty="0"/>
-            </a:br>
-            <a:r>
-              <a:rPr lang="en-US" dirty="0" smtClean="0"/>
-              <a:t>for(</a:t>
-            </a:r>
-            <a:r>
-              <a:rPr lang="en-US" dirty="0" err="1" smtClean="0"/>
-              <a:t>GameObject</a:t>
-            </a:r>
-            <a:r>
-              <a:rPr lang="en-US" dirty="0" smtClean="0"/>
-              <a:t> </a:t>
-            </a:r>
-            <a:r>
-              <a:rPr lang="en-US" dirty="0"/>
-              <a:t>g : </a:t>
-            </a:r>
-            <a:r>
-              <a:rPr lang="en-US" dirty="0" err="1"/>
-              <a:t>getObjectsWithinBombExplosion</a:t>
-            </a:r>
-            <a:r>
-              <a:rPr lang="en-US" dirty="0"/>
-              <a:t>()) {</a:t>
-            </a:r>
-            <a:endParaRPr lang="en-US" dirty="0"/>
-          </a:p>
-          <a:p>
-            <a:pPr marL="0" indent="0">
-              <a:buNone/>
-            </a:pPr>
-            <a:r>
-              <a:rPr lang="en-US" dirty="0" smtClean="0"/>
-              <a:t>	</a:t>
-            </a:r>
-            <a:r>
-              <a:rPr lang="en-US" dirty="0" err="1" smtClean="0"/>
-              <a:t>g.collideWithExplodingBomb</a:t>
-            </a:r>
-            <a:r>
-              <a:rPr lang="en-US" dirty="0" smtClean="0"/>
-              <a:t>(this</a:t>
-            </a:r>
-            <a:r>
-              <a:rPr lang="en-US" dirty="0"/>
-              <a:t>);</a:t>
-            </a:r>
-            <a:endParaRPr lang="en-US" dirty="0"/>
-          </a:p>
-          <a:p>
-            <a:pPr marL="0" indent="0">
-              <a:buNone/>
-            </a:pPr>
-            <a:r>
-              <a:rPr lang="en-US" dirty="0"/>
-              <a:t>}</a:t>
-            </a:r>
-            <a:endParaRPr lang="en-US" dirty="0"/>
-          </a:p>
-          <a:p>
-            <a:pPr marL="0" indent="0">
-              <a:buNone/>
-            </a:pPr>
-            <a:r>
-              <a:rPr lang="en-US" dirty="0"/>
-              <a:t/>
-            </a:r>
-            <a:br>
-              <a:rPr lang="en-US" dirty="0"/>
-            </a:br>
-            <a:r>
-              <a:rPr lang="en-US" dirty="0"/>
-              <a:t>Each subclass will deal with handling the class specific effects of being hit by a </a:t>
-            </a:r>
-            <a:r>
-              <a:rPr lang="en-US" dirty="0" smtClean="0"/>
-              <a:t>bomb</a:t>
-            </a:r>
-            <a:endParaRPr lang="en-US" dirty="0"/>
-          </a:p>
-        </p:txBody>
-      </p:sp>
-      <p:pic>
-        <p:nvPicPr>
-          <p:cNvPr id="4" name="Picture 3"/>
-          <p:cNvPicPr>
-            <a:picLocks noChangeAspect="1"/>
-          </p:cNvPicPr>
-          <p:nvPr/>
-        </p:nvPicPr>
-        <p:blipFill>
-          <a:blip r:embed="rId2"/>
-          <a:stretch>
-            <a:fillRect/>
-          </a:stretch>
-        </p:blipFill>
-        <p:spPr>
-          <a:xfrm>
-            <a:off x="1143000" y="274638"/>
-            <a:ext cx="6553200" cy="3615816"/>
-          </a:xfrm>
-          <a:prstGeom prst="rect">
-            <a:avLst/>
-          </a:prstGeom>
-        </p:spPr>
-      </p:pic>
-    </p:spTree>
-    <p:extLst>
-      <p:ext uri="{BB962C8B-B14F-4D97-AF65-F5344CB8AC3E}">
-        <p14:creationId xmlns:p14="http://schemas.microsoft.com/office/powerpoint/2010/main" val="2739635398"/>
-      </p:ext>
-    </p:extLst>
-  </p:cSld>
-  <p:clrMapOvr>
-    <a:masterClrMapping/>
-  </p:clrMapOvr>
-  <mc:AlternateContent xmlns:mc="http://schemas.openxmlformats.org/markup-compatibility/2006">
-    <mc:Choice xmlns:p14="http://schemas.microsoft.com/office/powerpoint/2010/main" Requires="p14">
-      <p:transition spd="slow" p14:dur="2000"/>
-    </mc:Choice>
-    <mc:Fallback>
-      <p:transition spd="slow"/>
-    </mc:Fallback>
-  </mc:AlternateContent>
-</p:sld>
-</file>
-
-<file path=ppt/slides/slide17.xml><?xml version="1.0" encoding="utf-8"?>
-<p:sld xmlns:a="http://schemas.openxmlformats.org/drawingml/2006/main" xmlns:r="http://schemas.openxmlformats.org/officeDocument/2006/relationships" xmlns:p="http://schemas.openxmlformats.org/presentationml/2006/main">
-  <p:cSld>
-    <p:spTree>
-      <p:nvGrpSpPr>
-        <p:cNvPr id="1" name=""/>
-        <p:cNvGrpSpPr/>
-        <p:nvPr/>
-      </p:nvGrpSpPr>
-      <p:grpSpPr>
-        <a:xfrm>
-          <a:off x="0" y="0"/>
-          <a:ext cx="0" cy="0"/>
-          <a:chOff x="0" y="0"/>
-          <a:chExt cx="0" cy="0"/>
-        </a:xfrm>
-      </p:grpSpPr>
-      <p:sp>
-        <p:nvSpPr>
-          <p:cNvPr id="4" name="Title 3"/>
-          <p:cNvSpPr>
-            <a:spLocks noGrp="1"/>
-          </p:cNvSpPr>
-          <p:nvPr>
-            <p:ph type="title"/>
-          </p:nvPr>
-        </p:nvSpPr>
-        <p:spPr/>
-        <p:txBody>
-          <a:bodyPr/>
-          <a:lstStyle/>
-          <a:p>
-            <a:pPr>
-              <a:defRPr/>
-            </a:pPr>
-            <a:r>
-              <a:rPr lang="en-US" dirty="0" smtClean="0">
-                <a:ea typeface="+mj-ea"/>
-                <a:cs typeface="+mj-cs"/>
-              </a:rPr>
-              <a:t>Team Project</a:t>
-            </a:r>
-            <a:endParaRPr lang="en-US" dirty="0">
-              <a:ea typeface="+mj-ea"/>
-              <a:cs typeface="+mj-cs"/>
-            </a:endParaRPr>
-          </a:p>
-        </p:txBody>
-      </p:sp>
-      <p:sp>
-        <p:nvSpPr>
-          <p:cNvPr id="29699" name="Text Placeholder 4"/>
-          <p:cNvSpPr>
-            <a:spLocks noGrp="1"/>
-          </p:cNvSpPr>
-          <p:nvPr>
-            <p:ph type="body" idx="1"/>
-          </p:nvPr>
-        </p:nvSpPr>
-        <p:spPr/>
-        <p:txBody>
-          <a:bodyPr/>
-          <a:lstStyle/>
-          <a:p>
-            <a:r>
-              <a:rPr lang="en-US" dirty="0" smtClean="0"/>
-              <a:t>Work time</a:t>
-            </a:r>
-          </a:p>
-          <a:p>
-            <a:r>
-              <a:rPr lang="en-US" i="1" dirty="0" smtClean="0"/>
-              <a:t>Be sure everyone is getting a chance to drive.</a:t>
-            </a:r>
-          </a:p>
-        </p:txBody>
-      </p:sp>
-    </p:spTree>
-    <p:extLst>
-      <p:ext uri="{BB962C8B-B14F-4D97-AF65-F5344CB8AC3E}">
-        <p14:creationId xmlns:p14="http://schemas.microsoft.com/office/powerpoint/2010/main" val="2413903598"/>
-      </p:ext>
-    </p:extLst>
-  </p:cSld>
-  <p:clrMapOvr>
-    <a:masterClrMapping/>
-  </p:clrMapOvr>
-  <p:transition/>
-  <p:timing>
-    <p:tnLst>
-      <p:par>
-        <p:cTn id="1" dur="indefinite" restart="never" nodeType="tmRoot"/>
-      </p:par>
-    </p:tnLst>
-  </p:timing>
-</p:sld>
-</file>
-
-<file path=ppt/slides/slide18.xml><?xml version="1.0" encoding="utf-8"?>
-<p:sld xmlns:a="http://schemas.openxmlformats.org/drawingml/2006/main" xmlns:r="http://schemas.openxmlformats.org/officeDocument/2006/relationships" xmlns:p="http://schemas.openxmlformats.org/presentationml/2006/main">
-  <p:cSld>
-    <p:spTree>
-      <p:nvGrpSpPr>
-        <p:cNvPr id="1" name=""/>
-        <p:cNvGrpSpPr/>
-        <p:nvPr/>
-      </p:nvGrpSpPr>
-      <p:grpSpPr>
-        <a:xfrm>
-          <a:off x="0" y="0"/>
-          <a:ext cx="0" cy="0"/>
-          <a:chOff x="0" y="0"/>
-          <a:chExt cx="0" cy="0"/>
-        </a:xfrm>
-      </p:grpSpPr>
-      <p:sp>
-        <p:nvSpPr>
-          <p:cNvPr id="2" name="Title 1"/>
-          <p:cNvSpPr>
-            <a:spLocks noGrp="1"/>
-          </p:cNvSpPr>
-          <p:nvPr>
-            <p:ph type="title"/>
-          </p:nvPr>
-        </p:nvSpPr>
-        <p:spPr/>
-        <p:txBody>
-          <a:bodyPr/>
-          <a:lstStyle/>
-          <a:p>
-            <a:r>
-              <a:rPr lang="en-US" dirty="0" smtClean="0"/>
-              <a:t>Platforms and Drops</a:t>
-            </a:r>
-            <a:endParaRPr lang="en-US" dirty="0"/>
-          </a:p>
-        </p:txBody>
-      </p:sp>
-      <p:sp>
-        <p:nvSpPr>
-          <p:cNvPr id="3" name="Content Placeholder 2"/>
-          <p:cNvSpPr>
-            <a:spLocks noGrp="1"/>
-          </p:cNvSpPr>
-          <p:nvPr>
-            <p:ph idx="1"/>
-          </p:nvPr>
-        </p:nvSpPr>
-        <p:spPr>
-          <a:xfrm>
-            <a:off x="152400" y="1600200"/>
-            <a:ext cx="8534400" cy="4525963"/>
-          </a:xfrm>
-        </p:spPr>
-        <p:txBody>
-          <a:bodyPr/>
-          <a:lstStyle/>
-          <a:p>
-            <a:r>
-              <a:rPr lang="en-US" dirty="0" smtClean="0"/>
-              <a:t>What if we wanted Platforms to collide as well?</a:t>
-            </a:r>
-            <a:endParaRPr lang="en-US" dirty="0"/>
-          </a:p>
-        </p:txBody>
-      </p:sp>
       <p:graphicFrame>
         <p:nvGraphicFramePr>
           <p:cNvPr id="4" name="Table 3"/>
@@ -6083,7 +4913,7 @@
           <p:nvPr>
             <p:extLst>
               <p:ext uri="{D42A27DB-BD31-4B8C-83A1-F6EECF244321}">
-                <p14:modId xmlns:p14="http://schemas.microsoft.com/office/powerpoint/2010/main" val="4284010156"/>
+                <p14:modId xmlns:p14="http://schemas.microsoft.com/office/powerpoint/2010/main" val="1625645834"/>
               </p:ext>
             </p:extLst>
           </p:nvPr>
@@ -6238,10 +5068,6 @@
                     <a:bodyPr/>
                     <a:lstStyle/>
                     <a:p>
-                      <a:r>
-                        <a:rPr lang="en-US" sz="2400" dirty="0" smtClean="0"/>
-                        <a:t>X</a:t>
-                      </a:r>
                       <a:endParaRPr lang="en-US" sz="2400" dirty="0"/>
                     </a:p>
                   </a:txBody>
@@ -6301,25 +5127,17 @@
                     <a:bodyPr/>
                     <a:lstStyle/>
                     <a:p>
-                      <a:r>
-                        <a:rPr lang="en-US" sz="2400" dirty="0" smtClean="0"/>
-                        <a:t>X</a:t>
-                      </a:r>
-                      <a:endParaRPr lang="en-US" sz="2400" dirty="0"/>
-                    </a:p>
-                  </a:txBody>
-                  <a:tcPr marL="129683" marR="129683" marT="64842" marB="64842"/>
-                </a:tc>
-                <a:tc>
-                  <a:txBody>
-                    <a:bodyPr/>
-                    <a:lstStyle/>
-                    <a:p>
-                      <a:r>
-                        <a:rPr lang="en-US" sz="2400" dirty="0" smtClean="0"/>
-                        <a:t>X</a:t>
-                      </a:r>
-                      <a:endParaRPr lang="en-US" sz="2400" dirty="0"/>
+                      <a:endParaRPr lang="en-US" sz="2400"/>
+                    </a:p>
+                  </a:txBody>
+                  <a:tcPr marL="129683" marR="129683" marT="64842" marB="64842"/>
+                </a:tc>
+                <a:tc>
+                  <a:txBody>
+                    <a:bodyPr/>
+                    <a:lstStyle/>
+                    <a:p>
+                      <a:endParaRPr lang="en-US" sz="2400"/>
                     </a:p>
                   </a:txBody>
                   <a:tcPr marL="129683" marR="129683" marT="64842" marB="64842"/>
@@ -6500,16 +5318,1256 @@
           </a:graphicData>
         </a:graphic>
       </p:graphicFrame>
+      <p:sp>
+        <p:nvSpPr>
+          <p:cNvPr id="5" name="TextBox 4"/>
+          <p:cNvSpPr txBox="1"/>
+          <p:nvPr/>
+        </p:nvSpPr>
+        <p:spPr>
+          <a:xfrm>
+            <a:off x="347194" y="1417638"/>
+            <a:ext cx="8449612" cy="1569660"/>
+          </a:xfrm>
+          <a:prstGeom prst="rect">
+            <a:avLst/>
+          </a:prstGeom>
+          <a:noFill/>
+        </p:spPr>
+        <p:txBody>
+          <a:bodyPr wrap="square" rtlCol="0">
+            <a:spAutoFit/>
+          </a:bodyPr>
+          <a:lstStyle/>
+          <a:p>
+            <a:r>
+              <a:rPr lang="en-US" sz="2400" dirty="0" smtClean="0"/>
+              <a:t>When we have multiple objects which interact with the same object, we can use </a:t>
+            </a:r>
+            <a:r>
+              <a:rPr lang="en-US" sz="2400" b="1" i="1" dirty="0" smtClean="0"/>
+              <a:t>inheritance</a:t>
+            </a:r>
+            <a:r>
+              <a:rPr lang="en-US" sz="2400" dirty="0" smtClean="0"/>
+              <a:t> to help us make a design to deal with the collisions. We should have the classes which differ provide the functionality to deal with the collisions.</a:t>
+            </a:r>
+            <a:endParaRPr lang="en-US" sz="2400" dirty="0"/>
+          </a:p>
+        </p:txBody>
+      </p:sp>
     </p:spTree>
     <p:extLst>
       <p:ext uri="{BB962C8B-B14F-4D97-AF65-F5344CB8AC3E}">
-        <p14:creationId xmlns:p14="http://schemas.microsoft.com/office/powerpoint/2010/main" val="3617275525"/>
+        <p14:creationId xmlns:p14="http://schemas.microsoft.com/office/powerpoint/2010/main" val="680180803"/>
       </p:ext>
     </p:extLst>
   </p:cSld>
   <p:clrMapOvr>
     <a:masterClrMapping/>
   </p:clrMapOvr>
+  <p:timing>
+    <p:tnLst>
+      <p:par>
+        <p:cTn id="1" dur="indefinite" restart="never" nodeType="tmRoot"/>
+      </p:par>
+    </p:tnLst>
+  </p:timing>
+</p:sld>
+</file>
+
+<file path=ppt/slides/slide11.xml><?xml version="1.0" encoding="utf-8"?>
+<p:sld xmlns:a="http://schemas.openxmlformats.org/drawingml/2006/main" xmlns:r="http://schemas.openxmlformats.org/officeDocument/2006/relationships" xmlns:p="http://schemas.openxmlformats.org/presentationml/2006/main">
+  <p:cSld>
+    <p:spTree>
+      <p:nvGrpSpPr>
+        <p:cNvPr id="1" name=""/>
+        <p:cNvGrpSpPr/>
+        <p:nvPr/>
+      </p:nvGrpSpPr>
+      <p:grpSpPr>
+        <a:xfrm>
+          <a:off x="0" y="0"/>
+          <a:ext cx="0" cy="0"/>
+          <a:chOff x="0" y="0"/>
+          <a:chExt cx="0" cy="0"/>
+        </a:xfrm>
+      </p:grpSpPr>
+      <p:sp>
+        <p:nvSpPr>
+          <p:cNvPr id="2" name="Title 1"/>
+          <p:cNvSpPr>
+            <a:spLocks noGrp="1"/>
+          </p:cNvSpPr>
+          <p:nvPr>
+            <p:ph type="title"/>
+          </p:nvPr>
+        </p:nvSpPr>
+        <p:spPr/>
+        <p:txBody>
+          <a:bodyPr/>
+          <a:lstStyle/>
+          <a:p>
+            <a:r>
+              <a:rPr lang="en-US" dirty="0" smtClean="0"/>
+              <a:t>Collision Chart</a:t>
+            </a:r>
+            <a:endParaRPr lang="en-US" dirty="0"/>
+          </a:p>
+        </p:txBody>
+      </p:sp>
+      <p:sp>
+        <p:nvSpPr>
+          <p:cNvPr id="5" name="TextBox 4"/>
+          <p:cNvSpPr txBox="1"/>
+          <p:nvPr/>
+        </p:nvSpPr>
+        <p:spPr>
+          <a:xfrm>
+            <a:off x="347194" y="1417638"/>
+            <a:ext cx="8449612" cy="1569660"/>
+          </a:xfrm>
+          <a:prstGeom prst="rect">
+            <a:avLst/>
+          </a:prstGeom>
+          <a:noFill/>
+        </p:spPr>
+        <p:txBody>
+          <a:bodyPr wrap="square" rtlCol="0">
+            <a:spAutoFit/>
+          </a:bodyPr>
+          <a:lstStyle/>
+          <a:p>
+            <a:r>
+              <a:rPr lang="en-US" sz="2400" dirty="0" smtClean="0"/>
+              <a:t>When we have multiple objects which interact with the same object, we can use </a:t>
+            </a:r>
+            <a:r>
+              <a:rPr lang="en-US" sz="2400" b="1" i="1" dirty="0" smtClean="0"/>
+              <a:t>inheritance</a:t>
+            </a:r>
+            <a:r>
+              <a:rPr lang="en-US" sz="2400" dirty="0" smtClean="0"/>
+              <a:t> to help us make a design to deal with the collisions. We should have the classes which differ provide the functionality to deal with the collisions.</a:t>
+            </a:r>
+            <a:endParaRPr lang="en-US" sz="2400" dirty="0"/>
+          </a:p>
+        </p:txBody>
+      </p:sp>
+      <p:sp>
+        <p:nvSpPr>
+          <p:cNvPr id="6" name="TextBox 5"/>
+          <p:cNvSpPr txBox="1"/>
+          <p:nvPr/>
+        </p:nvSpPr>
+        <p:spPr>
+          <a:xfrm>
+            <a:off x="445168" y="3345468"/>
+            <a:ext cx="8449612" cy="2677656"/>
+          </a:xfrm>
+          <a:prstGeom prst="rect">
+            <a:avLst/>
+          </a:prstGeom>
+          <a:noFill/>
+        </p:spPr>
+        <p:txBody>
+          <a:bodyPr wrap="square" rtlCol="0">
+            <a:spAutoFit/>
+          </a:bodyPr>
+          <a:lstStyle/>
+          <a:p>
+            <a:r>
+              <a:rPr lang="en-US" sz="2400" dirty="0" smtClean="0"/>
+              <a:t>So in this case, the different drops (and </a:t>
+            </a:r>
+            <a:r>
+              <a:rPr lang="en-US" sz="2400" dirty="0" err="1" smtClean="0"/>
+              <a:t>InvincibilityDrop</a:t>
+            </a:r>
+            <a:r>
+              <a:rPr lang="en-US" sz="2400" dirty="0" smtClean="0"/>
+              <a:t>) differ in how they affect the platform. Thus, we can could create an </a:t>
+            </a:r>
+            <a:r>
+              <a:rPr lang="en-US" sz="2400" dirty="0"/>
+              <a:t>a</a:t>
+            </a:r>
+            <a:r>
+              <a:rPr lang="en-US" sz="2400" dirty="0" smtClean="0"/>
+              <a:t>bstract class and require an implementation of the </a:t>
+            </a:r>
+            <a:r>
+              <a:rPr lang="en-US" sz="2400" dirty="0" err="1" smtClean="0"/>
+              <a:t>collideWith</a:t>
+            </a:r>
+            <a:r>
+              <a:rPr lang="en-US" sz="2400" dirty="0" smtClean="0"/>
+              <a:t>(</a:t>
+            </a:r>
+            <a:r>
+              <a:rPr lang="en-US" sz="2400" dirty="0" err="1" smtClean="0"/>
+              <a:t>BouncingPlatform</a:t>
+            </a:r>
+            <a:r>
+              <a:rPr lang="en-US" sz="2400" dirty="0" smtClean="0"/>
+              <a:t>) method. Similarly, we can provide a </a:t>
+            </a:r>
+            <a:r>
+              <a:rPr lang="en-US" sz="2400" dirty="0" err="1" smtClean="0"/>
+              <a:t>collideWith</a:t>
+            </a:r>
+            <a:r>
+              <a:rPr lang="en-US" sz="2400" dirty="0" smtClean="0"/>
+              <a:t>( </a:t>
+            </a:r>
+            <a:r>
+              <a:rPr lang="en-US" sz="2400" dirty="0" err="1" smtClean="0"/>
+              <a:t>UserControlledPlatform</a:t>
+            </a:r>
+            <a:r>
+              <a:rPr lang="en-US" sz="2400" dirty="0" smtClean="0"/>
+              <a:t>) method, this will allow us to put the code in the drop classes and make the processing MUCH cleaner as we will see.</a:t>
+            </a:r>
+            <a:endParaRPr lang="en-US" sz="2400" dirty="0"/>
+          </a:p>
+        </p:txBody>
+      </p:sp>
+    </p:spTree>
+    <p:extLst>
+      <p:ext uri="{BB962C8B-B14F-4D97-AF65-F5344CB8AC3E}">
+        <p14:creationId xmlns:p14="http://schemas.microsoft.com/office/powerpoint/2010/main" val="286113809"/>
+      </p:ext>
+    </p:extLst>
+  </p:cSld>
+  <p:clrMapOvr>
+    <a:masterClrMapping/>
+  </p:clrMapOvr>
+  <p:timing>
+    <p:tnLst>
+      <p:par>
+        <p:cTn id="1" dur="indefinite" restart="never" nodeType="tmRoot"/>
+      </p:par>
+    </p:tnLst>
+  </p:timing>
+</p:sld>
+</file>
+
+<file path=ppt/slides/slide12.xml><?xml version="1.0" encoding="utf-8"?>
+<p:sld xmlns:a="http://schemas.openxmlformats.org/drawingml/2006/main" xmlns:r="http://schemas.openxmlformats.org/officeDocument/2006/relationships" xmlns:p="http://schemas.openxmlformats.org/presentationml/2006/main">
+  <p:cSld>
+    <p:spTree>
+      <p:nvGrpSpPr>
+        <p:cNvPr id="1" name=""/>
+        <p:cNvGrpSpPr/>
+        <p:nvPr/>
+      </p:nvGrpSpPr>
+      <p:grpSpPr>
+        <a:xfrm>
+          <a:off x="0" y="0"/>
+          <a:ext cx="0" cy="0"/>
+          <a:chOff x="0" y="0"/>
+          <a:chExt cx="0" cy="0"/>
+        </a:xfrm>
+      </p:grpSpPr>
+      <p:sp>
+        <p:nvSpPr>
+          <p:cNvPr id="2" name="Title 1"/>
+          <p:cNvSpPr>
+            <a:spLocks noGrp="1"/>
+          </p:cNvSpPr>
+          <p:nvPr>
+            <p:ph type="title"/>
+          </p:nvPr>
+        </p:nvSpPr>
+        <p:spPr/>
+        <p:txBody>
+          <a:bodyPr/>
+          <a:lstStyle/>
+          <a:p>
+            <a:r>
+              <a:rPr lang="en-US" dirty="0" smtClean="0"/>
+              <a:t>Live-coding</a:t>
+            </a:r>
+            <a:endParaRPr lang="en-US" dirty="0"/>
+          </a:p>
+        </p:txBody>
+      </p:sp>
+      <p:sp>
+        <p:nvSpPr>
+          <p:cNvPr id="3" name="Content Placeholder 2"/>
+          <p:cNvSpPr>
+            <a:spLocks noGrp="1"/>
+          </p:cNvSpPr>
+          <p:nvPr>
+            <p:ph idx="1"/>
+          </p:nvPr>
+        </p:nvSpPr>
+        <p:spPr/>
+        <p:txBody>
+          <a:bodyPr/>
+          <a:lstStyle/>
+          <a:p>
+            <a:endParaRPr lang="en-US"/>
+          </a:p>
+        </p:txBody>
+      </p:sp>
+    </p:spTree>
+    <p:extLst>
+      <p:ext uri="{BB962C8B-B14F-4D97-AF65-F5344CB8AC3E}">
+        <p14:creationId xmlns:p14="http://schemas.microsoft.com/office/powerpoint/2010/main" val="714179036"/>
+      </p:ext>
+    </p:extLst>
+  </p:cSld>
+  <p:clrMapOvr>
+    <a:masterClrMapping/>
+  </p:clrMapOvr>
+  <p:timing>
+    <p:tnLst>
+      <p:par>
+        <p:cTn id="1" dur="indefinite" restart="never" nodeType="tmRoot"/>
+      </p:par>
+    </p:tnLst>
+  </p:timing>
+</p:sld>
+</file>
+
+<file path=ppt/slides/slide13.xml><?xml version="1.0" encoding="utf-8"?>
+<p:sld xmlns:a="http://schemas.openxmlformats.org/drawingml/2006/main" xmlns:r="http://schemas.openxmlformats.org/officeDocument/2006/relationships" xmlns:p="http://schemas.openxmlformats.org/presentationml/2006/main">
+  <p:cSld>
+    <p:spTree>
+      <p:nvGrpSpPr>
+        <p:cNvPr id="1" name=""/>
+        <p:cNvGrpSpPr/>
+        <p:nvPr/>
+      </p:nvGrpSpPr>
+      <p:grpSpPr>
+        <a:xfrm>
+          <a:off x="0" y="0"/>
+          <a:ext cx="0" cy="0"/>
+          <a:chOff x="0" y="0"/>
+          <a:chExt cx="0" cy="0"/>
+        </a:xfrm>
+      </p:grpSpPr>
+      <p:sp>
+        <p:nvSpPr>
+          <p:cNvPr id="2" name="Title 1"/>
+          <p:cNvSpPr>
+            <a:spLocks noGrp="1"/>
+          </p:cNvSpPr>
+          <p:nvPr>
+            <p:ph type="title"/>
+          </p:nvPr>
+        </p:nvSpPr>
+        <p:spPr/>
+        <p:txBody>
+          <a:bodyPr/>
+          <a:lstStyle/>
+          <a:p>
+            <a:r>
+              <a:rPr lang="en-US" dirty="0" smtClean="0"/>
+              <a:t>Design Activity</a:t>
+            </a:r>
+            <a:endParaRPr lang="en-US" dirty="0"/>
+          </a:p>
+        </p:txBody>
+      </p:sp>
+      <p:sp>
+        <p:nvSpPr>
+          <p:cNvPr id="3" name="Content Placeholder 2"/>
+          <p:cNvSpPr>
+            <a:spLocks noGrp="1"/>
+          </p:cNvSpPr>
+          <p:nvPr>
+            <p:ph idx="1"/>
+          </p:nvPr>
+        </p:nvSpPr>
+        <p:spPr/>
+        <p:txBody>
+          <a:bodyPr/>
+          <a:lstStyle/>
+          <a:p>
+            <a:r>
+              <a:rPr lang="en-US" dirty="0" smtClean="0"/>
+              <a:t>Hand out </a:t>
+            </a:r>
+            <a:endParaRPr lang="en-US" dirty="0"/>
+          </a:p>
+        </p:txBody>
+      </p:sp>
+    </p:spTree>
+    <p:extLst>
+      <p:ext uri="{BB962C8B-B14F-4D97-AF65-F5344CB8AC3E}">
+        <p14:creationId xmlns:p14="http://schemas.microsoft.com/office/powerpoint/2010/main" val="3038993397"/>
+      </p:ext>
+    </p:extLst>
+  </p:cSld>
+  <p:clrMapOvr>
+    <a:masterClrMapping/>
+  </p:clrMapOvr>
+  <p:timing>
+    <p:tnLst>
+      <p:par>
+        <p:cTn id="1" dur="indefinite" restart="never" nodeType="tmRoot"/>
+      </p:par>
+    </p:tnLst>
+  </p:timing>
+</p:sld>
+</file>
+
+<file path=ppt/slides/slide14.xml><?xml version="1.0" encoding="utf-8"?>
+<p:sld xmlns:a="http://schemas.openxmlformats.org/drawingml/2006/main" xmlns:r="http://schemas.openxmlformats.org/officeDocument/2006/relationships" xmlns:p="http://schemas.openxmlformats.org/presentationml/2006/main">
+  <p:cSld>
+    <p:spTree>
+      <p:nvGrpSpPr>
+        <p:cNvPr id="1" name=""/>
+        <p:cNvGrpSpPr/>
+        <p:nvPr/>
+      </p:nvGrpSpPr>
+      <p:grpSpPr>
+        <a:xfrm>
+          <a:off x="0" y="0"/>
+          <a:ext cx="0" cy="0"/>
+          <a:chOff x="0" y="0"/>
+          <a:chExt cx="0" cy="0"/>
+        </a:xfrm>
+      </p:grpSpPr>
+      <p:sp>
+        <p:nvSpPr>
+          <p:cNvPr id="3" name="Content Placeholder 2"/>
+          <p:cNvSpPr>
+            <a:spLocks noGrp="1"/>
+          </p:cNvSpPr>
+          <p:nvPr>
+            <p:ph idx="1"/>
+          </p:nvPr>
+        </p:nvSpPr>
+        <p:spPr>
+          <a:xfrm>
+            <a:off x="152400" y="533400"/>
+            <a:ext cx="8686800" cy="2133600"/>
+          </a:xfrm>
+        </p:spPr>
+        <p:txBody>
+          <a:bodyPr>
+            <a:normAutofit fontScale="85000" lnSpcReduction="20000"/>
+          </a:bodyPr>
+          <a:lstStyle/>
+          <a:p>
+            <a:pPr marL="0" indent="0">
+              <a:buNone/>
+            </a:pPr>
+            <a:r>
+              <a:rPr lang="en-US" dirty="0" smtClean="0"/>
+              <a:t>In </a:t>
+            </a:r>
+            <a:r>
+              <a:rPr lang="en-US" dirty="0"/>
+              <a:t>the </a:t>
+            </a:r>
+            <a:r>
+              <a:rPr lang="en-US" dirty="0" smtClean="0"/>
+              <a:t>game </a:t>
+            </a:r>
+            <a:r>
+              <a:rPr lang="en-US" dirty="0" err="1"/>
+              <a:t>Bomberman</a:t>
+            </a:r>
+            <a:r>
+              <a:rPr lang="en-US" dirty="0"/>
+              <a:t>, everything has special behavior if caught in a bomb explosion.  </a:t>
+            </a:r>
+            <a:r>
+              <a:rPr lang="en-US" dirty="0" smtClean="0"/>
+              <a:t>Heroes </a:t>
+            </a:r>
+            <a:r>
+              <a:rPr lang="en-US" dirty="0"/>
+              <a:t>die and restart the level, monsters are killed and score points, walls are destroyed, and bombs explode themselves.  In the design below, the Bomb class has an </a:t>
+            </a:r>
+            <a:r>
+              <a:rPr lang="en-US" dirty="0" err="1"/>
+              <a:t>onExplosion</a:t>
+            </a:r>
+            <a:r>
+              <a:rPr lang="en-US" dirty="0"/>
+              <a:t> method which handles this behavior and (you can assume) works correctly</a:t>
+            </a:r>
+            <a:r>
+              <a:rPr lang="en-US" dirty="0" smtClean="0"/>
+              <a:t>.</a:t>
+            </a:r>
+            <a:endParaRPr lang="en-US" dirty="0"/>
+          </a:p>
+        </p:txBody>
+      </p:sp>
+      <p:pic>
+        <p:nvPicPr>
+          <p:cNvPr id="2" name="Picture 1"/>
+          <p:cNvPicPr>
+            <a:picLocks noChangeAspect="1"/>
+          </p:cNvPicPr>
+          <p:nvPr/>
+        </p:nvPicPr>
+        <p:blipFill>
+          <a:blip r:embed="rId2"/>
+          <a:stretch>
+            <a:fillRect/>
+          </a:stretch>
+        </p:blipFill>
+        <p:spPr>
+          <a:xfrm>
+            <a:off x="533400" y="2667000"/>
+            <a:ext cx="8153400" cy="4072274"/>
+          </a:xfrm>
+          <a:prstGeom prst="rect">
+            <a:avLst/>
+          </a:prstGeom>
+        </p:spPr>
+      </p:pic>
+    </p:spTree>
+    <p:extLst>
+      <p:ext uri="{BB962C8B-B14F-4D97-AF65-F5344CB8AC3E}">
+        <p14:creationId xmlns:p14="http://schemas.microsoft.com/office/powerpoint/2010/main" val="862967812"/>
+      </p:ext>
+    </p:extLst>
+  </p:cSld>
+  <p:clrMapOvr>
+    <a:masterClrMapping/>
+  </p:clrMapOvr>
+  <p:timing>
+    <p:tnLst>
+      <p:par>
+        <p:cTn id="1" dur="indefinite" restart="never" nodeType="tmRoot"/>
+      </p:par>
+    </p:tnLst>
+  </p:timing>
+</p:sld>
+</file>
+
+<file path=ppt/slides/slide15.xml><?xml version="1.0" encoding="utf-8"?>
+<p:sld xmlns:a="http://schemas.openxmlformats.org/drawingml/2006/main" xmlns:r="http://schemas.openxmlformats.org/officeDocument/2006/relationships" xmlns:p="http://schemas.openxmlformats.org/presentationml/2006/main">
+  <p:cSld>
+    <p:spTree>
+      <p:nvGrpSpPr>
+        <p:cNvPr id="1" name=""/>
+        <p:cNvGrpSpPr/>
+        <p:nvPr/>
+      </p:nvGrpSpPr>
+      <p:grpSpPr>
+        <a:xfrm>
+          <a:off x="0" y="0"/>
+          <a:ext cx="0" cy="0"/>
+          <a:chOff x="0" y="0"/>
+          <a:chExt cx="0" cy="0"/>
+        </a:xfrm>
+      </p:grpSpPr>
+      <p:sp>
+        <p:nvSpPr>
+          <p:cNvPr id="2" name="Title 1"/>
+          <p:cNvSpPr>
+            <a:spLocks noGrp="1"/>
+          </p:cNvSpPr>
+          <p:nvPr>
+            <p:ph type="title"/>
+          </p:nvPr>
+        </p:nvSpPr>
+        <p:spPr/>
+        <p:txBody>
+          <a:bodyPr/>
+          <a:lstStyle/>
+          <a:p>
+            <a:r>
+              <a:rPr lang="en-US" dirty="0" smtClean="0"/>
+              <a:t>Collision Code</a:t>
+            </a:r>
+            <a:endParaRPr lang="en-US" dirty="0"/>
+          </a:p>
+        </p:txBody>
+      </p:sp>
+      <p:sp>
+        <p:nvSpPr>
+          <p:cNvPr id="3" name="Content Placeholder 2"/>
+          <p:cNvSpPr>
+            <a:spLocks noGrp="1"/>
+          </p:cNvSpPr>
+          <p:nvPr>
+            <p:ph idx="1"/>
+          </p:nvPr>
+        </p:nvSpPr>
+        <p:spPr>
+          <a:xfrm>
+            <a:off x="457200" y="1177410"/>
+            <a:ext cx="8229600" cy="4525963"/>
+          </a:xfrm>
+        </p:spPr>
+        <p:txBody>
+          <a:bodyPr>
+            <a:normAutofit fontScale="85000" lnSpcReduction="20000"/>
+          </a:bodyPr>
+          <a:lstStyle/>
+          <a:p>
+            <a:pPr marL="0" indent="0">
+              <a:buNone/>
+            </a:pPr>
+            <a:r>
+              <a:rPr lang="en-US" dirty="0"/>
+              <a:t>for(</a:t>
+            </a:r>
+            <a:r>
+              <a:rPr lang="en-US" dirty="0" err="1"/>
+              <a:t>GameObject</a:t>
+            </a:r>
+            <a:r>
+              <a:rPr lang="en-US" dirty="0"/>
+              <a:t> g : </a:t>
+            </a:r>
+            <a:r>
+              <a:rPr lang="en-US" dirty="0" err="1"/>
+              <a:t>getObjectsWithinBombExplosion</a:t>
+            </a:r>
+            <a:r>
+              <a:rPr lang="en-US" dirty="0"/>
+              <a:t>()) {</a:t>
+            </a:r>
+          </a:p>
+          <a:p>
+            <a:pPr marL="0" indent="0">
+              <a:buNone/>
+            </a:pPr>
+            <a:r>
+              <a:rPr lang="en-US" dirty="0"/>
+              <a:t/>
+            </a:r>
+            <a:br>
+              <a:rPr lang="en-US" dirty="0"/>
+            </a:br>
+            <a:r>
+              <a:rPr lang="en-US" dirty="0"/>
+              <a:t>if(g </a:t>
+            </a:r>
+            <a:r>
+              <a:rPr lang="en-US" dirty="0" err="1"/>
+              <a:t>instanceof</a:t>
+            </a:r>
+            <a:r>
+              <a:rPr lang="en-US" dirty="0"/>
+              <a:t> Bomb) {</a:t>
+            </a:r>
+          </a:p>
+          <a:p>
+            <a:pPr marL="0" indent="0">
+              <a:buNone/>
+            </a:pPr>
+            <a:r>
+              <a:rPr lang="en-US" dirty="0"/>
+              <a:t>    // bomb specific code</a:t>
+            </a:r>
+          </a:p>
+          <a:p>
+            <a:pPr marL="0" indent="0">
+              <a:buNone/>
+            </a:pPr>
+            <a:r>
+              <a:rPr lang="en-US" dirty="0"/>
+              <a:t>}</a:t>
+            </a:r>
+          </a:p>
+          <a:p>
+            <a:pPr marL="0" indent="0">
+              <a:buNone/>
+            </a:pPr>
+            <a:r>
+              <a:rPr lang="en-US" dirty="0"/>
+              <a:t>if(g </a:t>
+            </a:r>
+            <a:r>
+              <a:rPr lang="en-US" dirty="0" err="1"/>
+              <a:t>instanceof</a:t>
+            </a:r>
+            <a:r>
+              <a:rPr lang="en-US" dirty="0"/>
+              <a:t> Wall) {</a:t>
+            </a:r>
+          </a:p>
+          <a:p>
+            <a:pPr marL="0" indent="0">
+              <a:buNone/>
+            </a:pPr>
+            <a:r>
+              <a:rPr lang="en-US" dirty="0"/>
+              <a:t>    //wall specific code</a:t>
+            </a:r>
+          </a:p>
+          <a:p>
+            <a:pPr marL="0" indent="0">
+              <a:buNone/>
+            </a:pPr>
+            <a:r>
+              <a:rPr lang="en-US" dirty="0"/>
+              <a:t>}</a:t>
+            </a:r>
+          </a:p>
+          <a:p>
+            <a:pPr marL="0" indent="0">
+              <a:buNone/>
+            </a:pPr>
+            <a:r>
+              <a:rPr lang="en-US" dirty="0"/>
+              <a:t>//pattern continues...</a:t>
+            </a:r>
+          </a:p>
+          <a:p>
+            <a:pPr marL="0" indent="0">
+              <a:buNone/>
+            </a:pPr>
+            <a:r>
+              <a:rPr lang="en-US" dirty="0" smtClean="0"/>
+              <a:t>}</a:t>
+            </a:r>
+            <a:r>
+              <a:rPr lang="en-US" dirty="0"/>
+              <a:t/>
+            </a:r>
+            <a:br>
+              <a:rPr lang="en-US" dirty="0"/>
+            </a:br>
+            <a:endParaRPr lang="en-US" dirty="0"/>
+          </a:p>
+        </p:txBody>
+      </p:sp>
+      <p:sp>
+        <p:nvSpPr>
+          <p:cNvPr id="5" name="TextBox 4"/>
+          <p:cNvSpPr txBox="1"/>
+          <p:nvPr/>
+        </p:nvSpPr>
+        <p:spPr>
+          <a:xfrm>
+            <a:off x="457200" y="5317436"/>
+            <a:ext cx="8458200" cy="1754326"/>
+          </a:xfrm>
+          <a:prstGeom prst="rect">
+            <a:avLst/>
+          </a:prstGeom>
+          <a:noFill/>
+        </p:spPr>
+        <p:txBody>
+          <a:bodyPr wrap="square" rtlCol="0">
+            <a:spAutoFit/>
+          </a:bodyPr>
+          <a:lstStyle/>
+          <a:p>
+            <a:r>
+              <a:rPr lang="en-US" dirty="0" smtClean="0"/>
+              <a:t>1</a:t>
+            </a:r>
+            <a:r>
+              <a:rPr lang="en-US" dirty="0"/>
+              <a:t>. What is wrong with the design?</a:t>
+            </a:r>
+          </a:p>
+          <a:p>
+            <a:r>
+              <a:rPr lang="en-US" dirty="0"/>
+              <a:t>2. Propose a new design that does not have the problem you identified in #1.  You only need include in your UML diagram classes that are *different* from their version in the given diagram</a:t>
+            </a:r>
+            <a:r>
+              <a:rPr lang="en-US" dirty="0" smtClean="0"/>
+              <a:t>.</a:t>
+            </a:r>
+            <a:r>
+              <a:rPr lang="en-US" dirty="0"/>
+              <a:t/>
+            </a:r>
+            <a:br>
+              <a:rPr lang="en-US" dirty="0"/>
+            </a:br>
+            <a:r>
+              <a:rPr lang="en-US" dirty="0"/>
+              <a:t>Also include a sample for what the analogous code on </a:t>
+            </a:r>
+            <a:r>
+              <a:rPr lang="en-US" dirty="0" err="1"/>
+              <a:t>onExplosion</a:t>
+            </a:r>
+            <a:r>
+              <a:rPr lang="en-US" dirty="0"/>
+              <a:t> looks like</a:t>
+            </a:r>
+            <a:endParaRPr lang="en-US" dirty="0" smtClean="0"/>
+          </a:p>
+          <a:p>
+            <a:endParaRPr lang="en-US" dirty="0"/>
+          </a:p>
+        </p:txBody>
+      </p:sp>
+      <p:pic>
+        <p:nvPicPr>
+          <p:cNvPr id="6" name="Picture 5"/>
+          <p:cNvPicPr>
+            <a:picLocks noChangeAspect="1"/>
+          </p:cNvPicPr>
+          <p:nvPr/>
+        </p:nvPicPr>
+        <p:blipFill>
+          <a:blip r:embed="rId3"/>
+          <a:stretch>
+            <a:fillRect/>
+          </a:stretch>
+        </p:blipFill>
+        <p:spPr>
+          <a:xfrm>
+            <a:off x="3845457" y="2590800"/>
+            <a:ext cx="5149091" cy="2571750"/>
+          </a:xfrm>
+          <a:prstGeom prst="rect">
+            <a:avLst/>
+          </a:prstGeom>
+        </p:spPr>
+      </p:pic>
+    </p:spTree>
+    <p:extLst>
+      <p:ext uri="{BB962C8B-B14F-4D97-AF65-F5344CB8AC3E}">
+        <p14:creationId xmlns:p14="http://schemas.microsoft.com/office/powerpoint/2010/main" val="2717704157"/>
+      </p:ext>
+    </p:extLst>
+  </p:cSld>
+  <p:clrMapOvr>
+    <a:masterClrMapping/>
+  </p:clrMapOvr>
+  <p:timing>
+    <p:tnLst>
+      <p:par>
+        <p:cTn id="1" dur="indefinite" restart="never" nodeType="tmRoot"/>
+      </p:par>
+    </p:tnLst>
+  </p:timing>
+</p:sld>
+</file>
+
+<file path=ppt/slides/slide16.xml><?xml version="1.0" encoding="utf-8"?>
+<p:sld xmlns:a="http://schemas.openxmlformats.org/drawingml/2006/main" xmlns:r="http://schemas.openxmlformats.org/officeDocument/2006/relationships" xmlns:p="http://schemas.openxmlformats.org/presentationml/2006/main">
+  <p:cSld>
+    <p:spTree>
+      <p:nvGrpSpPr>
+        <p:cNvPr id="1" name=""/>
+        <p:cNvGrpSpPr/>
+        <p:nvPr/>
+      </p:nvGrpSpPr>
+      <p:grpSpPr>
+        <a:xfrm>
+          <a:off x="0" y="0"/>
+          <a:ext cx="0" cy="0"/>
+          <a:chOff x="0" y="0"/>
+          <a:chExt cx="0" cy="0"/>
+        </a:xfrm>
+      </p:grpSpPr>
+      <p:sp>
+        <p:nvSpPr>
+          <p:cNvPr id="2" name="Title 1"/>
+          <p:cNvSpPr>
+            <a:spLocks noGrp="1"/>
+          </p:cNvSpPr>
+          <p:nvPr>
+            <p:ph type="title"/>
+          </p:nvPr>
+        </p:nvSpPr>
+        <p:spPr/>
+        <p:txBody>
+          <a:bodyPr/>
+          <a:lstStyle/>
+          <a:p>
+            <a:r>
+              <a:rPr lang="en-US" dirty="0" smtClean="0"/>
+              <a:t>A Solution</a:t>
+            </a:r>
+            <a:endParaRPr lang="en-US" dirty="0"/>
+          </a:p>
+        </p:txBody>
+      </p:sp>
+      <p:sp>
+        <p:nvSpPr>
+          <p:cNvPr id="3" name="Content Placeholder 2"/>
+          <p:cNvSpPr>
+            <a:spLocks noGrp="1"/>
+          </p:cNvSpPr>
+          <p:nvPr>
+            <p:ph idx="1"/>
+          </p:nvPr>
+        </p:nvSpPr>
+        <p:spPr/>
+        <p:txBody>
+          <a:bodyPr/>
+          <a:lstStyle/>
+          <a:p>
+            <a:endParaRPr lang="en-US"/>
+          </a:p>
+        </p:txBody>
+      </p:sp>
+      <p:pic>
+        <p:nvPicPr>
+          <p:cNvPr id="4" name="Picture 3"/>
+          <p:cNvPicPr>
+            <a:picLocks noChangeAspect="1"/>
+          </p:cNvPicPr>
+          <p:nvPr/>
+        </p:nvPicPr>
+        <p:blipFill>
+          <a:blip r:embed="rId2"/>
+          <a:stretch>
+            <a:fillRect/>
+          </a:stretch>
+        </p:blipFill>
+        <p:spPr>
+          <a:xfrm>
+            <a:off x="403905" y="1506538"/>
+            <a:ext cx="8372475" cy="4619625"/>
+          </a:xfrm>
+          <a:prstGeom prst="rect">
+            <a:avLst/>
+          </a:prstGeom>
+        </p:spPr>
+      </p:pic>
+    </p:spTree>
+    <p:extLst>
+      <p:ext uri="{BB962C8B-B14F-4D97-AF65-F5344CB8AC3E}">
+        <p14:creationId xmlns:p14="http://schemas.microsoft.com/office/powerpoint/2010/main" val="2927449891"/>
+      </p:ext>
+    </p:extLst>
+  </p:cSld>
+  <p:clrMapOvr>
+    <a:masterClrMapping/>
+  </p:clrMapOvr>
+  <mc:AlternateContent xmlns:mc="http://schemas.openxmlformats.org/markup-compatibility/2006">
+    <mc:Choice xmlns:p14="http://schemas.microsoft.com/office/powerpoint/2010/main" Requires="p14">
+      <p:transition spd="slow" p14:dur="2000"/>
+    </mc:Choice>
+    <mc:Fallback>
+      <p:transition spd="slow"/>
+    </mc:Fallback>
+  </mc:AlternateContent>
+  <p:timing>
+    <p:tnLst>
+      <p:par>
+        <p:cTn id="1" dur="indefinite" restart="never" nodeType="tmRoot"/>
+      </p:par>
+    </p:tnLst>
+  </p:timing>
+</p:sld>
+</file>
+
+<file path=ppt/slides/slide17.xml><?xml version="1.0" encoding="utf-8"?>
+<p:sld xmlns:a="http://schemas.openxmlformats.org/drawingml/2006/main" xmlns:r="http://schemas.openxmlformats.org/officeDocument/2006/relationships" xmlns:p="http://schemas.openxmlformats.org/presentationml/2006/main">
+  <p:cSld>
+    <p:spTree>
+      <p:nvGrpSpPr>
+        <p:cNvPr id="1" name=""/>
+        <p:cNvGrpSpPr/>
+        <p:nvPr/>
+      </p:nvGrpSpPr>
+      <p:grpSpPr>
+        <a:xfrm>
+          <a:off x="0" y="0"/>
+          <a:ext cx="0" cy="0"/>
+          <a:chOff x="0" y="0"/>
+          <a:chExt cx="0" cy="0"/>
+        </a:xfrm>
+      </p:grpSpPr>
+      <p:sp>
+        <p:nvSpPr>
+          <p:cNvPr id="3" name="Content Placeholder 2"/>
+          <p:cNvSpPr>
+            <a:spLocks noGrp="1"/>
+          </p:cNvSpPr>
+          <p:nvPr>
+            <p:ph idx="1"/>
+          </p:nvPr>
+        </p:nvSpPr>
+        <p:spPr>
+          <a:xfrm>
+            <a:off x="457200" y="4313237"/>
+            <a:ext cx="8229600" cy="2544763"/>
+          </a:xfrm>
+        </p:spPr>
+        <p:txBody>
+          <a:bodyPr>
+            <a:normAutofit fontScale="55000" lnSpcReduction="20000"/>
+          </a:bodyPr>
+          <a:lstStyle/>
+          <a:p>
+            <a:pPr marL="0" indent="0">
+              <a:buNone/>
+            </a:pPr>
+            <a:r>
+              <a:rPr lang="en-US" dirty="0"/>
+              <a:t>Each subclass will process the effects of a collision inside of the </a:t>
+            </a:r>
+            <a:r>
+              <a:rPr lang="en-US" dirty="0" err="1"/>
+              <a:t>collideWithExplodingBomb</a:t>
+            </a:r>
+            <a:r>
+              <a:rPr lang="en-US" dirty="0"/>
+              <a:t> method. No </a:t>
+            </a:r>
+            <a:r>
+              <a:rPr lang="en-US" dirty="0" err="1"/>
+              <a:t>instanceof</a:t>
+            </a:r>
+            <a:r>
+              <a:rPr lang="en-US" dirty="0"/>
+              <a:t> is required. Additionally, the code to handle collisions can be </a:t>
+            </a:r>
+            <a:r>
+              <a:rPr lang="en-US" dirty="0" smtClean="0"/>
+              <a:t>done inside </a:t>
+            </a:r>
+            <a:r>
+              <a:rPr lang="en-US" dirty="0" err="1" smtClean="0"/>
+              <a:t>onExplosion</a:t>
+            </a:r>
+            <a:r>
+              <a:rPr lang="en-US" dirty="0" smtClean="0"/>
+              <a:t> as before:</a:t>
+            </a:r>
+            <a:endParaRPr lang="en-US" dirty="0"/>
+          </a:p>
+          <a:p>
+            <a:pPr marL="0" indent="0">
+              <a:buNone/>
+            </a:pPr>
+            <a:r>
+              <a:rPr lang="en-US" dirty="0"/>
+              <a:t/>
+            </a:r>
+            <a:br>
+              <a:rPr lang="en-US" dirty="0"/>
+            </a:br>
+            <a:r>
+              <a:rPr lang="en-US" dirty="0" smtClean="0"/>
+              <a:t>for(</a:t>
+            </a:r>
+            <a:r>
+              <a:rPr lang="en-US" dirty="0" err="1" smtClean="0"/>
+              <a:t>GameObject</a:t>
+            </a:r>
+            <a:r>
+              <a:rPr lang="en-US" dirty="0" smtClean="0"/>
+              <a:t> </a:t>
+            </a:r>
+            <a:r>
+              <a:rPr lang="en-US" dirty="0"/>
+              <a:t>g : </a:t>
+            </a:r>
+            <a:r>
+              <a:rPr lang="en-US" dirty="0" err="1"/>
+              <a:t>getObjectsWithinBombExplosion</a:t>
+            </a:r>
+            <a:r>
+              <a:rPr lang="en-US" dirty="0"/>
+              <a:t>()) {</a:t>
+            </a:r>
+          </a:p>
+          <a:p>
+            <a:pPr marL="0" indent="0">
+              <a:buNone/>
+            </a:pPr>
+            <a:r>
+              <a:rPr lang="en-US" dirty="0" smtClean="0"/>
+              <a:t>	</a:t>
+            </a:r>
+            <a:r>
+              <a:rPr lang="en-US" dirty="0" err="1" smtClean="0"/>
+              <a:t>g.collideWithExplodingBomb</a:t>
+            </a:r>
+            <a:r>
+              <a:rPr lang="en-US" dirty="0" smtClean="0"/>
+              <a:t>(this</a:t>
+            </a:r>
+            <a:r>
+              <a:rPr lang="en-US" dirty="0"/>
+              <a:t>);</a:t>
+            </a:r>
+          </a:p>
+          <a:p>
+            <a:pPr marL="0" indent="0">
+              <a:buNone/>
+            </a:pPr>
+            <a:r>
+              <a:rPr lang="en-US" dirty="0"/>
+              <a:t>}</a:t>
+            </a:r>
+          </a:p>
+          <a:p>
+            <a:pPr marL="0" indent="0">
+              <a:buNone/>
+            </a:pPr>
+            <a:r>
+              <a:rPr lang="en-US" dirty="0"/>
+              <a:t/>
+            </a:r>
+            <a:br>
+              <a:rPr lang="en-US" dirty="0"/>
+            </a:br>
+            <a:r>
+              <a:rPr lang="en-US" dirty="0"/>
+              <a:t>Each subclass will deal with handling the class specific effects of being hit by a </a:t>
+            </a:r>
+            <a:r>
+              <a:rPr lang="en-US" dirty="0" smtClean="0"/>
+              <a:t>bomb</a:t>
+            </a:r>
+            <a:endParaRPr lang="en-US" dirty="0"/>
+          </a:p>
+        </p:txBody>
+      </p:sp>
+      <p:pic>
+        <p:nvPicPr>
+          <p:cNvPr id="4" name="Picture 3"/>
+          <p:cNvPicPr>
+            <a:picLocks noChangeAspect="1"/>
+          </p:cNvPicPr>
+          <p:nvPr/>
+        </p:nvPicPr>
+        <p:blipFill>
+          <a:blip r:embed="rId2"/>
+          <a:stretch>
+            <a:fillRect/>
+          </a:stretch>
+        </p:blipFill>
+        <p:spPr>
+          <a:xfrm>
+            <a:off x="1143000" y="274638"/>
+            <a:ext cx="6553200" cy="3615816"/>
+          </a:xfrm>
+          <a:prstGeom prst="rect">
+            <a:avLst/>
+          </a:prstGeom>
+        </p:spPr>
+      </p:pic>
+    </p:spTree>
+    <p:extLst>
+      <p:ext uri="{BB962C8B-B14F-4D97-AF65-F5344CB8AC3E}">
+        <p14:creationId xmlns:p14="http://schemas.microsoft.com/office/powerpoint/2010/main" val="2739635398"/>
+      </p:ext>
+    </p:extLst>
+  </p:cSld>
+  <p:clrMapOvr>
+    <a:masterClrMapping/>
+  </p:clrMapOvr>
+  <mc:AlternateContent xmlns:mc="http://schemas.openxmlformats.org/markup-compatibility/2006">
+    <mc:Choice xmlns:p14="http://schemas.microsoft.com/office/powerpoint/2010/main" Requires="p14">
+      <p:transition spd="slow" p14:dur="2000"/>
+    </mc:Choice>
+    <mc:Fallback>
+      <p:transition spd="slow"/>
+    </mc:Fallback>
+  </mc:AlternateContent>
+  <p:timing>
+    <p:tnLst>
+      <p:par>
+        <p:cTn id="1" dur="indefinite" restart="never" nodeType="tmRoot"/>
+      </p:par>
+    </p:tnLst>
+  </p:timing>
+</p:sld>
+</file>
+
+<file path=ppt/slides/slide18.xml><?xml version="1.0" encoding="utf-8"?>
+<p:sld xmlns:a="http://schemas.openxmlformats.org/drawingml/2006/main" xmlns:r="http://schemas.openxmlformats.org/officeDocument/2006/relationships" xmlns:p="http://schemas.openxmlformats.org/presentationml/2006/main">
+  <p:cSld>
+    <p:spTree>
+      <p:nvGrpSpPr>
+        <p:cNvPr id="1" name=""/>
+        <p:cNvGrpSpPr/>
+        <p:nvPr/>
+      </p:nvGrpSpPr>
+      <p:grpSpPr>
+        <a:xfrm>
+          <a:off x="0" y="0"/>
+          <a:ext cx="0" cy="0"/>
+          <a:chOff x="0" y="0"/>
+          <a:chExt cx="0" cy="0"/>
+        </a:xfrm>
+      </p:grpSpPr>
+      <p:sp>
+        <p:nvSpPr>
+          <p:cNvPr id="4" name="Title 3"/>
+          <p:cNvSpPr>
+            <a:spLocks noGrp="1"/>
+          </p:cNvSpPr>
+          <p:nvPr>
+            <p:ph type="title"/>
+          </p:nvPr>
+        </p:nvSpPr>
+        <p:spPr/>
+        <p:txBody>
+          <a:bodyPr/>
+          <a:lstStyle/>
+          <a:p>
+            <a:pPr>
+              <a:defRPr/>
+            </a:pPr>
+            <a:r>
+              <a:rPr lang="en-US" dirty="0" smtClean="0">
+                <a:ea typeface="+mj-ea"/>
+                <a:cs typeface="+mj-cs"/>
+              </a:rPr>
+              <a:t>Team Project</a:t>
+            </a:r>
+            <a:endParaRPr lang="en-US" dirty="0">
+              <a:ea typeface="+mj-ea"/>
+              <a:cs typeface="+mj-cs"/>
+            </a:endParaRPr>
+          </a:p>
+        </p:txBody>
+      </p:sp>
+      <p:sp>
+        <p:nvSpPr>
+          <p:cNvPr id="29699" name="Text Placeholder 4"/>
+          <p:cNvSpPr>
+            <a:spLocks noGrp="1"/>
+          </p:cNvSpPr>
+          <p:nvPr>
+            <p:ph type="body" idx="1"/>
+          </p:nvPr>
+        </p:nvSpPr>
+        <p:spPr/>
+        <p:txBody>
+          <a:bodyPr/>
+          <a:lstStyle/>
+          <a:p>
+            <a:r>
+              <a:rPr lang="en-US" dirty="0" smtClean="0"/>
+              <a:t>Work time</a:t>
+            </a:r>
+          </a:p>
+          <a:p>
+            <a:r>
+              <a:rPr lang="en-US" i="1" dirty="0" smtClean="0"/>
+              <a:t>Be sure everyone is getting a chance to drive.</a:t>
+            </a:r>
+          </a:p>
+        </p:txBody>
+      </p:sp>
+    </p:spTree>
+    <p:extLst>
+      <p:ext uri="{BB962C8B-B14F-4D97-AF65-F5344CB8AC3E}">
+        <p14:creationId xmlns:p14="http://schemas.microsoft.com/office/powerpoint/2010/main" val="2413903598"/>
+      </p:ext>
+    </p:extLst>
+  </p:cSld>
+  <p:clrMapOvr>
+    <a:masterClrMapping/>
+  </p:clrMapOvr>
+  <p:transition/>
+  <p:timing>
+    <p:tnLst>
+      <p:par>
+        <p:cTn id="1" dur="indefinite" restart="never" nodeType="tmRoot"/>
+      </p:par>
+    </p:tnLst>
+  </p:timing>
 </p:sld>
 </file>
 
@@ -6565,7 +6623,7 @@
         </p:nvSpPr>
         <p:spPr>
           <a:xfrm>
-            <a:off x="152400" y="1242218"/>
+            <a:off x="152400" y="1600200"/>
             <a:ext cx="8534400" cy="4525963"/>
           </a:xfrm>
         </p:spPr>
@@ -6574,48 +6632,9 @@
           <a:lstStyle/>
           <a:p>
             <a:r>
-              <a:rPr lang="en-US" dirty="0" err="1" smtClean="0"/>
-              <a:t>AbstractPlatform</a:t>
-            </a:r>
-            <a:r>
               <a:rPr lang="en-US" dirty="0" smtClean="0"/>
-              <a:t> and  </a:t>
-            </a:r>
-            <a:r>
-              <a:rPr lang="en-US" dirty="0" err="1" smtClean="0"/>
-              <a:t>AbstractDrop</a:t>
-            </a:r>
-            <a:endParaRPr lang="en-US" dirty="0" smtClean="0"/>
-          </a:p>
-          <a:p>
-            <a:pPr lvl="1"/>
-            <a:r>
-              <a:rPr lang="en-US" dirty="0" smtClean="0"/>
-              <a:t>Subclasses implement </a:t>
-            </a:r>
-          </a:p>
-          <a:p>
-            <a:pPr lvl="1"/>
-            <a:r>
-              <a:rPr lang="en-US" dirty="0" err="1" smtClean="0"/>
-              <a:t>collideWith</a:t>
-            </a:r>
-            <a:r>
-              <a:rPr lang="en-US" dirty="0" smtClean="0"/>
-              <a:t>(</a:t>
-            </a:r>
-            <a:r>
-              <a:rPr lang="en-US" dirty="0" err="1" smtClean="0"/>
-              <a:t>AbstractPlatform</a:t>
-            </a:r>
-            <a:r>
-              <a:rPr lang="en-US" dirty="0" smtClean="0"/>
-              <a:t>)</a:t>
-            </a:r>
-            <a:endParaRPr lang="en-US" dirty="0"/>
-          </a:p>
-          <a:p>
-            <a:pPr lvl="1"/>
+              <a:t>What if we wanted Platforms to collide as well?</a:t>
+            </a:r>
             <a:endParaRPr lang="en-US" dirty="0"/>
           </a:p>
         </p:txBody>
@@ -6629,7 +6648,7 @@
           <p:nvPr>
             <p:extLst>
               <p:ext uri="{D42A27DB-BD31-4B8C-83A1-F6EECF244321}">
-                <p14:modId xmlns:p14="http://schemas.microsoft.com/office/powerpoint/2010/main" val="3577914708"/>
+                <p14:modId xmlns:p14="http://schemas.microsoft.com/office/powerpoint/2010/main" val="4284010156"/>
               </p:ext>
             </p:extLst>
           </p:nvPr>
@@ -7049,13 +7068,20 @@
     </p:spTree>
     <p:extLst>
       <p:ext uri="{BB962C8B-B14F-4D97-AF65-F5344CB8AC3E}">
-        <p14:creationId xmlns:p14="http://schemas.microsoft.com/office/powerpoint/2010/main" val="1951997951"/>
+        <p14:creationId xmlns:p14="http://schemas.microsoft.com/office/powerpoint/2010/main" val="3617275525"/>
       </p:ext>
     </p:extLst>
   </p:cSld>
   <p:clrMapOvr>
     <a:masterClrMapping/>
   </p:clrMapOvr>
+  <p:timing>
+    <p:tnLst>
+      <p:par>
+        <p:cTn id="1" dur="indefinite" restart="never" nodeType="tmRoot"/>
+      </p:par>
+    </p:tnLst>
+  </p:timing>
 </p:sld>
 </file>
 
@@ -7118,31 +7144,22 @@
           <a:p>
             <a:r>
               <a:rPr lang="en-US" dirty="0" smtClean="0"/>
-              <a:t>Monsters can collide with rocks.</a:t>
-            </a:r>
-          </a:p>
-          <a:p>
+              <a:t>Monsters can collide with </a:t>
+            </a:r>
             <a:r>
               <a:rPr lang="en-US" dirty="0" smtClean="0"/>
-              <a:t>Rocks can crush monsters.</a:t>
-            </a:r>
+              <a:t>the Player.</a:t>
+            </a:r>
+            <a:endParaRPr lang="en-US" dirty="0" smtClean="0"/>
           </a:p>
           <a:p>
             <a:r>
               <a:rPr lang="en-US" dirty="0" smtClean="0"/>
-              <a:t>Players can collide with monsters.</a:t>
-            </a:r>
-          </a:p>
-          <a:p>
+              <a:t>Players </a:t>
+            </a:r>
             <a:r>
               <a:rPr lang="en-US" dirty="0" smtClean="0"/>
-              <a:t>Players can be crushed by rocks.</a:t>
-            </a:r>
-          </a:p>
-          <a:p>
-            <a:r>
-              <a:rPr lang="en-US" dirty="0" smtClean="0"/>
-              <a:t>Players can take </a:t>
+              <a:t>can take </a:t>
             </a:r>
             <a:r>
               <a:rPr lang="en-US" dirty="0" err="1" smtClean="0"/>
@@ -7152,6 +7169,25 @@
               <a:rPr lang="en-US" dirty="0" smtClean="0"/>
               <a:t>.</a:t>
             </a:r>
+          </a:p>
+          <a:p>
+            <a:r>
+              <a:rPr lang="en-US" dirty="0" smtClean="0"/>
+              <a:t>Players can collide with eggs</a:t>
+            </a:r>
+          </a:p>
+          <a:p>
+            <a:r>
+              <a:rPr lang="en-US" dirty="0" smtClean="0"/>
+              <a:t>Player can collide with “bullets”</a:t>
+            </a:r>
+          </a:p>
+          <a:p>
+            <a:r>
+              <a:rPr lang="en-US" dirty="0" smtClean="0"/>
+              <a:t>Bonus: Player collide with another Player?</a:t>
+            </a:r>
+            <a:endParaRPr lang="en-US" dirty="0" smtClean="0"/>
           </a:p>
           <a:p>
             <a:endParaRPr lang="en-US" dirty="0"/>
@@ -7186,10 +7222,17 @@
       <p:transition spd="slow"/>
     </mc:Fallback>
   </mc:AlternateContent>
+  <p:timing>
+    <p:tnLst>
+      <p:par>
+        <p:cTn id="1" dur="indefinite" restart="never" nodeType="tmRoot"/>
+      </p:par>
+    </p:tnLst>
+  </p:timing>
 </p:sld>
 </file>
 
-<file path=ppt/slides/slide3.xml><?xml version="1.0" encoding="utf-8"?>
+<file path=ppt/slides/slide20.xml><?xml version="1.0" encoding="utf-8"?>
 <p:sld xmlns:a="http://schemas.openxmlformats.org/drawingml/2006/main" xmlns:r="http://schemas.openxmlformats.org/officeDocument/2006/relationships" xmlns:p="http://schemas.openxmlformats.org/presentationml/2006/main">
   <p:cSld>
     <p:spTree>
@@ -7223,7 +7266,7 @@
           <a:p>
             <a:r>
               <a:rPr lang="en-US" dirty="0" smtClean="0"/>
-              <a:t>Handling Collisions in General</a:t>
+              <a:t>Platforms and Drops</a:t>
             </a:r>
             <a:endParaRPr lang="en-US" dirty="0"/>
           </a:p>
@@ -7239,503 +7282,59 @@
             <p:ph idx="1"/>
           </p:nvPr>
         </p:nvSpPr>
-        <p:spPr/>
+        <p:spPr>
+          <a:xfrm>
+            <a:off x="152400" y="1242218"/>
+            <a:ext cx="8534400" cy="4525963"/>
+          </a:xfrm>
+        </p:spPr>
         <p:txBody>
           <a:bodyPr/>
           <a:lstStyle/>
           <a:p>
             <a:r>
+              <a:rPr lang="en-US" dirty="0" err="1" smtClean="0"/>
+              <a:t>AbstractPlatform</a:t>
+            </a:r>
+            <a:r>
               <a:rPr lang="en-US" dirty="0" smtClean="0"/>
-              <a:t>Many ways it can be done</a:t>
-            </a:r>
-          </a:p>
-          <a:p>
+              <a:t> and  </a:t>
+            </a:r>
+            <a:r>
+              <a:rPr lang="en-US" dirty="0" err="1" smtClean="0"/>
+              <a:t>AbstractDrop</a:t>
+            </a:r>
+            <a:endParaRPr lang="en-US" dirty="0" smtClean="0"/>
+          </a:p>
+          <a:p>
+            <a:pPr lvl="1"/>
             <a:r>
               <a:rPr lang="en-US" dirty="0" smtClean="0"/>
-              <a:t>Good design principles</a:t>
+              <a:t>Subclasses implement </a:t>
             </a:r>
           </a:p>
           <a:p>
             <a:pPr lvl="1"/>
             <a:r>
+              <a:rPr lang="en-US" dirty="0" err="1" smtClean="0"/>
+              <a:t>collideWith</a:t>
+            </a:r>
+            <a:r>
               <a:rPr lang="en-US" dirty="0" smtClean="0"/>
-              <a:t>Make it </a:t>
-            </a:r>
-            <a:r>
-              <a:rPr lang="en-US" b="1" dirty="0" smtClean="0"/>
-              <a:t>easy to use and extend code</a:t>
-            </a:r>
-          </a:p>
-          <a:p>
+              <a:t>(</a:t>
+            </a:r>
+            <a:r>
+              <a:rPr lang="en-US" dirty="0" err="1" smtClean="0"/>
+              <a:t>AbstractPlatform</a:t>
+            </a:r>
             <a:r>
               <a:rPr lang="en-US" dirty="0" smtClean="0"/>
-              <a:t>Functional but bad design principles</a:t>
-            </a:r>
+              <a:t>)</a:t>
+            </a:r>
+            <a:endParaRPr lang="en-US" dirty="0"/>
           </a:p>
           <a:p>
             <a:pPr lvl="1"/>
-            <a:r>
-              <a:rPr lang="en-US" dirty="0" smtClean="0"/>
-              <a:t>Use “type predicated code”</a:t>
-            </a:r>
-          </a:p>
-          <a:p>
-            <a:pPr lvl="1"/>
-            <a:r>
-              <a:rPr lang="en-US" dirty="0" smtClean="0"/>
-              <a:t>… if ( “</a:t>
-            </a:r>
-            <a:r>
-              <a:rPr lang="en-US" dirty="0" err="1"/>
-              <a:t>i</a:t>
-            </a:r>
-            <a:r>
-              <a:rPr lang="en-US" dirty="0" err="1" smtClean="0"/>
-              <a:t>nstanceof</a:t>
-            </a:r>
-            <a:r>
-              <a:rPr lang="en-US" dirty="0" smtClean="0"/>
-              <a:t>, </a:t>
-            </a:r>
-            <a:r>
-              <a:rPr lang="en-US" dirty="0" err="1" smtClean="0"/>
-              <a:t>getClass</a:t>
-            </a:r>
-            <a:r>
-              <a:rPr lang="en-US" dirty="0" smtClean="0"/>
-              <a:t>(), </a:t>
-            </a:r>
-            <a:r>
-              <a:rPr lang="en-US" dirty="0" err="1" smtClean="0"/>
-              <a:t>getType</a:t>
-            </a:r>
-            <a:r>
-              <a:rPr lang="en-US" dirty="0" smtClean="0"/>
-              <a:t>()” ==/equals)</a:t>
-            </a:r>
-          </a:p>
-          <a:p>
-            <a:pPr lvl="1"/>
-            <a:r>
-              <a:rPr lang="en-US" dirty="0" smtClean="0"/>
-              <a:t>OUTLAWED in your project design!</a:t>
-            </a:r>
-          </a:p>
-          <a:p>
-            <a:pPr lvl="1"/>
-            <a:r>
-              <a:rPr lang="en-US" dirty="0" smtClean="0"/>
-              <a:t>Your design should not use these at all!</a:t>
-            </a:r>
-            <a:endParaRPr lang="en-US" dirty="0"/>
-          </a:p>
-        </p:txBody>
-      </p:sp>
-    </p:spTree>
-    <p:extLst>
-      <p:ext uri="{BB962C8B-B14F-4D97-AF65-F5344CB8AC3E}">
-        <p14:creationId xmlns:p14="http://schemas.microsoft.com/office/powerpoint/2010/main" val="1608855851"/>
-      </p:ext>
-    </p:extLst>
-  </p:cSld>
-  <p:clrMapOvr>
-    <a:masterClrMapping/>
-  </p:clrMapOvr>
-</p:sld>
-</file>
-
-<file path=ppt/slides/slide4.xml><?xml version="1.0" encoding="utf-8"?>
-<p:sld xmlns:a="http://schemas.openxmlformats.org/drawingml/2006/main" xmlns:r="http://schemas.openxmlformats.org/officeDocument/2006/relationships" xmlns:p="http://schemas.openxmlformats.org/presentationml/2006/main">
-  <p:cSld>
-    <p:spTree>
-      <p:nvGrpSpPr>
-        <p:cNvPr id="1" name=""/>
-        <p:cNvGrpSpPr/>
-        <p:nvPr/>
-      </p:nvGrpSpPr>
-      <p:grpSpPr>
-        <a:xfrm>
-          <a:off x="0" y="0"/>
-          <a:ext cx="0" cy="0"/>
-          <a:chOff x="0" y="0"/>
-          <a:chExt cx="0" cy="0"/>
-        </a:xfrm>
-      </p:grpSpPr>
-      <p:sp>
-        <p:nvSpPr>
-          <p:cNvPr id="2" name="Title 1"/>
-          <p:cNvSpPr>
-            <a:spLocks noGrp="1"/>
-          </p:cNvSpPr>
-          <p:nvPr>
-            <p:ph type="title"/>
-          </p:nvPr>
-        </p:nvSpPr>
-        <p:spPr/>
-        <p:txBody>
-          <a:bodyPr/>
-          <a:lstStyle/>
-          <a:p>
-            <a:r>
-              <a:rPr lang="en-US" dirty="0" smtClean="0"/>
-              <a:t>Live Coding</a:t>
-            </a:r>
-            <a:endParaRPr lang="en-US" dirty="0"/>
-          </a:p>
-        </p:txBody>
-      </p:sp>
-      <p:sp>
-        <p:nvSpPr>
-          <p:cNvPr id="3" name="Content Placeholder 2"/>
-          <p:cNvSpPr>
-            <a:spLocks noGrp="1"/>
-          </p:cNvSpPr>
-          <p:nvPr>
-            <p:ph idx="1"/>
-          </p:nvPr>
-        </p:nvSpPr>
-        <p:spPr/>
-        <p:txBody>
-          <a:bodyPr/>
-          <a:lstStyle/>
-          <a:p>
-            <a:r>
-              <a:rPr lang="en-US" dirty="0" smtClean="0"/>
-              <a:t>Let’s consider a simulator with collisions</a:t>
-            </a:r>
-          </a:p>
-          <a:p>
-            <a:r>
-              <a:rPr lang="en-US" dirty="0" smtClean="0"/>
-              <a:t>More Raindrops More Platforms</a:t>
-            </a:r>
-          </a:p>
-          <a:p>
-            <a:r>
-              <a:rPr lang="en-US" dirty="0" smtClean="0"/>
-              <a:t>Run Main.java</a:t>
-            </a:r>
-          </a:p>
-          <a:p>
-            <a:endParaRPr lang="en-US" dirty="0"/>
-          </a:p>
-        </p:txBody>
-      </p:sp>
-    </p:spTree>
-    <p:extLst>
-      <p:ext uri="{BB962C8B-B14F-4D97-AF65-F5344CB8AC3E}">
-        <p14:creationId xmlns:p14="http://schemas.microsoft.com/office/powerpoint/2010/main" val="1736097128"/>
-      </p:ext>
-    </p:extLst>
-  </p:cSld>
-  <p:clrMapOvr>
-    <a:masterClrMapping/>
-  </p:clrMapOvr>
-</p:sld>
-</file>
-
-<file path=ppt/slides/slide5.xml><?xml version="1.0" encoding="utf-8"?>
-<p:sld xmlns:a="http://schemas.openxmlformats.org/drawingml/2006/main" xmlns:r="http://schemas.openxmlformats.org/officeDocument/2006/relationships" xmlns:p="http://schemas.openxmlformats.org/presentationml/2006/main">
-  <p:cSld>
-    <p:spTree>
-      <p:nvGrpSpPr>
-        <p:cNvPr id="1" name=""/>
-        <p:cNvGrpSpPr/>
-        <p:nvPr/>
-      </p:nvGrpSpPr>
-      <p:grpSpPr>
-        <a:xfrm>
-          <a:off x="0" y="0"/>
-          <a:ext cx="0" cy="0"/>
-          <a:chOff x="0" y="0"/>
-          <a:chExt cx="0" cy="0"/>
-        </a:xfrm>
-      </p:grpSpPr>
-      <p:sp>
-        <p:nvSpPr>
-          <p:cNvPr id="2" name="Title 1"/>
-          <p:cNvSpPr>
-            <a:spLocks noGrp="1"/>
-          </p:cNvSpPr>
-          <p:nvPr>
-            <p:ph type="title"/>
-          </p:nvPr>
-        </p:nvSpPr>
-        <p:spPr/>
-        <p:txBody>
-          <a:bodyPr/>
-          <a:lstStyle/>
-          <a:p>
-            <a:r>
-              <a:rPr lang="en-US" dirty="0" smtClean="0"/>
-              <a:t>Extend Functionality</a:t>
-            </a:r>
-            <a:endParaRPr lang="en-US" dirty="0"/>
-          </a:p>
-        </p:txBody>
-      </p:sp>
-      <p:sp>
-        <p:nvSpPr>
-          <p:cNvPr id="3" name="Content Placeholder 2"/>
-          <p:cNvSpPr>
-            <a:spLocks noGrp="1"/>
-          </p:cNvSpPr>
-          <p:nvPr>
-            <p:ph idx="1"/>
-          </p:nvPr>
-        </p:nvSpPr>
-        <p:spPr/>
-        <p:txBody>
-          <a:bodyPr/>
-          <a:lstStyle/>
-          <a:p>
-            <a:r>
-              <a:rPr lang="en-US" dirty="0"/>
-              <a:t>Implement an </a:t>
-            </a:r>
-            <a:r>
-              <a:rPr lang="en-US" dirty="0" err="1"/>
-              <a:t>InvincibilityDrop</a:t>
-            </a:r>
-            <a:r>
-              <a:rPr lang="en-US" dirty="0"/>
-              <a:t> </a:t>
-            </a:r>
-          </a:p>
-          <a:p>
-            <a:pPr lvl="1"/>
-            <a:r>
-              <a:rPr lang="en-US" dirty="0" smtClean="0"/>
-              <a:t>makes </a:t>
-            </a:r>
-            <a:r>
-              <a:rPr lang="en-US" dirty="0"/>
-              <a:t>a </a:t>
-            </a:r>
-            <a:r>
-              <a:rPr lang="en-US" dirty="0" err="1"/>
-              <a:t>BouncingPlatform</a:t>
-            </a:r>
-            <a:r>
-              <a:rPr lang="en-US" dirty="0"/>
-              <a:t> </a:t>
-            </a:r>
-            <a:r>
-              <a:rPr lang="en-US" dirty="0" smtClean="0"/>
-              <a:t>invincible </a:t>
-            </a:r>
-            <a:r>
-              <a:rPr lang="en-US" dirty="0"/>
-              <a:t>for 50 </a:t>
-            </a:r>
-            <a:r>
-              <a:rPr lang="en-US" dirty="0" smtClean="0"/>
-              <a:t>ticks</a:t>
-            </a:r>
-            <a:r>
-              <a:rPr lang="en-US" u="sng" dirty="0" smtClean="0"/>
-              <a:t> </a:t>
-            </a:r>
-            <a:endParaRPr lang="en-US" dirty="0"/>
-          </a:p>
-          <a:p>
-            <a:pPr lvl="1"/>
-            <a:r>
-              <a:rPr lang="en-US" dirty="0" smtClean="0"/>
-              <a:t>drops should not affect platforms when invincible</a:t>
-            </a:r>
-            <a:endParaRPr lang="en-US" dirty="0"/>
-          </a:p>
-          <a:p>
-            <a:pPr lvl="1"/>
-            <a:r>
-              <a:rPr lang="en-US" dirty="0" smtClean="0"/>
-              <a:t>color </a:t>
-            </a:r>
-            <a:r>
-              <a:rPr lang="en-US" dirty="0"/>
-              <a:t>should be Yellow</a:t>
-            </a:r>
-          </a:p>
-          <a:p>
-            <a:pPr lvl="1"/>
-            <a:r>
-              <a:rPr lang="en-US" dirty="0" smtClean="0"/>
-              <a:t>size </a:t>
-            </a:r>
-            <a:r>
-              <a:rPr lang="en-US" dirty="0"/>
-              <a:t>should be </a:t>
-            </a:r>
-            <a:r>
-              <a:rPr lang="en-US" dirty="0" smtClean="0"/>
-              <a:t>20</a:t>
-            </a:r>
-          </a:p>
-          <a:p>
-            <a:pPr lvl="1"/>
-            <a:r>
-              <a:rPr lang="en-US" dirty="0" smtClean="0"/>
-              <a:t>absorbed by </a:t>
-            </a:r>
-            <a:r>
-              <a:rPr lang="en-US" dirty="0" err="1" smtClean="0"/>
-              <a:t>UserControlledPlatform</a:t>
-            </a:r>
-            <a:r>
-              <a:rPr lang="en-US" dirty="0" smtClean="0"/>
-              <a:t> like others</a:t>
-            </a:r>
-            <a:endParaRPr lang="en-US" dirty="0"/>
-          </a:p>
-        </p:txBody>
-      </p:sp>
-    </p:spTree>
-    <p:extLst>
-      <p:ext uri="{BB962C8B-B14F-4D97-AF65-F5344CB8AC3E}">
-        <p14:creationId xmlns:p14="http://schemas.microsoft.com/office/powerpoint/2010/main" val="3961337595"/>
-      </p:ext>
-    </p:extLst>
-  </p:cSld>
-  <p:clrMapOvr>
-    <a:masterClrMapping/>
-  </p:clrMapOvr>
-</p:sld>
-</file>
-
-<file path=ppt/slides/slide6.xml><?xml version="1.0" encoding="utf-8"?>
-<p:sld xmlns:a="http://schemas.openxmlformats.org/drawingml/2006/main" xmlns:r="http://schemas.openxmlformats.org/officeDocument/2006/relationships" xmlns:p="http://schemas.openxmlformats.org/presentationml/2006/main">
-  <p:cSld>
-    <p:spTree>
-      <p:nvGrpSpPr>
-        <p:cNvPr id="1" name=""/>
-        <p:cNvGrpSpPr/>
-        <p:nvPr/>
-      </p:nvGrpSpPr>
-      <p:grpSpPr>
-        <a:xfrm>
-          <a:off x="0" y="0"/>
-          <a:ext cx="0" cy="0"/>
-          <a:chOff x="0" y="0"/>
-          <a:chExt cx="0" cy="0"/>
-        </a:xfrm>
-      </p:grpSpPr>
-      <p:sp>
-        <p:nvSpPr>
-          <p:cNvPr id="2" name="Title 1"/>
-          <p:cNvSpPr>
-            <a:spLocks noGrp="1"/>
-          </p:cNvSpPr>
-          <p:nvPr>
-            <p:ph type="title"/>
-          </p:nvPr>
-        </p:nvSpPr>
-        <p:spPr/>
-        <p:txBody>
-          <a:bodyPr/>
-          <a:lstStyle/>
-          <a:p>
-            <a:r>
-              <a:rPr lang="en-US" dirty="0" smtClean="0"/>
-              <a:t>GameComponent.java</a:t>
-            </a:r>
-            <a:endParaRPr lang="en-US" dirty="0"/>
-          </a:p>
-        </p:txBody>
-      </p:sp>
-      <p:sp>
-        <p:nvSpPr>
-          <p:cNvPr id="3" name="Content Placeholder 2"/>
-          <p:cNvSpPr>
-            <a:spLocks noGrp="1"/>
-          </p:cNvSpPr>
-          <p:nvPr>
-            <p:ph idx="1"/>
-          </p:nvPr>
-        </p:nvSpPr>
-        <p:spPr/>
-        <p:txBody>
-          <a:bodyPr/>
-          <a:lstStyle/>
-          <a:p>
-            <a:r>
-              <a:rPr lang="en-US" sz="2800" dirty="0" smtClean="0"/>
-              <a:t>Let’s look how collisions are handled</a:t>
-            </a:r>
-          </a:p>
-          <a:p>
-            <a:r>
-              <a:rPr lang="en-US" sz="2800" dirty="0" smtClean="0"/>
-              <a:t>Where would changes in code need to happen?</a:t>
-            </a:r>
-          </a:p>
-          <a:p>
-            <a:r>
-              <a:rPr lang="en-US" sz="2800" dirty="0" smtClean="0"/>
-              <a:t>Look for examples of “type predicated code”</a:t>
-            </a:r>
-          </a:p>
-          <a:p>
-            <a:pPr lvl="1"/>
-            <a:r>
-              <a:rPr lang="en-US" sz="2400" dirty="0" smtClean="0"/>
-              <a:t>Why is this hard to use/extend?</a:t>
-            </a:r>
-          </a:p>
-          <a:p>
-            <a:endParaRPr lang="en-US" sz="2800" dirty="0"/>
-          </a:p>
-        </p:txBody>
-      </p:sp>
-    </p:spTree>
-    <p:extLst>
-      <p:ext uri="{BB962C8B-B14F-4D97-AF65-F5344CB8AC3E}">
-        <p14:creationId xmlns:p14="http://schemas.microsoft.com/office/powerpoint/2010/main" val="4276672556"/>
-      </p:ext>
-    </p:extLst>
-  </p:cSld>
-  <p:clrMapOvr>
-    <a:masterClrMapping/>
-  </p:clrMapOvr>
-</p:sld>
-</file>
-
-<file path=ppt/slides/slide7.xml><?xml version="1.0" encoding="utf-8"?>
-<p:sld xmlns:a="http://schemas.openxmlformats.org/drawingml/2006/main" xmlns:r="http://schemas.openxmlformats.org/officeDocument/2006/relationships" xmlns:p="http://schemas.openxmlformats.org/presentationml/2006/main">
-  <p:cSld>
-    <p:spTree>
-      <p:nvGrpSpPr>
-        <p:cNvPr id="1" name=""/>
-        <p:cNvGrpSpPr/>
-        <p:nvPr/>
-      </p:nvGrpSpPr>
-      <p:grpSpPr>
-        <a:xfrm>
-          <a:off x="0" y="0"/>
-          <a:ext cx="0" cy="0"/>
-          <a:chOff x="0" y="0"/>
-          <a:chExt cx="0" cy="0"/>
-        </a:xfrm>
-      </p:grpSpPr>
-      <p:sp>
-        <p:nvSpPr>
-          <p:cNvPr id="2" name="Title 1"/>
-          <p:cNvSpPr>
-            <a:spLocks noGrp="1"/>
-          </p:cNvSpPr>
-          <p:nvPr>
-            <p:ph type="title"/>
-          </p:nvPr>
-        </p:nvSpPr>
-        <p:spPr/>
-        <p:txBody>
-          <a:bodyPr/>
-          <a:lstStyle/>
-          <a:p>
-            <a:r>
-              <a:rPr lang="en-US" dirty="0" smtClean="0"/>
-              <a:t>Collision Chart</a:t>
-            </a:r>
             <a:endParaRPr lang="en-US" dirty="0"/>
           </a:p>
         </p:txBody>
@@ -7749,7 +7348,7 @@
           <p:nvPr>
             <p:extLst>
               <p:ext uri="{D42A27DB-BD31-4B8C-83A1-F6EECF244321}">
-                <p14:modId xmlns:p14="http://schemas.microsoft.com/office/powerpoint/2010/main" val="1486781072"/>
+                <p14:modId xmlns:p14="http://schemas.microsoft.com/office/powerpoint/2010/main" val="3577914708"/>
               </p:ext>
             </p:extLst>
           </p:nvPr>
@@ -7904,6 +7503,10 @@
                     <a:bodyPr/>
                     <a:lstStyle/>
                     <a:p>
+                      <a:r>
+                        <a:rPr lang="en-US" sz="2400" dirty="0" smtClean="0"/>
+                        <a:t>X</a:t>
+                      </a:r>
                       <a:endParaRPr lang="en-US" sz="2400" dirty="0"/>
                     </a:p>
                   </a:txBody>
@@ -7914,6 +7517,10 @@
                     <a:bodyPr/>
                     <a:lstStyle/>
                     <a:p>
+                      <a:r>
+                        <a:rPr lang="en-US" sz="2400" dirty="0" smtClean="0"/>
+                        <a:t>X</a:t>
+                      </a:r>
                       <a:endParaRPr lang="en-US" sz="2400" dirty="0"/>
                     </a:p>
                   </a:txBody>
@@ -7924,7 +7531,11 @@
                     <a:bodyPr/>
                     <a:lstStyle/>
                     <a:p>
-                      <a:endParaRPr lang="en-US" sz="2400"/>
+                      <a:r>
+                        <a:rPr lang="en-US" sz="2400" dirty="0" smtClean="0"/>
+                        <a:t>X</a:t>
+                      </a:r>
+                      <a:endParaRPr lang="en-US" sz="2400" dirty="0"/>
                     </a:p>
                   </a:txBody>
                   <a:tcPr marL="129683" marR="129683" marT="64842" marB="64842"/>
@@ -7955,26 +7566,10 @@
                     <a:bodyPr/>
                     <a:lstStyle/>
                     <a:p>
-                      <a:endParaRPr lang="en-US" sz="2400"/>
-                    </a:p>
-                  </a:txBody>
-                  <a:tcPr marL="129683" marR="129683" marT="64842" marB="64842"/>
-                </a:tc>
-                <a:tc>
-                  <a:txBody>
-                    <a:bodyPr/>
-                    <a:lstStyle/>
-                    <a:p>
-                      <a:endParaRPr lang="en-US" sz="2400"/>
-                    </a:p>
-                  </a:txBody>
-                  <a:tcPr marL="129683" marR="129683" marT="64842" marB="64842"/>
-                </a:tc>
-                <a:tc>
-                  <a:txBody>
-                    <a:bodyPr/>
-                    <a:lstStyle/>
-                    <a:p>
+                      <a:r>
+                        <a:rPr lang="en-US" sz="2400" dirty="0" smtClean="0"/>
+                        <a:t>X</a:t>
+                      </a:r>
                       <a:endParaRPr lang="en-US" sz="2400" dirty="0"/>
                     </a:p>
                   </a:txBody>
@@ -7985,7 +7580,39 @@
                     <a:bodyPr/>
                     <a:lstStyle/>
                     <a:p>
-                      <a:endParaRPr lang="en-US" sz="2400"/>
+                      <a:r>
+                        <a:rPr lang="en-US" sz="2400" dirty="0" smtClean="0"/>
+                        <a:t>X</a:t>
+                      </a:r>
+                      <a:endParaRPr lang="en-US" sz="2400" dirty="0"/>
+                    </a:p>
+                  </a:txBody>
+                  <a:tcPr marL="129683" marR="129683" marT="64842" marB="64842"/>
+                </a:tc>
+                <a:tc>
+                  <a:txBody>
+                    <a:bodyPr/>
+                    <a:lstStyle/>
+                    <a:p>
+                      <a:r>
+                        <a:rPr lang="en-US" sz="2400" dirty="0" smtClean="0"/>
+                        <a:t>X</a:t>
+                      </a:r>
+                      <a:endParaRPr lang="en-US" sz="2400" dirty="0"/>
+                    </a:p>
+                  </a:txBody>
+                  <a:tcPr marL="129683" marR="129683" marT="64842" marB="64842"/>
+                </a:tc>
+                <a:tc>
+                  <a:txBody>
+                    <a:bodyPr/>
+                    <a:lstStyle/>
+                    <a:p>
+                      <a:r>
+                        <a:rPr lang="en-US" sz="2400" dirty="0" smtClean="0"/>
+                        <a:t>X</a:t>
+                      </a:r>
+                      <a:endParaRPr lang="en-US" sz="2400" dirty="0"/>
                     </a:p>
                   </a:txBody>
                   <a:tcPr marL="129683" marR="129683" marT="64842" marB="64842"/>
@@ -8016,17 +7643,25 @@
                     <a:bodyPr/>
                     <a:lstStyle/>
                     <a:p>
-                      <a:endParaRPr lang="en-US" sz="2400"/>
-                    </a:p>
-                  </a:txBody>
-                  <a:tcPr marL="129683" marR="129683" marT="64842" marB="64842"/>
-                </a:tc>
-                <a:tc>
-                  <a:txBody>
-                    <a:bodyPr/>
-                    <a:lstStyle/>
-                    <a:p>
-                      <a:endParaRPr lang="en-US" sz="2400"/>
+                      <a:r>
+                        <a:rPr lang="en-US" sz="2400" dirty="0" smtClean="0"/>
+                        <a:t>X</a:t>
+                      </a:r>
+                      <a:endParaRPr lang="en-US" sz="2400" dirty="0"/>
+                    </a:p>
+                  </a:txBody>
+                  <a:tcPr marL="129683" marR="129683" marT="64842" marB="64842"/>
+                </a:tc>
+                <a:tc>
+                  <a:txBody>
+                    <a:bodyPr/>
+                    <a:lstStyle/>
+                    <a:p>
+                      <a:r>
+                        <a:rPr lang="en-US" sz="2400" dirty="0" smtClean="0"/>
+                        <a:t>X</a:t>
+                      </a:r>
+                      <a:endParaRPr lang="en-US" sz="2400" dirty="0"/>
                     </a:p>
                   </a:txBody>
                   <a:tcPr marL="129683" marR="129683" marT="64842" marB="64842"/>
@@ -8077,17 +7712,25 @@
                     <a:bodyPr/>
                     <a:lstStyle/>
                     <a:p>
-                      <a:endParaRPr lang="en-US" sz="2400"/>
-                    </a:p>
-                  </a:txBody>
-                  <a:tcPr marL="129683" marR="129683" marT="64842" marB="64842"/>
-                </a:tc>
-                <a:tc>
-                  <a:txBody>
-                    <a:bodyPr/>
-                    <a:lstStyle/>
-                    <a:p>
-                      <a:endParaRPr lang="en-US" sz="2400"/>
+                      <a:r>
+                        <a:rPr lang="en-US" sz="2400" dirty="0" smtClean="0"/>
+                        <a:t>X</a:t>
+                      </a:r>
+                      <a:endParaRPr lang="en-US" sz="2400" dirty="0"/>
+                    </a:p>
+                  </a:txBody>
+                  <a:tcPr marL="129683" marR="129683" marT="64842" marB="64842"/>
+                </a:tc>
+                <a:tc>
+                  <a:txBody>
+                    <a:bodyPr/>
+                    <a:lstStyle/>
+                    <a:p>
+                      <a:r>
+                        <a:rPr lang="en-US" sz="2400" dirty="0" smtClean="0"/>
+                        <a:t>X</a:t>
+                      </a:r>
+                      <a:endParaRPr lang="en-US" sz="2400" dirty="0"/>
                     </a:p>
                   </a:txBody>
                   <a:tcPr marL="129683" marR="129683" marT="64842" marB="64842"/>
@@ -8122,46 +7765,812 @@
           </a:graphicData>
         </a:graphic>
       </p:graphicFrame>
-      <p:sp>
-        <p:nvSpPr>
-          <p:cNvPr id="5" name="TextBox 4"/>
-          <p:cNvSpPr txBox="1"/>
-          <p:nvPr/>
-        </p:nvSpPr>
-        <p:spPr>
-          <a:xfrm>
-            <a:off x="359226" y="2438400"/>
-            <a:ext cx="8449612" cy="584775"/>
-          </a:xfrm>
-          <a:prstGeom prst="rect">
-            <a:avLst/>
-          </a:prstGeom>
-          <a:noFill/>
-        </p:spPr>
-        <p:txBody>
-          <a:bodyPr wrap="square" rtlCol="0">
-            <a:spAutoFit/>
-          </a:bodyPr>
-          <a:lstStyle/>
-          <a:p>
-            <a:r>
-              <a:rPr lang="en-US" sz="3200" dirty="0" smtClean="0"/>
-              <a:t>When do collisions happen?</a:t>
-            </a:r>
-            <a:endParaRPr lang="en-US" sz="3200" dirty="0"/>
-          </a:p>
-        </p:txBody>
-      </p:sp>
     </p:spTree>
     <p:extLst>
       <p:ext uri="{BB962C8B-B14F-4D97-AF65-F5344CB8AC3E}">
-        <p14:creationId xmlns:p14="http://schemas.microsoft.com/office/powerpoint/2010/main" val="1718063911"/>
+        <p14:creationId xmlns:p14="http://schemas.microsoft.com/office/powerpoint/2010/main" val="1951997951"/>
       </p:ext>
     </p:extLst>
   </p:cSld>
   <p:clrMapOvr>
     <a:masterClrMapping/>
   </p:clrMapOvr>
+  <p:timing>
+    <p:tnLst>
+      <p:par>
+        <p:cTn id="1" dur="indefinite" restart="never" nodeType="tmRoot"/>
+      </p:par>
+    </p:tnLst>
+  </p:timing>
+</p:sld>
+</file>
+
+<file path=ppt/slides/slide21.xml><?xml version="1.0" encoding="utf-8"?>
+<p:sld xmlns:a="http://schemas.openxmlformats.org/drawingml/2006/main" xmlns:r="http://schemas.openxmlformats.org/officeDocument/2006/relationships" xmlns:p="http://schemas.openxmlformats.org/presentationml/2006/main">
+  <p:cSld>
+    <p:spTree>
+      <p:nvGrpSpPr>
+        <p:cNvPr id="1" name=""/>
+        <p:cNvGrpSpPr/>
+        <p:nvPr/>
+      </p:nvGrpSpPr>
+      <p:grpSpPr>
+        <a:xfrm>
+          <a:off x="0" y="0"/>
+          <a:ext cx="0" cy="0"/>
+          <a:chOff x="0" y="0"/>
+          <a:chExt cx="0" cy="0"/>
+        </a:xfrm>
+      </p:grpSpPr>
+      <p:sp>
+        <p:nvSpPr>
+          <p:cNvPr id="2" name="Title 1"/>
+          <p:cNvSpPr>
+            <a:spLocks noGrp="1"/>
+          </p:cNvSpPr>
+          <p:nvPr>
+            <p:ph type="title"/>
+          </p:nvPr>
+        </p:nvSpPr>
+        <p:spPr/>
+        <p:txBody>
+          <a:bodyPr/>
+          <a:lstStyle/>
+          <a:p>
+            <a:r>
+              <a:rPr lang="en-US" dirty="0" smtClean="0"/>
+              <a:t>Double/Multiple Dispatch</a:t>
+            </a:r>
+            <a:endParaRPr lang="en-US" dirty="0"/>
+          </a:p>
+        </p:txBody>
+      </p:sp>
+      <p:sp>
+        <p:nvSpPr>
+          <p:cNvPr id="3" name="Content Placeholder 2"/>
+          <p:cNvSpPr>
+            <a:spLocks noGrp="1"/>
+          </p:cNvSpPr>
+          <p:nvPr>
+            <p:ph idx="1"/>
+          </p:nvPr>
+        </p:nvSpPr>
+        <p:spPr/>
+        <p:txBody>
+          <a:bodyPr/>
+          <a:lstStyle/>
+          <a:p>
+            <a:r>
+              <a:rPr lang="en-US" dirty="0" smtClean="0"/>
+              <a:t>Another advanced technique</a:t>
+            </a:r>
+          </a:p>
+          <a:p>
+            <a:r>
+              <a:rPr lang="en-US" dirty="0" smtClean="0"/>
+              <a:t>Helps especially when you want to store all objects in a single list</a:t>
+            </a:r>
+          </a:p>
+          <a:p>
+            <a:r>
+              <a:rPr lang="en-US" dirty="0" smtClean="0"/>
+              <a:t>Requires some boilerplate code</a:t>
+            </a:r>
+          </a:p>
+          <a:p>
+            <a:r>
+              <a:rPr lang="en-US" dirty="0" smtClean="0"/>
+              <a:t>Trade-offs as with many design choices</a:t>
+            </a:r>
+          </a:p>
+          <a:p>
+            <a:r>
+              <a:rPr lang="en-US" dirty="0" smtClean="0"/>
+              <a:t>When many different things are interacting with many different things</a:t>
+            </a:r>
+          </a:p>
+          <a:p>
+            <a:r>
+              <a:rPr lang="en-US" dirty="0" smtClean="0"/>
+              <a:t>Additional slides and project available to see</a:t>
+            </a:r>
+            <a:endParaRPr lang="en-US" dirty="0"/>
+          </a:p>
+        </p:txBody>
+      </p:sp>
+    </p:spTree>
+    <p:extLst>
+      <p:ext uri="{BB962C8B-B14F-4D97-AF65-F5344CB8AC3E}">
+        <p14:creationId xmlns:p14="http://schemas.microsoft.com/office/powerpoint/2010/main" val="310926887"/>
+      </p:ext>
+    </p:extLst>
+  </p:cSld>
+  <p:clrMapOvr>
+    <a:masterClrMapping/>
+  </p:clrMapOvr>
+  <p:timing>
+    <p:tnLst>
+      <p:par>
+        <p:cTn id="1" dur="indefinite" restart="never" nodeType="tmRoot"/>
+      </p:par>
+    </p:tnLst>
+  </p:timing>
+</p:sld>
+</file>
+
+<file path=ppt/slides/slide3.xml><?xml version="1.0" encoding="utf-8"?>
+<p:sld xmlns:a="http://schemas.openxmlformats.org/drawingml/2006/main" xmlns:r="http://schemas.openxmlformats.org/officeDocument/2006/relationships" xmlns:p="http://schemas.openxmlformats.org/presentationml/2006/main" show="0">
+  <p:cSld>
+    <p:spTree>
+      <p:nvGrpSpPr>
+        <p:cNvPr id="1" name=""/>
+        <p:cNvGrpSpPr/>
+        <p:nvPr/>
+      </p:nvGrpSpPr>
+      <p:grpSpPr>
+        <a:xfrm>
+          <a:off x="0" y="0"/>
+          <a:ext cx="0" cy="0"/>
+          <a:chOff x="0" y="0"/>
+          <a:chExt cx="0" cy="0"/>
+        </a:xfrm>
+      </p:grpSpPr>
+      <p:sp>
+        <p:nvSpPr>
+          <p:cNvPr id="2" name="Title 1"/>
+          <p:cNvSpPr>
+            <a:spLocks noGrp="1"/>
+          </p:cNvSpPr>
+          <p:nvPr>
+            <p:ph type="title"/>
+          </p:nvPr>
+        </p:nvSpPr>
+        <p:spPr/>
+        <p:txBody>
+          <a:bodyPr/>
+          <a:lstStyle/>
+          <a:p>
+            <a:r>
+              <a:rPr lang="en-US" dirty="0" smtClean="0"/>
+              <a:t>The specific problem</a:t>
+            </a:r>
+            <a:endParaRPr lang="en-US" dirty="0"/>
+          </a:p>
+        </p:txBody>
+      </p:sp>
+      <p:sp>
+        <p:nvSpPr>
+          <p:cNvPr id="3" name="Content Placeholder 2"/>
+          <p:cNvSpPr>
+            <a:spLocks noGrp="1"/>
+          </p:cNvSpPr>
+          <p:nvPr>
+            <p:ph idx="1"/>
+          </p:nvPr>
+        </p:nvSpPr>
+        <p:spPr/>
+        <p:txBody>
+          <a:bodyPr>
+            <a:normAutofit/>
+          </a:bodyPr>
+          <a:lstStyle/>
+          <a:p>
+            <a:r>
+              <a:rPr lang="en-US" dirty="0" smtClean="0"/>
+              <a:t>Monsters can collide with rocks.</a:t>
+            </a:r>
+          </a:p>
+          <a:p>
+            <a:r>
+              <a:rPr lang="en-US" dirty="0" smtClean="0"/>
+              <a:t>Rocks can crush monsters.</a:t>
+            </a:r>
+          </a:p>
+          <a:p>
+            <a:r>
+              <a:rPr lang="en-US" dirty="0" smtClean="0"/>
+              <a:t>Players can collide with monsters.</a:t>
+            </a:r>
+          </a:p>
+          <a:p>
+            <a:r>
+              <a:rPr lang="en-US" dirty="0" smtClean="0"/>
+              <a:t>Players can be crushed by rocks.</a:t>
+            </a:r>
+          </a:p>
+          <a:p>
+            <a:r>
+              <a:rPr lang="en-US" dirty="0" smtClean="0"/>
+              <a:t>Players can take </a:t>
+            </a:r>
+            <a:r>
+              <a:rPr lang="en-US" dirty="0" err="1" smtClean="0"/>
+              <a:t>powerups</a:t>
+            </a:r>
+            <a:r>
+              <a:rPr lang="en-US" dirty="0" smtClean="0"/>
+              <a:t>.</a:t>
+            </a:r>
+          </a:p>
+          <a:p>
+            <a:endParaRPr lang="en-US" dirty="0"/>
+          </a:p>
+          <a:p>
+            <a:pPr marL="0" indent="0">
+              <a:buNone/>
+            </a:pPr>
+            <a:r>
+              <a:rPr lang="en-US" dirty="0" smtClean="0"/>
+              <a:t>So many collisions! How do we handle them all?</a:t>
+            </a:r>
+            <a:endParaRPr lang="en-US" dirty="0"/>
+          </a:p>
+        </p:txBody>
+      </p:sp>
+    </p:spTree>
+    <p:extLst>
+      <p:ext uri="{BB962C8B-B14F-4D97-AF65-F5344CB8AC3E}">
+        <p14:creationId xmlns:p14="http://schemas.microsoft.com/office/powerpoint/2010/main" val="3208378425"/>
+      </p:ext>
+    </p:extLst>
+  </p:cSld>
+  <p:clrMapOvr>
+    <a:masterClrMapping/>
+  </p:clrMapOvr>
+  <mc:AlternateContent xmlns:mc="http://schemas.openxmlformats.org/markup-compatibility/2006">
+    <mc:Choice xmlns:p14="http://schemas.microsoft.com/office/powerpoint/2010/main" Requires="p14">
+      <p:transition spd="slow" p14:dur="2000"/>
+    </mc:Choice>
+    <mc:Fallback>
+      <p:transition spd="slow"/>
+    </mc:Fallback>
+  </mc:AlternateContent>
+  <p:timing>
+    <p:tnLst>
+      <p:par>
+        <p:cTn id="1" dur="indefinite" restart="never" nodeType="tmRoot"/>
+      </p:par>
+    </p:tnLst>
+  </p:timing>
+</p:sld>
+</file>
+
+<file path=ppt/slides/slide4.xml><?xml version="1.0" encoding="utf-8"?>
+<p:sld xmlns:a="http://schemas.openxmlformats.org/drawingml/2006/main" xmlns:r="http://schemas.openxmlformats.org/officeDocument/2006/relationships" xmlns:p="http://schemas.openxmlformats.org/presentationml/2006/main">
+  <p:cSld>
+    <p:spTree>
+      <p:nvGrpSpPr>
+        <p:cNvPr id="1" name=""/>
+        <p:cNvGrpSpPr/>
+        <p:nvPr/>
+      </p:nvGrpSpPr>
+      <p:grpSpPr>
+        <a:xfrm>
+          <a:off x="0" y="0"/>
+          <a:ext cx="0" cy="0"/>
+          <a:chOff x="0" y="0"/>
+          <a:chExt cx="0" cy="0"/>
+        </a:xfrm>
+      </p:grpSpPr>
+      <p:sp>
+        <p:nvSpPr>
+          <p:cNvPr id="2" name="Title 1"/>
+          <p:cNvSpPr>
+            <a:spLocks noGrp="1"/>
+          </p:cNvSpPr>
+          <p:nvPr>
+            <p:ph type="title"/>
+          </p:nvPr>
+        </p:nvSpPr>
+        <p:spPr/>
+        <p:txBody>
+          <a:bodyPr/>
+          <a:lstStyle/>
+          <a:p>
+            <a:r>
+              <a:rPr lang="en-US" dirty="0" smtClean="0"/>
+              <a:t>Handling Collisions in General</a:t>
+            </a:r>
+            <a:endParaRPr lang="en-US" dirty="0"/>
+          </a:p>
+        </p:txBody>
+      </p:sp>
+      <p:sp>
+        <p:nvSpPr>
+          <p:cNvPr id="3" name="Content Placeholder 2"/>
+          <p:cNvSpPr>
+            <a:spLocks noGrp="1"/>
+          </p:cNvSpPr>
+          <p:nvPr>
+            <p:ph idx="1"/>
+          </p:nvPr>
+        </p:nvSpPr>
+        <p:spPr/>
+        <p:txBody>
+          <a:bodyPr/>
+          <a:lstStyle/>
+          <a:p>
+            <a:r>
+              <a:rPr lang="en-US" dirty="0" smtClean="0"/>
+              <a:t>Many ways it can be done</a:t>
+            </a:r>
+          </a:p>
+          <a:p>
+            <a:r>
+              <a:rPr lang="en-US" dirty="0" smtClean="0"/>
+              <a:t>Good design principles</a:t>
+            </a:r>
+          </a:p>
+          <a:p>
+            <a:pPr lvl="1"/>
+            <a:r>
+              <a:rPr lang="en-US" dirty="0" smtClean="0"/>
+              <a:t>Make it </a:t>
+            </a:r>
+            <a:r>
+              <a:rPr lang="en-US" b="1" dirty="0" smtClean="0"/>
+              <a:t>easy to use and extend code</a:t>
+            </a:r>
+          </a:p>
+          <a:p>
+            <a:r>
+              <a:rPr lang="en-US" dirty="0" smtClean="0"/>
+              <a:t>Functional but bad design principles</a:t>
+            </a:r>
+          </a:p>
+          <a:p>
+            <a:pPr lvl="1"/>
+            <a:r>
+              <a:rPr lang="en-US" dirty="0" smtClean="0"/>
+              <a:t>Use “type predicated code”</a:t>
+            </a:r>
+          </a:p>
+          <a:p>
+            <a:pPr lvl="1"/>
+            <a:r>
+              <a:rPr lang="en-US" dirty="0" smtClean="0"/>
+              <a:t>… if ( “</a:t>
+            </a:r>
+            <a:r>
+              <a:rPr lang="en-US" dirty="0" err="1"/>
+              <a:t>i</a:t>
+            </a:r>
+            <a:r>
+              <a:rPr lang="en-US" dirty="0" err="1" smtClean="0"/>
+              <a:t>nstanceof</a:t>
+            </a:r>
+            <a:r>
+              <a:rPr lang="en-US" dirty="0" smtClean="0"/>
+              <a:t>, </a:t>
+            </a:r>
+            <a:r>
+              <a:rPr lang="en-US" dirty="0" err="1" smtClean="0"/>
+              <a:t>getClass</a:t>
+            </a:r>
+            <a:r>
+              <a:rPr lang="en-US" dirty="0" smtClean="0"/>
+              <a:t>(), </a:t>
+            </a:r>
+            <a:r>
+              <a:rPr lang="en-US" dirty="0" err="1" smtClean="0"/>
+              <a:t>getType</a:t>
+            </a:r>
+            <a:r>
+              <a:rPr lang="en-US" dirty="0" smtClean="0"/>
+              <a:t>()” ==/equals)</a:t>
+            </a:r>
+          </a:p>
+          <a:p>
+            <a:pPr lvl="1"/>
+            <a:r>
+              <a:rPr lang="en-US" dirty="0" smtClean="0"/>
+              <a:t>OUTLAWED in your project design!</a:t>
+            </a:r>
+          </a:p>
+          <a:p>
+            <a:pPr lvl="1"/>
+            <a:r>
+              <a:rPr lang="en-US" dirty="0" smtClean="0"/>
+              <a:t>Your design should not use these at all!</a:t>
+            </a:r>
+            <a:endParaRPr lang="en-US" dirty="0"/>
+          </a:p>
+        </p:txBody>
+      </p:sp>
+    </p:spTree>
+    <p:extLst>
+      <p:ext uri="{BB962C8B-B14F-4D97-AF65-F5344CB8AC3E}">
+        <p14:creationId xmlns:p14="http://schemas.microsoft.com/office/powerpoint/2010/main" val="1608855851"/>
+      </p:ext>
+    </p:extLst>
+  </p:cSld>
+  <p:clrMapOvr>
+    <a:masterClrMapping/>
+  </p:clrMapOvr>
+  <p:timing>
+    <p:tnLst>
+      <p:par>
+        <p:cTn id="1" dur="indefinite" restart="never" nodeType="tmRoot"/>
+      </p:par>
+    </p:tnLst>
+  </p:timing>
+</p:sld>
+</file>
+
+<file path=ppt/slides/slide5.xml><?xml version="1.0" encoding="utf-8"?>
+<p:sld xmlns:a="http://schemas.openxmlformats.org/drawingml/2006/main" xmlns:r="http://schemas.openxmlformats.org/officeDocument/2006/relationships" xmlns:p="http://schemas.openxmlformats.org/presentationml/2006/main">
+  <p:cSld>
+    <p:spTree>
+      <p:nvGrpSpPr>
+        <p:cNvPr id="1" name=""/>
+        <p:cNvGrpSpPr/>
+        <p:nvPr/>
+      </p:nvGrpSpPr>
+      <p:grpSpPr>
+        <a:xfrm>
+          <a:off x="0" y="0"/>
+          <a:ext cx="0" cy="0"/>
+          <a:chOff x="0" y="0"/>
+          <a:chExt cx="0" cy="0"/>
+        </a:xfrm>
+      </p:grpSpPr>
+      <p:sp>
+        <p:nvSpPr>
+          <p:cNvPr id="2" name="Title 1"/>
+          <p:cNvSpPr>
+            <a:spLocks noGrp="1"/>
+          </p:cNvSpPr>
+          <p:nvPr>
+            <p:ph type="title"/>
+          </p:nvPr>
+        </p:nvSpPr>
+        <p:spPr/>
+        <p:txBody>
+          <a:bodyPr/>
+          <a:lstStyle/>
+          <a:p>
+            <a:r>
+              <a:rPr lang="en-US" dirty="0" smtClean="0"/>
+              <a:t>Live Coding</a:t>
+            </a:r>
+            <a:endParaRPr lang="en-US" dirty="0"/>
+          </a:p>
+        </p:txBody>
+      </p:sp>
+      <p:sp>
+        <p:nvSpPr>
+          <p:cNvPr id="3" name="Content Placeholder 2"/>
+          <p:cNvSpPr>
+            <a:spLocks noGrp="1"/>
+          </p:cNvSpPr>
+          <p:nvPr>
+            <p:ph idx="1"/>
+          </p:nvPr>
+        </p:nvSpPr>
+        <p:spPr/>
+        <p:txBody>
+          <a:bodyPr/>
+          <a:lstStyle/>
+          <a:p>
+            <a:r>
+              <a:rPr lang="en-US" dirty="0" smtClean="0"/>
+              <a:t>Let’s consider a simulator with collisions</a:t>
+            </a:r>
+          </a:p>
+          <a:p>
+            <a:r>
+              <a:rPr lang="en-US" dirty="0" smtClean="0"/>
+              <a:t>More Raindrops More Platforms</a:t>
+            </a:r>
+          </a:p>
+          <a:p>
+            <a:r>
+              <a:rPr lang="en-US" dirty="0" smtClean="0"/>
+              <a:t>Run Main.java</a:t>
+            </a:r>
+          </a:p>
+          <a:p>
+            <a:endParaRPr lang="en-US" dirty="0"/>
+          </a:p>
+        </p:txBody>
+      </p:sp>
+    </p:spTree>
+    <p:extLst>
+      <p:ext uri="{BB962C8B-B14F-4D97-AF65-F5344CB8AC3E}">
+        <p14:creationId xmlns:p14="http://schemas.microsoft.com/office/powerpoint/2010/main" val="1736097128"/>
+      </p:ext>
+    </p:extLst>
+  </p:cSld>
+  <p:clrMapOvr>
+    <a:masterClrMapping/>
+  </p:clrMapOvr>
+  <p:timing>
+    <p:tnLst>
+      <p:par>
+        <p:cTn id="1" dur="indefinite" restart="never" nodeType="tmRoot"/>
+      </p:par>
+    </p:tnLst>
+  </p:timing>
+</p:sld>
+</file>
+
+<file path=ppt/slides/slide6.xml><?xml version="1.0" encoding="utf-8"?>
+<p:sld xmlns:a="http://schemas.openxmlformats.org/drawingml/2006/main" xmlns:r="http://schemas.openxmlformats.org/officeDocument/2006/relationships" xmlns:p="http://schemas.openxmlformats.org/presentationml/2006/main">
+  <p:cSld>
+    <p:spTree>
+      <p:nvGrpSpPr>
+        <p:cNvPr id="1" name=""/>
+        <p:cNvGrpSpPr/>
+        <p:nvPr/>
+      </p:nvGrpSpPr>
+      <p:grpSpPr>
+        <a:xfrm>
+          <a:off x="0" y="0"/>
+          <a:ext cx="0" cy="0"/>
+          <a:chOff x="0" y="0"/>
+          <a:chExt cx="0" cy="0"/>
+        </a:xfrm>
+      </p:grpSpPr>
+      <p:sp>
+        <p:nvSpPr>
+          <p:cNvPr id="2" name="Title 1"/>
+          <p:cNvSpPr>
+            <a:spLocks noGrp="1"/>
+          </p:cNvSpPr>
+          <p:nvPr>
+            <p:ph type="title"/>
+          </p:nvPr>
+        </p:nvSpPr>
+        <p:spPr/>
+        <p:txBody>
+          <a:bodyPr/>
+          <a:lstStyle/>
+          <a:p>
+            <a:r>
+              <a:rPr lang="en-US" dirty="0" smtClean="0"/>
+              <a:t>Extend Functionality</a:t>
+            </a:r>
+            <a:endParaRPr lang="en-US" dirty="0"/>
+          </a:p>
+        </p:txBody>
+      </p:sp>
+      <p:sp>
+        <p:nvSpPr>
+          <p:cNvPr id="3" name="Content Placeholder 2"/>
+          <p:cNvSpPr>
+            <a:spLocks noGrp="1"/>
+          </p:cNvSpPr>
+          <p:nvPr>
+            <p:ph idx="1"/>
+          </p:nvPr>
+        </p:nvSpPr>
+        <p:spPr/>
+        <p:txBody>
+          <a:bodyPr/>
+          <a:lstStyle/>
+          <a:p>
+            <a:r>
+              <a:rPr lang="en-US" dirty="0"/>
+              <a:t>Implement an </a:t>
+            </a:r>
+            <a:r>
+              <a:rPr lang="en-US" dirty="0" err="1"/>
+              <a:t>InvincibilityDrop</a:t>
+            </a:r>
+            <a:r>
+              <a:rPr lang="en-US" dirty="0"/>
+              <a:t> </a:t>
+            </a:r>
+          </a:p>
+          <a:p>
+            <a:pPr lvl="1"/>
+            <a:r>
+              <a:rPr lang="en-US" dirty="0" smtClean="0"/>
+              <a:t>makes </a:t>
+            </a:r>
+            <a:r>
+              <a:rPr lang="en-US" dirty="0"/>
+              <a:t>a </a:t>
+            </a:r>
+            <a:r>
+              <a:rPr lang="en-US" dirty="0" err="1"/>
+              <a:t>BouncingPlatform</a:t>
+            </a:r>
+            <a:r>
+              <a:rPr lang="en-US" dirty="0"/>
+              <a:t> </a:t>
+            </a:r>
+            <a:r>
+              <a:rPr lang="en-US" dirty="0" smtClean="0"/>
+              <a:t>invincible </a:t>
+            </a:r>
+            <a:r>
+              <a:rPr lang="en-US" dirty="0"/>
+              <a:t>for 50 </a:t>
+            </a:r>
+            <a:r>
+              <a:rPr lang="en-US" dirty="0" smtClean="0"/>
+              <a:t>ticks</a:t>
+            </a:r>
+            <a:r>
+              <a:rPr lang="en-US" u="sng" dirty="0" smtClean="0"/>
+              <a:t> </a:t>
+            </a:r>
+            <a:endParaRPr lang="en-US" dirty="0"/>
+          </a:p>
+          <a:p>
+            <a:pPr lvl="1"/>
+            <a:r>
+              <a:rPr lang="en-US" dirty="0" smtClean="0"/>
+              <a:t>drops should not affect platforms when invincible</a:t>
+            </a:r>
+            <a:endParaRPr lang="en-US" dirty="0"/>
+          </a:p>
+          <a:p>
+            <a:pPr lvl="1"/>
+            <a:r>
+              <a:rPr lang="en-US" dirty="0" smtClean="0"/>
+              <a:t>color </a:t>
+            </a:r>
+            <a:r>
+              <a:rPr lang="en-US" dirty="0"/>
+              <a:t>should be Yellow</a:t>
+            </a:r>
+          </a:p>
+          <a:p>
+            <a:pPr lvl="1"/>
+            <a:r>
+              <a:rPr lang="en-US" dirty="0" smtClean="0"/>
+              <a:t>size </a:t>
+            </a:r>
+            <a:r>
+              <a:rPr lang="en-US" dirty="0"/>
+              <a:t>should be </a:t>
+            </a:r>
+            <a:r>
+              <a:rPr lang="en-US" dirty="0" smtClean="0"/>
+              <a:t>20</a:t>
+            </a:r>
+          </a:p>
+          <a:p>
+            <a:pPr lvl="1"/>
+            <a:r>
+              <a:rPr lang="en-US" dirty="0" smtClean="0"/>
+              <a:t>absorbed by </a:t>
+            </a:r>
+            <a:r>
+              <a:rPr lang="en-US" dirty="0" err="1" smtClean="0"/>
+              <a:t>UserControlledPlatform</a:t>
+            </a:r>
+            <a:r>
+              <a:rPr lang="en-US" dirty="0" smtClean="0"/>
+              <a:t> like others</a:t>
+            </a:r>
+            <a:endParaRPr lang="en-US" dirty="0"/>
+          </a:p>
+        </p:txBody>
+      </p:sp>
+    </p:spTree>
+    <p:extLst>
+      <p:ext uri="{BB962C8B-B14F-4D97-AF65-F5344CB8AC3E}">
+        <p14:creationId xmlns:p14="http://schemas.microsoft.com/office/powerpoint/2010/main" val="3961337595"/>
+      </p:ext>
+    </p:extLst>
+  </p:cSld>
+  <p:clrMapOvr>
+    <a:masterClrMapping/>
+  </p:clrMapOvr>
+  <p:timing>
+    <p:tnLst>
+      <p:par>
+        <p:cTn id="1" dur="indefinite" restart="never" nodeType="tmRoot"/>
+      </p:par>
+    </p:tnLst>
+  </p:timing>
+</p:sld>
+</file>
+
+<file path=ppt/slides/slide7.xml><?xml version="1.0" encoding="utf-8"?>
+<p:sld xmlns:a="http://schemas.openxmlformats.org/drawingml/2006/main" xmlns:r="http://schemas.openxmlformats.org/officeDocument/2006/relationships" xmlns:p="http://schemas.openxmlformats.org/presentationml/2006/main">
+  <p:cSld>
+    <p:spTree>
+      <p:nvGrpSpPr>
+        <p:cNvPr id="1" name=""/>
+        <p:cNvGrpSpPr/>
+        <p:nvPr/>
+      </p:nvGrpSpPr>
+      <p:grpSpPr>
+        <a:xfrm>
+          <a:off x="0" y="0"/>
+          <a:ext cx="0" cy="0"/>
+          <a:chOff x="0" y="0"/>
+          <a:chExt cx="0" cy="0"/>
+        </a:xfrm>
+      </p:grpSpPr>
+      <p:sp>
+        <p:nvSpPr>
+          <p:cNvPr id="2" name="Title 1"/>
+          <p:cNvSpPr>
+            <a:spLocks noGrp="1"/>
+          </p:cNvSpPr>
+          <p:nvPr>
+            <p:ph type="title"/>
+          </p:nvPr>
+        </p:nvSpPr>
+        <p:spPr/>
+        <p:txBody>
+          <a:bodyPr/>
+          <a:lstStyle/>
+          <a:p>
+            <a:r>
+              <a:rPr lang="en-US" dirty="0" smtClean="0"/>
+              <a:t>GameComponent.java</a:t>
+            </a:r>
+            <a:endParaRPr lang="en-US" dirty="0"/>
+          </a:p>
+        </p:txBody>
+      </p:sp>
+      <p:sp>
+        <p:nvSpPr>
+          <p:cNvPr id="3" name="Content Placeholder 2"/>
+          <p:cNvSpPr>
+            <a:spLocks noGrp="1"/>
+          </p:cNvSpPr>
+          <p:nvPr>
+            <p:ph idx="1"/>
+          </p:nvPr>
+        </p:nvSpPr>
+        <p:spPr/>
+        <p:txBody>
+          <a:bodyPr/>
+          <a:lstStyle/>
+          <a:p>
+            <a:r>
+              <a:rPr lang="en-US" sz="2800" dirty="0" smtClean="0"/>
+              <a:t>Let’s look how collisions are handled</a:t>
+            </a:r>
+          </a:p>
+          <a:p>
+            <a:r>
+              <a:rPr lang="en-US" sz="2800" dirty="0" smtClean="0"/>
+              <a:t>Where would changes in code need to happen?</a:t>
+            </a:r>
+          </a:p>
+          <a:p>
+            <a:r>
+              <a:rPr lang="en-US" sz="2800" dirty="0" smtClean="0"/>
+              <a:t>Look for examples of “type predicated code”</a:t>
+            </a:r>
+          </a:p>
+          <a:p>
+            <a:pPr lvl="1"/>
+            <a:r>
+              <a:rPr lang="en-US" sz="2400" dirty="0" smtClean="0"/>
+              <a:t>Why is this hard to use/extend?</a:t>
+            </a:r>
+          </a:p>
+          <a:p>
+            <a:endParaRPr lang="en-US" sz="2800" dirty="0"/>
+          </a:p>
+        </p:txBody>
+      </p:sp>
+    </p:spTree>
+    <p:extLst>
+      <p:ext uri="{BB962C8B-B14F-4D97-AF65-F5344CB8AC3E}">
+        <p14:creationId xmlns:p14="http://schemas.microsoft.com/office/powerpoint/2010/main" val="4276672556"/>
+      </p:ext>
+    </p:extLst>
+  </p:cSld>
+  <p:clrMapOvr>
+    <a:masterClrMapping/>
+  </p:clrMapOvr>
+  <p:timing>
+    <p:tnLst>
+      <p:par>
+        <p:cTn id="1" dur="indefinite" restart="never" nodeType="tmRoot"/>
+      </p:par>
+    </p:tnLst>
+  </p:timing>
 </p:sld>
 </file>
 
@@ -8214,7 +8623,7 @@
           <p:nvPr>
             <p:extLst>
               <p:ext uri="{D42A27DB-BD31-4B8C-83A1-F6EECF244321}">
-                <p14:modId xmlns:p14="http://schemas.microsoft.com/office/powerpoint/2010/main" val="2253544032"/>
+                <p14:modId xmlns:p14="http://schemas.microsoft.com/office/powerpoint/2010/main" val="1486781072"/>
               </p:ext>
             </p:extLst>
           </p:nvPr>
@@ -8379,10 +8788,6 @@
                     <a:bodyPr/>
                     <a:lstStyle/>
                     <a:p>
-                      <a:r>
-                        <a:rPr lang="en-US" sz="2400" dirty="0" smtClean="0"/>
-                        <a:t>X</a:t>
-                      </a:r>
                       <a:endParaRPr lang="en-US" sz="2400" dirty="0"/>
                     </a:p>
                   </a:txBody>
@@ -8393,11 +8798,7 @@
                     <a:bodyPr/>
                     <a:lstStyle/>
                     <a:p>
-                      <a:r>
-                        <a:rPr lang="en-US" sz="2400" dirty="0" smtClean="0"/>
-                        <a:t>X</a:t>
-                      </a:r>
-                      <a:endParaRPr lang="en-US" sz="2400" dirty="0"/>
+                      <a:endParaRPr lang="en-US" sz="2400"/>
                     </a:p>
                   </a:txBody>
                   <a:tcPr marL="129683" marR="129683" marT="64842" marB="64842"/>
@@ -8448,10 +8849,6 @@
                     <a:bodyPr/>
                     <a:lstStyle/>
                     <a:p>
-                      <a:r>
-                        <a:rPr lang="en-US" sz="2400" dirty="0" smtClean="0"/>
-                        <a:t>X</a:t>
-                      </a:r>
                       <a:endParaRPr lang="en-US" sz="2400" dirty="0"/>
                     </a:p>
                   </a:txBody>
@@ -8462,11 +8859,7 @@
                     <a:bodyPr/>
                     <a:lstStyle/>
                     <a:p>
-                      <a:r>
-                        <a:rPr lang="en-US" sz="2400" dirty="0" smtClean="0"/>
-                        <a:t>X</a:t>
-                      </a:r>
-                      <a:endParaRPr lang="en-US" sz="2400" dirty="0"/>
+                      <a:endParaRPr lang="en-US" sz="2400"/>
                     </a:p>
                   </a:txBody>
                   <a:tcPr marL="129683" marR="129683" marT="64842" marB="64842"/>
@@ -8497,25 +8890,17 @@
                     <a:bodyPr/>
                     <a:lstStyle/>
                     <a:p>
-                      <a:r>
-                        <a:rPr lang="en-US" sz="2400" dirty="0" smtClean="0"/>
-                        <a:t>X</a:t>
-                      </a:r>
-                      <a:endParaRPr lang="en-US" sz="2400" dirty="0"/>
-                    </a:p>
-                  </a:txBody>
-                  <a:tcPr marL="129683" marR="129683" marT="64842" marB="64842"/>
-                </a:tc>
-                <a:tc>
-                  <a:txBody>
-                    <a:bodyPr/>
-                    <a:lstStyle/>
-                    <a:p>
-                      <a:r>
-                        <a:rPr lang="en-US" sz="2400" dirty="0" smtClean="0"/>
-                        <a:t>X</a:t>
-                      </a:r>
-                      <a:endParaRPr lang="en-US" sz="2400" dirty="0"/>
+                      <a:endParaRPr lang="en-US" sz="2400"/>
+                    </a:p>
+                  </a:txBody>
+                  <a:tcPr marL="129683" marR="129683" marT="64842" marB="64842"/>
+                </a:tc>
+                <a:tc>
+                  <a:txBody>
+                    <a:bodyPr/>
+                    <a:lstStyle/>
+                    <a:p>
+                      <a:endParaRPr lang="en-US" sz="2400"/>
                     </a:p>
                   </a:txBody>
                   <a:tcPr marL="129683" marR="129683" marT="64842" marB="64842"/>
@@ -8566,25 +8951,17 @@
                     <a:bodyPr/>
                     <a:lstStyle/>
                     <a:p>
-                      <a:r>
-                        <a:rPr lang="en-US" sz="2400" dirty="0" smtClean="0"/>
-                        <a:t>X</a:t>
-                      </a:r>
-                      <a:endParaRPr lang="en-US" sz="2400" dirty="0"/>
-                    </a:p>
-                  </a:txBody>
-                  <a:tcPr marL="129683" marR="129683" marT="64842" marB="64842"/>
-                </a:tc>
-                <a:tc>
-                  <a:txBody>
-                    <a:bodyPr/>
-                    <a:lstStyle/>
-                    <a:p>
-                      <a:r>
-                        <a:rPr lang="en-US" sz="2400" dirty="0" smtClean="0"/>
-                        <a:t>X</a:t>
-                      </a:r>
-                      <a:endParaRPr lang="en-US" sz="2400" dirty="0"/>
+                      <a:endParaRPr lang="en-US" sz="2400"/>
+                    </a:p>
+                  </a:txBody>
+                  <a:tcPr marL="129683" marR="129683" marT="64842" marB="64842"/>
+                </a:tc>
+                <a:tc>
+                  <a:txBody>
+                    <a:bodyPr/>
+                    <a:lstStyle/>
+                    <a:p>
+                      <a:endParaRPr lang="en-US" sz="2400"/>
                     </a:p>
                   </a:txBody>
                   <a:tcPr marL="129683" marR="129683" marT="64842" marB="64842"/>
@@ -8652,13 +9029,20 @@
     </p:spTree>
     <p:extLst>
       <p:ext uri="{BB962C8B-B14F-4D97-AF65-F5344CB8AC3E}">
-        <p14:creationId xmlns:p14="http://schemas.microsoft.com/office/powerpoint/2010/main" val="1359110176"/>
+        <p14:creationId xmlns:p14="http://schemas.microsoft.com/office/powerpoint/2010/main" val="1718063911"/>
       </p:ext>
     </p:extLst>
   </p:cSld>
   <p:clrMapOvr>
     <a:masterClrMapping/>
   </p:clrMapOvr>
+  <p:timing>
+    <p:tnLst>
+      <p:par>
+        <p:cTn id="1" dur="indefinite" restart="never" nodeType="tmRoot"/>
+      </p:par>
+    </p:tnLst>
+  </p:timing>
 </p:sld>
 </file>
 
@@ -8711,7 +9095,7 @@
           <p:nvPr>
             <p:extLst>
               <p:ext uri="{D42A27DB-BD31-4B8C-83A1-F6EECF244321}">
-                <p14:modId xmlns:p14="http://schemas.microsoft.com/office/powerpoint/2010/main" val="1625645834"/>
+                <p14:modId xmlns:p14="http://schemas.microsoft.com/office/powerpoint/2010/main" val="2253544032"/>
               </p:ext>
             </p:extLst>
           </p:nvPr>
@@ -9124,8 +9508,8 @@
         </p:nvSpPr>
         <p:spPr>
           <a:xfrm>
-            <a:off x="347194" y="1417638"/>
-            <a:ext cx="8449612" cy="1569660"/>
+            <a:off x="359226" y="2438400"/>
+            <a:ext cx="8449612" cy="584775"/>
           </a:xfrm>
           <a:prstGeom prst="rect">
             <a:avLst/>
@@ -9139,31 +9523,30 @@
           <a:lstStyle/>
           <a:p>
             <a:r>
-              <a:rPr lang="en-US" sz="2400" dirty="0" smtClean="0"/>
-              <a:t>When we have multiple objects which interact with the same object, we can use </a:t>
-            </a:r>
-            <a:r>
-              <a:rPr lang="en-US" sz="2400" b="1" i="1" dirty="0" smtClean="0"/>
-              <a:t>inheritance</a:t>
-            </a:r>
-            <a:r>
-              <a:rPr lang="en-US" sz="2400" dirty="0" smtClean="0"/>
-              <a:t> to help us make a design to deal with the collisions. We should have the classes which differ provide the functionality to deal with the collisions.</a:t>
-            </a:r>
-            <a:endParaRPr lang="en-US" sz="2400" dirty="0"/>
+              <a:rPr lang="en-US" sz="3200" dirty="0" smtClean="0"/>
+              <a:t>When do collisions happen?</a:t>
+            </a:r>
+            <a:endParaRPr lang="en-US" sz="3200" dirty="0"/>
           </a:p>
         </p:txBody>
       </p:sp>
     </p:spTree>
     <p:extLst>
       <p:ext uri="{BB962C8B-B14F-4D97-AF65-F5344CB8AC3E}">
-        <p14:creationId xmlns:p14="http://schemas.microsoft.com/office/powerpoint/2010/main" val="680180803"/>
+        <p14:creationId xmlns:p14="http://schemas.microsoft.com/office/powerpoint/2010/main" val="1359110176"/>
       </p:ext>
     </p:extLst>
   </p:cSld>
   <p:clrMapOvr>
     <a:masterClrMapping/>
   </p:clrMapOvr>
+  <p:timing>
+    <p:tnLst>
+      <p:par>
+        <p:cTn id="1" dur="indefinite" restart="never" nodeType="tmRoot"/>
+      </p:par>
+    </p:tnLst>
+  </p:timing>
 </p:sld>
 </file>
 

--- a/ClassMaterials/ProjectWorkday1/Slides/DesignInheritance.pptx
+++ b/ClassMaterials/ProjectWorkday1/Slides/DesignInheritance.pptx
@@ -293,7 +293,7 @@
             <a:fld id="{68AFFCC9-E980-4A2E-8F84-91052C1F2C22}" type="datetime1">
               <a:rPr lang="en-US"/>
               <a:pPr/>
-              <a:t>5/9/2020</a:t>
+              <a:t>2/24/22</a:t>
             </a:fld>
             <a:endParaRPr lang="en-US"/>
           </a:p>
@@ -522,7 +522,7 @@
             <a:fld id="{C4411CED-79EF-4046-B79B-F8927B54B6B0}" type="datetime1">
               <a:rPr lang="en-US"/>
               <a:pPr/>
-              <a:t>5/9/2020</a:t>
+              <a:t>2/24/22</a:t>
             </a:fld>
             <a:endParaRPr lang="en-US"/>
           </a:p>
@@ -598,39 +598,37 @@
           <a:p>
             <a:pPr lvl="0"/>
             <a:r>
-              <a:rPr lang="en-US" noProof="0" smtClean="0"/>
+              <a:rPr lang="en-US" noProof="0"/>
               <a:t>Click to edit Master text styles</a:t>
             </a:r>
-            <a:endParaRPr lang="en-US" noProof="0"/>
           </a:p>
           <a:p>
             <a:pPr lvl="1"/>
             <a:r>
-              <a:rPr lang="en-US" noProof="0" smtClean="0"/>
+              <a:rPr lang="en-US" noProof="0"/>
               <a:t>Second level</a:t>
             </a:r>
           </a:p>
           <a:p>
             <a:pPr lvl="2"/>
             <a:r>
-              <a:rPr lang="en-US" noProof="0" smtClean="0"/>
+              <a:rPr lang="en-US" noProof="0"/>
               <a:t>Third level</a:t>
             </a:r>
           </a:p>
           <a:p>
             <a:pPr lvl="3"/>
             <a:r>
-              <a:rPr lang="en-US" noProof="0" smtClean="0"/>
+              <a:rPr lang="en-US" noProof="0"/>
               <a:t>Fourth level</a:t>
             </a:r>
           </a:p>
           <a:p>
             <a:pPr lvl="4"/>
             <a:r>
-              <a:rPr lang="en-US" noProof="0" smtClean="0"/>
+              <a:rPr lang="en-US" noProof="0"/>
               <a:t>Fifth level</a:t>
             </a:r>
-            <a:endParaRPr lang="en-US" noProof="0"/>
           </a:p>
         </p:txBody>
       </p:sp>
@@ -927,7 +925,7 @@
                 <a:spcPct val="0"/>
               </a:spcBef>
             </a:pPr>
-            <a:endParaRPr lang="en-US" dirty="0" smtClean="0"/>
+            <a:endParaRPr lang="en-US" dirty="0"/>
           </a:p>
         </p:txBody>
       </p:sp>
@@ -1018,7 +1016,7 @@
               <a:buAutoNum type="arabicPeriod"/>
             </a:pPr>
             <a:r>
-              <a:rPr lang="en-US" dirty="0" smtClean="0"/>
+              <a:rPr lang="en-US" dirty="0"/>
               <a:t>Run the game and explain what is happening</a:t>
             </a:r>
           </a:p>
@@ -1106,16 +1104,15 @@
           <a:lstStyle/>
           <a:p>
             <a:r>
-              <a:rPr lang="en-US" dirty="0" smtClean="0"/>
+              <a:rPr lang="en-US" dirty="0"/>
               <a:t>Explain that we want to consider how hard/easy it would be to extend this codebase</a:t>
             </a:r>
           </a:p>
           <a:p>
             <a:r>
-              <a:rPr lang="en-US" dirty="0" smtClean="0"/>
+              <a:rPr lang="en-US" dirty="0"/>
               <a:t> to provide the functionality of a new type of drop</a:t>
             </a:r>
-            <a:endParaRPr lang="en-US" dirty="0"/>
           </a:p>
         </p:txBody>
       </p:sp>
@@ -1201,11 +1198,11 @@
           <a:lstStyle/>
           <a:p>
             <a:r>
-              <a:rPr lang="en-US" dirty="0" smtClean="0"/>
+              <a:rPr lang="en-US" dirty="0"/>
               <a:t>Go</a:t>
             </a:r>
             <a:r>
-              <a:rPr lang="en-US" baseline="0" dirty="0" smtClean="0"/>
+              <a:rPr lang="en-US" baseline="0" dirty="0"/>
               <a:t> through the file and point out the really ugly code because of how hard it is to understand and how many places you would have to make changes.</a:t>
             </a:r>
             <a:endParaRPr lang="en-US" dirty="0"/>
@@ -1294,19 +1291,19 @@
           <a:lstStyle/>
           <a:p>
             <a:r>
-              <a:rPr lang="en-US" dirty="0" smtClean="0"/>
+              <a:rPr lang="en-US" dirty="0"/>
               <a:t>At this</a:t>
             </a:r>
             <a:r>
-              <a:rPr lang="en-US" baseline="0" dirty="0" smtClean="0"/>
+              <a:rPr lang="en-US" baseline="0" dirty="0"/>
               <a:t> point go through the script and make all the changes. If time allows let students try to implement the </a:t>
             </a:r>
             <a:r>
-              <a:rPr lang="en-US" baseline="0" dirty="0" err="1" smtClean="0"/>
+              <a:rPr lang="en-US" baseline="0" dirty="0" err="1"/>
               <a:t>InvincibilityDrop</a:t>
             </a:r>
             <a:r>
-              <a:rPr lang="en-US" baseline="0" dirty="0" smtClean="0"/>
+              <a:rPr lang="en-US" baseline="0" dirty="0"/>
               <a:t> on their own</a:t>
             </a:r>
             <a:endParaRPr lang="en-US" dirty="0"/>
@@ -1395,11 +1392,11 @@
           <a:lstStyle/>
           <a:p>
             <a:r>
-              <a:rPr lang="en-US" dirty="0" smtClean="0"/>
+              <a:rPr lang="en-US" dirty="0"/>
               <a:t>Have students work in groups</a:t>
             </a:r>
             <a:r>
-              <a:rPr lang="en-US" baseline="0" dirty="0" smtClean="0"/>
+              <a:rPr lang="en-US" baseline="0" dirty="0"/>
               <a:t> of 2 or 3 to answer these</a:t>
             </a:r>
           </a:p>
@@ -1502,7 +1499,7 @@
           <a:bodyPr/>
           <a:lstStyle/>
           <a:p>
-            <a:endParaRPr lang="en-US" dirty="0" smtClean="0"/>
+            <a:endParaRPr lang="en-US" dirty="0"/>
           </a:p>
         </p:txBody>
       </p:sp>
@@ -1590,11 +1587,11 @@
           <a:lstStyle/>
           <a:p>
             <a:r>
-              <a:rPr lang="en-US" dirty="0" smtClean="0"/>
+              <a:rPr lang="en-US" dirty="0"/>
               <a:t>Advanced only if time allows, solution (takes</a:t>
             </a:r>
             <a:r>
-              <a:rPr lang="en-US" baseline="0" dirty="0" smtClean="0"/>
+              <a:rPr lang="en-US" baseline="0" dirty="0"/>
               <a:t> some slightly different conventions)</a:t>
             </a:r>
             <a:endParaRPr lang="en-US" dirty="0"/>
@@ -1676,10 +1673,9 @@
           <a:lstStyle/>
           <a:p>
             <a:r>
-              <a:rPr lang="en-US" smtClean="0"/>
+              <a:rPr lang="en-US"/>
               <a:t>Click to edit Master title style</a:t>
             </a:r>
-            <a:endParaRPr lang="en-US"/>
           </a:p>
         </p:txBody>
       </p:sp>
@@ -1795,10 +1791,9 @@
           </a:lstStyle>
           <a:p>
             <a:r>
-              <a:rPr lang="en-US" smtClean="0"/>
+              <a:rPr lang="en-US"/>
               <a:t>Click to edit Master subtitle style</a:t>
             </a:r>
-            <a:endParaRPr lang="en-US"/>
           </a:p>
         </p:txBody>
       </p:sp>
@@ -1820,7 +1815,7 @@
             <a:fld id="{43E6E5DC-7A70-4CAB-B8CA-FD7CFBA6DDCF}" type="datetime1">
               <a:rPr lang="en-US" smtClean="0"/>
               <a:pPr/>
-              <a:t>5/9/2020</a:t>
+              <a:t>2/24/22</a:t>
             </a:fld>
             <a:endParaRPr lang="en-US"/>
           </a:p>
@@ -1918,10 +1913,9 @@
           <a:lstStyle/>
           <a:p>
             <a:r>
-              <a:rPr lang="en-US" smtClean="0"/>
+              <a:rPr lang="en-US"/>
               <a:t>Click to edit Master title style</a:t>
             </a:r>
-            <a:endParaRPr lang="en-US"/>
           </a:p>
         </p:txBody>
       </p:sp>
@@ -1942,38 +1936,37 @@
           <a:p>
             <a:pPr lvl="0"/>
             <a:r>
-              <a:rPr lang="en-US" smtClean="0"/>
+              <a:rPr lang="en-US"/>
               <a:t>Click to edit Master text styles</a:t>
             </a:r>
           </a:p>
           <a:p>
             <a:pPr lvl="1"/>
             <a:r>
-              <a:rPr lang="en-US" smtClean="0"/>
+              <a:rPr lang="en-US"/>
               <a:t>Second level</a:t>
             </a:r>
           </a:p>
           <a:p>
             <a:pPr lvl="2"/>
             <a:r>
-              <a:rPr lang="en-US" smtClean="0"/>
+              <a:rPr lang="en-US"/>
               <a:t>Third level</a:t>
             </a:r>
           </a:p>
           <a:p>
             <a:pPr lvl="3"/>
             <a:r>
-              <a:rPr lang="en-US" smtClean="0"/>
+              <a:rPr lang="en-US"/>
               <a:t>Fourth level</a:t>
             </a:r>
           </a:p>
           <a:p>
             <a:pPr lvl="4"/>
             <a:r>
-              <a:rPr lang="en-US" smtClean="0"/>
+              <a:rPr lang="en-US"/>
               <a:t>Fifth level</a:t>
             </a:r>
-            <a:endParaRPr lang="en-US"/>
           </a:p>
         </p:txBody>
       </p:sp>
@@ -1995,7 +1988,7 @@
             <a:fld id="{34C58A64-F6CF-4D4F-A14E-4E9A6689521C}" type="datetime1">
               <a:rPr lang="en-US" smtClean="0"/>
               <a:pPr/>
-              <a:t>5/9/2020</a:t>
+              <a:t>2/24/22</a:t>
             </a:fld>
             <a:endParaRPr lang="en-US"/>
           </a:p>
@@ -2098,10 +2091,9 @@
           <a:lstStyle/>
           <a:p>
             <a:r>
-              <a:rPr lang="en-US" smtClean="0"/>
+              <a:rPr lang="en-US"/>
               <a:t>Click to edit Master title style</a:t>
             </a:r>
-            <a:endParaRPr lang="en-US"/>
           </a:p>
         </p:txBody>
       </p:sp>
@@ -2127,38 +2119,37 @@
           <a:p>
             <a:pPr lvl="0"/>
             <a:r>
-              <a:rPr lang="en-US" smtClean="0"/>
+              <a:rPr lang="en-US"/>
               <a:t>Click to edit Master text styles</a:t>
             </a:r>
           </a:p>
           <a:p>
             <a:pPr lvl="1"/>
             <a:r>
-              <a:rPr lang="en-US" smtClean="0"/>
+              <a:rPr lang="en-US"/>
               <a:t>Second level</a:t>
             </a:r>
           </a:p>
           <a:p>
             <a:pPr lvl="2"/>
             <a:r>
-              <a:rPr lang="en-US" smtClean="0"/>
+              <a:rPr lang="en-US"/>
               <a:t>Third level</a:t>
             </a:r>
           </a:p>
           <a:p>
             <a:pPr lvl="3"/>
             <a:r>
-              <a:rPr lang="en-US" smtClean="0"/>
+              <a:rPr lang="en-US"/>
               <a:t>Fourth level</a:t>
             </a:r>
           </a:p>
           <a:p>
             <a:pPr lvl="4"/>
             <a:r>
-              <a:rPr lang="en-US" smtClean="0"/>
+              <a:rPr lang="en-US"/>
               <a:t>Fifth level</a:t>
             </a:r>
-            <a:endParaRPr lang="en-US"/>
           </a:p>
         </p:txBody>
       </p:sp>
@@ -2180,7 +2171,7 @@
             <a:fld id="{28A961FD-7946-4EF3-8B09-2E96C5099CE1}" type="datetime1">
               <a:rPr lang="en-US" smtClean="0"/>
               <a:pPr/>
-              <a:t>5/9/2020</a:t>
+              <a:t>2/24/22</a:t>
             </a:fld>
             <a:endParaRPr lang="en-US"/>
           </a:p>
@@ -2278,10 +2269,9 @@
           <a:lstStyle/>
           <a:p>
             <a:r>
-              <a:rPr lang="en-US" smtClean="0"/>
+              <a:rPr lang="en-US"/>
               <a:t>Click to edit Master title style</a:t>
             </a:r>
-            <a:endParaRPr lang="en-US"/>
           </a:p>
         </p:txBody>
       </p:sp>
@@ -2302,38 +2292,37 @@
           <a:p>
             <a:pPr lvl="0"/>
             <a:r>
-              <a:rPr lang="en-US" smtClean="0"/>
+              <a:rPr lang="en-US"/>
               <a:t>Click to edit Master text styles</a:t>
             </a:r>
           </a:p>
           <a:p>
             <a:pPr lvl="1"/>
             <a:r>
-              <a:rPr lang="en-US" smtClean="0"/>
+              <a:rPr lang="en-US"/>
               <a:t>Second level</a:t>
             </a:r>
           </a:p>
           <a:p>
             <a:pPr lvl="2"/>
             <a:r>
-              <a:rPr lang="en-US" smtClean="0"/>
+              <a:rPr lang="en-US"/>
               <a:t>Third level</a:t>
             </a:r>
           </a:p>
           <a:p>
             <a:pPr lvl="3"/>
             <a:r>
-              <a:rPr lang="en-US" smtClean="0"/>
+              <a:rPr lang="en-US"/>
               <a:t>Fourth level</a:t>
             </a:r>
           </a:p>
           <a:p>
             <a:pPr lvl="4"/>
             <a:r>
-              <a:rPr lang="en-US" smtClean="0"/>
+              <a:rPr lang="en-US"/>
               <a:t>Fifth level</a:t>
             </a:r>
-            <a:endParaRPr lang="en-US"/>
           </a:p>
         </p:txBody>
       </p:sp>
@@ -2355,7 +2344,7 @@
             <a:fld id="{410E03A8-3A50-4824-93B1-5AB2817A85E6}" type="datetime1">
               <a:rPr lang="en-US" smtClean="0"/>
               <a:pPr/>
-              <a:t>5/9/2020</a:t>
+              <a:t>2/24/22</a:t>
             </a:fld>
             <a:endParaRPr lang="en-US"/>
           </a:p>
@@ -2462,10 +2451,9 @@
           </a:lstStyle>
           <a:p>
             <a:r>
-              <a:rPr lang="en-US" smtClean="0"/>
+              <a:rPr lang="en-US"/>
               <a:t>Click to edit Master title style</a:t>
             </a:r>
-            <a:endParaRPr lang="en-US"/>
           </a:p>
         </p:txBody>
       </p:sp>
@@ -2582,7 +2570,7 @@
           <a:p>
             <a:pPr lvl="0"/>
             <a:r>
-              <a:rPr lang="en-US" smtClean="0"/>
+              <a:rPr lang="en-US"/>
               <a:t>Click to edit Master text styles</a:t>
             </a:r>
           </a:p>
@@ -2606,7 +2594,7 @@
             <a:fld id="{69EE78C3-2E3E-4EDD-A8FC-A11FEA9CDF04}" type="datetime1">
               <a:rPr lang="en-US" smtClean="0"/>
               <a:pPr/>
-              <a:t>5/9/2020</a:t>
+              <a:t>2/24/22</a:t>
             </a:fld>
             <a:endParaRPr lang="en-US"/>
           </a:p>
@@ -2704,10 +2692,9 @@
           <a:lstStyle/>
           <a:p>
             <a:r>
-              <a:rPr lang="en-US" smtClean="0"/>
+              <a:rPr lang="en-US"/>
               <a:t>Click to edit Master title style</a:t>
             </a:r>
-            <a:endParaRPr lang="en-US"/>
           </a:p>
         </p:txBody>
       </p:sp>
@@ -2761,38 +2748,37 @@
           <a:p>
             <a:pPr lvl="0"/>
             <a:r>
-              <a:rPr lang="en-US" smtClean="0"/>
+              <a:rPr lang="en-US"/>
               <a:t>Click to edit Master text styles</a:t>
             </a:r>
           </a:p>
           <a:p>
             <a:pPr lvl="1"/>
             <a:r>
-              <a:rPr lang="en-US" smtClean="0"/>
+              <a:rPr lang="en-US"/>
               <a:t>Second level</a:t>
             </a:r>
           </a:p>
           <a:p>
             <a:pPr lvl="2"/>
             <a:r>
-              <a:rPr lang="en-US" smtClean="0"/>
+              <a:rPr lang="en-US"/>
               <a:t>Third level</a:t>
             </a:r>
           </a:p>
           <a:p>
             <a:pPr lvl="3"/>
             <a:r>
-              <a:rPr lang="en-US" smtClean="0"/>
+              <a:rPr lang="en-US"/>
               <a:t>Fourth level</a:t>
             </a:r>
           </a:p>
           <a:p>
             <a:pPr lvl="4"/>
             <a:r>
-              <a:rPr lang="en-US" smtClean="0"/>
+              <a:rPr lang="en-US"/>
               <a:t>Fifth level</a:t>
             </a:r>
-            <a:endParaRPr lang="en-US"/>
           </a:p>
         </p:txBody>
       </p:sp>
@@ -2846,38 +2832,37 @@
           <a:p>
             <a:pPr lvl="0"/>
             <a:r>
-              <a:rPr lang="en-US" smtClean="0"/>
+              <a:rPr lang="en-US"/>
               <a:t>Click to edit Master text styles</a:t>
             </a:r>
           </a:p>
           <a:p>
             <a:pPr lvl="1"/>
             <a:r>
-              <a:rPr lang="en-US" smtClean="0"/>
+              <a:rPr lang="en-US"/>
               <a:t>Second level</a:t>
             </a:r>
           </a:p>
           <a:p>
             <a:pPr lvl="2"/>
             <a:r>
-              <a:rPr lang="en-US" smtClean="0"/>
+              <a:rPr lang="en-US"/>
               <a:t>Third level</a:t>
             </a:r>
           </a:p>
           <a:p>
             <a:pPr lvl="3"/>
             <a:r>
-              <a:rPr lang="en-US" smtClean="0"/>
+              <a:rPr lang="en-US"/>
               <a:t>Fourth level</a:t>
             </a:r>
           </a:p>
           <a:p>
             <a:pPr lvl="4"/>
             <a:r>
-              <a:rPr lang="en-US" smtClean="0"/>
+              <a:rPr lang="en-US"/>
               <a:t>Fifth level</a:t>
             </a:r>
-            <a:endParaRPr lang="en-US"/>
           </a:p>
         </p:txBody>
       </p:sp>
@@ -2899,7 +2884,7 @@
             <a:fld id="{9CAD6738-AE48-490E-BA60-16B31C3E5798}" type="datetime1">
               <a:rPr lang="en-US" smtClean="0"/>
               <a:pPr/>
-              <a:t>5/9/2020</a:t>
+              <a:t>2/24/22</a:t>
             </a:fld>
             <a:endParaRPr lang="en-US"/>
           </a:p>
@@ -3001,10 +2986,9 @@
           </a:lstStyle>
           <a:p>
             <a:r>
-              <a:rPr lang="en-US" smtClean="0"/>
+              <a:rPr lang="en-US"/>
               <a:t>Click to edit Master title style</a:t>
             </a:r>
-            <a:endParaRPr lang="en-US"/>
           </a:p>
         </p:txBody>
       </p:sp>
@@ -3067,7 +3051,7 @@
           <a:p>
             <a:pPr lvl="0"/>
             <a:r>
-              <a:rPr lang="en-US" smtClean="0"/>
+              <a:rPr lang="en-US"/>
               <a:t>Click to edit Master text styles</a:t>
             </a:r>
           </a:p>
@@ -3123,38 +3107,37 @@
           <a:p>
             <a:pPr lvl="0"/>
             <a:r>
-              <a:rPr lang="en-US" smtClean="0"/>
+              <a:rPr lang="en-US"/>
               <a:t>Click to edit Master text styles</a:t>
             </a:r>
           </a:p>
           <a:p>
             <a:pPr lvl="1"/>
             <a:r>
-              <a:rPr lang="en-US" smtClean="0"/>
+              <a:rPr lang="en-US"/>
               <a:t>Second level</a:t>
             </a:r>
           </a:p>
           <a:p>
             <a:pPr lvl="2"/>
             <a:r>
-              <a:rPr lang="en-US" smtClean="0"/>
+              <a:rPr lang="en-US"/>
               <a:t>Third level</a:t>
             </a:r>
           </a:p>
           <a:p>
             <a:pPr lvl="3"/>
             <a:r>
-              <a:rPr lang="en-US" smtClean="0"/>
+              <a:rPr lang="en-US"/>
               <a:t>Fourth level</a:t>
             </a:r>
           </a:p>
           <a:p>
             <a:pPr lvl="4"/>
             <a:r>
-              <a:rPr lang="en-US" smtClean="0"/>
+              <a:rPr lang="en-US"/>
               <a:t>Fifth level</a:t>
             </a:r>
-            <a:endParaRPr lang="en-US"/>
           </a:p>
         </p:txBody>
       </p:sp>
@@ -3217,7 +3200,7 @@
           <a:p>
             <a:pPr lvl="0"/>
             <a:r>
-              <a:rPr lang="en-US" smtClean="0"/>
+              <a:rPr lang="en-US"/>
               <a:t>Click to edit Master text styles</a:t>
             </a:r>
           </a:p>
@@ -3273,38 +3256,37 @@
           <a:p>
             <a:pPr lvl="0"/>
             <a:r>
-              <a:rPr lang="en-US" smtClean="0"/>
+              <a:rPr lang="en-US"/>
               <a:t>Click to edit Master text styles</a:t>
             </a:r>
           </a:p>
           <a:p>
             <a:pPr lvl="1"/>
             <a:r>
-              <a:rPr lang="en-US" smtClean="0"/>
+              <a:rPr lang="en-US"/>
               <a:t>Second level</a:t>
             </a:r>
           </a:p>
           <a:p>
             <a:pPr lvl="2"/>
             <a:r>
-              <a:rPr lang="en-US" smtClean="0"/>
+              <a:rPr lang="en-US"/>
               <a:t>Third level</a:t>
             </a:r>
           </a:p>
           <a:p>
             <a:pPr lvl="3"/>
             <a:r>
-              <a:rPr lang="en-US" smtClean="0"/>
+              <a:rPr lang="en-US"/>
               <a:t>Fourth level</a:t>
             </a:r>
           </a:p>
           <a:p>
             <a:pPr lvl="4"/>
             <a:r>
-              <a:rPr lang="en-US" smtClean="0"/>
+              <a:rPr lang="en-US"/>
               <a:t>Fifth level</a:t>
             </a:r>
-            <a:endParaRPr lang="en-US"/>
           </a:p>
         </p:txBody>
       </p:sp>
@@ -3326,7 +3308,7 @@
             <a:fld id="{12137309-80BC-4890-B91A-AB9885E172E5}" type="datetime1">
               <a:rPr lang="en-US" smtClean="0"/>
               <a:pPr/>
-              <a:t>5/9/2020</a:t>
+              <a:t>2/24/22</a:t>
             </a:fld>
             <a:endParaRPr lang="en-US"/>
           </a:p>
@@ -3424,10 +3406,9 @@
           <a:lstStyle/>
           <a:p>
             <a:r>
-              <a:rPr lang="en-US" smtClean="0"/>
+              <a:rPr lang="en-US"/>
               <a:t>Click to edit Master title style</a:t>
             </a:r>
-            <a:endParaRPr lang="en-US"/>
           </a:p>
         </p:txBody>
       </p:sp>
@@ -3449,7 +3430,7 @@
             <a:fld id="{79C16A63-0F78-4E9D-81E4-A84E1F25A0A3}" type="datetime1">
               <a:rPr lang="en-US" smtClean="0"/>
               <a:pPr/>
-              <a:t>5/9/2020</a:t>
+              <a:t>2/24/22</a:t>
             </a:fld>
             <a:endParaRPr lang="en-US"/>
           </a:p>
@@ -3549,7 +3530,7 @@
             <a:fld id="{DC5FF9E9-979C-4422-A1BB-1DC64426F0DA}" type="datetime1">
               <a:rPr lang="en-US" smtClean="0"/>
               <a:pPr/>
-              <a:t>5/9/2020</a:t>
+              <a:t>2/24/22</a:t>
             </a:fld>
             <a:endParaRPr lang="en-US"/>
           </a:p>
@@ -3656,10 +3637,9 @@
           </a:lstStyle>
           <a:p>
             <a:r>
-              <a:rPr lang="en-US" smtClean="0"/>
+              <a:rPr lang="en-US"/>
               <a:t>Click to edit Master title style</a:t>
             </a:r>
-            <a:endParaRPr lang="en-US"/>
           </a:p>
         </p:txBody>
       </p:sp>
@@ -3713,38 +3693,37 @@
           <a:p>
             <a:pPr lvl="0"/>
             <a:r>
-              <a:rPr lang="en-US" smtClean="0"/>
+              <a:rPr lang="en-US"/>
               <a:t>Click to edit Master text styles</a:t>
             </a:r>
           </a:p>
           <a:p>
             <a:pPr lvl="1"/>
             <a:r>
-              <a:rPr lang="en-US" smtClean="0"/>
+              <a:rPr lang="en-US"/>
               <a:t>Second level</a:t>
             </a:r>
           </a:p>
           <a:p>
             <a:pPr lvl="2"/>
             <a:r>
-              <a:rPr lang="en-US" smtClean="0"/>
+              <a:rPr lang="en-US"/>
               <a:t>Third level</a:t>
             </a:r>
           </a:p>
           <a:p>
             <a:pPr lvl="3"/>
             <a:r>
-              <a:rPr lang="en-US" smtClean="0"/>
+              <a:rPr lang="en-US"/>
               <a:t>Fourth level</a:t>
             </a:r>
           </a:p>
           <a:p>
             <a:pPr lvl="4"/>
             <a:r>
-              <a:rPr lang="en-US" smtClean="0"/>
+              <a:rPr lang="en-US"/>
               <a:t>Fifth level</a:t>
             </a:r>
-            <a:endParaRPr lang="en-US"/>
           </a:p>
         </p:txBody>
       </p:sp>
@@ -3807,7 +3786,7 @@
           <a:p>
             <a:pPr lvl="0"/>
             <a:r>
-              <a:rPr lang="en-US" smtClean="0"/>
+              <a:rPr lang="en-US"/>
               <a:t>Click to edit Master text styles</a:t>
             </a:r>
           </a:p>
@@ -3831,7 +3810,7 @@
             <a:fld id="{B9B7020D-910B-4676-A902-AD52382F28B6}" type="datetime1">
               <a:rPr lang="en-US" smtClean="0"/>
               <a:pPr/>
-              <a:t>5/9/2020</a:t>
+              <a:t>2/24/22</a:t>
             </a:fld>
             <a:endParaRPr lang="en-US"/>
           </a:p>
@@ -3938,10 +3917,9 @@
           </a:lstStyle>
           <a:p>
             <a:r>
-              <a:rPr lang="en-US" smtClean="0"/>
+              <a:rPr lang="en-US"/>
               <a:t>Click to edit Master title style</a:t>
             </a:r>
-            <a:endParaRPr lang="en-US"/>
           </a:p>
         </p:txBody>
       </p:sp>
@@ -4065,7 +4043,7 @@
           <a:p>
             <a:pPr lvl="0"/>
             <a:r>
-              <a:rPr lang="en-US" smtClean="0"/>
+              <a:rPr lang="en-US"/>
               <a:t>Click to edit Master text styles</a:t>
             </a:r>
           </a:p>
@@ -4089,7 +4067,7 @@
             <a:fld id="{4695FF79-924D-47D6-A727-6A03000C0C91}" type="datetime1">
               <a:rPr lang="en-US" smtClean="0"/>
               <a:pPr/>
-              <a:t>5/9/2020</a:t>
+              <a:t>2/24/22</a:t>
             </a:fld>
             <a:endParaRPr lang="en-US"/>
           </a:p>
@@ -4202,10 +4180,9 @@
           <a:lstStyle/>
           <a:p>
             <a:r>
-              <a:rPr lang="en-US" smtClean="0"/>
+              <a:rPr lang="en-US"/>
               <a:t>Click to edit Master title style</a:t>
             </a:r>
-            <a:endParaRPr lang="en-US"/>
           </a:p>
         </p:txBody>
       </p:sp>
@@ -4236,38 +4213,37 @@
           <a:p>
             <a:pPr lvl="0"/>
             <a:r>
-              <a:rPr lang="en-US" smtClean="0"/>
+              <a:rPr lang="en-US"/>
               <a:t>Click to edit Master text styles</a:t>
             </a:r>
           </a:p>
           <a:p>
             <a:pPr lvl="1"/>
             <a:r>
-              <a:rPr lang="en-US" smtClean="0"/>
+              <a:rPr lang="en-US"/>
               <a:t>Second level</a:t>
             </a:r>
           </a:p>
           <a:p>
             <a:pPr lvl="2"/>
             <a:r>
-              <a:rPr lang="en-US" smtClean="0"/>
+              <a:rPr lang="en-US"/>
               <a:t>Third level</a:t>
             </a:r>
           </a:p>
           <a:p>
             <a:pPr lvl="3"/>
             <a:r>
-              <a:rPr lang="en-US" smtClean="0"/>
+              <a:rPr lang="en-US"/>
               <a:t>Fourth level</a:t>
             </a:r>
           </a:p>
           <a:p>
             <a:pPr lvl="4"/>
             <a:r>
-              <a:rPr lang="en-US" smtClean="0"/>
+              <a:rPr lang="en-US"/>
               <a:t>Fifth level</a:t>
             </a:r>
-            <a:endParaRPr lang="en-US"/>
           </a:p>
         </p:txBody>
       </p:sp>
@@ -4307,7 +4283,7 @@
             <a:fld id="{A51E304D-C692-4D58-A925-D35D66927263}" type="datetime1">
               <a:rPr lang="en-US" smtClean="0"/>
               <a:pPr/>
-              <a:t>5/9/2020</a:t>
+              <a:t>2/24/22</a:t>
             </a:fld>
             <a:endParaRPr lang="en-US"/>
           </a:p>
@@ -4708,16 +4684,12 @@
               <a:defRPr/>
             </a:pPr>
             <a:r>
-              <a:rPr lang="en-US" dirty="0" smtClean="0">
+              <a:rPr lang="en-US" dirty="0">
                 <a:ea typeface="+mj-ea"/>
                 <a:cs typeface="+mj-cs"/>
               </a:rPr>
               <a:t>CSSE 220</a:t>
             </a:r>
-            <a:endParaRPr lang="en-US" dirty="0">
-              <a:ea typeface="+mj-ea"/>
-              <a:cs typeface="+mj-cs"/>
-            </a:endParaRPr>
           </a:p>
         </p:txBody>
       </p:sp>
@@ -4742,18 +4714,18 @@
               </a:lnSpc>
             </a:pPr>
             <a:r>
-              <a:rPr lang="en-US" sz="2500" dirty="0" smtClean="0"/>
+              <a:rPr lang="en-US" sz="2500" dirty="0"/>
               <a:t>Collision Handling without </a:t>
             </a:r>
             <a:r>
-              <a:rPr lang="en-US" sz="2500" b="1" dirty="0" err="1" smtClean="0">
+              <a:rPr lang="en-US" sz="2500" b="1" dirty="0" err="1">
                 <a:solidFill>
                   <a:srgbClr val="FF0000"/>
                 </a:solidFill>
               </a:rPr>
               <a:t>instanceof</a:t>
             </a:r>
-            <a:endParaRPr lang="en-US" sz="2500" b="1" dirty="0" smtClean="0">
+            <a:endParaRPr lang="en-US" sz="2500" b="1" dirty="0">
               <a:solidFill>
                 <a:srgbClr val="FF0000"/>
               </a:solidFill>
@@ -4765,82 +4737,103 @@
                 <a:spcPct val="90000"/>
               </a:lnSpc>
             </a:pPr>
-            <a:r>
-              <a:rPr lang="en-US" sz="2500" dirty="0" smtClean="0"/>
-              <a:t/>
-            </a:r>
             <a:br>
-              <a:rPr lang="en-US" sz="2500" dirty="0" smtClean="0"/>
+              <a:rPr lang="en-US" sz="2500" dirty="0"/>
             </a:br>
-            <a:endParaRPr lang="en-US" sz="2500" dirty="0" smtClean="0"/>
-          </a:p>
-        </p:txBody>
-      </p:sp>
-      <p:sp>
-        <p:nvSpPr>
-          <p:cNvPr id="4" name="TextBox 3"/>
-          <p:cNvSpPr txBox="1"/>
+            <a:endParaRPr lang="en-US" sz="2500" dirty="0"/>
+          </a:p>
+        </p:txBody>
+      </p:sp>
+      <p:sp>
+        <p:nvSpPr>
+          <p:cNvPr id="5" name="Rectangle 4">
+            <a:extLst>
+              <a:ext uri="{FF2B5EF4-FFF2-40B4-BE49-F238E27FC236}">
+                <a16:creationId xmlns:a16="http://schemas.microsoft.com/office/drawing/2014/main" id="{74C661F2-B2E9-CC4D-AC4C-572A07C30C6F}"/>
+              </a:ext>
+            </a:extLst>
+          </p:cNvPr>
+          <p:cNvSpPr/>
           <p:nvPr/>
         </p:nvSpPr>
         <p:spPr>
           <a:xfrm>
-            <a:off x="285750" y="6242050"/>
-            <a:ext cx="5657850" cy="369332"/>
+            <a:off x="304800" y="5105400"/>
+            <a:ext cx="8534400" cy="1295400"/>
           </a:xfrm>
           <a:prstGeom prst="rect">
             <a:avLst/>
           </a:prstGeom>
+          <a:solidFill>
+            <a:schemeClr val="accent3"/>
+          </a:solidFill>
         </p:spPr>
         <p:style>
           <a:lnRef idx="2">
-            <a:schemeClr val="accent4">
+            <a:schemeClr val="accent3">
               <a:shade val="50000"/>
             </a:schemeClr>
           </a:lnRef>
           <a:fillRef idx="1">
-            <a:schemeClr val="accent4"/>
+            <a:schemeClr val="accent3"/>
           </a:fillRef>
           <a:effectRef idx="0">
-            <a:schemeClr val="accent4"/>
+            <a:schemeClr val="accent3"/>
           </a:effectRef>
           <a:fontRef idx="minor">
             <a:schemeClr val="lt1"/>
           </a:fontRef>
         </p:style>
         <p:txBody>
-          <a:bodyPr>
-            <a:spAutoFit/>
-          </a:bodyPr>
-          <a:lstStyle/>
-          <a:p>
-            <a:pPr>
-              <a:defRPr/>
+          <a:bodyPr rtlCol="0" anchor="ctr"/>
+          <a:lstStyle/>
+          <a:p>
+            <a:r>
+              <a:rPr lang="en-US" sz="2400" dirty="0">
+                <a:solidFill>
+                  <a:srgbClr val="FFFFFF"/>
+                </a:solidFill>
+              </a:rPr>
+              <a:t>The </a:t>
+            </a:r>
+            <a:r>
+              <a:rPr lang="en-US" sz="2400" i="1" dirty="0">
+                <a:solidFill>
+                  <a:srgbClr val="FFFFFF"/>
+                </a:solidFill>
+              </a:rPr>
+              <a:t>git</a:t>
+            </a:r>
+            <a:r>
+              <a:rPr lang="en-US" sz="2400" dirty="0">
+                <a:solidFill>
+                  <a:srgbClr val="FFFFFF"/>
+                </a:solidFill>
+              </a:rPr>
+              <a:t> projects for today are:</a:t>
+            </a:r>
+          </a:p>
+          <a:p>
+            <a:pPr marL="342900" indent="-342900">
+              <a:buFont typeface="Arial" panose="020B0604020202020204" pitchFamily="34" charset="0"/>
+              <a:buChar char="•"/>
             </a:pPr>
             <a:r>
-              <a:rPr lang="en-US" dirty="0"/>
-              <a:t>Checkout </a:t>
-            </a:r>
-            <a:r>
-              <a:rPr lang="en-US" i="1" dirty="0" err="1" smtClean="0"/>
-              <a:t>InheritanceDesign</a:t>
-            </a:r>
-            <a:r>
-              <a:rPr lang="en-US" i="1" dirty="0" smtClean="0"/>
-              <a:t> </a:t>
-            </a:r>
-            <a:r>
-              <a:rPr lang="en-US" dirty="0" smtClean="0"/>
-              <a:t>project </a:t>
-            </a:r>
-            <a:r>
-              <a:rPr lang="en-US" dirty="0"/>
-              <a:t>from </a:t>
-            </a:r>
-            <a:r>
-              <a:rPr lang="en-US" dirty="0" smtClean="0"/>
-              <a:t>repo</a:t>
-            </a:r>
-            <a:endParaRPr lang="en-US" dirty="0"/>
+              <a:rPr lang="en-US" sz="2400" i="1" dirty="0" err="1"/>
+              <a:t>PracticeInheritanceDesign</a:t>
+            </a:r>
+            <a:endParaRPr lang="en-US" sz="2400" i="1" dirty="0"/>
+          </a:p>
+          <a:p>
+            <a:pPr marL="342900" indent="-342900">
+              <a:buFont typeface="Arial" panose="020B0604020202020204" pitchFamily="34" charset="0"/>
+              <a:buChar char="•"/>
+            </a:pPr>
+            <a:r>
+              <a:rPr lang="en-US" sz="2400" i="1" dirty="0" err="1"/>
+              <a:t>PracticeInheritanceDesignSolution</a:t>
+            </a:r>
+            <a:endParaRPr lang="en-US" sz="2400" i="1" dirty="0"/>
           </a:p>
         </p:txBody>
       </p:sp>
@@ -4854,13 +4847,6 @@
   <p:clrMapOvr>
     <a:masterClrMapping/>
   </p:clrMapOvr>
-  <p:timing>
-    <p:tnLst>
-      <p:par>
-        <p:cTn id="1" dur="indefinite" restart="never" nodeType="tmRoot"/>
-      </p:par>
-    </p:tnLst>
-  </p:timing>
 </p:sld>
 </file>
 
@@ -4897,10 +4883,9 @@
           <a:lstStyle/>
           <a:p>
             <a:r>
-              <a:rPr lang="en-US" dirty="0" smtClean="0"/>
+              <a:rPr lang="en-US" dirty="0"/>
               <a:t>Collision Chart</a:t>
             </a:r>
-            <a:endParaRPr lang="en-US" dirty="0"/>
           </a:p>
         </p:txBody>
       </p:sp>
@@ -4982,7 +4967,7 @@
                     <a:lstStyle/>
                     <a:p>
                       <a:r>
-                        <a:rPr lang="en-US" sz="2400" dirty="0" err="1" smtClean="0"/>
+                        <a:rPr lang="en-US" sz="2400" dirty="0" err="1"/>
                         <a:t>UserPlat</a:t>
                       </a:r>
                       <a:endParaRPr lang="en-US" sz="2400" dirty="0"/>
@@ -4996,7 +4981,7 @@
                     <a:lstStyle/>
                     <a:p>
                       <a:r>
-                        <a:rPr lang="en-US" sz="2400" dirty="0" err="1" smtClean="0"/>
+                        <a:rPr lang="en-US" sz="2400" dirty="0" err="1"/>
                         <a:t>BouncePlat</a:t>
                       </a:r>
                       <a:endParaRPr lang="en-US" sz="2400" dirty="0"/>
@@ -5010,7 +4995,7 @@
                     <a:lstStyle/>
                     <a:p>
                       <a:r>
-                        <a:rPr lang="en-US" sz="2400" dirty="0" err="1" smtClean="0"/>
+                        <a:rPr lang="en-US" sz="2400" dirty="0" err="1"/>
                         <a:t>DamageDrop</a:t>
                       </a:r>
                       <a:endParaRPr lang="en-US" sz="2400" dirty="0"/>
@@ -5024,7 +5009,7 @@
                     <a:lstStyle/>
                     <a:p>
                       <a:r>
-                        <a:rPr lang="en-US" sz="2400" dirty="0" err="1" smtClean="0"/>
+                        <a:rPr lang="en-US" sz="2400" dirty="0" err="1"/>
                         <a:t>HealDrop</a:t>
                       </a:r>
                       <a:endParaRPr lang="en-US" sz="2400" dirty="0"/>
@@ -5045,19 +5030,9 @@
                     <a:lstStyle/>
                     <a:p>
                       <a:r>
-                        <a:rPr lang="en-US" sz="2400" dirty="0" err="1" smtClean="0"/>
+                        <a:rPr lang="en-US" sz="2400" dirty="0" err="1"/>
                         <a:t>UserPlat</a:t>
                       </a:r>
-                      <a:endParaRPr lang="en-US" sz="2400" dirty="0" smtClean="0"/>
-                    </a:p>
-                  </a:txBody>
-                  <a:tcPr marL="129683" marR="129683" marT="64842" marB="64842"/>
-                </a:tc>
-                <a:tc>
-                  <a:txBody>
-                    <a:bodyPr/>
-                    <a:lstStyle/>
-                    <a:p>
                       <a:endParaRPr lang="en-US" sz="2400" dirty="0"/>
                     </a:p>
                   </a:txBody>
@@ -5078,11 +5053,20 @@
                     <a:bodyPr/>
                     <a:lstStyle/>
                     <a:p>
+                      <a:endParaRPr lang="en-US" sz="2400" dirty="0"/>
+                    </a:p>
+                  </a:txBody>
+                  <a:tcPr marL="129683" marR="129683" marT="64842" marB="64842"/>
+                </a:tc>
+                <a:tc>
+                  <a:txBody>
+                    <a:bodyPr/>
+                    <a:lstStyle/>
+                    <a:p>
                       <a:r>
-                        <a:rPr lang="en-US" sz="2400" dirty="0" smtClean="0"/>
+                        <a:rPr lang="en-US" sz="2400" dirty="0"/>
                         <a:t>X</a:t>
                       </a:r>
-                      <a:endParaRPr lang="en-US" sz="2400" dirty="0"/>
                     </a:p>
                   </a:txBody>
                   <a:tcPr marL="129683" marR="129683" marT="64842" marB="64842"/>
@@ -5093,10 +5077,9 @@
                     <a:lstStyle/>
                     <a:p>
                       <a:r>
-                        <a:rPr lang="en-US" sz="2400" dirty="0" smtClean="0"/>
+                        <a:rPr lang="en-US" sz="2400" dirty="0"/>
                         <a:t>X</a:t>
                       </a:r>
-                      <a:endParaRPr lang="en-US" sz="2400" dirty="0"/>
                     </a:p>
                   </a:txBody>
                   <a:tcPr marL="129683" marR="129683" marT="64842" marB="64842"/>
@@ -5114,7 +5097,7 @@
                     <a:lstStyle/>
                     <a:p>
                       <a:r>
-                        <a:rPr lang="en-US" sz="2400" dirty="0" err="1" smtClean="0"/>
+                        <a:rPr lang="en-US" sz="2400" dirty="0" err="1"/>
                         <a:t>BouncePlat</a:t>
                       </a:r>
                       <a:endParaRPr lang="en-US" sz="2400" dirty="0"/>
@@ -5148,10 +5131,9 @@
                     <a:lstStyle/>
                     <a:p>
                       <a:r>
-                        <a:rPr lang="en-US" sz="2400" dirty="0" smtClean="0"/>
+                        <a:rPr lang="en-US" sz="2400" dirty="0"/>
                         <a:t>X</a:t>
                       </a:r>
-                      <a:endParaRPr lang="en-US" sz="2400" dirty="0"/>
                     </a:p>
                   </a:txBody>
                   <a:tcPr marL="129683" marR="129683" marT="64842" marB="64842"/>
@@ -5162,10 +5144,9 @@
                     <a:lstStyle/>
                     <a:p>
                       <a:r>
-                        <a:rPr lang="en-US" sz="2400" dirty="0" smtClean="0"/>
+                        <a:rPr lang="en-US" sz="2400" dirty="0"/>
                         <a:t>X</a:t>
                       </a:r>
-                      <a:endParaRPr lang="en-US" sz="2400" dirty="0"/>
                     </a:p>
                   </a:txBody>
                   <a:tcPr marL="129683" marR="129683" marT="64842" marB="64842"/>
@@ -5183,7 +5164,7 @@
                     <a:lstStyle/>
                     <a:p>
                       <a:r>
-                        <a:rPr lang="en-US" sz="2400" dirty="0" err="1" smtClean="0"/>
+                        <a:rPr lang="en-US" sz="2400" dirty="0" err="1"/>
                         <a:t>DamageDrop</a:t>
                       </a:r>
                       <a:endParaRPr lang="en-US" sz="2400" dirty="0"/>
@@ -5197,10 +5178,9 @@
                     <a:lstStyle/>
                     <a:p>
                       <a:r>
-                        <a:rPr lang="en-US" sz="2400" dirty="0" smtClean="0"/>
+                        <a:rPr lang="en-US" sz="2400" dirty="0"/>
                         <a:t>X</a:t>
                       </a:r>
-                      <a:endParaRPr lang="en-US" sz="2400" dirty="0"/>
                     </a:p>
                   </a:txBody>
                   <a:tcPr marL="129683" marR="129683" marT="64842" marB="64842"/>
@@ -5211,10 +5191,9 @@
                     <a:lstStyle/>
                     <a:p>
                       <a:r>
-                        <a:rPr lang="en-US" sz="2400" dirty="0" smtClean="0"/>
+                        <a:rPr lang="en-US" sz="2400" dirty="0"/>
                         <a:t>X</a:t>
                       </a:r>
-                      <a:endParaRPr lang="en-US" sz="2400" dirty="0"/>
                     </a:p>
                   </a:txBody>
                   <a:tcPr marL="129683" marR="129683" marT="64842" marB="64842"/>
@@ -5252,7 +5231,7 @@
                     <a:lstStyle/>
                     <a:p>
                       <a:r>
-                        <a:rPr lang="en-US" sz="2400" dirty="0" err="1" smtClean="0"/>
+                        <a:rPr lang="en-US" sz="2400" dirty="0" err="1"/>
                         <a:t>HealDrop</a:t>
                       </a:r>
                       <a:endParaRPr lang="en-US" sz="2400" dirty="0"/>
@@ -5266,10 +5245,9 @@
                     <a:lstStyle/>
                     <a:p>
                       <a:r>
-                        <a:rPr lang="en-US" sz="2400" dirty="0" smtClean="0"/>
+                        <a:rPr lang="en-US" sz="2400" dirty="0"/>
                         <a:t>X</a:t>
                       </a:r>
-                      <a:endParaRPr lang="en-US" sz="2400" dirty="0"/>
                     </a:p>
                   </a:txBody>
                   <a:tcPr marL="129683" marR="129683" marT="64842" marB="64842"/>
@@ -5280,10 +5258,9 @@
                     <a:lstStyle/>
                     <a:p>
                       <a:r>
-                        <a:rPr lang="en-US" sz="2400" dirty="0" smtClean="0"/>
+                        <a:rPr lang="en-US" sz="2400" dirty="0"/>
                         <a:t>X</a:t>
                       </a:r>
-                      <a:endParaRPr lang="en-US" sz="2400" dirty="0"/>
                     </a:p>
                   </a:txBody>
                   <a:tcPr marL="129683" marR="129683" marT="64842" marB="64842"/>
@@ -5341,18 +5318,17 @@
           <a:lstStyle/>
           <a:p>
             <a:r>
-              <a:rPr lang="en-US" sz="2400" dirty="0" smtClean="0"/>
+              <a:rPr lang="en-US" sz="2400" dirty="0"/>
               <a:t>When we have multiple objects which interact with the same object, we can use </a:t>
             </a:r>
             <a:r>
-              <a:rPr lang="en-US" sz="2400" b="1" i="1" dirty="0" smtClean="0"/>
+              <a:rPr lang="en-US" sz="2400" b="1" i="1" dirty="0"/>
               <a:t>inheritance</a:t>
             </a:r>
             <a:r>
-              <a:rPr lang="en-US" sz="2400" dirty="0" smtClean="0"/>
+              <a:rPr lang="en-US" sz="2400" dirty="0"/>
               <a:t> to help us make a design to deal with the collisions. We should have the classes which differ provide the functionality to deal with the collisions.</a:t>
             </a:r>
-            <a:endParaRPr lang="en-US" sz="2400" dirty="0"/>
           </a:p>
         </p:txBody>
       </p:sp>
@@ -5366,13 +5342,6 @@
   <p:clrMapOvr>
     <a:masterClrMapping/>
   </p:clrMapOvr>
-  <p:timing>
-    <p:tnLst>
-      <p:par>
-        <p:cTn id="1" dur="indefinite" restart="never" nodeType="tmRoot"/>
-      </p:par>
-    </p:tnLst>
-  </p:timing>
 </p:sld>
 </file>
 
@@ -5409,10 +5378,9 @@
           <a:lstStyle/>
           <a:p>
             <a:r>
-              <a:rPr lang="en-US" dirty="0" smtClean="0"/>
+              <a:rPr lang="en-US" dirty="0"/>
               <a:t>Collision Chart</a:t>
             </a:r>
-            <a:endParaRPr lang="en-US" dirty="0"/>
           </a:p>
         </p:txBody>
       </p:sp>
@@ -5439,18 +5407,17 @@
           <a:lstStyle/>
           <a:p>
             <a:r>
-              <a:rPr lang="en-US" sz="2400" dirty="0" smtClean="0"/>
+              <a:rPr lang="en-US" sz="2400" dirty="0"/>
               <a:t>When we have multiple objects which interact with the same object, we can use </a:t>
             </a:r>
             <a:r>
-              <a:rPr lang="en-US" sz="2400" b="1" i="1" dirty="0" smtClean="0"/>
+              <a:rPr lang="en-US" sz="2400" b="1" i="1" dirty="0"/>
               <a:t>inheritance</a:t>
             </a:r>
             <a:r>
-              <a:rPr lang="en-US" sz="2400" dirty="0" smtClean="0"/>
+              <a:rPr lang="en-US" sz="2400" dirty="0"/>
               <a:t> to help us make a design to deal with the collisions. We should have the classes which differ provide the functionality to deal with the collisions.</a:t>
             </a:r>
-            <a:endParaRPr lang="en-US" sz="2400" dirty="0"/>
           </a:p>
         </p:txBody>
       </p:sp>
@@ -5477,58 +5444,49 @@
           <a:lstStyle/>
           <a:p>
             <a:r>
-              <a:rPr lang="en-US" sz="2400" dirty="0" smtClean="0"/>
+              <a:rPr lang="en-US" sz="2400" dirty="0"/>
               <a:t>So in this case, the different drops (and </a:t>
             </a:r>
             <a:r>
-              <a:rPr lang="en-US" sz="2400" dirty="0" err="1" smtClean="0"/>
+              <a:rPr lang="en-US" sz="2400" dirty="0" err="1"/>
               <a:t>InvincibilityDrop</a:t>
             </a:r>
             <a:r>
-              <a:rPr lang="en-US" sz="2400" dirty="0" smtClean="0"/>
-              <a:t>) differ in how they affect the platform. Thus, we can could create an </a:t>
-            </a:r>
-            <a:r>
               <a:rPr lang="en-US" sz="2400" dirty="0"/>
-              <a:t>a</a:t>
-            </a:r>
-            <a:r>
-              <a:rPr lang="en-US" sz="2400" dirty="0" smtClean="0"/>
-              <a:t>bstract class and require an implementation of the </a:t>
-            </a:r>
-            <a:r>
-              <a:rPr lang="en-US" sz="2400" dirty="0" err="1" smtClean="0"/>
+              <a:t>) differ in how they affect the platform. Thus, we can could create an abstract class and require an implementation of the </a:t>
+            </a:r>
+            <a:r>
+              <a:rPr lang="en-US" sz="2400" dirty="0" err="1"/>
               <a:t>collideWith</a:t>
             </a:r>
             <a:r>
-              <a:rPr lang="en-US" sz="2400" dirty="0" smtClean="0"/>
+              <a:rPr lang="en-US" sz="2400" dirty="0"/>
               <a:t>(</a:t>
             </a:r>
             <a:r>
-              <a:rPr lang="en-US" sz="2400" dirty="0" err="1" smtClean="0"/>
+              <a:rPr lang="en-US" sz="2400" dirty="0" err="1"/>
               <a:t>BouncingPlatform</a:t>
             </a:r>
             <a:r>
-              <a:rPr lang="en-US" sz="2400" dirty="0" smtClean="0"/>
+              <a:rPr lang="en-US" sz="2400" dirty="0"/>
               <a:t>) method. Similarly, we can provide a </a:t>
             </a:r>
             <a:r>
-              <a:rPr lang="en-US" sz="2400" dirty="0" err="1" smtClean="0"/>
+              <a:rPr lang="en-US" sz="2400" dirty="0" err="1"/>
               <a:t>collideWith</a:t>
             </a:r>
             <a:r>
-              <a:rPr lang="en-US" sz="2400" dirty="0" smtClean="0"/>
+              <a:rPr lang="en-US" sz="2400" dirty="0"/>
               <a:t>( </a:t>
             </a:r>
             <a:r>
-              <a:rPr lang="en-US" sz="2400" dirty="0" err="1" smtClean="0"/>
+              <a:rPr lang="en-US" sz="2400" dirty="0" err="1"/>
               <a:t>UserControlledPlatform</a:t>
             </a:r>
             <a:r>
-              <a:rPr lang="en-US" sz="2400" dirty="0" smtClean="0"/>
+              <a:rPr lang="en-US" sz="2400" dirty="0"/>
               <a:t>) method, this will allow us to put the code in the drop classes and make the processing MUCH cleaner as we will see.</a:t>
             </a:r>
-            <a:endParaRPr lang="en-US" sz="2400" dirty="0"/>
           </a:p>
         </p:txBody>
       </p:sp>
@@ -5542,13 +5500,6 @@
   <p:clrMapOvr>
     <a:masterClrMapping/>
   </p:clrMapOvr>
-  <p:timing>
-    <p:tnLst>
-      <p:par>
-        <p:cTn id="1" dur="indefinite" restart="never" nodeType="tmRoot"/>
-      </p:par>
-    </p:tnLst>
-  </p:timing>
 </p:sld>
 </file>
 
@@ -5585,10 +5536,9 @@
           <a:lstStyle/>
           <a:p>
             <a:r>
-              <a:rPr lang="en-US" dirty="0" smtClean="0"/>
+              <a:rPr lang="en-US" dirty="0"/>
               <a:t>Live-coding</a:t>
             </a:r>
-            <a:endParaRPr lang="en-US" dirty="0"/>
           </a:p>
         </p:txBody>
       </p:sp>
@@ -5621,13 +5571,6 @@
   <p:clrMapOvr>
     <a:masterClrMapping/>
   </p:clrMapOvr>
-  <p:timing>
-    <p:tnLst>
-      <p:par>
-        <p:cTn id="1" dur="indefinite" restart="never" nodeType="tmRoot"/>
-      </p:par>
-    </p:tnLst>
-  </p:timing>
 </p:sld>
 </file>
 
@@ -5664,10 +5607,9 @@
           <a:lstStyle/>
           <a:p>
             <a:r>
-              <a:rPr lang="en-US" dirty="0" smtClean="0"/>
+              <a:rPr lang="en-US" dirty="0"/>
               <a:t>Design Activity</a:t>
             </a:r>
-            <a:endParaRPr lang="en-US" dirty="0"/>
           </a:p>
         </p:txBody>
       </p:sp>
@@ -5687,10 +5629,9 @@
           <a:lstStyle/>
           <a:p>
             <a:r>
-              <a:rPr lang="en-US" dirty="0" smtClean="0"/>
+              <a:rPr lang="en-US" dirty="0"/>
               <a:t>Hand out </a:t>
             </a:r>
-            <a:endParaRPr lang="en-US" dirty="0"/>
           </a:p>
         </p:txBody>
       </p:sp>
@@ -5704,13 +5645,6 @@
   <p:clrMapOvr>
     <a:masterClrMapping/>
   </p:clrMapOvr>
-  <p:timing>
-    <p:tnLst>
-      <p:par>
-        <p:cTn id="1" dur="indefinite" restart="never" nodeType="tmRoot"/>
-      </p:par>
-    </p:tnLst>
-  </p:timing>
 </p:sld>
 </file>
 
@@ -5757,16 +5691,8 @@
               <a:buNone/>
             </a:pPr>
             <a:r>
-              <a:rPr lang="en-US" dirty="0" smtClean="0"/>
-              <a:t>In </a:t>
-            </a:r>
-            <a:r>
-              <a:rPr lang="en-US" dirty="0"/>
-              <a:t>the </a:t>
-            </a:r>
-            <a:r>
-              <a:rPr lang="en-US" dirty="0" smtClean="0"/>
-              <a:t>game </a:t>
+              <a:rPr lang="en-US" dirty="0"/>
+              <a:t>In the game </a:t>
             </a:r>
             <a:r>
               <a:rPr lang="en-US" dirty="0" err="1"/>
@@ -5774,15 +5700,7 @@
             </a:r>
             <a:r>
               <a:rPr lang="en-US" dirty="0"/>
-              <a:t>, everything has special behavior if caught in a bomb explosion.  </a:t>
-            </a:r>
-            <a:r>
-              <a:rPr lang="en-US" dirty="0" smtClean="0"/>
-              <a:t>Heroes </a:t>
-            </a:r>
-            <a:r>
-              <a:rPr lang="en-US" dirty="0"/>
-              <a:t>die and restart the level, monsters are killed and score points, walls are destroyed, and bombs explode themselves.  In the design below, the Bomb class has an </a:t>
+              <a:t>, everything has special behavior if caught in a bomb explosion.  Heroes die and restart the level, monsters are killed and score points, walls are destroyed, and bombs explode themselves.  In the design below, the Bomb class has an </a:t>
             </a:r>
             <a:r>
               <a:rPr lang="en-US" dirty="0" err="1"/>
@@ -5790,13 +5708,8 @@
             </a:r>
             <a:r>
               <a:rPr lang="en-US" dirty="0"/>
-              <a:t> method which handles this behavior and (you can assume) works correctly</a:t>
-            </a:r>
-            <a:r>
-              <a:rPr lang="en-US" dirty="0" smtClean="0"/>
-              <a:t>.</a:t>
-            </a:r>
-            <a:endParaRPr lang="en-US" dirty="0"/>
+              <a:t> method which handles this behavior and (you can assume) works correctly.</a:t>
+            </a:r>
           </a:p>
         </p:txBody>
       </p:sp>
@@ -5834,13 +5747,6 @@
   <p:clrMapOvr>
     <a:masterClrMapping/>
   </p:clrMapOvr>
-  <p:timing>
-    <p:tnLst>
-      <p:par>
-        <p:cTn id="1" dur="indefinite" restart="never" nodeType="tmRoot"/>
-      </p:par>
-    </p:tnLst>
-  </p:timing>
 </p:sld>
 </file>
 
@@ -5877,10 +5783,9 @@
           <a:lstStyle/>
           <a:p>
             <a:r>
-              <a:rPr lang="en-US" dirty="0" smtClean="0"/>
+              <a:rPr lang="en-US" dirty="0"/>
               <a:t>Collision Code</a:t>
             </a:r>
-            <a:endParaRPr lang="en-US" dirty="0"/>
           </a:p>
         </p:txBody>
       </p:sp>
@@ -5934,10 +5839,6 @@
             <a:pPr marL="0" indent="0">
               <a:buNone/>
             </a:pPr>
-            <a:r>
-              <a:rPr lang="en-US" dirty="0"/>
-              <a:t/>
-            </a:r>
             <a:br>
               <a:rPr lang="en-US" dirty="0"/>
             </a:br>
@@ -6021,12 +5922,8 @@
               <a:buNone/>
             </a:pPr>
             <a:r>
-              <a:rPr lang="en-US" dirty="0" smtClean="0"/>
+              <a:rPr lang="en-US" dirty="0"/>
               <a:t>}</a:t>
-            </a:r>
-            <a:r>
-              <a:rPr lang="en-US" dirty="0"/>
-              <a:t/>
             </a:r>
             <a:br>
               <a:rPr lang="en-US" dirty="0"/>
@@ -6058,26 +5955,14 @@
           <a:lstStyle/>
           <a:p>
             <a:r>
-              <a:rPr lang="en-US" dirty="0" smtClean="0"/>
-              <a:t>1</a:t>
-            </a:r>
-            <a:r>
-              <a:rPr lang="en-US" dirty="0"/>
-              <a:t>. What is wrong with the design?</a:t>
-            </a:r>
-          </a:p>
-          <a:p>
-            <a:r>
-              <a:rPr lang="en-US" dirty="0"/>
-              <a:t>2. Propose a new design that does not have the problem you identified in #1.  You only need include in your UML diagram classes that are *different* from their version in the given diagram</a:t>
-            </a:r>
-            <a:r>
-              <a:rPr lang="en-US" dirty="0" smtClean="0"/>
-              <a:t>.</a:t>
-            </a:r>
-            <a:r>
-              <a:rPr lang="en-US" dirty="0"/>
-              <a:t/>
+              <a:rPr lang="en-US" dirty="0"/>
+              <a:t>1. What is wrong with the design?</a:t>
+            </a:r>
+          </a:p>
+          <a:p>
+            <a:r>
+              <a:rPr lang="en-US" dirty="0"/>
+              <a:t>2. Propose a new design that does not have the problem you identified in #1.  You only need include in your UML diagram classes that are *different* from their version in the given diagram.</a:t>
             </a:r>
             <a:br>
               <a:rPr lang="en-US" dirty="0"/>
@@ -6094,7 +5979,6 @@
               <a:rPr lang="en-US" dirty="0"/>
               <a:t> looks like</a:t>
             </a:r>
-            <a:endParaRPr lang="en-US" dirty="0" smtClean="0"/>
           </a:p>
           <a:p>
             <a:endParaRPr lang="en-US" dirty="0"/>
@@ -6135,13 +6019,6 @@
   <p:clrMapOvr>
     <a:masterClrMapping/>
   </p:clrMapOvr>
-  <p:timing>
-    <p:tnLst>
-      <p:par>
-        <p:cTn id="1" dur="indefinite" restart="never" nodeType="tmRoot"/>
-      </p:par>
-    </p:tnLst>
-  </p:timing>
 </p:sld>
 </file>
 
@@ -6178,10 +6055,9 @@
           <a:lstStyle/>
           <a:p>
             <a:r>
-              <a:rPr lang="en-US" dirty="0" smtClean="0"/>
+              <a:rPr lang="en-US" dirty="0"/>
               <a:t>A Solution</a:t>
             </a:r>
-            <a:endParaRPr lang="en-US" dirty="0"/>
           </a:p>
         </p:txBody>
       </p:sp>
@@ -6238,21 +6114,6 @@
   <p:clrMapOvr>
     <a:masterClrMapping/>
   </p:clrMapOvr>
-  <mc:AlternateContent xmlns:mc="http://schemas.openxmlformats.org/markup-compatibility/2006">
-    <mc:Choice xmlns:p14="http://schemas.microsoft.com/office/powerpoint/2010/main" Requires="p14">
-      <p:transition spd="slow" p14:dur="2000"/>
-    </mc:Choice>
-    <mc:Fallback>
-      <p:transition spd="slow"/>
-    </mc:Fallback>
-  </mc:AlternateContent>
-  <p:timing>
-    <p:tnLst>
-      <p:par>
-        <p:cTn id="1" dur="indefinite" restart="never" nodeType="tmRoot"/>
-      </p:par>
-    </p:tnLst>
-  </p:timing>
 </p:sld>
 </file>
 
@@ -6316,48 +6177,35 @@
             </a:r>
             <a:r>
               <a:rPr lang="en-US" dirty="0"/>
-              <a:t> is required. Additionally, the code to handle collisions can be </a:t>
-            </a:r>
-            <a:r>
-              <a:rPr lang="en-US" dirty="0" smtClean="0"/>
-              <a:t>done inside </a:t>
-            </a:r>
-            <a:r>
-              <a:rPr lang="en-US" dirty="0" err="1" smtClean="0"/>
+              <a:t> is required. Additionally, the code to handle collisions can be done inside </a:t>
+            </a:r>
+            <a:r>
+              <a:rPr lang="en-US" dirty="0" err="1"/>
               <a:t>onExplosion</a:t>
             </a:r>
             <a:r>
-              <a:rPr lang="en-US" dirty="0" smtClean="0"/>
+              <a:rPr lang="en-US" dirty="0"/>
               <a:t> as before:</a:t>
             </a:r>
-            <a:endParaRPr lang="en-US" dirty="0"/>
           </a:p>
           <a:p>
             <a:pPr marL="0" indent="0">
               <a:buNone/>
             </a:pPr>
-            <a:r>
-              <a:rPr lang="en-US" dirty="0"/>
-              <a:t/>
-            </a:r>
             <a:br>
               <a:rPr lang="en-US" dirty="0"/>
             </a:br>
             <a:r>
-              <a:rPr lang="en-US" dirty="0" smtClean="0"/>
+              <a:rPr lang="en-US" dirty="0"/>
               <a:t>for(</a:t>
             </a:r>
             <a:r>
-              <a:rPr lang="en-US" dirty="0" err="1" smtClean="0"/>
+              <a:rPr lang="en-US" dirty="0" err="1"/>
               <a:t>GameObject</a:t>
             </a:r>
             <a:r>
-              <a:rPr lang="en-US" dirty="0" smtClean="0"/>
-              <a:t> </a:t>
-            </a:r>
-            <a:r>
-              <a:rPr lang="en-US" dirty="0"/>
-              <a:t>g : </a:t>
+              <a:rPr lang="en-US" dirty="0"/>
+              <a:t> g : </a:t>
             </a:r>
             <a:r>
               <a:rPr lang="en-US" dirty="0" err="1"/>
@@ -6373,20 +6221,16 @@
               <a:buNone/>
             </a:pPr>
             <a:r>
-              <a:rPr lang="en-US" dirty="0" smtClean="0"/>
+              <a:rPr lang="en-US" dirty="0"/>
               <a:t>	</a:t>
             </a:r>
             <a:r>
-              <a:rPr lang="en-US" dirty="0" err="1" smtClean="0"/>
+              <a:rPr lang="en-US" dirty="0" err="1"/>
               <a:t>g.collideWithExplodingBomb</a:t>
             </a:r>
             <a:r>
-              <a:rPr lang="en-US" dirty="0" smtClean="0"/>
-              <a:t>(this</a:t>
-            </a:r>
-            <a:r>
-              <a:rPr lang="en-US" dirty="0"/>
-              <a:t>);</a:t>
+              <a:rPr lang="en-US" dirty="0"/>
+              <a:t>(this);</a:t>
             </a:r>
           </a:p>
           <a:p>
@@ -6402,22 +6246,13 @@
             <a:pPr marL="0" indent="0">
               <a:buNone/>
             </a:pPr>
-            <a:r>
-              <a:rPr lang="en-US" dirty="0"/>
-              <a:t/>
-            </a:r>
             <a:br>
               <a:rPr lang="en-US" dirty="0"/>
             </a:br>
             <a:r>
               <a:rPr lang="en-US" dirty="0"/>
-              <a:t>Each subclass will deal with handling the class specific effects of being hit by a </a:t>
-            </a:r>
-            <a:r>
-              <a:rPr lang="en-US" dirty="0" smtClean="0"/>
-              <a:t>bomb</a:t>
-            </a:r>
-            <a:endParaRPr lang="en-US" dirty="0"/>
+              <a:t>Each subclass will deal with handling the class specific effects of being hit by a bomb</a:t>
+            </a:r>
           </a:p>
         </p:txBody>
       </p:sp>
@@ -6455,21 +6290,6 @@
   <p:clrMapOvr>
     <a:masterClrMapping/>
   </p:clrMapOvr>
-  <mc:AlternateContent xmlns:mc="http://schemas.openxmlformats.org/markup-compatibility/2006">
-    <mc:Choice xmlns:p14="http://schemas.microsoft.com/office/powerpoint/2010/main" Requires="p14">
-      <p:transition spd="slow" p14:dur="2000"/>
-    </mc:Choice>
-    <mc:Fallback>
-      <p:transition spd="slow"/>
-    </mc:Fallback>
-  </mc:AlternateContent>
-  <p:timing>
-    <p:tnLst>
-      <p:par>
-        <p:cTn id="1" dur="indefinite" restart="never" nodeType="tmRoot"/>
-      </p:par>
-    </p:tnLst>
-  </p:timing>
 </p:sld>
 </file>
 
@@ -6509,16 +6329,12 @@
               <a:defRPr/>
             </a:pPr>
             <a:r>
-              <a:rPr lang="en-US" dirty="0" smtClean="0">
+              <a:rPr lang="en-US" dirty="0">
                 <a:ea typeface="+mj-ea"/>
                 <a:cs typeface="+mj-cs"/>
               </a:rPr>
               <a:t>Team Project</a:t>
             </a:r>
-            <a:endParaRPr lang="en-US" dirty="0">
-              <a:ea typeface="+mj-ea"/>
-              <a:cs typeface="+mj-cs"/>
-            </a:endParaRPr>
           </a:p>
         </p:txBody>
       </p:sp>
@@ -6538,13 +6354,13 @@
           <a:lstStyle/>
           <a:p>
             <a:r>
-              <a:rPr lang="en-US" dirty="0" smtClean="0"/>
+              <a:rPr lang="en-US" dirty="0"/>
               <a:t>Work time</a:t>
             </a:r>
           </a:p>
           <a:p>
             <a:r>
-              <a:rPr lang="en-US" i="1" dirty="0" smtClean="0"/>
+              <a:rPr lang="en-US" i="1" dirty="0"/>
               <a:t>Be sure everyone is getting a chance to drive.</a:t>
             </a:r>
           </a:p>
@@ -6561,13 +6377,6 @@
     <a:masterClrMapping/>
   </p:clrMapOvr>
   <p:transition/>
-  <p:timing>
-    <p:tnLst>
-      <p:par>
-        <p:cTn id="1" dur="indefinite" restart="never" nodeType="tmRoot"/>
-      </p:par>
-    </p:tnLst>
-  </p:timing>
 </p:sld>
 </file>
 
@@ -6604,10 +6413,9 @@
           <a:lstStyle/>
           <a:p>
             <a:r>
-              <a:rPr lang="en-US" dirty="0" smtClean="0"/>
+              <a:rPr lang="en-US" dirty="0"/>
               <a:t>Platforms and Drops</a:t>
             </a:r>
-            <a:endParaRPr lang="en-US" dirty="0"/>
           </a:p>
         </p:txBody>
       </p:sp>
@@ -6632,10 +6440,9 @@
           <a:lstStyle/>
           <a:p>
             <a:r>
-              <a:rPr lang="en-US" dirty="0" smtClean="0"/>
+              <a:rPr lang="en-US" dirty="0"/>
               <a:t>What if we wanted Platforms to collide as well?</a:t>
             </a:r>
-            <a:endParaRPr lang="en-US" dirty="0"/>
           </a:p>
         </p:txBody>
       </p:sp>
@@ -6717,7 +6524,7 @@
                     <a:lstStyle/>
                     <a:p>
                       <a:r>
-                        <a:rPr lang="en-US" sz="2400" dirty="0" err="1" smtClean="0"/>
+                        <a:rPr lang="en-US" sz="2400" dirty="0" err="1"/>
                         <a:t>UserPlat</a:t>
                       </a:r>
                       <a:endParaRPr lang="en-US" sz="2400" dirty="0"/>
@@ -6731,7 +6538,7 @@
                     <a:lstStyle/>
                     <a:p>
                       <a:r>
-                        <a:rPr lang="en-US" sz="2400" dirty="0" err="1" smtClean="0"/>
+                        <a:rPr lang="en-US" sz="2400" dirty="0" err="1"/>
                         <a:t>BouncePlat</a:t>
                       </a:r>
                       <a:endParaRPr lang="en-US" sz="2400" dirty="0"/>
@@ -6745,7 +6552,7 @@
                     <a:lstStyle/>
                     <a:p>
                       <a:r>
-                        <a:rPr lang="en-US" sz="2400" dirty="0" err="1" smtClean="0"/>
+                        <a:rPr lang="en-US" sz="2400" dirty="0" err="1"/>
                         <a:t>DamageDrop</a:t>
                       </a:r>
                       <a:endParaRPr lang="en-US" sz="2400" dirty="0"/>
@@ -6759,7 +6566,7 @@
                     <a:lstStyle/>
                     <a:p>
                       <a:r>
-                        <a:rPr lang="en-US" sz="2400" dirty="0" err="1" smtClean="0"/>
+                        <a:rPr lang="en-US" sz="2400" dirty="0" err="1"/>
                         <a:t>HealDrop</a:t>
                       </a:r>
                       <a:endParaRPr lang="en-US" sz="2400" dirty="0"/>
@@ -6780,19 +6587,9 @@
                     <a:lstStyle/>
                     <a:p>
                       <a:r>
-                        <a:rPr lang="en-US" sz="2400" dirty="0" err="1" smtClean="0"/>
+                        <a:rPr lang="en-US" sz="2400" dirty="0" err="1"/>
                         <a:t>UserPlat</a:t>
                       </a:r>
-                      <a:endParaRPr lang="en-US" sz="2400" dirty="0" smtClean="0"/>
-                    </a:p>
-                  </a:txBody>
-                  <a:tcPr marL="129683" marR="129683" marT="64842" marB="64842"/>
-                </a:tc>
-                <a:tc>
-                  <a:txBody>
-                    <a:bodyPr/>
-                    <a:lstStyle/>
-                    <a:p>
                       <a:endParaRPr lang="en-US" sz="2400" dirty="0"/>
                     </a:p>
                   </a:txBody>
@@ -6803,11 +6600,20 @@
                     <a:bodyPr/>
                     <a:lstStyle/>
                     <a:p>
+                      <a:endParaRPr lang="en-US" sz="2400" dirty="0"/>
+                    </a:p>
+                  </a:txBody>
+                  <a:tcPr marL="129683" marR="129683" marT="64842" marB="64842"/>
+                </a:tc>
+                <a:tc>
+                  <a:txBody>
+                    <a:bodyPr/>
+                    <a:lstStyle/>
+                    <a:p>
                       <a:r>
-                        <a:rPr lang="en-US" sz="2400" dirty="0" smtClean="0"/>
+                        <a:rPr lang="en-US" sz="2400" dirty="0"/>
                         <a:t>X</a:t>
                       </a:r>
-                      <a:endParaRPr lang="en-US" sz="2400" dirty="0"/>
                     </a:p>
                   </a:txBody>
                   <a:tcPr marL="129683" marR="129683" marT="64842" marB="64842"/>
@@ -6818,10 +6624,9 @@
                     <a:lstStyle/>
                     <a:p>
                       <a:r>
-                        <a:rPr lang="en-US" sz="2400" dirty="0" smtClean="0"/>
+                        <a:rPr lang="en-US" sz="2400" dirty="0"/>
                         <a:t>X</a:t>
                       </a:r>
-                      <a:endParaRPr lang="en-US" sz="2400" dirty="0"/>
                     </a:p>
                   </a:txBody>
                   <a:tcPr marL="129683" marR="129683" marT="64842" marB="64842"/>
@@ -6832,10 +6637,9 @@
                     <a:lstStyle/>
                     <a:p>
                       <a:r>
-                        <a:rPr lang="en-US" sz="2400" dirty="0" smtClean="0"/>
+                        <a:rPr lang="en-US" sz="2400" dirty="0"/>
                         <a:t>X</a:t>
                       </a:r>
-                      <a:endParaRPr lang="en-US" sz="2400" dirty="0"/>
                     </a:p>
                   </a:txBody>
                   <a:tcPr marL="129683" marR="129683" marT="64842" marB="64842"/>
@@ -6853,7 +6657,7 @@
                     <a:lstStyle/>
                     <a:p>
                       <a:r>
-                        <a:rPr lang="en-US" sz="2400" dirty="0" err="1" smtClean="0"/>
+                        <a:rPr lang="en-US" sz="2400" dirty="0" err="1"/>
                         <a:t>BouncePlat</a:t>
                       </a:r>
                       <a:endParaRPr lang="en-US" sz="2400" dirty="0"/>
@@ -6867,10 +6671,9 @@
                     <a:lstStyle/>
                     <a:p>
                       <a:r>
-                        <a:rPr lang="en-US" sz="2400" dirty="0" smtClean="0"/>
+                        <a:rPr lang="en-US" sz="2400" dirty="0"/>
                         <a:t>X</a:t>
                       </a:r>
-                      <a:endParaRPr lang="en-US" sz="2400" dirty="0"/>
                     </a:p>
                   </a:txBody>
                   <a:tcPr marL="129683" marR="129683" marT="64842" marB="64842"/>
@@ -6881,10 +6684,9 @@
                     <a:lstStyle/>
                     <a:p>
                       <a:r>
-                        <a:rPr lang="en-US" sz="2400" dirty="0" smtClean="0"/>
+                        <a:rPr lang="en-US" sz="2400" dirty="0"/>
                         <a:t>X</a:t>
                       </a:r>
-                      <a:endParaRPr lang="en-US" sz="2400" dirty="0"/>
                     </a:p>
                   </a:txBody>
                   <a:tcPr marL="129683" marR="129683" marT="64842" marB="64842"/>
@@ -6895,10 +6697,9 @@
                     <a:lstStyle/>
                     <a:p>
                       <a:r>
-                        <a:rPr lang="en-US" sz="2400" dirty="0" smtClean="0"/>
+                        <a:rPr lang="en-US" sz="2400" dirty="0"/>
                         <a:t>X</a:t>
                       </a:r>
-                      <a:endParaRPr lang="en-US" sz="2400" dirty="0"/>
                     </a:p>
                   </a:txBody>
                   <a:tcPr marL="129683" marR="129683" marT="64842" marB="64842"/>
@@ -6909,10 +6710,9 @@
                     <a:lstStyle/>
                     <a:p>
                       <a:r>
-                        <a:rPr lang="en-US" sz="2400" dirty="0" smtClean="0"/>
+                        <a:rPr lang="en-US" sz="2400" dirty="0"/>
                         <a:t>X</a:t>
                       </a:r>
-                      <a:endParaRPr lang="en-US" sz="2400" dirty="0"/>
                     </a:p>
                   </a:txBody>
                   <a:tcPr marL="129683" marR="129683" marT="64842" marB="64842"/>
@@ -6930,7 +6730,7 @@
                     <a:lstStyle/>
                     <a:p>
                       <a:r>
-                        <a:rPr lang="en-US" sz="2400" dirty="0" err="1" smtClean="0"/>
+                        <a:rPr lang="en-US" sz="2400" dirty="0" err="1"/>
                         <a:t>DamageDrop</a:t>
                       </a:r>
                       <a:endParaRPr lang="en-US" sz="2400" dirty="0"/>
@@ -6944,10 +6744,9 @@
                     <a:lstStyle/>
                     <a:p>
                       <a:r>
-                        <a:rPr lang="en-US" sz="2400" dirty="0" smtClean="0"/>
+                        <a:rPr lang="en-US" sz="2400" dirty="0"/>
                         <a:t>X</a:t>
                       </a:r>
-                      <a:endParaRPr lang="en-US" sz="2400" dirty="0"/>
                     </a:p>
                   </a:txBody>
                   <a:tcPr marL="129683" marR="129683" marT="64842" marB="64842"/>
@@ -6958,10 +6757,9 @@
                     <a:lstStyle/>
                     <a:p>
                       <a:r>
-                        <a:rPr lang="en-US" sz="2400" dirty="0" smtClean="0"/>
+                        <a:rPr lang="en-US" sz="2400" dirty="0"/>
                         <a:t>X</a:t>
                       </a:r>
-                      <a:endParaRPr lang="en-US" sz="2400" dirty="0"/>
                     </a:p>
                   </a:txBody>
                   <a:tcPr marL="129683" marR="129683" marT="64842" marB="64842"/>
@@ -6999,7 +6797,7 @@
                     <a:lstStyle/>
                     <a:p>
                       <a:r>
-                        <a:rPr lang="en-US" sz="2400" dirty="0" err="1" smtClean="0"/>
+                        <a:rPr lang="en-US" sz="2400" dirty="0" err="1"/>
                         <a:t>HealDrop</a:t>
                       </a:r>
                       <a:endParaRPr lang="en-US" sz="2400" dirty="0"/>
@@ -7013,10 +6811,9 @@
                     <a:lstStyle/>
                     <a:p>
                       <a:r>
-                        <a:rPr lang="en-US" sz="2400" dirty="0" smtClean="0"/>
+                        <a:rPr lang="en-US" sz="2400" dirty="0"/>
                         <a:t>X</a:t>
                       </a:r>
-                      <a:endParaRPr lang="en-US" sz="2400" dirty="0"/>
                     </a:p>
                   </a:txBody>
                   <a:tcPr marL="129683" marR="129683" marT="64842" marB="64842"/>
@@ -7027,10 +6824,9 @@
                     <a:lstStyle/>
                     <a:p>
                       <a:r>
-                        <a:rPr lang="en-US" sz="2400" dirty="0" smtClean="0"/>
+                        <a:rPr lang="en-US" sz="2400" dirty="0"/>
                         <a:t>X</a:t>
                       </a:r>
-                      <a:endParaRPr lang="en-US" sz="2400" dirty="0"/>
                     </a:p>
                   </a:txBody>
                   <a:tcPr marL="129683" marR="129683" marT="64842" marB="64842"/>
@@ -7075,13 +6871,6 @@
   <p:clrMapOvr>
     <a:masterClrMapping/>
   </p:clrMapOvr>
-  <p:timing>
-    <p:tnLst>
-      <p:par>
-        <p:cTn id="1" dur="indefinite" restart="never" nodeType="tmRoot"/>
-      </p:par>
-    </p:tnLst>
-  </p:timing>
 </p:sld>
 </file>
 
@@ -7118,10 +6907,9 @@
           <a:lstStyle/>
           <a:p>
             <a:r>
-              <a:rPr lang="en-US" dirty="0" smtClean="0"/>
+              <a:rPr lang="en-US" dirty="0"/>
               <a:t>The specific problem</a:t>
             </a:r>
-            <a:endParaRPr lang="en-US" dirty="0"/>
           </a:p>
         </p:txBody>
       </p:sp>
@@ -7143,51 +6931,41 @@
           <a:lstStyle/>
           <a:p>
             <a:r>
-              <a:rPr lang="en-US" dirty="0" smtClean="0"/>
-              <a:t>Monsters can collide with </a:t>
-            </a:r>
-            <a:r>
-              <a:rPr lang="en-US" dirty="0" smtClean="0"/>
-              <a:t>the Player.</a:t>
-            </a:r>
-            <a:endParaRPr lang="en-US" dirty="0" smtClean="0"/>
-          </a:p>
-          <a:p>
-            <a:r>
-              <a:rPr lang="en-US" dirty="0" smtClean="0"/>
-              <a:t>Players </a:t>
-            </a:r>
-            <a:r>
-              <a:rPr lang="en-US" dirty="0" smtClean="0"/>
-              <a:t>can take </a:t>
-            </a:r>
-            <a:r>
-              <a:rPr lang="en-US" dirty="0" err="1" smtClean="0"/>
+              <a:rPr lang="en-US" dirty="0"/>
+              <a:t>Monsters can collide with the Player.</a:t>
+            </a:r>
+          </a:p>
+          <a:p>
+            <a:r>
+              <a:rPr lang="en-US" dirty="0"/>
+              <a:t>Players can take </a:t>
+            </a:r>
+            <a:r>
+              <a:rPr lang="en-US" dirty="0" err="1"/>
               <a:t>powerups</a:t>
             </a:r>
             <a:r>
-              <a:rPr lang="en-US" dirty="0" smtClean="0"/>
+              <a:rPr lang="en-US" dirty="0"/>
               <a:t>.</a:t>
             </a:r>
           </a:p>
           <a:p>
             <a:r>
-              <a:rPr lang="en-US" dirty="0" smtClean="0"/>
+              <a:rPr lang="en-US" dirty="0"/>
               <a:t>Players can collide with eggs</a:t>
             </a:r>
           </a:p>
           <a:p>
             <a:r>
-              <a:rPr lang="en-US" dirty="0" smtClean="0"/>
+              <a:rPr lang="en-US" dirty="0"/>
               <a:t>Player can collide with “bullets”</a:t>
             </a:r>
           </a:p>
           <a:p>
             <a:r>
-              <a:rPr lang="en-US" dirty="0" smtClean="0"/>
+              <a:rPr lang="en-US" dirty="0"/>
               <a:t>Bonus: Player collide with another Player?</a:t>
             </a:r>
-            <a:endParaRPr lang="en-US" dirty="0" smtClean="0"/>
           </a:p>
           <a:p>
             <a:endParaRPr lang="en-US" dirty="0"/>
@@ -7197,10 +6975,9 @@
               <a:buNone/>
             </a:pPr>
             <a:r>
-              <a:rPr lang="en-US" dirty="0" smtClean="0"/>
+              <a:rPr lang="en-US" dirty="0"/>
               <a:t>So many collisions! How do we handle them all?</a:t>
             </a:r>
-            <a:endParaRPr lang="en-US" dirty="0"/>
           </a:p>
         </p:txBody>
       </p:sp>
@@ -7214,21 +6991,6 @@
   <p:clrMapOvr>
     <a:masterClrMapping/>
   </p:clrMapOvr>
-  <mc:AlternateContent xmlns:mc="http://schemas.openxmlformats.org/markup-compatibility/2006" xmlns:p14="http://schemas.microsoft.com/office/powerpoint/2010/main">
-    <mc:Choice Requires="p14">
-      <p:transition spd="slow" p14:dur="2000"/>
-    </mc:Choice>
-    <mc:Fallback xmlns="">
-      <p:transition spd="slow"/>
-    </mc:Fallback>
-  </mc:AlternateContent>
-  <p:timing>
-    <p:tnLst>
-      <p:par>
-        <p:cTn id="1" dur="indefinite" restart="never" nodeType="tmRoot"/>
-      </p:par>
-    </p:tnLst>
-  </p:timing>
 </p:sld>
 </file>
 
@@ -7265,10 +7027,9 @@
           <a:lstStyle/>
           <a:p>
             <a:r>
-              <a:rPr lang="en-US" dirty="0" smtClean="0"/>
+              <a:rPr lang="en-US" dirty="0"/>
               <a:t>Platforms and Drops</a:t>
             </a:r>
-            <a:endParaRPr lang="en-US" dirty="0"/>
           </a:p>
         </p:txBody>
       </p:sp>
@@ -7293,45 +7054,44 @@
           <a:lstStyle/>
           <a:p>
             <a:r>
-              <a:rPr lang="en-US" dirty="0" err="1" smtClean="0"/>
+              <a:rPr lang="en-US" dirty="0" err="1"/>
               <a:t>AbstractPlatform</a:t>
             </a:r>
             <a:r>
-              <a:rPr lang="en-US" dirty="0" smtClean="0"/>
+              <a:rPr lang="en-US" dirty="0"/>
               <a:t> and  </a:t>
             </a:r>
             <a:r>
-              <a:rPr lang="en-US" dirty="0" err="1" smtClean="0"/>
+              <a:rPr lang="en-US" dirty="0" err="1"/>
               <a:t>AbstractDrop</a:t>
             </a:r>
-            <a:endParaRPr lang="en-US" dirty="0" smtClean="0"/>
+            <a:endParaRPr lang="en-US" dirty="0"/>
           </a:p>
           <a:p>
             <a:pPr lvl="1"/>
             <a:r>
-              <a:rPr lang="en-US" dirty="0" smtClean="0"/>
+              <a:rPr lang="en-US" dirty="0"/>
               <a:t>Subclasses implement </a:t>
             </a:r>
           </a:p>
           <a:p>
             <a:pPr lvl="1"/>
             <a:r>
-              <a:rPr lang="en-US" dirty="0" err="1" smtClean="0"/>
+              <a:rPr lang="en-US" dirty="0" err="1"/>
               <a:t>collideWith</a:t>
             </a:r>
             <a:r>
-              <a:rPr lang="en-US" dirty="0" smtClean="0"/>
+              <a:rPr lang="en-US" dirty="0"/>
               <a:t>(</a:t>
             </a:r>
             <a:r>
-              <a:rPr lang="en-US" dirty="0" err="1" smtClean="0"/>
+              <a:rPr lang="en-US" dirty="0" err="1"/>
               <a:t>AbstractPlatform</a:t>
             </a:r>
             <a:r>
-              <a:rPr lang="en-US" dirty="0" smtClean="0"/>
+              <a:rPr lang="en-US" dirty="0"/>
               <a:t>)</a:t>
             </a:r>
-            <a:endParaRPr lang="en-US" dirty="0"/>
           </a:p>
           <a:p>
             <a:pPr lvl="1"/>
@@ -7417,7 +7177,7 @@
                     <a:lstStyle/>
                     <a:p>
                       <a:r>
-                        <a:rPr lang="en-US" sz="2400" dirty="0" err="1" smtClean="0"/>
+                        <a:rPr lang="en-US" sz="2400" dirty="0" err="1"/>
                         <a:t>UserPlat</a:t>
                       </a:r>
                       <a:endParaRPr lang="en-US" sz="2400" dirty="0"/>
@@ -7431,7 +7191,7 @@
                     <a:lstStyle/>
                     <a:p>
                       <a:r>
-                        <a:rPr lang="en-US" sz="2400" dirty="0" err="1" smtClean="0"/>
+                        <a:rPr lang="en-US" sz="2400" dirty="0" err="1"/>
                         <a:t>BouncePlat</a:t>
                       </a:r>
                       <a:endParaRPr lang="en-US" sz="2400" dirty="0"/>
@@ -7445,7 +7205,7 @@
                     <a:lstStyle/>
                     <a:p>
                       <a:r>
-                        <a:rPr lang="en-US" sz="2400" dirty="0" err="1" smtClean="0"/>
+                        <a:rPr lang="en-US" sz="2400" dirty="0" err="1"/>
                         <a:t>DamageDrop</a:t>
                       </a:r>
                       <a:endParaRPr lang="en-US" sz="2400" dirty="0"/>
@@ -7459,7 +7219,7 @@
                     <a:lstStyle/>
                     <a:p>
                       <a:r>
-                        <a:rPr lang="en-US" sz="2400" dirty="0" err="1" smtClean="0"/>
+                        <a:rPr lang="en-US" sz="2400" dirty="0" err="1"/>
                         <a:t>HealDrop</a:t>
                       </a:r>
                       <a:endParaRPr lang="en-US" sz="2400" dirty="0"/>
@@ -7480,19 +7240,9 @@
                     <a:lstStyle/>
                     <a:p>
                       <a:r>
-                        <a:rPr lang="en-US" sz="2400" dirty="0" err="1" smtClean="0"/>
+                        <a:rPr lang="en-US" sz="2400" dirty="0" err="1"/>
                         <a:t>UserPlat</a:t>
                       </a:r>
-                      <a:endParaRPr lang="en-US" sz="2400" dirty="0" smtClean="0"/>
-                    </a:p>
-                  </a:txBody>
-                  <a:tcPr marL="129683" marR="129683" marT="64842" marB="64842"/>
-                </a:tc>
-                <a:tc>
-                  <a:txBody>
-                    <a:bodyPr/>
-                    <a:lstStyle/>
-                    <a:p>
                       <a:endParaRPr lang="en-US" sz="2400" dirty="0"/>
                     </a:p>
                   </a:txBody>
@@ -7503,11 +7253,20 @@
                     <a:bodyPr/>
                     <a:lstStyle/>
                     <a:p>
+                      <a:endParaRPr lang="en-US" sz="2400" dirty="0"/>
+                    </a:p>
+                  </a:txBody>
+                  <a:tcPr marL="129683" marR="129683" marT="64842" marB="64842"/>
+                </a:tc>
+                <a:tc>
+                  <a:txBody>
+                    <a:bodyPr/>
+                    <a:lstStyle/>
+                    <a:p>
                       <a:r>
-                        <a:rPr lang="en-US" sz="2400" dirty="0" smtClean="0"/>
+                        <a:rPr lang="en-US" sz="2400" dirty="0"/>
                         <a:t>X</a:t>
                       </a:r>
-                      <a:endParaRPr lang="en-US" sz="2400" dirty="0"/>
                     </a:p>
                   </a:txBody>
                   <a:tcPr marL="129683" marR="129683" marT="64842" marB="64842"/>
@@ -7518,10 +7277,9 @@
                     <a:lstStyle/>
                     <a:p>
                       <a:r>
-                        <a:rPr lang="en-US" sz="2400" dirty="0" smtClean="0"/>
+                        <a:rPr lang="en-US" sz="2400" dirty="0"/>
                         <a:t>X</a:t>
                       </a:r>
-                      <a:endParaRPr lang="en-US" sz="2400" dirty="0"/>
                     </a:p>
                   </a:txBody>
                   <a:tcPr marL="129683" marR="129683" marT="64842" marB="64842"/>
@@ -7532,10 +7290,9 @@
                     <a:lstStyle/>
                     <a:p>
                       <a:r>
-                        <a:rPr lang="en-US" sz="2400" dirty="0" smtClean="0"/>
+                        <a:rPr lang="en-US" sz="2400" dirty="0"/>
                         <a:t>X</a:t>
                       </a:r>
-                      <a:endParaRPr lang="en-US" sz="2400" dirty="0"/>
                     </a:p>
                   </a:txBody>
                   <a:tcPr marL="129683" marR="129683" marT="64842" marB="64842"/>
@@ -7553,7 +7310,7 @@
                     <a:lstStyle/>
                     <a:p>
                       <a:r>
-                        <a:rPr lang="en-US" sz="2400" dirty="0" err="1" smtClean="0"/>
+                        <a:rPr lang="en-US" sz="2400" dirty="0" err="1"/>
                         <a:t>BouncePlat</a:t>
                       </a:r>
                       <a:endParaRPr lang="en-US" sz="2400" dirty="0"/>
@@ -7567,10 +7324,9 @@
                     <a:lstStyle/>
                     <a:p>
                       <a:r>
-                        <a:rPr lang="en-US" sz="2400" dirty="0" smtClean="0"/>
+                        <a:rPr lang="en-US" sz="2400" dirty="0"/>
                         <a:t>X</a:t>
                       </a:r>
-                      <a:endParaRPr lang="en-US" sz="2400" dirty="0"/>
                     </a:p>
                   </a:txBody>
                   <a:tcPr marL="129683" marR="129683" marT="64842" marB="64842"/>
@@ -7581,10 +7337,9 @@
                     <a:lstStyle/>
                     <a:p>
                       <a:r>
-                        <a:rPr lang="en-US" sz="2400" dirty="0" smtClean="0"/>
+                        <a:rPr lang="en-US" sz="2400" dirty="0"/>
                         <a:t>X</a:t>
                       </a:r>
-                      <a:endParaRPr lang="en-US" sz="2400" dirty="0"/>
                     </a:p>
                   </a:txBody>
                   <a:tcPr marL="129683" marR="129683" marT="64842" marB="64842"/>
@@ -7595,10 +7350,9 @@
                     <a:lstStyle/>
                     <a:p>
                       <a:r>
-                        <a:rPr lang="en-US" sz="2400" dirty="0" smtClean="0"/>
+                        <a:rPr lang="en-US" sz="2400" dirty="0"/>
                         <a:t>X</a:t>
                       </a:r>
-                      <a:endParaRPr lang="en-US" sz="2400" dirty="0"/>
                     </a:p>
                   </a:txBody>
                   <a:tcPr marL="129683" marR="129683" marT="64842" marB="64842"/>
@@ -7609,10 +7363,9 @@
                     <a:lstStyle/>
                     <a:p>
                       <a:r>
-                        <a:rPr lang="en-US" sz="2400" dirty="0" smtClean="0"/>
+                        <a:rPr lang="en-US" sz="2400" dirty="0"/>
                         <a:t>X</a:t>
                       </a:r>
-                      <a:endParaRPr lang="en-US" sz="2400" dirty="0"/>
                     </a:p>
                   </a:txBody>
                   <a:tcPr marL="129683" marR="129683" marT="64842" marB="64842"/>
@@ -7630,7 +7383,7 @@
                     <a:lstStyle/>
                     <a:p>
                       <a:r>
-                        <a:rPr lang="en-US" sz="2400" dirty="0" err="1" smtClean="0"/>
+                        <a:rPr lang="en-US" sz="2400" dirty="0" err="1"/>
                         <a:t>DamageDrop</a:t>
                       </a:r>
                       <a:endParaRPr lang="en-US" sz="2400" dirty="0"/>
@@ -7644,10 +7397,9 @@
                     <a:lstStyle/>
                     <a:p>
                       <a:r>
-                        <a:rPr lang="en-US" sz="2400" dirty="0" smtClean="0"/>
+                        <a:rPr lang="en-US" sz="2400" dirty="0"/>
                         <a:t>X</a:t>
                       </a:r>
-                      <a:endParaRPr lang="en-US" sz="2400" dirty="0"/>
                     </a:p>
                   </a:txBody>
                   <a:tcPr marL="129683" marR="129683" marT="64842" marB="64842"/>
@@ -7658,10 +7410,9 @@
                     <a:lstStyle/>
                     <a:p>
                       <a:r>
-                        <a:rPr lang="en-US" sz="2400" dirty="0" smtClean="0"/>
+                        <a:rPr lang="en-US" sz="2400" dirty="0"/>
                         <a:t>X</a:t>
                       </a:r>
-                      <a:endParaRPr lang="en-US" sz="2400" dirty="0"/>
                     </a:p>
                   </a:txBody>
                   <a:tcPr marL="129683" marR="129683" marT="64842" marB="64842"/>
@@ -7699,7 +7450,7 @@
                     <a:lstStyle/>
                     <a:p>
                       <a:r>
-                        <a:rPr lang="en-US" sz="2400" dirty="0" err="1" smtClean="0"/>
+                        <a:rPr lang="en-US" sz="2400" dirty="0" err="1"/>
                         <a:t>HealDrop</a:t>
                       </a:r>
                       <a:endParaRPr lang="en-US" sz="2400" dirty="0"/>
@@ -7713,10 +7464,9 @@
                     <a:lstStyle/>
                     <a:p>
                       <a:r>
-                        <a:rPr lang="en-US" sz="2400" dirty="0" smtClean="0"/>
+                        <a:rPr lang="en-US" sz="2400" dirty="0"/>
                         <a:t>X</a:t>
                       </a:r>
-                      <a:endParaRPr lang="en-US" sz="2400" dirty="0"/>
                     </a:p>
                   </a:txBody>
                   <a:tcPr marL="129683" marR="129683" marT="64842" marB="64842"/>
@@ -7727,10 +7477,9 @@
                     <a:lstStyle/>
                     <a:p>
                       <a:r>
-                        <a:rPr lang="en-US" sz="2400" dirty="0" smtClean="0"/>
+                        <a:rPr lang="en-US" sz="2400" dirty="0"/>
                         <a:t>X</a:t>
                       </a:r>
-                      <a:endParaRPr lang="en-US" sz="2400" dirty="0"/>
                     </a:p>
                   </a:txBody>
                   <a:tcPr marL="129683" marR="129683" marT="64842" marB="64842"/>
@@ -7775,13 +7524,6 @@
   <p:clrMapOvr>
     <a:masterClrMapping/>
   </p:clrMapOvr>
-  <p:timing>
-    <p:tnLst>
-      <p:par>
-        <p:cTn id="1" dur="indefinite" restart="never" nodeType="tmRoot"/>
-      </p:par>
-    </p:tnLst>
-  </p:timing>
 </p:sld>
 </file>
 
@@ -7818,10 +7560,9 @@
           <a:lstStyle/>
           <a:p>
             <a:r>
-              <a:rPr lang="en-US" dirty="0" smtClean="0"/>
+              <a:rPr lang="en-US" dirty="0"/>
               <a:t>Double/Multiple Dispatch</a:t>
             </a:r>
-            <a:endParaRPr lang="en-US" dirty="0"/>
           </a:p>
         </p:txBody>
       </p:sp>
@@ -7841,40 +7582,39 @@
           <a:lstStyle/>
           <a:p>
             <a:r>
-              <a:rPr lang="en-US" dirty="0" smtClean="0"/>
+              <a:rPr lang="en-US" dirty="0"/>
               <a:t>Another advanced technique</a:t>
             </a:r>
           </a:p>
           <a:p>
             <a:r>
-              <a:rPr lang="en-US" dirty="0" smtClean="0"/>
+              <a:rPr lang="en-US" dirty="0"/>
               <a:t>Helps especially when you want to store all objects in a single list</a:t>
             </a:r>
           </a:p>
           <a:p>
             <a:r>
-              <a:rPr lang="en-US" dirty="0" smtClean="0"/>
+              <a:rPr lang="en-US" dirty="0"/>
               <a:t>Requires some boilerplate code</a:t>
             </a:r>
           </a:p>
           <a:p>
             <a:r>
-              <a:rPr lang="en-US" dirty="0" smtClean="0"/>
+              <a:rPr lang="en-US" dirty="0"/>
               <a:t>Trade-offs as with many design choices</a:t>
             </a:r>
           </a:p>
           <a:p>
             <a:r>
-              <a:rPr lang="en-US" dirty="0" smtClean="0"/>
+              <a:rPr lang="en-US" dirty="0"/>
               <a:t>When many different things are interacting with many different things</a:t>
             </a:r>
           </a:p>
           <a:p>
             <a:r>
-              <a:rPr lang="en-US" dirty="0" smtClean="0"/>
+              <a:rPr lang="en-US" dirty="0"/>
               <a:t>Additional slides and project available to see</a:t>
             </a:r>
-            <a:endParaRPr lang="en-US" dirty="0"/>
           </a:p>
         </p:txBody>
       </p:sp>
@@ -7888,13 +7628,6 @@
   <p:clrMapOvr>
     <a:masterClrMapping/>
   </p:clrMapOvr>
-  <p:timing>
-    <p:tnLst>
-      <p:par>
-        <p:cTn id="1" dur="indefinite" restart="never" nodeType="tmRoot"/>
-      </p:par>
-    </p:tnLst>
-  </p:timing>
 </p:sld>
 </file>
 
@@ -7931,10 +7664,9 @@
           <a:lstStyle/>
           <a:p>
             <a:r>
-              <a:rPr lang="en-US" dirty="0" smtClean="0"/>
+              <a:rPr lang="en-US" dirty="0"/>
               <a:t>The specific problem</a:t>
             </a:r>
-            <a:endParaRPr lang="en-US" dirty="0"/>
           </a:p>
         </p:txBody>
       </p:sp>
@@ -7956,39 +7688,39 @@
           <a:lstStyle/>
           <a:p>
             <a:r>
-              <a:rPr lang="en-US" dirty="0" smtClean="0"/>
+              <a:rPr lang="en-US" dirty="0"/>
               <a:t>Monsters can collide with rocks.</a:t>
             </a:r>
           </a:p>
           <a:p>
             <a:r>
-              <a:rPr lang="en-US" dirty="0" smtClean="0"/>
+              <a:rPr lang="en-US" dirty="0"/>
               <a:t>Rocks can crush monsters.</a:t>
             </a:r>
           </a:p>
           <a:p>
             <a:r>
-              <a:rPr lang="en-US" dirty="0" smtClean="0"/>
+              <a:rPr lang="en-US" dirty="0"/>
               <a:t>Players can collide with monsters.</a:t>
             </a:r>
           </a:p>
           <a:p>
             <a:r>
-              <a:rPr lang="en-US" dirty="0" smtClean="0"/>
+              <a:rPr lang="en-US" dirty="0"/>
               <a:t>Players can be crushed by rocks.</a:t>
             </a:r>
           </a:p>
           <a:p>
             <a:r>
-              <a:rPr lang="en-US" dirty="0" smtClean="0"/>
+              <a:rPr lang="en-US" dirty="0"/>
               <a:t>Players can take </a:t>
             </a:r>
             <a:r>
-              <a:rPr lang="en-US" dirty="0" err="1" smtClean="0"/>
+              <a:rPr lang="en-US" dirty="0" err="1"/>
               <a:t>powerups</a:t>
             </a:r>
             <a:r>
-              <a:rPr lang="en-US" dirty="0" smtClean="0"/>
+              <a:rPr lang="en-US" dirty="0"/>
               <a:t>.</a:t>
             </a:r>
           </a:p>
@@ -8000,10 +7732,9 @@
               <a:buNone/>
             </a:pPr>
             <a:r>
-              <a:rPr lang="en-US" dirty="0" smtClean="0"/>
+              <a:rPr lang="en-US" dirty="0"/>
               <a:t>So many collisions! How do we handle them all?</a:t>
             </a:r>
-            <a:endParaRPr lang="en-US" dirty="0"/>
           </a:p>
         </p:txBody>
       </p:sp>
@@ -8017,21 +7748,6 @@
   <p:clrMapOvr>
     <a:masterClrMapping/>
   </p:clrMapOvr>
-  <mc:AlternateContent xmlns:mc="http://schemas.openxmlformats.org/markup-compatibility/2006">
-    <mc:Choice xmlns:p14="http://schemas.microsoft.com/office/powerpoint/2010/main" Requires="p14">
-      <p:transition spd="slow" p14:dur="2000"/>
-    </mc:Choice>
-    <mc:Fallback>
-      <p:transition spd="slow"/>
-    </mc:Fallback>
-  </mc:AlternateContent>
-  <p:timing>
-    <p:tnLst>
-      <p:par>
-        <p:cTn id="1" dur="indefinite" restart="never" nodeType="tmRoot"/>
-      </p:par>
-    </p:tnLst>
-  </p:timing>
 </p:sld>
 </file>
 
@@ -8068,10 +7784,9 @@
           <a:lstStyle/>
           <a:p>
             <a:r>
-              <a:rPr lang="en-US" dirty="0" smtClean="0"/>
+              <a:rPr lang="en-US" dirty="0"/>
               <a:t>Handling Collisions in General</a:t>
             </a:r>
-            <a:endParaRPr lang="en-US" dirty="0"/>
           </a:p>
         </p:txBody>
       </p:sp>
@@ -8091,89 +7806,84 @@
           <a:lstStyle/>
           <a:p>
             <a:r>
-              <a:rPr lang="en-US" dirty="0" smtClean="0"/>
+              <a:rPr lang="en-US" dirty="0"/>
               <a:t>Many ways it can be done</a:t>
             </a:r>
           </a:p>
           <a:p>
             <a:r>
-              <a:rPr lang="en-US" dirty="0" smtClean="0"/>
+              <a:rPr lang="en-US" dirty="0"/>
               <a:t>Good design principles</a:t>
             </a:r>
           </a:p>
           <a:p>
             <a:pPr lvl="1"/>
             <a:r>
-              <a:rPr lang="en-US" dirty="0" smtClean="0"/>
+              <a:rPr lang="en-US" dirty="0"/>
               <a:t>Make it </a:t>
             </a:r>
             <a:r>
-              <a:rPr lang="en-US" b="1" dirty="0" smtClean="0"/>
+              <a:rPr lang="en-US" b="1" dirty="0"/>
               <a:t>easy to use and extend code</a:t>
             </a:r>
           </a:p>
           <a:p>
             <a:r>
-              <a:rPr lang="en-US" dirty="0" smtClean="0"/>
+              <a:rPr lang="en-US" dirty="0"/>
               <a:t>Functional but bad design principles</a:t>
             </a:r>
           </a:p>
           <a:p>
             <a:pPr lvl="1"/>
             <a:r>
-              <a:rPr lang="en-US" dirty="0" smtClean="0"/>
+              <a:rPr lang="en-US" dirty="0"/>
               <a:t>Use “type predicated code”</a:t>
             </a:r>
           </a:p>
           <a:p>
             <a:pPr lvl="1"/>
             <a:r>
-              <a:rPr lang="en-US" dirty="0" smtClean="0"/>
+              <a:rPr lang="en-US" dirty="0"/>
               <a:t>… if ( “</a:t>
             </a:r>
             <a:r>
               <a:rPr lang="en-US" dirty="0" err="1"/>
-              <a:t>i</a:t>
-            </a:r>
-            <a:r>
-              <a:rPr lang="en-US" dirty="0" err="1" smtClean="0"/>
-              <a:t>nstanceof</a:t>
-            </a:r>
-            <a:r>
-              <a:rPr lang="en-US" dirty="0" smtClean="0"/>
+              <a:t>instanceof</a:t>
+            </a:r>
+            <a:r>
+              <a:rPr lang="en-US" dirty="0"/>
               <a:t>, </a:t>
             </a:r>
             <a:r>
-              <a:rPr lang="en-US" dirty="0" err="1" smtClean="0"/>
+              <a:rPr lang="en-US" dirty="0" err="1"/>
               <a:t>getClass</a:t>
             </a:r>
             <a:r>
-              <a:rPr lang="en-US" dirty="0" smtClean="0"/>
+              <a:rPr lang="en-US" dirty="0"/>
               <a:t>(), </a:t>
             </a:r>
             <a:r>
-              <a:rPr lang="en-US" dirty="0" err="1" smtClean="0"/>
+              <a:rPr lang="en-US" dirty="0" err="1"/>
               <a:t>getType</a:t>
             </a:r>
             <a:r>
-              <a:rPr lang="en-US" dirty="0" smtClean="0"/>
+              <a:rPr lang="en-US" dirty="0"/>
               <a:t>()” ==/equals)</a:t>
             </a:r>
           </a:p>
           <a:p>
             <a:pPr lvl="1"/>
             <a:r>
-              <a:rPr lang="en-US" dirty="0" smtClean="0"/>
+              <a:rPr lang="en-US" dirty="0"/>
               <a:t>OUTLAWED in your project design!</a:t>
             </a:r>
           </a:p>
           <a:p>
             <a:pPr lvl="1"/>
             <a:r>
-              <a:rPr lang="en-US" dirty="0" smtClean="0"/>
+              <a:rPr lang="en-US" dirty="0"/>
               <a:t>Your design should not use these at all!</a:t>
             </a:r>
-            <a:endParaRPr lang="en-US" dirty="0"/>
           </a:p>
         </p:txBody>
       </p:sp>
@@ -8187,13 +7897,6 @@
   <p:clrMapOvr>
     <a:masterClrMapping/>
   </p:clrMapOvr>
-  <p:timing>
-    <p:tnLst>
-      <p:par>
-        <p:cTn id="1" dur="indefinite" restart="never" nodeType="tmRoot"/>
-      </p:par>
-    </p:tnLst>
-  </p:timing>
 </p:sld>
 </file>
 
@@ -8230,10 +7933,9 @@
           <a:lstStyle/>
           <a:p>
             <a:r>
-              <a:rPr lang="en-US" dirty="0" smtClean="0"/>
+              <a:rPr lang="en-US" dirty="0"/>
               <a:t>Live Coding</a:t>
             </a:r>
-            <a:endParaRPr lang="en-US" dirty="0"/>
           </a:p>
         </p:txBody>
       </p:sp>
@@ -8253,19 +7955,19 @@
           <a:lstStyle/>
           <a:p>
             <a:r>
-              <a:rPr lang="en-US" dirty="0" smtClean="0"/>
+              <a:rPr lang="en-US" dirty="0"/>
               <a:t>Let’s consider a simulator with collisions</a:t>
             </a:r>
           </a:p>
           <a:p>
             <a:r>
-              <a:rPr lang="en-US" dirty="0" smtClean="0"/>
+              <a:rPr lang="en-US" dirty="0"/>
               <a:t>More Raindrops More Platforms</a:t>
             </a:r>
           </a:p>
           <a:p>
             <a:r>
-              <a:rPr lang="en-US" dirty="0" smtClean="0"/>
+              <a:rPr lang="en-US" dirty="0"/>
               <a:t>Run Main.java</a:t>
             </a:r>
           </a:p>
@@ -8284,13 +7986,6 @@
   <p:clrMapOvr>
     <a:masterClrMapping/>
   </p:clrMapOvr>
-  <p:timing>
-    <p:tnLst>
-      <p:par>
-        <p:cTn id="1" dur="indefinite" restart="never" nodeType="tmRoot"/>
-      </p:par>
-    </p:tnLst>
-  </p:timing>
 </p:sld>
 </file>
 
@@ -8327,10 +8022,9 @@
           <a:lstStyle/>
           <a:p>
             <a:r>
-              <a:rPr lang="en-US" dirty="0" smtClean="0"/>
+              <a:rPr lang="en-US" dirty="0"/>
               <a:t>Extend Functionality</a:t>
             </a:r>
-            <a:endParaRPr lang="en-US" dirty="0"/>
           </a:p>
         </p:txBody>
       </p:sp>
@@ -8365,12 +8059,8 @@
           <a:p>
             <a:pPr lvl="1"/>
             <a:r>
-              <a:rPr lang="en-US" dirty="0" smtClean="0"/>
-              <a:t>makes </a:t>
-            </a:r>
-            <a:r>
-              <a:rPr lang="en-US" dirty="0"/>
-              <a:t>a </a:t>
+              <a:rPr lang="en-US" dirty="0"/>
+              <a:t>makes a </a:t>
             </a:r>
             <a:r>
               <a:rPr lang="en-US" dirty="0" err="1"/>
@@ -8378,75 +8068,49 @@
             </a:r>
             <a:r>
               <a:rPr lang="en-US" dirty="0"/>
+              <a:t> invincible for 50 ticks</a:t>
+            </a:r>
+            <a:r>
+              <a:rPr lang="en-US" u="sng" dirty="0"/>
               <a:t> </a:t>
             </a:r>
-            <a:r>
-              <a:rPr lang="en-US" dirty="0" smtClean="0"/>
-              <a:t>invincible </a:t>
-            </a:r>
-            <a:r>
-              <a:rPr lang="en-US" dirty="0"/>
-              <a:t>for 50 </a:t>
-            </a:r>
-            <a:r>
-              <a:rPr lang="en-US" dirty="0" smtClean="0"/>
-              <a:t>ticks</a:t>
-            </a:r>
-            <a:r>
-              <a:rPr lang="en-US" u="sng" dirty="0" smtClean="0"/>
-              <a:t> </a:t>
-            </a:r>
             <a:endParaRPr lang="en-US" dirty="0"/>
           </a:p>
           <a:p>
             <a:pPr lvl="1"/>
             <a:r>
-              <a:rPr lang="en-US" dirty="0" smtClean="0"/>
+              <a:rPr lang="en-US" dirty="0"/>
               <a:t>drops should not affect platforms when invincible</a:t>
             </a:r>
-            <a:endParaRPr lang="en-US" dirty="0"/>
           </a:p>
           <a:p>
             <a:pPr lvl="1"/>
             <a:r>
-              <a:rPr lang="en-US" dirty="0" smtClean="0"/>
-              <a:t>color </a:t>
-            </a:r>
-            <a:r>
-              <a:rPr lang="en-US" dirty="0"/>
-              <a:t>should be Yellow</a:t>
+              <a:rPr lang="en-US" dirty="0"/>
+              <a:t>color should be Yellow</a:t>
             </a:r>
           </a:p>
           <a:p>
             <a:pPr lvl="1"/>
             <a:r>
-              <a:rPr lang="en-US" dirty="0" smtClean="0"/>
-              <a:t>size </a:t>
-            </a:r>
-            <a:r>
-              <a:rPr lang="en-US" dirty="0"/>
-              <a:t>should be </a:t>
-            </a:r>
-            <a:r>
-              <a:rPr lang="en-US" dirty="0" smtClean="0"/>
-              <a:t>20</a:t>
+              <a:rPr lang="en-US" dirty="0"/>
+              <a:t>size should be 20</a:t>
             </a:r>
           </a:p>
           <a:p>
             <a:pPr lvl="1"/>
             <a:r>
-              <a:rPr lang="en-US" dirty="0" smtClean="0"/>
+              <a:rPr lang="en-US" dirty="0"/>
               <a:t>absorbed by </a:t>
             </a:r>
             <a:r>
-              <a:rPr lang="en-US" dirty="0" err="1" smtClean="0"/>
+              <a:rPr lang="en-US" dirty="0" err="1"/>
               <a:t>UserControlledPlatform</a:t>
             </a:r>
             <a:r>
-              <a:rPr lang="en-US" dirty="0" smtClean="0"/>
+              <a:rPr lang="en-US" dirty="0"/>
               <a:t> like others</a:t>
             </a:r>
-            <a:endParaRPr lang="en-US" dirty="0"/>
           </a:p>
         </p:txBody>
       </p:sp>
@@ -8460,13 +8124,6 @@
   <p:clrMapOvr>
     <a:masterClrMapping/>
   </p:clrMapOvr>
-  <p:timing>
-    <p:tnLst>
-      <p:par>
-        <p:cTn id="1" dur="indefinite" restart="never" nodeType="tmRoot"/>
-      </p:par>
-    </p:tnLst>
-  </p:timing>
 </p:sld>
 </file>
 
@@ -8503,10 +8160,9 @@
           <a:lstStyle/>
           <a:p>
             <a:r>
-              <a:rPr lang="en-US" dirty="0" smtClean="0"/>
+              <a:rPr lang="en-US" dirty="0"/>
               <a:t>GameComponent.java</a:t>
             </a:r>
-            <a:endParaRPr lang="en-US" dirty="0"/>
           </a:p>
         </p:txBody>
       </p:sp>
@@ -8526,26 +8182,26 @@
           <a:lstStyle/>
           <a:p>
             <a:r>
-              <a:rPr lang="en-US" sz="2800" dirty="0" smtClean="0"/>
+              <a:rPr lang="en-US" sz="2800" dirty="0"/>
               <a:t>Let’s look how collisions are handled</a:t>
             </a:r>
           </a:p>
           <a:p>
             <a:r>
-              <a:rPr lang="en-US" sz="2800" dirty="0" smtClean="0"/>
+              <a:rPr lang="en-US" sz="2800" dirty="0"/>
               <a:t>Where would changes in code need to happen?</a:t>
             </a:r>
           </a:p>
           <a:p>
             <a:r>
-              <a:rPr lang="en-US" sz="2800" dirty="0" smtClean="0"/>
+              <a:rPr lang="en-US" sz="2800" dirty="0"/>
               <a:t>Look for examples of “type predicated code”</a:t>
             </a:r>
           </a:p>
           <a:p>
             <a:pPr lvl="1"/>
             <a:r>
-              <a:rPr lang="en-US" sz="2400" dirty="0" smtClean="0"/>
+              <a:rPr lang="en-US" sz="2400" dirty="0"/>
               <a:t>Why is this hard to use/extend?</a:t>
             </a:r>
           </a:p>
@@ -8564,13 +8220,6 @@
   <p:clrMapOvr>
     <a:masterClrMapping/>
   </p:clrMapOvr>
-  <p:timing>
-    <p:tnLst>
-      <p:par>
-        <p:cTn id="1" dur="indefinite" restart="never" nodeType="tmRoot"/>
-      </p:par>
-    </p:tnLst>
-  </p:timing>
 </p:sld>
 </file>
 
@@ -8607,10 +8256,9 @@
           <a:lstStyle/>
           <a:p>
             <a:r>
-              <a:rPr lang="en-US" dirty="0" smtClean="0"/>
+              <a:rPr lang="en-US" dirty="0"/>
               <a:t>Collision Chart</a:t>
             </a:r>
-            <a:endParaRPr lang="en-US" dirty="0"/>
           </a:p>
         </p:txBody>
       </p:sp>
@@ -8692,7 +8340,7 @@
                     <a:lstStyle/>
                     <a:p>
                       <a:r>
-                        <a:rPr lang="en-US" sz="2400" dirty="0" err="1" smtClean="0"/>
+                        <a:rPr lang="en-US" sz="2400" dirty="0" err="1"/>
                         <a:t>UserPlat</a:t>
                       </a:r>
                       <a:endParaRPr lang="en-US" sz="2400" dirty="0"/>
@@ -8706,7 +8354,7 @@
                     <a:lstStyle/>
                     <a:p>
                       <a:r>
-                        <a:rPr lang="en-US" sz="2400" dirty="0" err="1" smtClean="0"/>
+                        <a:rPr lang="en-US" sz="2400" dirty="0" err="1"/>
                         <a:t>BouncePlat</a:t>
                       </a:r>
                       <a:endParaRPr lang="en-US" sz="2400" dirty="0"/>
@@ -8720,7 +8368,7 @@
                     <a:lstStyle/>
                     <a:p>
                       <a:r>
-                        <a:rPr lang="en-US" sz="2400" dirty="0" err="1" smtClean="0"/>
+                        <a:rPr lang="en-US" sz="2400" dirty="0" err="1"/>
                         <a:t>DamageDrop</a:t>
                       </a:r>
                       <a:endParaRPr lang="en-US" sz="2400" dirty="0"/>
@@ -8734,7 +8382,7 @@
                     <a:lstStyle/>
                     <a:p>
                       <a:r>
-                        <a:rPr lang="en-US" sz="2400" dirty="0" err="1" smtClean="0"/>
+                        <a:rPr lang="en-US" sz="2400" dirty="0" err="1"/>
                         <a:t>HealDrop</a:t>
                       </a:r>
                       <a:endParaRPr lang="en-US" sz="2400" dirty="0"/>
@@ -8755,10 +8403,10 @@
                     <a:lstStyle/>
                     <a:p>
                       <a:r>
-                        <a:rPr lang="en-US" sz="2400" dirty="0" err="1" smtClean="0"/>
+                        <a:rPr lang="en-US" sz="2400" dirty="0" err="1"/>
                         <a:t>UserPlat</a:t>
                       </a:r>
-                      <a:endParaRPr lang="en-US" sz="2400" dirty="0" smtClean="0"/>
+                      <a:endParaRPr lang="en-US" sz="2400" dirty="0"/>
                     </a:p>
                   </a:txBody>
                   <a:tcPr marL="129683" marR="129683" marT="64842" marB="64842"/>
@@ -8816,7 +8464,7 @@
                     <a:lstStyle/>
                     <a:p>
                       <a:r>
-                        <a:rPr lang="en-US" sz="2400" dirty="0" err="1" smtClean="0"/>
+                        <a:rPr lang="en-US" sz="2400" dirty="0" err="1"/>
                         <a:t>BouncePlat</a:t>
                       </a:r>
                       <a:endParaRPr lang="en-US" sz="2400" dirty="0"/>
@@ -8877,7 +8525,7 @@
                     <a:lstStyle/>
                     <a:p>
                       <a:r>
-                        <a:rPr lang="en-US" sz="2400" dirty="0" err="1" smtClean="0"/>
+                        <a:rPr lang="en-US" sz="2400" dirty="0" err="1"/>
                         <a:t>DamageDrop</a:t>
                       </a:r>
                       <a:endParaRPr lang="en-US" sz="2400" dirty="0"/>
@@ -8938,7 +8586,7 @@
                     <a:lstStyle/>
                     <a:p>
                       <a:r>
-                        <a:rPr lang="en-US" sz="2400" dirty="0" err="1" smtClean="0"/>
+                        <a:rPr lang="en-US" sz="2400" dirty="0" err="1"/>
                         <a:t>HealDrop</a:t>
                       </a:r>
                       <a:endParaRPr lang="en-US" sz="2400" dirty="0"/>
@@ -9019,10 +8667,9 @@
           <a:lstStyle/>
           <a:p>
             <a:r>
-              <a:rPr lang="en-US" sz="3200" dirty="0" smtClean="0"/>
+              <a:rPr lang="en-US" sz="3200" dirty="0"/>
               <a:t>When do collisions happen?</a:t>
             </a:r>
-            <a:endParaRPr lang="en-US" sz="3200" dirty="0"/>
           </a:p>
         </p:txBody>
       </p:sp>
@@ -9036,13 +8683,6 @@
   <p:clrMapOvr>
     <a:masterClrMapping/>
   </p:clrMapOvr>
-  <p:timing>
-    <p:tnLst>
-      <p:par>
-        <p:cTn id="1" dur="indefinite" restart="never" nodeType="tmRoot"/>
-      </p:par>
-    </p:tnLst>
-  </p:timing>
 </p:sld>
 </file>
 
@@ -9079,10 +8719,9 @@
           <a:lstStyle/>
           <a:p>
             <a:r>
-              <a:rPr lang="en-US" dirty="0" smtClean="0"/>
+              <a:rPr lang="en-US" dirty="0"/>
               <a:t>Collision Chart</a:t>
             </a:r>
-            <a:endParaRPr lang="en-US" dirty="0"/>
           </a:p>
         </p:txBody>
       </p:sp>
@@ -9164,7 +8803,7 @@
                     <a:lstStyle/>
                     <a:p>
                       <a:r>
-                        <a:rPr lang="en-US" sz="2400" dirty="0" err="1" smtClean="0"/>
+                        <a:rPr lang="en-US" sz="2400" dirty="0" err="1"/>
                         <a:t>UserPlat</a:t>
                       </a:r>
                       <a:endParaRPr lang="en-US" sz="2400" dirty="0"/>
@@ -9178,7 +8817,7 @@
                     <a:lstStyle/>
                     <a:p>
                       <a:r>
-                        <a:rPr lang="en-US" sz="2400" dirty="0" err="1" smtClean="0"/>
+                        <a:rPr lang="en-US" sz="2400" dirty="0" err="1"/>
                         <a:t>BouncePlat</a:t>
                       </a:r>
                       <a:endParaRPr lang="en-US" sz="2400" dirty="0"/>
@@ -9192,7 +8831,7 @@
                     <a:lstStyle/>
                     <a:p>
                       <a:r>
-                        <a:rPr lang="en-US" sz="2400" dirty="0" err="1" smtClean="0"/>
+                        <a:rPr lang="en-US" sz="2400" dirty="0" err="1"/>
                         <a:t>DamageDrop</a:t>
                       </a:r>
                       <a:endParaRPr lang="en-US" sz="2400" dirty="0"/>
@@ -9206,7 +8845,7 @@
                     <a:lstStyle/>
                     <a:p>
                       <a:r>
-                        <a:rPr lang="en-US" sz="2400" dirty="0" err="1" smtClean="0"/>
+                        <a:rPr lang="en-US" sz="2400" dirty="0" err="1"/>
                         <a:t>HealDrop</a:t>
                       </a:r>
                       <a:endParaRPr lang="en-US" sz="2400" dirty="0"/>
@@ -9227,19 +8866,9 @@
                     <a:lstStyle/>
                     <a:p>
                       <a:r>
-                        <a:rPr lang="en-US" sz="2400" dirty="0" err="1" smtClean="0"/>
+                        <a:rPr lang="en-US" sz="2400" dirty="0" err="1"/>
                         <a:t>UserPlat</a:t>
                       </a:r>
-                      <a:endParaRPr lang="en-US" sz="2400" dirty="0" smtClean="0"/>
-                    </a:p>
-                  </a:txBody>
-                  <a:tcPr marL="129683" marR="129683" marT="64842" marB="64842"/>
-                </a:tc>
-                <a:tc>
-                  <a:txBody>
-                    <a:bodyPr/>
-                    <a:lstStyle/>
-                    <a:p>
                       <a:endParaRPr lang="en-US" sz="2400" dirty="0"/>
                     </a:p>
                   </a:txBody>
@@ -9260,11 +8889,20 @@
                     <a:bodyPr/>
                     <a:lstStyle/>
                     <a:p>
+                      <a:endParaRPr lang="en-US" sz="2400" dirty="0"/>
+                    </a:p>
+                  </a:txBody>
+                  <a:tcPr marL="129683" marR="129683" marT="64842" marB="64842"/>
+                </a:tc>
+                <a:tc>
+                  <a:txBody>
+                    <a:bodyPr/>
+                    <a:lstStyle/>
+                    <a:p>
                       <a:r>
-                        <a:rPr lang="en-US" sz="2400" dirty="0" smtClean="0"/>
+                        <a:rPr lang="en-US" sz="2400" dirty="0"/>
                         <a:t>X</a:t>
                       </a:r>
-                      <a:endParaRPr lang="en-US" sz="2400" dirty="0"/>
                     </a:p>
                   </a:txBody>
                   <a:tcPr marL="129683" marR="129683" marT="64842" marB="64842"/>
@@ -9275,10 +8913,9 @@
                     <a:lstStyle/>
                     <a:p>
                       <a:r>
-                        <a:rPr lang="en-US" sz="2400" dirty="0" smtClean="0"/>
+                        <a:rPr lang="en-US" sz="2400" dirty="0"/>
                         <a:t>X</a:t>
                       </a:r>
-                      <a:endParaRPr lang="en-US" sz="2400" dirty="0"/>
                     </a:p>
                   </a:txBody>
                   <a:tcPr marL="129683" marR="129683" marT="64842" marB="64842"/>
@@ -9296,7 +8933,7 @@
                     <a:lstStyle/>
                     <a:p>
                       <a:r>
-                        <a:rPr lang="en-US" sz="2400" dirty="0" err="1" smtClean="0"/>
+                        <a:rPr lang="en-US" sz="2400" dirty="0" err="1"/>
                         <a:t>BouncePlat</a:t>
                       </a:r>
                       <a:endParaRPr lang="en-US" sz="2400" dirty="0"/>
@@ -9330,10 +8967,9 @@
                     <a:lstStyle/>
                     <a:p>
                       <a:r>
-                        <a:rPr lang="en-US" sz="2400" dirty="0" smtClean="0"/>
+                        <a:rPr lang="en-US" sz="2400" dirty="0"/>
                         <a:t>X</a:t>
                       </a:r>
-                      <a:endParaRPr lang="en-US" sz="2400" dirty="0"/>
                     </a:p>
                   </a:txBody>
                   <a:tcPr marL="129683" marR="129683" marT="64842" marB="64842"/>
@@ -9344,10 +8980,9 @@
                     <a:lstStyle/>
                     <a:p>
                       <a:r>
-                        <a:rPr lang="en-US" sz="2400" dirty="0" smtClean="0"/>
+                        <a:rPr lang="en-US" sz="2400" dirty="0"/>
                         <a:t>X</a:t>
                       </a:r>
-                      <a:endParaRPr lang="en-US" sz="2400" dirty="0"/>
                     </a:p>
                   </a:txBody>
                   <a:tcPr marL="129683" marR="129683" marT="64842" marB="64842"/>
@@ -9365,7 +9000,7 @@
                     <a:lstStyle/>
                     <a:p>
                       <a:r>
-                        <a:rPr lang="en-US" sz="2400" dirty="0" err="1" smtClean="0"/>
+                        <a:rPr lang="en-US" sz="2400" dirty="0" err="1"/>
                         <a:t>DamageDrop</a:t>
                       </a:r>
                       <a:endParaRPr lang="en-US" sz="2400" dirty="0"/>
@@ -9379,10 +9014,9 @@
                     <a:lstStyle/>
                     <a:p>
                       <a:r>
-                        <a:rPr lang="en-US" sz="2400" dirty="0" smtClean="0"/>
+                        <a:rPr lang="en-US" sz="2400" dirty="0"/>
                         <a:t>X</a:t>
                       </a:r>
-                      <a:endParaRPr lang="en-US" sz="2400" dirty="0"/>
                     </a:p>
                   </a:txBody>
                   <a:tcPr marL="129683" marR="129683" marT="64842" marB="64842"/>
@@ -9393,10 +9027,9 @@
                     <a:lstStyle/>
                     <a:p>
                       <a:r>
-                        <a:rPr lang="en-US" sz="2400" dirty="0" smtClean="0"/>
+                        <a:rPr lang="en-US" sz="2400" dirty="0"/>
                         <a:t>X</a:t>
                       </a:r>
-                      <a:endParaRPr lang="en-US" sz="2400" dirty="0"/>
                     </a:p>
                   </a:txBody>
                   <a:tcPr marL="129683" marR="129683" marT="64842" marB="64842"/>
@@ -9434,7 +9067,7 @@
                     <a:lstStyle/>
                     <a:p>
                       <a:r>
-                        <a:rPr lang="en-US" sz="2400" dirty="0" err="1" smtClean="0"/>
+                        <a:rPr lang="en-US" sz="2400" dirty="0" err="1"/>
                         <a:t>HealDrop</a:t>
                       </a:r>
                       <a:endParaRPr lang="en-US" sz="2400" dirty="0"/>
@@ -9448,10 +9081,9 @@
                     <a:lstStyle/>
                     <a:p>
                       <a:r>
-                        <a:rPr lang="en-US" sz="2400" dirty="0" smtClean="0"/>
+                        <a:rPr lang="en-US" sz="2400" dirty="0"/>
                         <a:t>X</a:t>
                       </a:r>
-                      <a:endParaRPr lang="en-US" sz="2400" dirty="0"/>
                     </a:p>
                   </a:txBody>
                   <a:tcPr marL="129683" marR="129683" marT="64842" marB="64842"/>
@@ -9462,10 +9094,9 @@
                     <a:lstStyle/>
                     <a:p>
                       <a:r>
-                        <a:rPr lang="en-US" sz="2400" dirty="0" smtClean="0"/>
+                        <a:rPr lang="en-US" sz="2400" dirty="0"/>
                         <a:t>X</a:t>
                       </a:r>
-                      <a:endParaRPr lang="en-US" sz="2400" dirty="0"/>
                     </a:p>
                   </a:txBody>
                   <a:tcPr marL="129683" marR="129683" marT="64842" marB="64842"/>
@@ -9523,10 +9154,9 @@
           <a:lstStyle/>
           <a:p>
             <a:r>
-              <a:rPr lang="en-US" sz="3200" dirty="0" smtClean="0"/>
+              <a:rPr lang="en-US" sz="3200" dirty="0"/>
               <a:t>When do collisions happen?</a:t>
             </a:r>
-            <a:endParaRPr lang="en-US" sz="3200" dirty="0"/>
           </a:p>
         </p:txBody>
       </p:sp>
@@ -9540,13 +9170,6 @@
   <p:clrMapOvr>
     <a:masterClrMapping/>
   </p:clrMapOvr>
-  <p:timing>
-    <p:tnLst>
-      <p:par>
-        <p:cTn id="1" dur="indefinite" restart="never" nodeType="tmRoot"/>
-      </p:par>
-    </p:tnLst>
-  </p:timing>
 </p:sld>
 </file>
 

--- a/ClassMaterials/ProjectWorkday1/Slides/DesignInheritance.pptx
+++ b/ClassMaterials/ProjectWorkday1/Slides/DesignInheritance.pptx
@@ -14,7 +14,7 @@
     <p:sldId id="311" r:id="rId2"/>
     <p:sldId id="313" r:id="rId3"/>
     <p:sldId id="331" r:id="rId4"/>
-    <p:sldId id="316" r:id="rId5"/>
+    <p:sldId id="332" r:id="rId5"/>
     <p:sldId id="310" r:id="rId6"/>
     <p:sldId id="314" r:id="rId7"/>
     <p:sldId id="315" r:id="rId8"/>
@@ -293,7 +293,7 @@
             <a:fld id="{68AFFCC9-E980-4A2E-8F84-91052C1F2C22}" type="datetime1">
               <a:rPr lang="en-US"/>
               <a:pPr/>
-              <a:t>2/24/22</a:t>
+              <a:t>3/1/22</a:t>
             </a:fld>
             <a:endParaRPr lang="en-US"/>
           </a:p>
@@ -522,7 +522,7 @@
             <a:fld id="{C4411CED-79EF-4046-B79B-F8927B54B6B0}" type="datetime1">
               <a:rPr lang="en-US"/>
               <a:pPr/>
-              <a:t>2/24/22</a:t>
+              <a:t>3/1/22</a:t>
             </a:fld>
             <a:endParaRPr lang="en-US"/>
           </a:p>
@@ -1815,7 +1815,7 @@
             <a:fld id="{43E6E5DC-7A70-4CAB-B8CA-FD7CFBA6DDCF}" type="datetime1">
               <a:rPr lang="en-US" smtClean="0"/>
               <a:pPr/>
-              <a:t>2/24/22</a:t>
+              <a:t>3/1/22</a:t>
             </a:fld>
             <a:endParaRPr lang="en-US"/>
           </a:p>
@@ -1988,7 +1988,7 @@
             <a:fld id="{34C58A64-F6CF-4D4F-A14E-4E9A6689521C}" type="datetime1">
               <a:rPr lang="en-US" smtClean="0"/>
               <a:pPr/>
-              <a:t>2/24/22</a:t>
+              <a:t>3/1/22</a:t>
             </a:fld>
             <a:endParaRPr lang="en-US"/>
           </a:p>
@@ -2171,7 +2171,7 @@
             <a:fld id="{28A961FD-7946-4EF3-8B09-2E96C5099CE1}" type="datetime1">
               <a:rPr lang="en-US" smtClean="0"/>
               <a:pPr/>
-              <a:t>2/24/22</a:t>
+              <a:t>3/1/22</a:t>
             </a:fld>
             <a:endParaRPr lang="en-US"/>
           </a:p>
@@ -2344,7 +2344,7 @@
             <a:fld id="{410E03A8-3A50-4824-93B1-5AB2817A85E6}" type="datetime1">
               <a:rPr lang="en-US" smtClean="0"/>
               <a:pPr/>
-              <a:t>2/24/22</a:t>
+              <a:t>3/1/22</a:t>
             </a:fld>
             <a:endParaRPr lang="en-US"/>
           </a:p>
@@ -2594,7 +2594,7 @@
             <a:fld id="{69EE78C3-2E3E-4EDD-A8FC-A11FEA9CDF04}" type="datetime1">
               <a:rPr lang="en-US" smtClean="0"/>
               <a:pPr/>
-              <a:t>2/24/22</a:t>
+              <a:t>3/1/22</a:t>
             </a:fld>
             <a:endParaRPr lang="en-US"/>
           </a:p>
@@ -2884,7 +2884,7 @@
             <a:fld id="{9CAD6738-AE48-490E-BA60-16B31C3E5798}" type="datetime1">
               <a:rPr lang="en-US" smtClean="0"/>
               <a:pPr/>
-              <a:t>2/24/22</a:t>
+              <a:t>3/1/22</a:t>
             </a:fld>
             <a:endParaRPr lang="en-US"/>
           </a:p>
@@ -3308,7 +3308,7 @@
             <a:fld id="{12137309-80BC-4890-B91A-AB9885E172E5}" type="datetime1">
               <a:rPr lang="en-US" smtClean="0"/>
               <a:pPr/>
-              <a:t>2/24/22</a:t>
+              <a:t>3/1/22</a:t>
             </a:fld>
             <a:endParaRPr lang="en-US"/>
           </a:p>
@@ -3430,7 +3430,7 @@
             <a:fld id="{79C16A63-0F78-4E9D-81E4-A84E1F25A0A3}" type="datetime1">
               <a:rPr lang="en-US" smtClean="0"/>
               <a:pPr/>
-              <a:t>2/24/22</a:t>
+              <a:t>3/1/22</a:t>
             </a:fld>
             <a:endParaRPr lang="en-US"/>
           </a:p>
@@ -3530,7 +3530,7 @@
             <a:fld id="{DC5FF9E9-979C-4422-A1BB-1DC64426F0DA}" type="datetime1">
               <a:rPr lang="en-US" smtClean="0"/>
               <a:pPr/>
-              <a:t>2/24/22</a:t>
+              <a:t>3/1/22</a:t>
             </a:fld>
             <a:endParaRPr lang="en-US"/>
           </a:p>
@@ -3810,7 +3810,7 @@
             <a:fld id="{B9B7020D-910B-4676-A902-AD52382F28B6}" type="datetime1">
               <a:rPr lang="en-US" smtClean="0"/>
               <a:pPr/>
-              <a:t>2/24/22</a:t>
+              <a:t>3/1/22</a:t>
             </a:fld>
             <a:endParaRPr lang="en-US"/>
           </a:p>
@@ -4067,7 +4067,7 @@
             <a:fld id="{4695FF79-924D-47D6-A727-6A03000C0C91}" type="datetime1">
               <a:rPr lang="en-US" smtClean="0"/>
               <a:pPr/>
-              <a:t>2/24/22</a:t>
+              <a:t>3/1/22</a:t>
             </a:fld>
             <a:endParaRPr lang="en-US"/>
           </a:p>
@@ -4283,7 +4283,7 @@
             <a:fld id="{A51E304D-C692-4D58-A925-D35D66927263}" type="datetime1">
               <a:rPr lang="en-US" smtClean="0"/>
               <a:pPr/>
-              <a:t>2/24/22</a:t>
+              <a:t>3/1/22</a:t>
             </a:fld>
             <a:endParaRPr lang="en-US"/>
           </a:p>
@@ -7802,7 +7802,9 @@
         </p:nvSpPr>
         <p:spPr/>
         <p:txBody>
-          <a:bodyPr/>
+          <a:bodyPr>
+            <a:normAutofit fontScale="92500" lnSpcReduction="20000"/>
+          </a:bodyPr>
           <a:lstStyle/>
           <a:p>
             <a:r>
@@ -7834,55 +7836,167 @@
             </a:r>
           </a:p>
           <a:p>
+            <a:pPr marL="115888" lvl="1" indent="0"/>
+            <a:r>
+              <a:rPr lang="en-US" dirty="0"/>
+              <a:t>Use what is known as: </a:t>
+            </a:r>
+            <a:r>
+              <a:rPr lang="en-US" i="1" dirty="0"/>
+              <a:t>type predicated code</a:t>
+            </a:r>
+            <a:r>
+              <a:rPr lang="en-US" dirty="0"/>
+              <a:t>:</a:t>
+            </a:r>
+            <a:br>
+              <a:rPr lang="en-US" i="1" dirty="0"/>
+            </a:br>
+            <a:r>
+              <a:rPr lang="en-US" sz="2000" b="1" dirty="0">
+                <a:latin typeface="Courier New" panose="02070309020205020404" pitchFamily="49" charset="0"/>
+                <a:cs typeface="Courier New" panose="02070309020205020404" pitchFamily="49" charset="0"/>
+              </a:rPr>
+              <a:t>if</a:t>
+            </a:r>
+            <a:r>
+              <a:rPr lang="en-US" sz="2000" dirty="0">
+                <a:latin typeface="Courier New" panose="02070309020205020404" pitchFamily="49" charset="0"/>
+                <a:cs typeface="Courier New" panose="02070309020205020404" pitchFamily="49" charset="0"/>
+              </a:rPr>
+              <a:t> (“</a:t>
+            </a:r>
+            <a:r>
+              <a:rPr lang="en-US" sz="2000" dirty="0" err="1">
+                <a:latin typeface="Courier New" panose="02070309020205020404" pitchFamily="49" charset="0"/>
+                <a:cs typeface="Courier New" panose="02070309020205020404" pitchFamily="49" charset="0"/>
+              </a:rPr>
+              <a:t>instanceof</a:t>
+            </a:r>
+            <a:r>
+              <a:rPr lang="en-US" sz="2000" dirty="0">
+                <a:latin typeface="Courier New" panose="02070309020205020404" pitchFamily="49" charset="0"/>
+                <a:cs typeface="Courier New" panose="02070309020205020404" pitchFamily="49" charset="0"/>
+              </a:rPr>
+              <a:t>, </a:t>
+            </a:r>
+            <a:r>
+              <a:rPr lang="en-US" sz="2000" dirty="0" err="1">
+                <a:latin typeface="Courier New" panose="02070309020205020404" pitchFamily="49" charset="0"/>
+                <a:cs typeface="Courier New" panose="02070309020205020404" pitchFamily="49" charset="0"/>
+              </a:rPr>
+              <a:t>getClass</a:t>
+            </a:r>
+            <a:r>
+              <a:rPr lang="en-US" sz="2000" dirty="0">
+                <a:latin typeface="Courier New" panose="02070309020205020404" pitchFamily="49" charset="0"/>
+                <a:cs typeface="Courier New" panose="02070309020205020404" pitchFamily="49" charset="0"/>
+              </a:rPr>
+              <a:t>(), </a:t>
+            </a:r>
+            <a:r>
+              <a:rPr lang="en-US" sz="2000" dirty="0" err="1">
+                <a:latin typeface="Courier New" panose="02070309020205020404" pitchFamily="49" charset="0"/>
+                <a:cs typeface="Courier New" panose="02070309020205020404" pitchFamily="49" charset="0"/>
+              </a:rPr>
+              <a:t>getType</a:t>
+            </a:r>
+            <a:r>
+              <a:rPr lang="en-US" sz="2000" dirty="0">
+                <a:latin typeface="Courier New" panose="02070309020205020404" pitchFamily="49" charset="0"/>
+                <a:cs typeface="Courier New" panose="02070309020205020404" pitchFamily="49" charset="0"/>
+              </a:rPr>
+              <a:t>()” ==/equals)</a:t>
+            </a:r>
+            <a:br>
+              <a:rPr lang="en-US" sz="2000" dirty="0">
+                <a:latin typeface="Courier New" panose="02070309020205020404" pitchFamily="49" charset="0"/>
+                <a:cs typeface="Courier New" panose="02070309020205020404" pitchFamily="49" charset="0"/>
+              </a:rPr>
+            </a:br>
+            <a:r>
+              <a:rPr lang="en-US" sz="1900" b="1" dirty="0">
+                <a:latin typeface="Courier New" panose="02070309020205020404" pitchFamily="49" charset="0"/>
+                <a:cs typeface="Courier New" panose="02070309020205020404" pitchFamily="49" charset="0"/>
+              </a:rPr>
+              <a:t>if</a:t>
+            </a:r>
+            <a:r>
+              <a:rPr lang="en-US" sz="1900" dirty="0">
+                <a:latin typeface="Courier New" panose="02070309020205020404" pitchFamily="49" charset="0"/>
+                <a:cs typeface="Courier New" panose="02070309020205020404" pitchFamily="49" charset="0"/>
+              </a:rPr>
+              <a:t> (</a:t>
+            </a:r>
+            <a:r>
+              <a:rPr lang="en-US" sz="1900" dirty="0" err="1">
+                <a:latin typeface="Courier New" panose="02070309020205020404" pitchFamily="49" charset="0"/>
+                <a:cs typeface="Courier New" panose="02070309020205020404" pitchFamily="49" charset="0"/>
+              </a:rPr>
+              <a:t>gameObject</a:t>
+            </a:r>
+            <a:r>
+              <a:rPr lang="en-US" sz="1900" dirty="0">
+                <a:latin typeface="Courier New" panose="02070309020205020404" pitchFamily="49" charset="0"/>
+                <a:cs typeface="Courier New" panose="02070309020205020404" pitchFamily="49" charset="0"/>
+              </a:rPr>
+              <a:t> </a:t>
+            </a:r>
+            <a:r>
+              <a:rPr lang="en-US" sz="1900" b="1" dirty="0" err="1">
+                <a:latin typeface="Courier New" panose="02070309020205020404" pitchFamily="49" charset="0"/>
+                <a:cs typeface="Courier New" panose="02070309020205020404" pitchFamily="49" charset="0"/>
+              </a:rPr>
+              <a:t>instanceof</a:t>
+            </a:r>
+            <a:r>
+              <a:rPr lang="en-US" sz="1900" dirty="0">
+                <a:latin typeface="Courier New" panose="02070309020205020404" pitchFamily="49" charset="0"/>
+                <a:cs typeface="Courier New" panose="02070309020205020404" pitchFamily="49" charset="0"/>
+              </a:rPr>
+              <a:t> </a:t>
+            </a:r>
+            <a:r>
+              <a:rPr lang="en-US" sz="1900" dirty="0" err="1">
+                <a:latin typeface="Courier New" panose="02070309020205020404" pitchFamily="49" charset="0"/>
+                <a:cs typeface="Courier New" panose="02070309020205020404" pitchFamily="49" charset="0"/>
+              </a:rPr>
+              <a:t>DamagingDrop</a:t>
+            </a:r>
+            <a:r>
+              <a:rPr lang="en-US" sz="1900" dirty="0">
+                <a:latin typeface="Courier New" panose="02070309020205020404" pitchFamily="49" charset="0"/>
+                <a:cs typeface="Courier New" panose="02070309020205020404" pitchFamily="49" charset="0"/>
+              </a:rPr>
+              <a:t>) { ... }</a:t>
+            </a:r>
+            <a:r>
+              <a:rPr lang="en-US" dirty="0">
+                <a:latin typeface="Courier New" panose="02070309020205020404" pitchFamily="49" charset="0"/>
+                <a:cs typeface="Courier New" panose="02070309020205020404" pitchFamily="49" charset="0"/>
+              </a:rPr>
+              <a:t> </a:t>
+            </a:r>
+          </a:p>
+          <a:p>
+            <a:pPr marL="115888" lvl="1" indent="0"/>
+            <a:endParaRPr lang="en-US" sz="2000" dirty="0">
+              <a:latin typeface="Courier New" panose="02070309020205020404" pitchFamily="49" charset="0"/>
+              <a:cs typeface="Courier New" panose="02070309020205020404" pitchFamily="49" charset="0"/>
+            </a:endParaRPr>
+          </a:p>
+          <a:p>
             <a:pPr lvl="1"/>
             <a:r>
               <a:rPr lang="en-US" dirty="0"/>
-              <a:t>Use “type predicated code”</a:t>
+              <a:t>Type predicated code is OUTLAWED in your project design!</a:t>
             </a:r>
           </a:p>
           <a:p>
             <a:pPr lvl="1"/>
             <a:r>
               <a:rPr lang="en-US" dirty="0"/>
-              <a:t>… if ( “</a:t>
-            </a:r>
-            <a:r>
-              <a:rPr lang="en-US" dirty="0" err="1"/>
-              <a:t>instanceof</a:t>
-            </a:r>
-            <a:r>
-              <a:rPr lang="en-US" dirty="0"/>
-              <a:t>, </a:t>
-            </a:r>
-            <a:r>
-              <a:rPr lang="en-US" dirty="0" err="1"/>
-              <a:t>getClass</a:t>
-            </a:r>
-            <a:r>
-              <a:rPr lang="en-US" dirty="0"/>
-              <a:t>(), </a:t>
-            </a:r>
-            <a:r>
-              <a:rPr lang="en-US" dirty="0" err="1"/>
-              <a:t>getType</a:t>
-            </a:r>
-            <a:r>
-              <a:rPr lang="en-US" dirty="0"/>
-              <a:t>()” ==/equals)</a:t>
-            </a:r>
-          </a:p>
-          <a:p>
-            <a:pPr lvl="1"/>
-            <a:r>
-              <a:rPr lang="en-US" dirty="0"/>
-              <a:t>OUTLAWED in your project design!</a:t>
-            </a:r>
-          </a:p>
-          <a:p>
-            <a:pPr lvl="1"/>
-            <a:r>
-              <a:rPr lang="en-US" dirty="0"/>
-              <a:t>Your design should not use these at all!</a:t>
+              <a:t>I.e., your design and implementation must not use these at all!</a:t>
             </a:r>
           </a:p>
         </p:txBody>
@@ -7890,7 +8004,7 @@
     </p:spTree>
     <p:extLst>
       <p:ext uri="{BB962C8B-B14F-4D97-AF65-F5344CB8AC3E}">
-        <p14:creationId xmlns:p14="http://schemas.microsoft.com/office/powerpoint/2010/main" val="1608855851"/>
+        <p14:creationId xmlns:p14="http://schemas.microsoft.com/office/powerpoint/2010/main" val="1121517323"/>
       </p:ext>
     </p:extLst>
   </p:cSld>

--- a/ClassMaterials/ProjectWorkday1/Slides/DesignInheritance.pptx
+++ b/ClassMaterials/ProjectWorkday1/Slides/DesignInheritance.pptx
@@ -5,16 +5,16 @@
     <p:sldMasterId id="2147484629" r:id="rId1"/>
   </p:sldMasterIdLst>
   <p:notesMasterIdLst>
-    <p:notesMasterId r:id="rId23"/>
+    <p:notesMasterId r:id="rId26"/>
   </p:notesMasterIdLst>
   <p:handoutMasterIdLst>
-    <p:handoutMasterId r:id="rId24"/>
+    <p:handoutMasterId r:id="rId27"/>
   </p:handoutMasterIdLst>
   <p:sldIdLst>
     <p:sldId id="311" r:id="rId2"/>
     <p:sldId id="313" r:id="rId3"/>
-    <p:sldId id="331" r:id="rId4"/>
-    <p:sldId id="332" r:id="rId5"/>
+    <p:sldId id="332" r:id="rId4"/>
+    <p:sldId id="333" r:id="rId5"/>
     <p:sldId id="310" r:id="rId6"/>
     <p:sldId id="314" r:id="rId7"/>
     <p:sldId id="315" r:id="rId8"/>
@@ -29,9 +29,12 @@
     <p:sldId id="328" r:id="rId17"/>
     <p:sldId id="329" r:id="rId18"/>
     <p:sldId id="312" r:id="rId19"/>
-    <p:sldId id="326" r:id="rId20"/>
-    <p:sldId id="327" r:id="rId21"/>
-    <p:sldId id="330" r:id="rId22"/>
+    <p:sldId id="334" r:id="rId20"/>
+    <p:sldId id="316" r:id="rId21"/>
+    <p:sldId id="335" r:id="rId22"/>
+    <p:sldId id="326" r:id="rId23"/>
+    <p:sldId id="327" r:id="rId24"/>
+    <p:sldId id="330" r:id="rId25"/>
   </p:sldIdLst>
   <p:sldSz cx="9144000" cy="6858000" type="screen4x3"/>
   <p:notesSz cx="6881813" cy="9296400"/>
@@ -161,6 +164,54 @@
     </a:lvl9pPr>
   </p:defaultTextStyle>
   <p:extLst>
+    <p:ext uri="{521415D9-36F7-43E2-AB2F-B90AF26B5E84}">
+      <p14:sectionLst xmlns:p14="http://schemas.microsoft.com/office/powerpoint/2010/main">
+        <p14:section name="Introduction" id="{A066FE43-72AF-4298-94F5-8AF9B65DB0E0}">
+          <p14:sldIdLst>
+            <p14:sldId id="311"/>
+            <p14:sldId id="313"/>
+            <p14:sldId id="332"/>
+            <p14:sldId id="333"/>
+          </p14:sldIdLst>
+        </p14:section>
+        <p14:section name="Live Coding" id="{FBD765C0-ACC8-4456-ACB7-48636232216C}">
+          <p14:sldIdLst>
+            <p14:sldId id="310"/>
+            <p14:sldId id="314"/>
+            <p14:sldId id="315"/>
+            <p14:sldId id="317"/>
+            <p14:sldId id="318"/>
+            <p14:sldId id="320"/>
+            <p14:sldId id="321"/>
+            <p14:sldId id="319"/>
+          </p14:sldIdLst>
+        </p14:section>
+        <p14:section name="Design Quiz" id="{4132F5A8-4F07-4C24-BD9D-7067038E5934}">
+          <p14:sldIdLst>
+            <p14:sldId id="322"/>
+            <p14:sldId id="323"/>
+            <p14:sldId id="325"/>
+            <p14:sldId id="328"/>
+            <p14:sldId id="329"/>
+          </p14:sldIdLst>
+        </p14:section>
+        <p14:section name="Project Work Time and Reminders" id="{023EB59D-236D-401A-8F76-43990BAB4677}">
+          <p14:sldIdLst>
+            <p14:sldId id="312"/>
+            <p14:sldId id="334"/>
+            <p14:sldId id="316"/>
+            <p14:sldId id="335"/>
+          </p14:sldIdLst>
+        </p14:section>
+        <p14:section name="Advanced Techniques" id="{7E7CF8B0-E54C-409C-ADDC-35A56B2A3D0C}">
+          <p14:sldIdLst>
+            <p14:sldId id="326"/>
+            <p14:sldId id="327"/>
+            <p14:sldId id="330"/>
+          </p14:sldIdLst>
+        </p14:section>
+      </p14:sectionLst>
+    </p:ext>
     <p:ext uri="{EFAFB233-063F-42B5-8137-9DF3F51BA10A}">
       <p15:sldGuideLst xmlns:p15="http://schemas.microsoft.com/office/powerpoint/2012/main">
         <p15:guide id="1" orient="horz" pos="2160">
@@ -293,7 +344,7 @@
             <a:fld id="{68AFFCC9-E980-4A2E-8F84-91052C1F2C22}" type="datetime1">
               <a:rPr lang="en-US"/>
               <a:pPr/>
-              <a:t>3/1/22</a:t>
+              <a:t>10/26/2022</a:t>
             </a:fld>
             <a:endParaRPr lang="en-US"/>
           </a:p>
@@ -406,6 +457,146 @@
   </p:cSld>
   <p:clrMap bg1="lt1" tx1="dk1" bg2="lt2" tx2="dk2" accent1="accent1" accent2="accent2" accent3="accent3" accent4="accent4" accent5="accent5" accent6="accent6" hlink="hlink" folHlink="folHlink"/>
 </p:handoutMaster>
+</file>
+
+<file path=ppt/ink/ink1.xml><?xml version="1.0" encoding="utf-8"?>
+<inkml:ink xmlns:inkml="http://www.w3.org/2003/InkML">
+  <inkml:definitions>
+    <inkml:context xml:id="ctx0">
+      <inkml:inkSource xml:id="inkSrc0">
+        <inkml:traceFormat>
+          <inkml:channel name="X" type="integer" min="-2.14748E9" max="2.14748E9" units="cm"/>
+          <inkml:channel name="Y" type="integer" min="-2.14748E9" max="2.14748E9" units="cm"/>
+          <inkml:channel name="F" type="integer" max="32767" units="dev"/>
+        </inkml:traceFormat>
+        <inkml:channelProperties>
+          <inkml:channelProperty channel="X" name="resolution" value="1000" units="1/cm"/>
+          <inkml:channelProperty channel="Y" name="resolution" value="1000" units="1/cm"/>
+          <inkml:channelProperty channel="F" name="resolution" value="0" units="1/dev"/>
+        </inkml:channelProperties>
+      </inkml:inkSource>
+      <inkml:timestamp xml:id="ts0" timeString="2022-10-27T11:34:29.119"/>
+    </inkml:context>
+    <inkml:brush xml:id="br0">
+      <inkml:brushProperty name="width" value="0.05" units="cm"/>
+      <inkml:brushProperty name="height" value="0.05" units="cm"/>
+      <inkml:brushProperty name="color" value="#E71224"/>
+    </inkml:brush>
+  </inkml:definitions>
+  <inkml:trace contextRef="#ctx0" brushRef="#br0">1 963 24575,'8'0'0,"0"-1"0,0 0 0,0-1 0,12-3 0,19-4 0,57 1 0,0 4 0,0 4 0,191 25 0,-250-18 0,50 15 0,-53-12 0,65 11 0,18-8 0,288 39 0,-8-19 0,-234-20 0,-78-5 0,107-2 0,-166-8 0,0 0 0,0-1 0,0-2 0,-1 0 0,0-2 0,0-1 0,0-1 0,33-17 0,16-16 0,-2-3 0,-2-3 0,-2-3 0,94-92 0,-113 99 0,107-72 0,-37 31 0,-97 68 0,21-16 0,38-38 0,-69 59 0,0-1 0,-1 0 0,-1 0 0,0-1 0,-1 0 0,-1-1 0,11-23 0,53-118 0,-71 154 0,0 0 0,0-1 0,0 1 0,-1 0 0,1-1 0,-1 1 0,0-1 0,1 1 0,-1-1 0,0 1 0,0-1 0,-1 1 0,1-1 0,0 1 0,-1-1 0,0 1 0,1-1 0,-1 1 0,0 0 0,0-1 0,-2-1 0,1 1 0,0 1 0,-1-1 0,0 1 0,1 0 0,-1 0 0,0 0 0,0 0 0,0 0 0,0 0 0,-1 1 0,1 0 0,0 0 0,-5-2 0,-12 0 0,1 0 0,-1 1 0,0 0 0,-25 3 0,32-1 0,-31 1 0,-65 10 0,89-7 0,0 0 0,1 1 0,-1 1 0,1 1 0,-25 13 0,42-20 0,1 1 0,0-1 0,-1 1 0,1-1 0,0 1 0,0 0 0,0 0 0,0 0 0,0-1 0,0 1 0,0 0 0,0 0 0,0 1 0,0-1 0,0 0 0,0 0 0,1 0 0,-2 3 0,2-4 0,0 1 0,1 0 0,-1-1 0,0 1 0,1 0 0,-1-1 0,0 1 0,1-1 0,-1 1 0,0-1 0,1 1 0,-1-1 0,1 1 0,-1-1 0,1 1 0,0-1 0,-1 1 0,1-1 0,-1 0 0,1 1 0,0-1 0,-1 0 0,1 0 0,0 0 0,0 1 0,8 1 0,0 0 0,0 0 0,0-1 0,10 0 0,76 2 0,190 16 0,-2 16 0,-277-34 0,0-1 0,1 1 0,-1 0 0,0 1 0,0-1 0,-1 1 0,1 0 0,0 1 0,-1 0 0,1-1 0,-1 2 0,0-1 0,0 1 0,0-1 0,0 1 0,-1 1 0,1-1 0,-1 1 0,0-1 0,-1 1 0,1 0 0,-1 1 0,0-1 0,3 7 0,10 25 0,-13-25 0,2-1 0,-1-1 0,2 1 0,-1-1 0,1 0 0,1 0 0,0-1 0,13 15 0,-9-14-341,0-1 0,1 0-1,14 8 1,1-2-6485</inkml:trace>
+</inkml:ink>
+</file>
+
+<file path=ppt/ink/ink2.xml><?xml version="1.0" encoding="utf-8"?>
+<inkml:ink xmlns:inkml="http://www.w3.org/2003/InkML">
+  <inkml:definitions>
+    <inkml:context xml:id="ctx0">
+      <inkml:inkSource xml:id="inkSrc0">
+        <inkml:traceFormat>
+          <inkml:channel name="X" type="integer" min="-2.14748E9" max="2.14748E9" units="cm"/>
+          <inkml:channel name="Y" type="integer" min="-2.14748E9" max="2.14748E9" units="cm"/>
+          <inkml:channel name="F" type="integer" max="32767" units="dev"/>
+        </inkml:traceFormat>
+        <inkml:channelProperties>
+          <inkml:channelProperty channel="X" name="resolution" value="1000" units="1/cm"/>
+          <inkml:channelProperty channel="Y" name="resolution" value="1000" units="1/cm"/>
+          <inkml:channelProperty channel="F" name="resolution" value="0" units="1/dev"/>
+        </inkml:channelProperties>
+      </inkml:inkSource>
+      <inkml:timestamp xml:id="ts0" timeString="2022-10-27T11:34:32.020"/>
+    </inkml:context>
+    <inkml:brush xml:id="br0">
+      <inkml:brushProperty name="width" value="0.05" units="cm"/>
+      <inkml:brushProperty name="height" value="0.05" units="cm"/>
+      <inkml:brushProperty name="color" value="#E71224"/>
+    </inkml:brush>
+  </inkml:definitions>
+  <inkml:trace contextRef="#ctx0" brushRef="#br0">1 0 24575,'5'0'0,"7"0"0,7 0 0,9 0 0,11 0 0,14 0 0,18 0 0,18 0 0,18 0 0,7 0 0,4 0 0,3 0 0,0 0 0,6 0 0,-14 0 0,-16 0 0,-19 0 0,-24 0-8191</inkml:trace>
+</inkml:ink>
+</file>
+
+<file path=ppt/ink/ink3.xml><?xml version="1.0" encoding="utf-8"?>
+<inkml:ink xmlns:inkml="http://www.w3.org/2003/InkML">
+  <inkml:definitions>
+    <inkml:context xml:id="ctx0">
+      <inkml:inkSource xml:id="inkSrc0">
+        <inkml:traceFormat>
+          <inkml:channel name="X" type="integer" min="-2.14748E9" max="2.14748E9" units="cm"/>
+          <inkml:channel name="Y" type="integer" min="-2.14748E9" max="2.14748E9" units="cm"/>
+          <inkml:channel name="F" type="integer" max="32767" units="dev"/>
+        </inkml:traceFormat>
+        <inkml:channelProperties>
+          <inkml:channelProperty channel="X" name="resolution" value="1000" units="1/cm"/>
+          <inkml:channelProperty channel="Y" name="resolution" value="1000" units="1/cm"/>
+          <inkml:channelProperty channel="F" name="resolution" value="0" units="1/dev"/>
+        </inkml:channelProperties>
+      </inkml:inkSource>
+      <inkml:timestamp xml:id="ts0" timeString="2022-10-27T11:34:33.021"/>
+    </inkml:context>
+    <inkml:brush xml:id="br0">
+      <inkml:brushProperty name="width" value="0.05" units="cm"/>
+      <inkml:brushProperty name="height" value="0.05" units="cm"/>
+      <inkml:brushProperty name="color" value="#E71224"/>
+    </inkml:brush>
+  </inkml:definitions>
+  <inkml:trace contextRef="#ctx0" brushRef="#br0">0 31 24575,'10'0'0,"9"0"0,11 0 0,26 0 0,24 0 0,13-5 0,11-2 0,-1 1 0,-9 1 0,-10 1 0,-9 2 0,-12 1 0,-7 10 0,-2 5 0,-6-1 0,-6-3 0,-10-2-8191</inkml:trace>
+</inkml:ink>
+</file>
+
+<file path=ppt/ink/ink4.xml><?xml version="1.0" encoding="utf-8"?>
+<inkml:ink xmlns:inkml="http://www.w3.org/2003/InkML">
+  <inkml:definitions>
+    <inkml:context xml:id="ctx0">
+      <inkml:inkSource xml:id="inkSrc0">
+        <inkml:traceFormat>
+          <inkml:channel name="X" type="integer" min="-2.14748E9" max="2.14748E9" units="cm"/>
+          <inkml:channel name="Y" type="integer" min="-2.14748E9" max="2.14748E9" units="cm"/>
+          <inkml:channel name="F" type="integer" max="32767" units="dev"/>
+        </inkml:traceFormat>
+        <inkml:channelProperties>
+          <inkml:channelProperty channel="X" name="resolution" value="1000" units="1/cm"/>
+          <inkml:channelProperty channel="Y" name="resolution" value="1000" units="1/cm"/>
+          <inkml:channelProperty channel="F" name="resolution" value="0" units="1/dev"/>
+        </inkml:channelProperties>
+      </inkml:inkSource>
+      <inkml:timestamp xml:id="ts0" timeString="2022-10-27T11:34:35.277"/>
+    </inkml:context>
+    <inkml:brush xml:id="br0">
+      <inkml:brushProperty name="width" value="0.05" units="cm"/>
+      <inkml:brushProperty name="height" value="0.05" units="cm"/>
+      <inkml:brushProperty name="color" value="#E71224"/>
+    </inkml:brush>
+  </inkml:definitions>
+  <inkml:trace contextRef="#ctx0" brushRef="#br0">0 4706 24575,'0'-3'0,"1"0"0,-1-1 0,1 1 0,0 0 0,0 0 0,0 0 0,0 0 0,1 0 0,-1 0 0,1 0 0,-1 0 0,1 0 0,0 1 0,3-4 0,37-32 0,-29 27 0,34-30 0,83-65 0,-54 50 0,42-28 0,-75 53 0,0-3 0,46-47 0,-3 3 0,-42 38 0,-2-1 0,-1-2 0,-2-2 0,-2-1 0,41-71 0,225-414 0,-133 191 0,-67 137 0,24-50 0,-97 184 0,38-128 0,31-253 0,-16-12 0,-70 385 0,-3-1 0,-3-1 0,-4-100 0,-5 116 0,3 0 0,16-108 0,49-246 0,-64 407 0,0-2 0,-1 1 0,0 0 0,0-1 0,-1 1 0,0-1 0,-1 1 0,-3-16 0,3 26 0,1 0 0,-1 0 0,1 0 0,-1 0 0,1 0 0,-1 1 0,1-1 0,-1 0 0,0 0 0,1 0 0,-1 1 0,0-1 0,0 0 0,0 1 0,1-1 0,-1 1 0,0-1 0,0 1 0,0-1 0,0 1 0,0 0 0,0-1 0,0 1 0,0 0 0,0 0 0,0 0 0,0-1 0,0 1 0,0 0 0,0 1 0,0-1 0,0 0 0,0 0 0,0 0 0,0 1 0,0-1 0,0 0 0,0 1 0,-1 0 0,-6 2 0,0 1 0,0 0 0,-12 8 0,11-7 0,-207 112 0,212-115 0,0 0 0,0 0 0,0 1 0,0-1 0,1 1 0,-1 0 0,1 0 0,-1 0 0,-3 5 0,7-8 0,0 0 0,0 1 0,0-1 0,0 0 0,0 0 0,0 0 0,0 1 0,0-1 0,0 0 0,0 0 0,0 0 0,0 1 0,0-1 0,0 0 0,1 0 0,-1 0 0,0 0 0,0 1 0,0-1 0,0 0 0,0 0 0,1 0 0,-1 0 0,0 0 0,0 0 0,0 1 0,0-1 0,1 0 0,-1 0 0,0 0 0,0 0 0,0 0 0,1 0 0,-1 0 0,0 0 0,0 0 0,0 0 0,1 0 0,-1 0 0,0 0 0,0 0 0,1 0 0,-1 0 0,0 0 0,0 0 0,0 0 0,0 0 0,1-1 0,-1 1 0,0 0 0,14-1 0,6-6 0,0 0 0,0-1 0,-1 0 0,0-2 0,24-16 0,-21 12 0,0 2 0,2 0 0,27-10 0,-37 18 0,0 0 0,1 1 0,-1 0 0,1 1 0,0 1 0,0 0 0,-1 1 0,1 0 0,0 2 0,0 0 0,-1 0 0,1 1 0,-1 1 0,0 0 0,0 1 0,0 1 0,18 10 0,4 6-170,-1 1-1,-1 2 0,-2 1 1,0 2-1,-2 1 0,0 2 1,33 45-1,-33-36-6655</inkml:trace>
+</inkml:ink>
+</file>
+
+<file path=ppt/ink/ink5.xml><?xml version="1.0" encoding="utf-8"?>
+<inkml:ink xmlns:inkml="http://www.w3.org/2003/InkML">
+  <inkml:definitions>
+    <inkml:context xml:id="ctx0">
+      <inkml:inkSource xml:id="inkSrc0">
+        <inkml:traceFormat>
+          <inkml:channel name="X" type="integer" min="-2.14748E9" max="2.14748E9" units="cm"/>
+          <inkml:channel name="Y" type="integer" min="-2.14748E9" max="2.14748E9" units="cm"/>
+          <inkml:channel name="F" type="integer" max="32767" units="dev"/>
+        </inkml:traceFormat>
+        <inkml:channelProperties>
+          <inkml:channelProperty channel="X" name="resolution" value="1000" units="1/cm"/>
+          <inkml:channelProperty channel="Y" name="resolution" value="1000" units="1/cm"/>
+          <inkml:channelProperty channel="F" name="resolution" value="0" units="1/dev"/>
+        </inkml:channelProperties>
+      </inkml:inkSource>
+      <inkml:timestamp xml:id="ts0" timeString="2022-10-27T11:34:38.909"/>
+    </inkml:context>
+    <inkml:brush xml:id="br0">
+      <inkml:brushProperty name="width" value="0.05" units="cm"/>
+      <inkml:brushProperty name="height" value="0.05" units="cm"/>
+      <inkml:brushProperty name="color" value="#E71224"/>
+    </inkml:brush>
+  </inkml:definitions>
+  <inkml:trace contextRef="#ctx0" brushRef="#br0">1 5581 24575,'11'-11'0,"1"1"0,0 1 0,26-15 0,1 0 0,170-107 0,-115 76 0,120-94 0,125-150 0,-272 238 0,112-90 0,-10 9 0,-95 75 0,-3-4 0,-3-2 0,82-116 0,-65 67 0,234-366 0,-115 176 0,-137 215 0,-38 49 0,-1-1 0,-3-1 0,-2-2 0,-2 0 0,22-85 0,8-26 0,91-200 0,-19 35 0,-11 26 0,-95 263 0,61-156 0,-62 149 0,-3-2 0,11-62 0,66-298 0,-44 214 0,-31 122 0,-5 35 0,20-50 0,-20 61 0,0 1 0,-2-2 0,-1 1 0,7-54 0,-12 60 0,-1 12 0,0 1 0,0-1 0,-1 1 0,0-1 0,0 1 0,-1-1 0,0 1 0,0-1 0,-1 1 0,1 0 0,-6-12 0,7 18 0,0 1 0,-1-1 0,1 0 0,-1 1 0,1-1 0,-1 1 0,1-1 0,-1 0 0,1 1 0,-1-1 0,1 1 0,-1 0 0,1-1 0,-1 1 0,0-1 0,1 1 0,-1 0 0,0-1 0,0 1 0,1 0 0,-1 0 0,0 0 0,1 0 0,-1-1 0,0 1 0,0 0 0,1 0 0,-1 0 0,0 0 0,0 1 0,1-1 0,-1 0 0,0 0 0,0 0 0,1 1 0,-1-1 0,0 0 0,1 1 0,-1-1 0,0 0 0,1 1 0,-1-1 0,1 1 0,-1-1 0,1 1 0,-1-1 0,1 1 0,-1 0 0,0 0 0,-24 37 0,22-33 0,-6 9 0,-1-1 0,0 0 0,-22 22 0,18-21 0,1 0 0,-20 28 0,16-13 0,-23 49 0,34-64 0,1 0 0,0 0 0,1 0 0,1 1 0,-4 28 0,7-43 0,-1 1 0,1 0 0,0 0 0,0 0 0,0 0 0,0 0 0,0 0 0,0 0 0,0-1 0,0 1 0,0 0 0,0 0 0,0 0 0,0 0 0,1 0 0,-1 0 0,0-1 0,1 1 0,-1 0 0,0 0 0,1 0 0,-1-1 0,1 1 0,0 0 0,-1-1 0,1 1 0,-1 0 0,1-1 0,0 1 0,0-1 0,-1 1 0,1-1 0,0 1 0,0-1 0,-1 0 0,1 1 0,0-1 0,0 0 0,0 0 0,0 1 0,0-1 0,0 0 0,-1 0 0,1 0 0,0 0 0,0 0 0,2-1 0,3 0 0,1-1 0,0-1 0,-1 0 0,1 1 0,7-6 0,-2 1 0,231-117 0,-180 88 0,102-80 0,-162 113 0,7-4 0,-1-1 0,16-18 0,-23 24 0,-1 0 0,0 0 0,1 0 0,-1 0 0,0 0 0,0 0 0,0 0 0,0 0 0,-1 0 0,1-3 0,-1 4 0,1 0 0,-1 1 0,0-1 0,-1 0 0,1 0 0,0 0 0,0 0 0,0 0 0,0 1 0,-1-1 0,1 0 0,0 0 0,-1 0 0,1 1 0,-1-1 0,1 0 0,-1 0 0,1 1 0,-1-1 0,1 0 0,-1 1 0,0-1 0,1 1 0,-1-1 0,0 1 0,0-1 0,-4-2 0,1 1 0,0 0 0,-1 0 0,1 1 0,-1-1 0,0 1 0,1 0 0,-1 0 0,0 0 0,0 1 0,1-1 0,-1 1 0,-6 1 0,9-1 0,0 1 0,1-1 0,-1 1 0,0-1 0,0 1 0,1 0 0,-1 0 0,1-1 0,-1 1 0,1 0 0,-1 0 0,1 1 0,0-1 0,-1 0 0,1 0 0,0 1 0,0-1 0,0 1 0,0-1 0,0 1 0,0-1 0,0 1 0,0-1 0,1 1 0,-1 0 0,1 0 0,-1-1 0,1 1 0,0 0 0,0 0 0,0-1 0,0 1 0,0 0 0,0 0 0,0 0 0,0-1 0,1 1 0,-1 0 0,1 2 0,4 17 0,1 1 0,1-2 0,1 1 0,0-1 0,13 21 0,4 2 0,37 49 0,76 75 0,-46-59 0,-64-75-1365,-2-5-5461</inkml:trace>
+</inkml:ink>
 </file>
 
 <file path=ppt/notesMasters/notesMaster1.xml><?xml version="1.0" encoding="utf-8"?>
@@ -522,7 +713,7 @@
             <a:fld id="{C4411CED-79EF-4046-B79B-F8927B54B6B0}" type="datetime1">
               <a:rPr lang="en-US"/>
               <a:pPr/>
-              <a:t>3/1/22</a:t>
+              <a:t>10/26/2022</a:t>
             </a:fld>
             <a:endParaRPr lang="en-US"/>
           </a:p>
@@ -1616,7 +1807,7 @@
             <a:fld id="{36B4252A-5ADE-4726-AF7E-E9EADC640C88}" type="slidenum">
               <a:rPr lang="en-US" smtClean="0"/>
               <a:pPr/>
-              <a:t>19</a:t>
+              <a:t>22</a:t>
             </a:fld>
             <a:endParaRPr lang="en-US"/>
           </a:p>
@@ -1815,7 +2006,7 @@
             <a:fld id="{43E6E5DC-7A70-4CAB-B8CA-FD7CFBA6DDCF}" type="datetime1">
               <a:rPr lang="en-US" smtClean="0"/>
               <a:pPr/>
-              <a:t>3/1/22</a:t>
+              <a:t>10/26/2022</a:t>
             </a:fld>
             <a:endParaRPr lang="en-US"/>
           </a:p>
@@ -1988,7 +2179,7 @@
             <a:fld id="{34C58A64-F6CF-4D4F-A14E-4E9A6689521C}" type="datetime1">
               <a:rPr lang="en-US" smtClean="0"/>
               <a:pPr/>
-              <a:t>3/1/22</a:t>
+              <a:t>10/26/2022</a:t>
             </a:fld>
             <a:endParaRPr lang="en-US"/>
           </a:p>
@@ -2171,7 +2362,7 @@
             <a:fld id="{28A961FD-7946-4EF3-8B09-2E96C5099CE1}" type="datetime1">
               <a:rPr lang="en-US" smtClean="0"/>
               <a:pPr/>
-              <a:t>3/1/22</a:t>
+              <a:t>10/26/2022</a:t>
             </a:fld>
             <a:endParaRPr lang="en-US"/>
           </a:p>
@@ -2344,7 +2535,7 @@
             <a:fld id="{410E03A8-3A50-4824-93B1-5AB2817A85E6}" type="datetime1">
               <a:rPr lang="en-US" smtClean="0"/>
               <a:pPr/>
-              <a:t>3/1/22</a:t>
+              <a:t>10/26/2022</a:t>
             </a:fld>
             <a:endParaRPr lang="en-US"/>
           </a:p>
@@ -2594,7 +2785,7 @@
             <a:fld id="{69EE78C3-2E3E-4EDD-A8FC-A11FEA9CDF04}" type="datetime1">
               <a:rPr lang="en-US" smtClean="0"/>
               <a:pPr/>
-              <a:t>3/1/22</a:t>
+              <a:t>10/26/2022</a:t>
             </a:fld>
             <a:endParaRPr lang="en-US"/>
           </a:p>
@@ -2884,7 +3075,7 @@
             <a:fld id="{9CAD6738-AE48-490E-BA60-16B31C3E5798}" type="datetime1">
               <a:rPr lang="en-US" smtClean="0"/>
               <a:pPr/>
-              <a:t>3/1/22</a:t>
+              <a:t>10/26/2022</a:t>
             </a:fld>
             <a:endParaRPr lang="en-US"/>
           </a:p>
@@ -3308,7 +3499,7 @@
             <a:fld id="{12137309-80BC-4890-B91A-AB9885E172E5}" type="datetime1">
               <a:rPr lang="en-US" smtClean="0"/>
               <a:pPr/>
-              <a:t>3/1/22</a:t>
+              <a:t>10/26/2022</a:t>
             </a:fld>
             <a:endParaRPr lang="en-US"/>
           </a:p>
@@ -3430,7 +3621,7 @@
             <a:fld id="{79C16A63-0F78-4E9D-81E4-A84E1F25A0A3}" type="datetime1">
               <a:rPr lang="en-US" smtClean="0"/>
               <a:pPr/>
-              <a:t>3/1/22</a:t>
+              <a:t>10/26/2022</a:t>
             </a:fld>
             <a:endParaRPr lang="en-US"/>
           </a:p>
@@ -3530,7 +3721,7 @@
             <a:fld id="{DC5FF9E9-979C-4422-A1BB-1DC64426F0DA}" type="datetime1">
               <a:rPr lang="en-US" smtClean="0"/>
               <a:pPr/>
-              <a:t>3/1/22</a:t>
+              <a:t>10/26/2022</a:t>
             </a:fld>
             <a:endParaRPr lang="en-US"/>
           </a:p>
@@ -3810,7 +4001,7 @@
             <a:fld id="{B9B7020D-910B-4676-A902-AD52382F28B6}" type="datetime1">
               <a:rPr lang="en-US" smtClean="0"/>
               <a:pPr/>
-              <a:t>3/1/22</a:t>
+              <a:t>10/26/2022</a:t>
             </a:fld>
             <a:endParaRPr lang="en-US"/>
           </a:p>
@@ -4067,7 +4258,7 @@
             <a:fld id="{4695FF79-924D-47D6-A727-6A03000C0C91}" type="datetime1">
               <a:rPr lang="en-US" smtClean="0"/>
               <a:pPr/>
-              <a:t>3/1/22</a:t>
+              <a:t>10/26/2022</a:t>
             </a:fld>
             <a:endParaRPr lang="en-US"/>
           </a:p>
@@ -4283,7 +4474,7 @@
             <a:fld id="{A51E304D-C692-4D58-A925-D35D66927263}" type="datetime1">
               <a:rPr lang="en-US" smtClean="0"/>
               <a:pPr/>
-              <a:t>3/1/22</a:t>
+              <a:t>10/26/2022</a:t>
             </a:fld>
             <a:endParaRPr lang="en-US"/>
           </a:p>
@@ -4837,6 +5028,107 @@
           </a:p>
         </p:txBody>
       </p:sp>
+      <p:sp>
+        <p:nvSpPr>
+          <p:cNvPr id="3" name="TextBox 2">
+            <a:extLst>
+              <a:ext uri="{FF2B5EF4-FFF2-40B4-BE49-F238E27FC236}">
+                <a16:creationId xmlns:a16="http://schemas.microsoft.com/office/drawing/2014/main" id="{8D750CF1-DC3E-99BD-6017-CB36CBD2D848}"/>
+              </a:ext>
+            </a:extLst>
+          </p:cNvPr>
+          <p:cNvSpPr txBox="1"/>
+          <p:nvPr/>
+        </p:nvSpPr>
+        <p:spPr>
+          <a:xfrm>
+            <a:off x="3971366" y="22057"/>
+            <a:ext cx="5334001" cy="1046440"/>
+          </a:xfrm>
+          <a:prstGeom prst="rect">
+            <a:avLst/>
+          </a:prstGeom>
+          <a:noFill/>
+          <a:ln w="12700" cap="flat">
+            <a:noFill/>
+            <a:miter lim="400000"/>
+          </a:ln>
+          <a:effectLst/>
+        </p:spPr>
+        <p:style>
+          <a:lnRef idx="0">
+            <a:scrgbClr r="0" g="0" b="0"/>
+          </a:lnRef>
+          <a:fillRef idx="0">
+            <a:scrgbClr r="0" g="0" b="0"/>
+          </a:fillRef>
+          <a:effectRef idx="0">
+            <a:scrgbClr r="0" g="0" b="0"/>
+          </a:effectRef>
+          <a:fontRef idx="none"/>
+        </p:style>
+        <p:txBody>
+          <a:bodyPr wrap="square">
+            <a:spAutoFit/>
+          </a:bodyPr>
+          <a:lstStyle/>
+          <a:p>
+            <a:r>
+              <a:rPr lang="en-US" dirty="0">
+                <a:highlight>
+                  <a:srgbClr val="FFFF00"/>
+                </a:highlight>
+              </a:rPr>
+              <a:t>Today’s Attendance password</a:t>
+            </a:r>
+          </a:p>
+          <a:p>
+            <a:r>
+              <a:rPr lang="en-US" sz="4400" dirty="0" err="1">
+                <a:highlight>
+                  <a:srgbClr val="FFFF00"/>
+                </a:highlight>
+              </a:rPr>
+              <a:t>inheritcollisions</a:t>
+            </a:r>
+            <a:endParaRPr lang="en-US" sz="4400" dirty="0">
+              <a:highlight>
+                <a:srgbClr val="FFFF00"/>
+              </a:highlight>
+            </a:endParaRPr>
+          </a:p>
+        </p:txBody>
+      </p:sp>
+      <p:pic>
+        <p:nvPicPr>
+          <p:cNvPr id="4" name="Picture 3">
+            <a:extLst>
+              <a:ext uri="{FF2B5EF4-FFF2-40B4-BE49-F238E27FC236}">
+                <a16:creationId xmlns:a16="http://schemas.microsoft.com/office/drawing/2014/main" id="{6C59F2AF-3B64-E142-1F41-210F4FE31EA3}"/>
+              </a:ext>
+            </a:extLst>
+          </p:cNvPr>
+          <p:cNvPicPr>
+            <a:picLocks noChangeAspect="1"/>
+          </p:cNvPicPr>
+          <p:nvPr/>
+        </p:nvPicPr>
+        <p:blipFill>
+          <a:blip r:embed="rId3"/>
+          <a:stretch>
+            <a:fillRect/>
+          </a:stretch>
+        </p:blipFill>
+        <p:spPr>
+          <a:xfrm>
+            <a:off x="6714565" y="1078490"/>
+            <a:ext cx="2429435" cy="2103869"/>
+          </a:xfrm>
+          <a:prstGeom prst="rect">
+            <a:avLst/>
+          </a:prstGeom>
+        </p:spPr>
+      </p:pic>
     </p:spTree>
     <p:extLst>
       <p:ext uri="{BB962C8B-B14F-4D97-AF65-F5344CB8AC3E}">
@@ -5630,7 +5922,7 @@
           <a:p>
             <a:r>
               <a:rPr lang="en-US" dirty="0"/>
-              <a:t>Hand out </a:t>
+              <a:t>Quiz on Moodle</a:t>
             </a:r>
           </a:p>
         </p:txBody>
@@ -6361,7 +6653,7 @@
           <a:p>
             <a:r>
               <a:rPr lang="en-US" i="1" dirty="0"/>
-              <a:t>Be sure everyone is getting a chance to drive.</a:t>
+              <a:t>Be sure everyone is contributing and has something to work on.</a:t>
             </a:r>
           </a:p>
         </p:txBody>
@@ -6381,6 +6673,1432 @@
 </file>
 
 <file path=ppt/slides/slide19.xml><?xml version="1.0" encoding="utf-8"?>
+<p:sld xmlns:a="http://schemas.openxmlformats.org/drawingml/2006/main" xmlns:r="http://schemas.openxmlformats.org/officeDocument/2006/relationships" xmlns:p="http://schemas.openxmlformats.org/presentationml/2006/main">
+  <p:cSld>
+    <p:spTree>
+      <p:nvGrpSpPr>
+        <p:cNvPr id="1" name=""/>
+        <p:cNvGrpSpPr/>
+        <p:nvPr/>
+      </p:nvGrpSpPr>
+      <p:grpSpPr>
+        <a:xfrm>
+          <a:off x="0" y="0"/>
+          <a:ext cx="0" cy="0"/>
+          <a:chOff x="0" y="0"/>
+          <a:chExt cx="0" cy="0"/>
+        </a:xfrm>
+      </p:grpSpPr>
+      <p:sp>
+        <p:nvSpPr>
+          <p:cNvPr id="2" name="Title 1">
+            <a:extLst>
+              <a:ext uri="{FF2B5EF4-FFF2-40B4-BE49-F238E27FC236}">
+                <a16:creationId xmlns:a16="http://schemas.microsoft.com/office/drawing/2014/main" id="{4CA291D6-8788-5EA9-36E0-8B320FAB7199}"/>
+              </a:ext>
+            </a:extLst>
+          </p:cNvPr>
+          <p:cNvSpPr>
+            <a:spLocks noGrp="1"/>
+          </p:cNvSpPr>
+          <p:nvPr>
+            <p:ph type="title"/>
+          </p:nvPr>
+        </p:nvSpPr>
+        <p:spPr>
+          <a:xfrm>
+            <a:off x="457200" y="274638"/>
+            <a:ext cx="6172200" cy="1143000"/>
+          </a:xfrm>
+        </p:spPr>
+        <p:txBody>
+          <a:bodyPr>
+            <a:normAutofit fontScale="90000"/>
+          </a:bodyPr>
+          <a:lstStyle/>
+          <a:p>
+            <a:r>
+              <a:rPr lang="en-US" sz="3600" dirty="0"/>
+              <a:t>DNR: Driver, Navigator, </a:t>
+            </a:r>
+            <a:r>
+              <a:rPr lang="en-US" sz="3600" b="1" u="sng" dirty="0">
+                <a:highlight>
+                  <a:srgbClr val="FFFF00"/>
+                </a:highlight>
+              </a:rPr>
+              <a:t>Reviewer</a:t>
+            </a:r>
+          </a:p>
+        </p:txBody>
+      </p:sp>
+      <p:sp>
+        <p:nvSpPr>
+          <p:cNvPr id="7" name="TextBox 6">
+            <a:extLst>
+              <a:ext uri="{FF2B5EF4-FFF2-40B4-BE49-F238E27FC236}">
+                <a16:creationId xmlns:a16="http://schemas.microsoft.com/office/drawing/2014/main" id="{5556E78A-135C-AFDB-E3C2-2C2CC0CD7F8B}"/>
+              </a:ext>
+            </a:extLst>
+          </p:cNvPr>
+          <p:cNvSpPr txBox="1"/>
+          <p:nvPr/>
+        </p:nvSpPr>
+        <p:spPr>
+          <a:xfrm>
+            <a:off x="144184" y="1676400"/>
+            <a:ext cx="8542616" cy="5078313"/>
+          </a:xfrm>
+          <a:prstGeom prst="rect">
+            <a:avLst/>
+          </a:prstGeom>
+          <a:noFill/>
+        </p:spPr>
+        <p:txBody>
+          <a:bodyPr wrap="square">
+            <a:spAutoFit/>
+          </a:bodyPr>
+          <a:lstStyle/>
+          <a:p>
+            <a:pPr>
+              <a:spcBef>
+                <a:spcPts val="0"/>
+              </a:spcBef>
+              <a:spcAft>
+                <a:spcPts val="0"/>
+              </a:spcAft>
+              <a:buFont typeface="Arial" panose="020B0604020202020204" pitchFamily="34" charset="0"/>
+              <a:buChar char="•"/>
+            </a:pPr>
+            <a:r>
+              <a:rPr lang="en-US" b="0" i="0" u="none" strike="noStrike" dirty="0">
+                <a:solidFill>
+                  <a:srgbClr val="000000"/>
+                </a:solidFill>
+                <a:effectLst/>
+                <a:latin typeface="Times New Roman" panose="02020603050405020304" pitchFamily="18" charset="0"/>
+              </a:rPr>
+              <a:t>Reviewer - The review has a number of important responsibilities</a:t>
+            </a:r>
+          </a:p>
+          <a:p>
+            <a:pPr marL="685800" lvl="1" indent="-342900">
+              <a:spcBef>
+                <a:spcPts val="0"/>
+              </a:spcBef>
+              <a:spcAft>
+                <a:spcPts val="0"/>
+              </a:spcAft>
+              <a:buFont typeface="+mj-lt"/>
+              <a:buAutoNum type="arabicPeriod"/>
+            </a:pPr>
+            <a:r>
+              <a:rPr lang="en-US" b="1" i="0" u="none" strike="noStrike" dirty="0">
+                <a:solidFill>
+                  <a:srgbClr val="000000"/>
+                </a:solidFill>
+                <a:effectLst/>
+                <a:latin typeface="Times New Roman" panose="02020603050405020304" pitchFamily="18" charset="0"/>
+              </a:rPr>
+              <a:t>Look at each piece of code and either correct or mark </a:t>
+            </a:r>
+            <a:r>
+              <a:rPr lang="en-US" b="1" i="0" u="sng" strike="noStrike" dirty="0">
+                <a:solidFill>
+                  <a:srgbClr val="000000"/>
+                </a:solidFill>
+                <a:effectLst/>
+                <a:latin typeface="Times New Roman" panose="02020603050405020304" pitchFamily="18" charset="0"/>
+              </a:rPr>
+              <a:t>TODOs</a:t>
+            </a:r>
+            <a:r>
+              <a:rPr lang="en-US" b="1" i="0" u="none" strike="noStrike" dirty="0">
+                <a:solidFill>
+                  <a:srgbClr val="000000"/>
+                </a:solidFill>
+                <a:effectLst/>
+                <a:latin typeface="Times New Roman" panose="02020603050405020304" pitchFamily="18" charset="0"/>
+              </a:rPr>
+              <a:t> in the code</a:t>
+            </a:r>
+          </a:p>
+          <a:p>
+            <a:pPr marL="900113" lvl="2" indent="-214313">
+              <a:buFont typeface="Arial" panose="020B0604020202020204" pitchFamily="34" charset="0"/>
+              <a:buChar char="•"/>
+            </a:pPr>
+            <a:r>
+              <a:rPr lang="en-US" dirty="0">
+                <a:solidFill>
+                  <a:srgbClr val="000000"/>
+                </a:solidFill>
+                <a:latin typeface="Times New Roman" panose="02020603050405020304" pitchFamily="18" charset="0"/>
+              </a:rPr>
+              <a:t>If its easy and obvious, just fix it</a:t>
+            </a:r>
+          </a:p>
+          <a:p>
+            <a:pPr marL="900113" lvl="2" indent="-214313">
+              <a:buFont typeface="Arial" panose="020B0604020202020204" pitchFamily="34" charset="0"/>
+              <a:buChar char="•"/>
+            </a:pPr>
+            <a:r>
+              <a:rPr lang="en-US" dirty="0">
+                <a:solidFill>
+                  <a:srgbClr val="000000"/>
+                </a:solidFill>
+                <a:latin typeface="Times New Roman" panose="02020603050405020304" pitchFamily="18" charset="0"/>
+              </a:rPr>
+              <a:t>If NOT, add a TODO to complete later</a:t>
+            </a:r>
+          </a:p>
+          <a:p>
+            <a:pPr marL="1243013" lvl="3" indent="-214313">
+              <a:buFont typeface="Arial" panose="020B0604020202020204" pitchFamily="34" charset="0"/>
+              <a:buChar char="•"/>
+            </a:pPr>
+            <a:r>
+              <a:rPr lang="en-US" dirty="0">
+                <a:solidFill>
+                  <a:srgbClr val="000000"/>
+                </a:solidFill>
+                <a:latin typeface="Times New Roman" panose="02020603050405020304" pitchFamily="18" charset="0"/>
+              </a:rPr>
+              <a:t>Eclipse can provide a view of your TODOs in a project</a:t>
+            </a:r>
+          </a:p>
+          <a:p>
+            <a:pPr marL="685800" lvl="1" indent="-342900">
+              <a:spcBef>
+                <a:spcPts val="0"/>
+              </a:spcBef>
+              <a:spcAft>
+                <a:spcPts val="0"/>
+              </a:spcAft>
+              <a:buFont typeface="+mj-lt"/>
+              <a:buAutoNum type="arabicPeriod"/>
+            </a:pPr>
+            <a:r>
+              <a:rPr lang="en-US" b="1" i="0" u="none" strike="noStrike" dirty="0">
+                <a:solidFill>
+                  <a:srgbClr val="000000"/>
+                </a:solidFill>
+                <a:effectLst/>
+                <a:latin typeface="Times New Roman" panose="02020603050405020304" pitchFamily="18" charset="0"/>
+              </a:rPr>
+              <a:t>Generate the </a:t>
+            </a:r>
+            <a:r>
+              <a:rPr lang="en-US" b="1" i="0" u="none" strike="noStrike" dirty="0" err="1">
+                <a:solidFill>
+                  <a:srgbClr val="000000"/>
+                </a:solidFill>
+                <a:effectLst/>
+                <a:latin typeface="Times New Roman" panose="02020603050405020304" pitchFamily="18" charset="0"/>
+              </a:rPr>
+              <a:t>PlantUML</a:t>
+            </a:r>
+            <a:r>
+              <a:rPr lang="en-US" b="1" i="0" u="none" strike="noStrike" dirty="0">
+                <a:solidFill>
+                  <a:srgbClr val="000000"/>
+                </a:solidFill>
+                <a:effectLst/>
+                <a:latin typeface="Times New Roman" panose="02020603050405020304" pitchFamily="18" charset="0"/>
+              </a:rPr>
+              <a:t> for the current project and next Milestone before the TA meeting</a:t>
+            </a:r>
+          </a:p>
+          <a:p>
+            <a:pPr marL="942975" lvl="2" indent="-257175">
+              <a:spcBef>
+                <a:spcPts val="0"/>
+              </a:spcBef>
+              <a:spcAft>
+                <a:spcPts val="0"/>
+              </a:spcAft>
+              <a:buFont typeface="Arial" panose="020B0604020202020204" pitchFamily="34" charset="0"/>
+              <a:buChar char="•"/>
+            </a:pPr>
+            <a:r>
+              <a:rPr lang="en-US" b="0" i="0" u="none" strike="noStrike" dirty="0">
+                <a:solidFill>
+                  <a:srgbClr val="000000"/>
+                </a:solidFill>
+                <a:effectLst/>
+                <a:latin typeface="Times New Roman" panose="02020603050405020304" pitchFamily="18" charset="0"/>
+              </a:rPr>
+              <a:t>Use to easily generate UML: </a:t>
+            </a:r>
+            <a:r>
+              <a:rPr lang="en-US" b="0" i="0" u="sng" strike="noStrike" dirty="0">
+                <a:solidFill>
+                  <a:srgbClr val="1155CC"/>
+                </a:solidFill>
+                <a:effectLst/>
+                <a:latin typeface="Times New Roman" panose="02020603050405020304" pitchFamily="18" charset="0"/>
+                <a:hlinkClick r:id="rId2"/>
+              </a:rPr>
+              <a:t>https://plantuml.com/eclipse</a:t>
+            </a:r>
+            <a:endParaRPr lang="en-US" b="0" i="0" u="none" strike="noStrike" dirty="0">
+              <a:solidFill>
+                <a:srgbClr val="000000"/>
+              </a:solidFill>
+              <a:effectLst/>
+              <a:latin typeface="Times New Roman" panose="02020603050405020304" pitchFamily="18" charset="0"/>
+            </a:endParaRPr>
+          </a:p>
+          <a:p>
+            <a:pPr marL="942975" lvl="2" indent="-257175">
+              <a:spcBef>
+                <a:spcPts val="0"/>
+              </a:spcBef>
+              <a:spcAft>
+                <a:spcPts val="0"/>
+              </a:spcAft>
+              <a:buFont typeface="Arial" panose="020B0604020202020204" pitchFamily="34" charset="0"/>
+              <a:buChar char="•"/>
+            </a:pPr>
+            <a:r>
+              <a:rPr lang="en-US" b="0" i="0" u="none" strike="noStrike" dirty="0">
+                <a:solidFill>
+                  <a:srgbClr val="000000"/>
+                </a:solidFill>
+                <a:effectLst/>
+                <a:latin typeface="Times New Roman" panose="02020603050405020304" pitchFamily="18" charset="0"/>
+              </a:rPr>
+              <a:t>Can copy the source code and modify as needed</a:t>
+            </a:r>
+          </a:p>
+          <a:p>
+            <a:pPr marL="600075" lvl="1" indent="-257175">
+              <a:spcBef>
+                <a:spcPts val="0"/>
+              </a:spcBef>
+              <a:spcAft>
+                <a:spcPts val="0"/>
+              </a:spcAft>
+              <a:buFont typeface="+mj-lt"/>
+              <a:buAutoNum type="arabicPeriod"/>
+            </a:pPr>
+            <a:r>
+              <a:rPr lang="en-US" b="1" i="0" u="none" strike="noStrike" dirty="0">
+                <a:solidFill>
+                  <a:srgbClr val="000000"/>
+                </a:solidFill>
+                <a:effectLst/>
+                <a:latin typeface="Times New Roman" panose="02020603050405020304" pitchFamily="18" charset="0"/>
+              </a:rPr>
+              <a:t>Identify violations of the 5 OODP based on code and UML</a:t>
+            </a:r>
+          </a:p>
+          <a:p>
+            <a:pPr marL="942975" lvl="2" indent="-257175">
+              <a:spcBef>
+                <a:spcPts val="0"/>
+              </a:spcBef>
+              <a:spcAft>
+                <a:spcPts val="0"/>
+              </a:spcAft>
+              <a:buFont typeface="Arial" panose="020B0604020202020204" pitchFamily="34" charset="0"/>
+              <a:buChar char="•"/>
+            </a:pPr>
+            <a:r>
+              <a:rPr lang="en-US" b="0" i="0" u="none" strike="noStrike" dirty="0">
+                <a:solidFill>
+                  <a:srgbClr val="000000"/>
+                </a:solidFill>
+                <a:effectLst/>
+                <a:latin typeface="Times New Roman" panose="02020603050405020304" pitchFamily="18" charset="0"/>
+              </a:rPr>
+              <a:t>Mark TODOs in code or add comments to review document </a:t>
+            </a:r>
+            <a:r>
+              <a:rPr lang="en-US" b="0" i="1" u="none" strike="noStrike" dirty="0">
+                <a:solidFill>
+                  <a:srgbClr val="000000"/>
+                </a:solidFill>
+                <a:effectLst/>
+                <a:latin typeface="Times New Roman" panose="02020603050405020304" pitchFamily="18" charset="0"/>
+              </a:rPr>
+              <a:t>(notes for meeting with TA)</a:t>
+            </a:r>
+          </a:p>
+          <a:p>
+            <a:pPr marL="600075" lvl="1" indent="-257175">
+              <a:spcBef>
+                <a:spcPts val="0"/>
+              </a:spcBef>
+              <a:spcAft>
+                <a:spcPts val="0"/>
+              </a:spcAft>
+              <a:buFont typeface="+mj-lt"/>
+              <a:buAutoNum type="arabicPeriod"/>
+            </a:pPr>
+            <a:r>
+              <a:rPr lang="en-US" b="1" i="0" u="none" strike="noStrike" dirty="0">
+                <a:solidFill>
+                  <a:srgbClr val="000000"/>
+                </a:solidFill>
+                <a:effectLst/>
+                <a:latin typeface="Times New Roman" panose="02020603050405020304" pitchFamily="18" charset="0"/>
+              </a:rPr>
+              <a:t>Provide a log of the results of the review</a:t>
+            </a:r>
+          </a:p>
+          <a:p>
+            <a:pPr marL="942975" lvl="2" indent="-257175">
+              <a:spcBef>
+                <a:spcPts val="0"/>
+              </a:spcBef>
+              <a:spcAft>
+                <a:spcPts val="0"/>
+              </a:spcAft>
+              <a:buFont typeface="Arial" panose="020B0604020202020204" pitchFamily="34" charset="0"/>
+              <a:buChar char="•"/>
+            </a:pPr>
+            <a:r>
+              <a:rPr lang="en-US" b="0" i="0" u="none" strike="noStrike" dirty="0">
+                <a:solidFill>
+                  <a:srgbClr val="000000"/>
+                </a:solidFill>
+                <a:effectLst/>
+                <a:latin typeface="Times New Roman" panose="02020603050405020304" pitchFamily="18" charset="0"/>
+              </a:rPr>
+              <a:t>This is easily done with a </a:t>
+            </a:r>
+            <a:r>
+              <a:rPr lang="en-US" b="1" i="0" u="none" strike="noStrike" dirty="0">
+                <a:solidFill>
+                  <a:srgbClr val="000000"/>
+                </a:solidFill>
+                <a:effectLst/>
+                <a:latin typeface="Times New Roman" panose="02020603050405020304" pitchFamily="18" charset="0"/>
+              </a:rPr>
+              <a:t>good commit record</a:t>
+            </a:r>
+          </a:p>
+          <a:p>
+            <a:pPr marL="942975" lvl="2" indent="-257175">
+              <a:spcBef>
+                <a:spcPts val="0"/>
+              </a:spcBef>
+              <a:spcAft>
+                <a:spcPts val="0"/>
+              </a:spcAft>
+              <a:buFont typeface="Arial" panose="020B0604020202020204" pitchFamily="34" charset="0"/>
+              <a:buChar char="•"/>
+            </a:pPr>
+            <a:r>
+              <a:rPr lang="en-US" b="0" i="0" u="none" strike="noStrike" dirty="0">
+                <a:solidFill>
+                  <a:srgbClr val="000000"/>
+                </a:solidFill>
+                <a:effectLst/>
+                <a:latin typeface="Times New Roman" panose="02020603050405020304" pitchFamily="18" charset="0"/>
+              </a:rPr>
+              <a:t>Evaluation of the current UML</a:t>
+            </a:r>
+          </a:p>
+          <a:p>
+            <a:pPr marL="942975" lvl="2" indent="-257175">
+              <a:spcBef>
+                <a:spcPts val="0"/>
+              </a:spcBef>
+              <a:spcAft>
+                <a:spcPts val="0"/>
+              </a:spcAft>
+              <a:buFont typeface="Arial" panose="020B0604020202020204" pitchFamily="34" charset="0"/>
+              <a:buChar char="•"/>
+            </a:pPr>
+            <a:r>
+              <a:rPr lang="en-US" b="0" i="0" u="none" strike="noStrike" dirty="0">
+                <a:solidFill>
+                  <a:srgbClr val="000000"/>
+                </a:solidFill>
+                <a:effectLst/>
+                <a:latin typeface="Times New Roman" panose="02020603050405020304" pitchFamily="18" charset="0"/>
+              </a:rPr>
+              <a:t>Production of the planned UML for the next milestone with notes</a:t>
+            </a:r>
+          </a:p>
+          <a:p>
+            <a:pPr marL="600075" lvl="1" indent="-257175">
+              <a:spcBef>
+                <a:spcPts val="0"/>
+              </a:spcBef>
+              <a:spcAft>
+                <a:spcPts val="750"/>
+              </a:spcAft>
+              <a:buFont typeface="+mj-lt"/>
+              <a:buAutoNum type="arabicPeriod"/>
+            </a:pPr>
+            <a:r>
+              <a:rPr lang="en-US" b="1" i="0" u="none" strike="noStrike" dirty="0">
+                <a:solidFill>
+                  <a:srgbClr val="000000"/>
+                </a:solidFill>
+                <a:effectLst/>
+                <a:latin typeface="Times New Roman" panose="02020603050405020304" pitchFamily="18" charset="0"/>
+              </a:rPr>
+              <a:t>During the TA meeting, the reviewer will discuss their review of the code and discuss concerns they have</a:t>
+            </a:r>
+          </a:p>
+        </p:txBody>
+      </p:sp>
+      <p:pic>
+        <p:nvPicPr>
+          <p:cNvPr id="17" name="Picture 16">
+            <a:extLst>
+              <a:ext uri="{FF2B5EF4-FFF2-40B4-BE49-F238E27FC236}">
+                <a16:creationId xmlns:a16="http://schemas.microsoft.com/office/drawing/2014/main" id="{D450893D-D1A2-5D6E-6C5E-EE0241FBC72D}"/>
+              </a:ext>
+            </a:extLst>
+          </p:cNvPr>
+          <p:cNvPicPr>
+            <a:picLocks noChangeAspect="1"/>
+          </p:cNvPicPr>
+          <p:nvPr/>
+        </p:nvPicPr>
+        <p:blipFill>
+          <a:blip r:embed="rId3"/>
+          <a:stretch>
+            <a:fillRect/>
+          </a:stretch>
+        </p:blipFill>
+        <p:spPr>
+          <a:xfrm>
+            <a:off x="6699499" y="-5379"/>
+            <a:ext cx="2438226" cy="1931960"/>
+          </a:xfrm>
+          <a:prstGeom prst="rect">
+            <a:avLst/>
+          </a:prstGeom>
+        </p:spPr>
+      </p:pic>
+      <mc:AlternateContent xmlns:mc="http://schemas.openxmlformats.org/markup-compatibility/2006">
+        <mc:Choice xmlns:p14="http://schemas.microsoft.com/office/powerpoint/2010/main" Requires="p14">
+          <p:contentPart p14:bwMode="auto" r:id="rId4">
+            <p14:nvContentPartPr>
+              <p14:cNvPr id="3" name="Ink 2">
+                <a:extLst>
+                  <a:ext uri="{FF2B5EF4-FFF2-40B4-BE49-F238E27FC236}">
+                    <a16:creationId xmlns:a16="http://schemas.microsoft.com/office/drawing/2014/main" id="{8259B26E-8CFF-9858-7D5E-881A0D6D89C7}"/>
+                  </a:ext>
+                </a:extLst>
+              </p14:cNvPr>
+              <p14:cNvContentPartPr/>
+              <p14:nvPr/>
+            </p14:nvContentPartPr>
+            <p14:xfrm>
+              <a:off x="6518753" y="1944466"/>
+              <a:ext cx="1492560" cy="411480"/>
+            </p14:xfrm>
+          </p:contentPart>
+        </mc:Choice>
+        <mc:Fallback>
+          <p:pic>
+            <p:nvPicPr>
+              <p:cNvPr id="3" name="Ink 2">
+                <a:extLst>
+                  <a:ext uri="{FF2B5EF4-FFF2-40B4-BE49-F238E27FC236}">
+                    <a16:creationId xmlns:a16="http://schemas.microsoft.com/office/drawing/2014/main" id="{8259B26E-8CFF-9858-7D5E-881A0D6D89C7}"/>
+                  </a:ext>
+                </a:extLst>
+              </p:cNvPr>
+              <p:cNvPicPr/>
+              <p:nvPr/>
+            </p:nvPicPr>
+            <p:blipFill>
+              <a:blip r:embed="rId5"/>
+              <a:stretch>
+                <a:fillRect/>
+              </a:stretch>
+            </p:blipFill>
+            <p:spPr>
+              <a:xfrm>
+                <a:off x="6510113" y="1935466"/>
+                <a:ext cx="1510200" cy="429120"/>
+              </a:xfrm>
+              <a:prstGeom prst="rect">
+                <a:avLst/>
+              </a:prstGeom>
+            </p:spPr>
+          </p:pic>
+        </mc:Fallback>
+      </mc:AlternateContent>
+      <p:grpSp>
+        <p:nvGrpSpPr>
+          <p:cNvPr id="10" name="Group 9">
+            <a:extLst>
+              <a:ext uri="{FF2B5EF4-FFF2-40B4-BE49-F238E27FC236}">
+                <a16:creationId xmlns:a16="http://schemas.microsoft.com/office/drawing/2014/main" id="{C1D91FC0-1890-ED8C-7251-535DA902A49A}"/>
+              </a:ext>
+            </a:extLst>
+          </p:cNvPr>
+          <p:cNvGrpSpPr/>
+          <p:nvPr/>
+        </p:nvGrpSpPr>
+        <p:grpSpPr>
+          <a:xfrm>
+            <a:off x="3560273" y="3939946"/>
+            <a:ext cx="2052720" cy="2178720"/>
+            <a:chOff x="3560273" y="3939946"/>
+            <a:chExt cx="2052720" cy="2178720"/>
+          </a:xfrm>
+        </p:grpSpPr>
+        <mc:AlternateContent xmlns:mc="http://schemas.openxmlformats.org/markup-compatibility/2006">
+          <mc:Choice xmlns:p14="http://schemas.microsoft.com/office/powerpoint/2010/main" Requires="p14">
+            <p:contentPart p14:bwMode="auto" r:id="rId6">
+              <p14:nvContentPartPr>
+                <p14:cNvPr id="4" name="Ink 3">
+                  <a:extLst>
+                    <a:ext uri="{FF2B5EF4-FFF2-40B4-BE49-F238E27FC236}">
+                      <a16:creationId xmlns:a16="http://schemas.microsoft.com/office/drawing/2014/main" id="{2593B082-4D27-4B50-7762-34C12DA06306}"/>
+                    </a:ext>
+                  </a:extLst>
+                </p14:cNvPr>
+                <p14:cNvContentPartPr/>
+                <p14:nvPr/>
+              </p14:nvContentPartPr>
+              <p14:xfrm>
+                <a:off x="3560273" y="5809066"/>
+                <a:ext cx="492120" cy="360"/>
+              </p14:xfrm>
+            </p:contentPart>
+          </mc:Choice>
+          <mc:Fallback>
+            <p:pic>
+              <p:nvPicPr>
+                <p:cNvPr id="4" name="Ink 3">
+                  <a:extLst>
+                    <a:ext uri="{FF2B5EF4-FFF2-40B4-BE49-F238E27FC236}">
+                      <a16:creationId xmlns:a16="http://schemas.microsoft.com/office/drawing/2014/main" id="{2593B082-4D27-4B50-7762-34C12DA06306}"/>
+                    </a:ext>
+                  </a:extLst>
+                </p:cNvPr>
+                <p:cNvPicPr/>
+                <p:nvPr/>
+              </p:nvPicPr>
+              <p:blipFill>
+                <a:blip r:embed="rId7"/>
+                <a:stretch>
+                  <a:fillRect/>
+                </a:stretch>
+              </p:blipFill>
+              <p:spPr>
+                <a:xfrm>
+                  <a:off x="3551633" y="5800066"/>
+                  <a:ext cx="509760" cy="18000"/>
+                </a:xfrm>
+                <a:prstGeom prst="rect">
+                  <a:avLst/>
+                </a:prstGeom>
+              </p:spPr>
+            </p:pic>
+          </mc:Fallback>
+        </mc:AlternateContent>
+        <mc:AlternateContent xmlns:mc="http://schemas.openxmlformats.org/markup-compatibility/2006">
+          <mc:Choice xmlns:p14="http://schemas.microsoft.com/office/powerpoint/2010/main" Requires="p14">
+            <p:contentPart p14:bwMode="auto" r:id="rId8">
+              <p14:nvContentPartPr>
+                <p14:cNvPr id="5" name="Ink 4">
+                  <a:extLst>
+                    <a:ext uri="{FF2B5EF4-FFF2-40B4-BE49-F238E27FC236}">
+                      <a16:creationId xmlns:a16="http://schemas.microsoft.com/office/drawing/2014/main" id="{E6E73FA2-2051-3DEE-219C-9E6794EFAD0A}"/>
+                    </a:ext>
+                  </a:extLst>
+                </p14:cNvPr>
+                <p14:cNvContentPartPr/>
+                <p14:nvPr/>
+              </p14:nvContentPartPr>
+              <p14:xfrm>
+                <a:off x="3743513" y="6098866"/>
+                <a:ext cx="375840" cy="19800"/>
+              </p14:xfrm>
+            </p:contentPart>
+          </mc:Choice>
+          <mc:Fallback>
+            <p:pic>
+              <p:nvPicPr>
+                <p:cNvPr id="5" name="Ink 4">
+                  <a:extLst>
+                    <a:ext uri="{FF2B5EF4-FFF2-40B4-BE49-F238E27FC236}">
+                      <a16:creationId xmlns:a16="http://schemas.microsoft.com/office/drawing/2014/main" id="{E6E73FA2-2051-3DEE-219C-9E6794EFAD0A}"/>
+                    </a:ext>
+                  </a:extLst>
+                </p:cNvPr>
+                <p:cNvPicPr/>
+                <p:nvPr/>
+              </p:nvPicPr>
+              <p:blipFill>
+                <a:blip r:embed="rId9"/>
+                <a:stretch>
+                  <a:fillRect/>
+                </a:stretch>
+              </p:blipFill>
+              <p:spPr>
+                <a:xfrm>
+                  <a:off x="3734513" y="6090226"/>
+                  <a:ext cx="393480" cy="37440"/>
+                </a:xfrm>
+                <a:prstGeom prst="rect">
+                  <a:avLst/>
+                </a:prstGeom>
+              </p:spPr>
+            </p:pic>
+          </mc:Fallback>
+        </mc:AlternateContent>
+        <mc:AlternateContent xmlns:mc="http://schemas.openxmlformats.org/markup-compatibility/2006">
+          <mc:Choice xmlns:p14="http://schemas.microsoft.com/office/powerpoint/2010/main" Requires="p14">
+            <p:contentPart p14:bwMode="auto" r:id="rId10">
+              <p14:nvContentPartPr>
+                <p14:cNvPr id="6" name="Ink 5">
+                  <a:extLst>
+                    <a:ext uri="{FF2B5EF4-FFF2-40B4-BE49-F238E27FC236}">
+                      <a16:creationId xmlns:a16="http://schemas.microsoft.com/office/drawing/2014/main" id="{C4ABC26D-74AF-DA43-4332-68C7854D424A}"/>
+                    </a:ext>
+                  </a:extLst>
+                </p14:cNvPr>
+                <p14:cNvContentPartPr/>
+                <p14:nvPr/>
+              </p14:nvContentPartPr>
+              <p14:xfrm>
+                <a:off x="4012433" y="3964066"/>
+                <a:ext cx="945360" cy="1694520"/>
+              </p14:xfrm>
+            </p:contentPart>
+          </mc:Choice>
+          <mc:Fallback>
+            <p:pic>
+              <p:nvPicPr>
+                <p:cNvPr id="6" name="Ink 5">
+                  <a:extLst>
+                    <a:ext uri="{FF2B5EF4-FFF2-40B4-BE49-F238E27FC236}">
+                      <a16:creationId xmlns:a16="http://schemas.microsoft.com/office/drawing/2014/main" id="{C4ABC26D-74AF-DA43-4332-68C7854D424A}"/>
+                    </a:ext>
+                  </a:extLst>
+                </p:cNvPr>
+                <p:cNvPicPr/>
+                <p:nvPr/>
+              </p:nvPicPr>
+              <p:blipFill>
+                <a:blip r:embed="rId11"/>
+                <a:stretch>
+                  <a:fillRect/>
+                </a:stretch>
+              </p:blipFill>
+              <p:spPr>
+                <a:xfrm>
+                  <a:off x="4003433" y="3955066"/>
+                  <a:ext cx="963000" cy="1712160"/>
+                </a:xfrm>
+                <a:prstGeom prst="rect">
+                  <a:avLst/>
+                </a:prstGeom>
+              </p:spPr>
+            </p:pic>
+          </mc:Fallback>
+        </mc:AlternateContent>
+        <mc:AlternateContent xmlns:mc="http://schemas.openxmlformats.org/markup-compatibility/2006">
+          <mc:Choice xmlns:p14="http://schemas.microsoft.com/office/powerpoint/2010/main" Requires="p14">
+            <p:contentPart p14:bwMode="auto" r:id="rId12">
+              <p14:nvContentPartPr>
+                <p14:cNvPr id="9" name="Ink 8">
+                  <a:extLst>
+                    <a:ext uri="{FF2B5EF4-FFF2-40B4-BE49-F238E27FC236}">
+                      <a16:creationId xmlns:a16="http://schemas.microsoft.com/office/drawing/2014/main" id="{B41209B7-A617-D25D-D56D-5D68D2BE3DF5}"/>
+                    </a:ext>
+                  </a:extLst>
+                </p14:cNvPr>
+                <p14:cNvContentPartPr/>
+                <p14:nvPr/>
+              </p14:nvContentPartPr>
+              <p14:xfrm>
+                <a:off x="4152473" y="3939946"/>
+                <a:ext cx="1460520" cy="2009160"/>
+              </p14:xfrm>
+            </p:contentPart>
+          </mc:Choice>
+          <mc:Fallback>
+            <p:pic>
+              <p:nvPicPr>
+                <p:cNvPr id="9" name="Ink 8">
+                  <a:extLst>
+                    <a:ext uri="{FF2B5EF4-FFF2-40B4-BE49-F238E27FC236}">
+                      <a16:creationId xmlns:a16="http://schemas.microsoft.com/office/drawing/2014/main" id="{B41209B7-A617-D25D-D56D-5D68D2BE3DF5}"/>
+                    </a:ext>
+                  </a:extLst>
+                </p:cNvPr>
+                <p:cNvPicPr/>
+                <p:nvPr/>
+              </p:nvPicPr>
+              <p:blipFill>
+                <a:blip r:embed="rId13"/>
+                <a:stretch>
+                  <a:fillRect/>
+                </a:stretch>
+              </p:blipFill>
+              <p:spPr>
+                <a:xfrm>
+                  <a:off x="4143833" y="3930946"/>
+                  <a:ext cx="1478160" cy="2026800"/>
+                </a:xfrm>
+                <a:prstGeom prst="rect">
+                  <a:avLst/>
+                </a:prstGeom>
+              </p:spPr>
+            </p:pic>
+          </mc:Fallback>
+        </mc:AlternateContent>
+      </p:grpSp>
+    </p:spTree>
+    <p:extLst>
+      <p:ext uri="{BB962C8B-B14F-4D97-AF65-F5344CB8AC3E}">
+        <p14:creationId xmlns:p14="http://schemas.microsoft.com/office/powerpoint/2010/main" val="1198630507"/>
+      </p:ext>
+    </p:extLst>
+  </p:cSld>
+  <p:clrMapOvr>
+    <a:masterClrMapping/>
+  </p:clrMapOvr>
+</p:sld>
+</file>
+
+<file path=ppt/slides/slide2.xml><?xml version="1.0" encoding="utf-8"?>
+<p:sld xmlns:a="http://schemas.openxmlformats.org/drawingml/2006/main" xmlns:r="http://schemas.openxmlformats.org/officeDocument/2006/relationships" xmlns:p="http://schemas.openxmlformats.org/presentationml/2006/main">
+  <p:cSld>
+    <p:spTree>
+      <p:nvGrpSpPr>
+        <p:cNvPr id="1" name=""/>
+        <p:cNvGrpSpPr/>
+        <p:nvPr/>
+      </p:nvGrpSpPr>
+      <p:grpSpPr>
+        <a:xfrm>
+          <a:off x="0" y="0"/>
+          <a:ext cx="0" cy="0"/>
+          <a:chOff x="0" y="0"/>
+          <a:chExt cx="0" cy="0"/>
+        </a:xfrm>
+      </p:grpSpPr>
+      <p:sp>
+        <p:nvSpPr>
+          <p:cNvPr id="2" name="Title 1"/>
+          <p:cNvSpPr>
+            <a:spLocks noGrp="1"/>
+          </p:cNvSpPr>
+          <p:nvPr>
+            <p:ph type="title"/>
+          </p:nvPr>
+        </p:nvSpPr>
+        <p:spPr/>
+        <p:txBody>
+          <a:bodyPr/>
+          <a:lstStyle/>
+          <a:p>
+            <a:r>
+              <a:rPr lang="en-US" dirty="0"/>
+              <a:t>The specific problem</a:t>
+            </a:r>
+          </a:p>
+        </p:txBody>
+      </p:sp>
+      <p:sp>
+        <p:nvSpPr>
+          <p:cNvPr id="3" name="Content Placeholder 2"/>
+          <p:cNvSpPr>
+            <a:spLocks noGrp="1"/>
+          </p:cNvSpPr>
+          <p:nvPr>
+            <p:ph idx="1"/>
+          </p:nvPr>
+        </p:nvSpPr>
+        <p:spPr/>
+        <p:txBody>
+          <a:bodyPr>
+            <a:normAutofit/>
+          </a:bodyPr>
+          <a:lstStyle/>
+          <a:p>
+            <a:r>
+              <a:rPr lang="en-US" dirty="0"/>
+              <a:t>Monsters can collide with the Player.</a:t>
+            </a:r>
+          </a:p>
+          <a:p>
+            <a:r>
+              <a:rPr lang="en-US" dirty="0"/>
+              <a:t>Players can take powerups</a:t>
+            </a:r>
+          </a:p>
+          <a:p>
+            <a:r>
+              <a:rPr lang="en-US" dirty="0"/>
+              <a:t>Players can collide with eggs</a:t>
+            </a:r>
+          </a:p>
+          <a:p>
+            <a:r>
+              <a:rPr lang="en-US" dirty="0"/>
+              <a:t>Bonus: Player collide with another Player?</a:t>
+            </a:r>
+          </a:p>
+          <a:p>
+            <a:endParaRPr lang="en-US" dirty="0"/>
+          </a:p>
+          <a:p>
+            <a:pPr marL="0" indent="0">
+              <a:buNone/>
+            </a:pPr>
+            <a:r>
+              <a:rPr lang="en-US" dirty="0"/>
+              <a:t>So many collisions! How do we handle them all?</a:t>
+            </a:r>
+          </a:p>
+        </p:txBody>
+      </p:sp>
+    </p:spTree>
+    <p:extLst>
+      <p:ext uri="{BB962C8B-B14F-4D97-AF65-F5344CB8AC3E}">
+        <p14:creationId xmlns:p14="http://schemas.microsoft.com/office/powerpoint/2010/main" val="3625972094"/>
+      </p:ext>
+    </p:extLst>
+  </p:cSld>
+  <p:clrMapOvr>
+    <a:masterClrMapping/>
+  </p:clrMapOvr>
+</p:sld>
+</file>
+
+<file path=ppt/slides/slide20.xml><?xml version="1.0" encoding="utf-8"?>
+<p:sld xmlns:a="http://schemas.openxmlformats.org/drawingml/2006/main" xmlns:r="http://schemas.openxmlformats.org/officeDocument/2006/relationships" xmlns:p="http://schemas.openxmlformats.org/presentationml/2006/main">
+  <p:cSld>
+    <p:spTree>
+      <p:nvGrpSpPr>
+        <p:cNvPr id="1" name=""/>
+        <p:cNvGrpSpPr/>
+        <p:nvPr/>
+      </p:nvGrpSpPr>
+      <p:grpSpPr>
+        <a:xfrm>
+          <a:off x="0" y="0"/>
+          <a:ext cx="0" cy="0"/>
+          <a:chOff x="0" y="0"/>
+          <a:chExt cx="0" cy="0"/>
+        </a:xfrm>
+      </p:grpSpPr>
+      <p:sp>
+        <p:nvSpPr>
+          <p:cNvPr id="2" name="Title 1">
+            <a:extLst>
+              <a:ext uri="{FF2B5EF4-FFF2-40B4-BE49-F238E27FC236}">
+                <a16:creationId xmlns:a16="http://schemas.microsoft.com/office/drawing/2014/main" id="{4CA291D6-8788-5EA9-36E0-8B320FAB7199}"/>
+              </a:ext>
+            </a:extLst>
+          </p:cNvPr>
+          <p:cNvSpPr>
+            <a:spLocks noGrp="1"/>
+          </p:cNvSpPr>
+          <p:nvPr>
+            <p:ph type="title"/>
+          </p:nvPr>
+        </p:nvSpPr>
+        <p:spPr/>
+        <p:txBody>
+          <a:bodyPr/>
+          <a:lstStyle/>
+          <a:p>
+            <a:r>
+              <a:rPr lang="en-US" dirty="0"/>
+              <a:t>SAM: Schedule, Agenda, Minutes</a:t>
+            </a:r>
+          </a:p>
+        </p:txBody>
+      </p:sp>
+      <p:sp>
+        <p:nvSpPr>
+          <p:cNvPr id="3" name="Content Placeholder 2">
+            <a:extLst>
+              <a:ext uri="{FF2B5EF4-FFF2-40B4-BE49-F238E27FC236}">
+                <a16:creationId xmlns:a16="http://schemas.microsoft.com/office/drawing/2014/main" id="{069FCBED-1972-23F5-DE0B-6EBE3CFBE364}"/>
+              </a:ext>
+            </a:extLst>
+          </p:cNvPr>
+          <p:cNvSpPr>
+            <a:spLocks noGrp="1"/>
+          </p:cNvSpPr>
+          <p:nvPr>
+            <p:ph idx="1"/>
+          </p:nvPr>
+        </p:nvSpPr>
+        <p:spPr>
+          <a:xfrm>
+            <a:off x="628650" y="2226469"/>
+            <a:ext cx="7886700" cy="1202531"/>
+          </a:xfrm>
+        </p:spPr>
+        <p:txBody>
+          <a:bodyPr>
+            <a:normAutofit fontScale="77500" lnSpcReduction="20000"/>
+          </a:bodyPr>
+          <a:lstStyle/>
+          <a:p>
+            <a:r>
+              <a:rPr lang="en-US" dirty="0"/>
+              <a:t>Driver = Schedule Job</a:t>
+            </a:r>
+          </a:p>
+          <a:p>
+            <a:r>
+              <a:rPr lang="en-US" dirty="0"/>
+              <a:t>Navigator = Agenda Job</a:t>
+            </a:r>
+          </a:p>
+          <a:p>
+            <a:r>
+              <a:rPr lang="en-US" dirty="0"/>
+              <a:t>Reviewer = Minutes Job</a:t>
+            </a:r>
+          </a:p>
+        </p:txBody>
+      </p:sp>
+      <p:sp>
+        <p:nvSpPr>
+          <p:cNvPr id="9" name="TextBox 8">
+            <a:extLst>
+              <a:ext uri="{FF2B5EF4-FFF2-40B4-BE49-F238E27FC236}">
+                <a16:creationId xmlns:a16="http://schemas.microsoft.com/office/drawing/2014/main" id="{184CDC4F-CBA3-BCEF-12EB-E8D71B948C79}"/>
+              </a:ext>
+            </a:extLst>
+          </p:cNvPr>
+          <p:cNvSpPr txBox="1"/>
+          <p:nvPr/>
+        </p:nvSpPr>
+        <p:spPr>
+          <a:xfrm>
+            <a:off x="448408" y="3530203"/>
+            <a:ext cx="8066942" cy="2041585"/>
+          </a:xfrm>
+          <a:prstGeom prst="rect">
+            <a:avLst/>
+          </a:prstGeom>
+          <a:noFill/>
+        </p:spPr>
+        <p:txBody>
+          <a:bodyPr wrap="square">
+            <a:spAutoFit/>
+          </a:bodyPr>
+          <a:lstStyle/>
+          <a:p>
+            <a:pPr>
+              <a:spcBef>
+                <a:spcPts val="0"/>
+              </a:spcBef>
+              <a:spcAft>
+                <a:spcPts val="750"/>
+              </a:spcAft>
+            </a:pPr>
+            <a:r>
+              <a:rPr lang="en-US" sz="1500" b="1" dirty="0">
+                <a:solidFill>
+                  <a:srgbClr val="000000"/>
+                </a:solidFill>
+                <a:latin typeface="Times New Roman" panose="02020603050405020304" pitchFamily="18" charset="0"/>
+              </a:rPr>
+              <a:t>Organizational Roles - SAM roles should rotate with the DNR roles DNR/SAM (DS, NA, RM)</a:t>
+            </a:r>
+            <a:endParaRPr lang="en-US" sz="2700" dirty="0"/>
+          </a:p>
+          <a:p>
+            <a:pPr>
+              <a:spcBef>
+                <a:spcPts val="0"/>
+              </a:spcBef>
+              <a:spcAft>
+                <a:spcPts val="0"/>
+              </a:spcAft>
+              <a:buFont typeface="Arial" panose="020B0604020202020204" pitchFamily="34" charset="0"/>
+              <a:buChar char="•"/>
+            </a:pPr>
+            <a:r>
+              <a:rPr lang="en-US" sz="1500" b="1" dirty="0">
+                <a:solidFill>
+                  <a:srgbClr val="000000"/>
+                </a:solidFill>
+                <a:latin typeface="Times New Roman" panose="02020603050405020304" pitchFamily="18" charset="0"/>
+              </a:rPr>
+              <a:t> Schedule </a:t>
+            </a:r>
+            <a:r>
+              <a:rPr lang="en-US" sz="1500" dirty="0">
+                <a:solidFill>
+                  <a:srgbClr val="000000"/>
+                </a:solidFill>
+                <a:latin typeface="Times New Roman" panose="02020603050405020304" pitchFamily="18" charset="0"/>
+              </a:rPr>
+              <a:t>- Is in charge of determining when the group of 3 and 2 will meet. Should be the </a:t>
+            </a:r>
+            <a:r>
+              <a:rPr lang="en-US" sz="1500" b="1" dirty="0">
+                <a:solidFill>
+                  <a:srgbClr val="000000"/>
+                </a:solidFill>
+                <a:latin typeface="Times New Roman" panose="02020603050405020304" pitchFamily="18" charset="0"/>
+              </a:rPr>
+              <a:t>Driver</a:t>
+            </a:r>
+            <a:endParaRPr lang="en-US" sz="1500" dirty="0">
+              <a:solidFill>
+                <a:srgbClr val="000000"/>
+              </a:solidFill>
+              <a:latin typeface="Times New Roman" panose="02020603050405020304" pitchFamily="18" charset="0"/>
+            </a:endParaRPr>
+          </a:p>
+          <a:p>
+            <a:pPr>
+              <a:spcBef>
+                <a:spcPts val="0"/>
+              </a:spcBef>
+              <a:spcAft>
+                <a:spcPts val="0"/>
+              </a:spcAft>
+              <a:buFont typeface="Arial" panose="020B0604020202020204" pitchFamily="34" charset="0"/>
+              <a:buChar char="•"/>
+            </a:pPr>
+            <a:r>
+              <a:rPr lang="en-US" sz="1500" b="1" dirty="0">
+                <a:solidFill>
+                  <a:srgbClr val="000000"/>
+                </a:solidFill>
+                <a:latin typeface="Times New Roman" panose="02020603050405020304" pitchFamily="18" charset="0"/>
+              </a:rPr>
+              <a:t> Agenda </a:t>
+            </a:r>
+            <a:r>
+              <a:rPr lang="en-US" sz="1500" dirty="0">
+                <a:solidFill>
+                  <a:srgbClr val="000000"/>
+                </a:solidFill>
+                <a:latin typeface="Times New Roman" panose="02020603050405020304" pitchFamily="18" charset="0"/>
+              </a:rPr>
+              <a:t>- Is in charge of defining what will be discussed/worked on and in what order during meetings/work (Should be </a:t>
+            </a:r>
+            <a:r>
+              <a:rPr lang="en-US" sz="1500" b="1" dirty="0">
+                <a:solidFill>
+                  <a:srgbClr val="000000"/>
+                </a:solidFill>
+                <a:latin typeface="Times New Roman" panose="02020603050405020304" pitchFamily="18" charset="0"/>
+              </a:rPr>
+              <a:t>Navigator</a:t>
+            </a:r>
+            <a:r>
+              <a:rPr lang="en-US" sz="1500" dirty="0">
+                <a:solidFill>
+                  <a:srgbClr val="000000"/>
+                </a:solidFill>
+                <a:latin typeface="Times New Roman" panose="02020603050405020304" pitchFamily="18" charset="0"/>
+              </a:rPr>
+              <a:t>)</a:t>
+            </a:r>
+          </a:p>
+          <a:p>
+            <a:pPr>
+              <a:spcBef>
+                <a:spcPts val="0"/>
+              </a:spcBef>
+              <a:spcAft>
+                <a:spcPts val="0"/>
+              </a:spcAft>
+              <a:buFont typeface="Arial" panose="020B0604020202020204" pitchFamily="34" charset="0"/>
+              <a:buChar char="•"/>
+            </a:pPr>
+            <a:r>
+              <a:rPr lang="en-US" sz="1500" b="1" dirty="0">
+                <a:solidFill>
+                  <a:srgbClr val="000000"/>
+                </a:solidFill>
+                <a:latin typeface="Times New Roman" panose="02020603050405020304" pitchFamily="18" charset="0"/>
+              </a:rPr>
+              <a:t> Minutes </a:t>
+            </a:r>
+            <a:r>
+              <a:rPr lang="en-US" sz="1500" dirty="0">
+                <a:solidFill>
+                  <a:srgbClr val="000000"/>
+                </a:solidFill>
+                <a:latin typeface="Times New Roman" panose="02020603050405020304" pitchFamily="18" charset="0"/>
+              </a:rPr>
+              <a:t>- Is in charge of recording the meeting “minutes” which provide a brief summary of key talking points for the group to refer to. (Should be </a:t>
+            </a:r>
+            <a:r>
+              <a:rPr lang="en-US" sz="1500" b="1" dirty="0">
+                <a:solidFill>
+                  <a:srgbClr val="000000"/>
+                </a:solidFill>
+                <a:latin typeface="Times New Roman" panose="02020603050405020304" pitchFamily="18" charset="0"/>
+              </a:rPr>
+              <a:t>Reviewer</a:t>
+            </a:r>
+            <a:r>
+              <a:rPr lang="en-US" sz="1500" dirty="0">
+                <a:solidFill>
+                  <a:srgbClr val="000000"/>
+                </a:solidFill>
+                <a:latin typeface="Times New Roman" panose="02020603050405020304" pitchFamily="18" charset="0"/>
+              </a:rPr>
+              <a:t>)</a:t>
+            </a:r>
+          </a:p>
+          <a:p>
+            <a:pPr marL="557213" lvl="1" indent="-214313">
+              <a:spcBef>
+                <a:spcPts val="0"/>
+              </a:spcBef>
+              <a:spcAft>
+                <a:spcPts val="0"/>
+              </a:spcAft>
+              <a:buFont typeface="Arial" panose="020B0604020202020204" pitchFamily="34" charset="0"/>
+              <a:buChar char="•"/>
+            </a:pPr>
+            <a:r>
+              <a:rPr lang="en-US" sz="1500" dirty="0">
+                <a:solidFill>
+                  <a:srgbClr val="000000"/>
+                </a:solidFill>
+                <a:latin typeface="Times New Roman" panose="02020603050405020304" pitchFamily="18" charset="0"/>
+              </a:rPr>
+              <a:t>Here is a sample template you are welcome to use for taking notes during your meetings</a:t>
+            </a:r>
+          </a:p>
+          <a:p>
+            <a:pPr marL="557213" lvl="1" indent="-214313">
+              <a:spcBef>
+                <a:spcPts val="0"/>
+              </a:spcBef>
+              <a:spcAft>
+                <a:spcPts val="750"/>
+              </a:spcAft>
+              <a:buFont typeface="Arial" panose="020B0604020202020204" pitchFamily="34" charset="0"/>
+              <a:buChar char="•"/>
+            </a:pPr>
+            <a:r>
+              <a:rPr lang="en-US" sz="1500" u="sng" dirty="0" err="1">
+                <a:solidFill>
+                  <a:srgbClr val="1155CC"/>
+                </a:solidFill>
+                <a:latin typeface="Times New Roman" panose="02020603050405020304" pitchFamily="18" charset="0"/>
+                <a:hlinkClick r:id="rId2"/>
+              </a:rPr>
+              <a:t>TeamName</a:t>
+            </a:r>
+            <a:r>
+              <a:rPr lang="en-US" sz="1500" u="sng" dirty="0">
+                <a:solidFill>
+                  <a:srgbClr val="1155CC"/>
+                </a:solidFill>
+                <a:latin typeface="Times New Roman" panose="02020603050405020304" pitchFamily="18" charset="0"/>
+                <a:hlinkClick r:id="rId2"/>
+              </a:rPr>
+              <a:t> - Meeting Template</a:t>
+            </a:r>
+            <a:r>
+              <a:rPr lang="en-US" sz="1500" u="sng" dirty="0">
+                <a:solidFill>
+                  <a:srgbClr val="1155CC"/>
+                </a:solidFill>
+                <a:latin typeface="Times New Roman" panose="02020603050405020304" pitchFamily="18" charset="0"/>
+              </a:rPr>
+              <a:t> (updated)</a:t>
+            </a:r>
+            <a:endParaRPr lang="en-US" sz="1500" dirty="0">
+              <a:solidFill>
+                <a:srgbClr val="000000"/>
+              </a:solidFill>
+              <a:latin typeface="Times New Roman" panose="02020603050405020304" pitchFamily="18" charset="0"/>
+            </a:endParaRPr>
+          </a:p>
+        </p:txBody>
+      </p:sp>
+    </p:spTree>
+    <p:extLst>
+      <p:ext uri="{BB962C8B-B14F-4D97-AF65-F5344CB8AC3E}">
+        <p14:creationId xmlns:p14="http://schemas.microsoft.com/office/powerpoint/2010/main" val="1387743437"/>
+      </p:ext>
+    </p:extLst>
+  </p:cSld>
+  <p:clrMapOvr>
+    <a:masterClrMapping/>
+  </p:clrMapOvr>
+</p:sld>
+</file>
+
+<file path=ppt/slides/slide21.xml><?xml version="1.0" encoding="utf-8"?>
+<p:sld xmlns:a="http://schemas.openxmlformats.org/drawingml/2006/main" xmlns:r="http://schemas.openxmlformats.org/officeDocument/2006/relationships" xmlns:p="http://schemas.openxmlformats.org/presentationml/2006/main">
+  <p:cSld>
+    <p:spTree>
+      <p:nvGrpSpPr>
+        <p:cNvPr id="1" name=""/>
+        <p:cNvGrpSpPr/>
+        <p:nvPr/>
+      </p:nvGrpSpPr>
+      <p:grpSpPr>
+        <a:xfrm>
+          <a:off x="0" y="0"/>
+          <a:ext cx="0" cy="0"/>
+          <a:chOff x="0" y="0"/>
+          <a:chExt cx="0" cy="0"/>
+        </a:xfrm>
+      </p:grpSpPr>
+      <p:sp>
+        <p:nvSpPr>
+          <p:cNvPr id="2" name="Title 1">
+            <a:extLst>
+              <a:ext uri="{FF2B5EF4-FFF2-40B4-BE49-F238E27FC236}">
+                <a16:creationId xmlns:a16="http://schemas.microsoft.com/office/drawing/2014/main" id="{52429A7C-76DB-1BD1-CD52-00EE06D0FD19}"/>
+              </a:ext>
+            </a:extLst>
+          </p:cNvPr>
+          <p:cNvSpPr>
+            <a:spLocks noGrp="1"/>
+          </p:cNvSpPr>
+          <p:nvPr>
+            <p:ph type="title"/>
+          </p:nvPr>
+        </p:nvSpPr>
+        <p:spPr>
+          <a:xfrm>
+            <a:off x="226088" y="381000"/>
+            <a:ext cx="8613112" cy="994172"/>
+          </a:xfrm>
+        </p:spPr>
+        <p:txBody>
+          <a:bodyPr>
+            <a:normAutofit fontScale="90000"/>
+          </a:bodyPr>
+          <a:lstStyle/>
+          <a:p>
+            <a:r>
+              <a:rPr lang="en-US" dirty="0"/>
+              <a:t>Next Meeting (Milestone 1) with your TA</a:t>
+            </a:r>
+          </a:p>
+        </p:txBody>
+      </p:sp>
+      <p:sp>
+        <p:nvSpPr>
+          <p:cNvPr id="3" name="Content Placeholder 2">
+            <a:extLst>
+              <a:ext uri="{FF2B5EF4-FFF2-40B4-BE49-F238E27FC236}">
+                <a16:creationId xmlns:a16="http://schemas.microsoft.com/office/drawing/2014/main" id="{F3B9FD3F-CBB8-53CC-2FD2-DBFF50FD586C}"/>
+              </a:ext>
+            </a:extLst>
+          </p:cNvPr>
+          <p:cNvSpPr>
+            <a:spLocks noGrp="1"/>
+          </p:cNvSpPr>
+          <p:nvPr>
+            <p:ph idx="1"/>
+          </p:nvPr>
+        </p:nvSpPr>
+        <p:spPr>
+          <a:xfrm>
+            <a:off x="226088" y="2320996"/>
+            <a:ext cx="3285812" cy="3263504"/>
+          </a:xfrm>
+        </p:spPr>
+        <p:txBody>
+          <a:bodyPr>
+            <a:normAutofit fontScale="62500" lnSpcReduction="20000"/>
+          </a:bodyPr>
+          <a:lstStyle/>
+          <a:p>
+            <a:r>
+              <a:rPr lang="en-US" dirty="0"/>
+              <a:t>Agenda and Plan</a:t>
+            </a:r>
+          </a:p>
+          <a:p>
+            <a:pPr lvl="1"/>
+            <a:r>
+              <a:rPr lang="en-US" dirty="0"/>
+              <a:t>Make sure you are ready to show the TA everything you are responsible for</a:t>
+            </a:r>
+          </a:p>
+          <a:p>
+            <a:pPr lvl="1"/>
+            <a:r>
+              <a:rPr lang="en-US" dirty="0"/>
+              <a:t>Must have UML for current and next milestone</a:t>
+            </a:r>
+          </a:p>
+          <a:p>
+            <a:pPr lvl="1"/>
+            <a:r>
+              <a:rPr lang="en-US" dirty="0"/>
+              <a:t>Have your code ready to run</a:t>
+            </a:r>
+          </a:p>
+          <a:p>
+            <a:pPr lvl="1"/>
+            <a:r>
+              <a:rPr lang="en-US" dirty="0"/>
+              <a:t>Have your git commits ready to show</a:t>
+            </a:r>
+          </a:p>
+          <a:p>
+            <a:pPr lvl="1"/>
+            <a:endParaRPr lang="en-US" dirty="0"/>
+          </a:p>
+        </p:txBody>
+      </p:sp>
+      <p:pic>
+        <p:nvPicPr>
+          <p:cNvPr id="5" name="Picture 4">
+            <a:extLst>
+              <a:ext uri="{FF2B5EF4-FFF2-40B4-BE49-F238E27FC236}">
+                <a16:creationId xmlns:a16="http://schemas.microsoft.com/office/drawing/2014/main" id="{8C26B465-F53C-BF80-ECF6-68C741CCC191}"/>
+              </a:ext>
+            </a:extLst>
+          </p:cNvPr>
+          <p:cNvPicPr>
+            <a:picLocks noChangeAspect="1"/>
+          </p:cNvPicPr>
+          <p:nvPr/>
+        </p:nvPicPr>
+        <p:blipFill>
+          <a:blip r:embed="rId2"/>
+          <a:stretch>
+            <a:fillRect/>
+          </a:stretch>
+        </p:blipFill>
+        <p:spPr>
+          <a:xfrm>
+            <a:off x="3810944" y="2226469"/>
+            <a:ext cx="5229955" cy="3358031"/>
+          </a:xfrm>
+          <a:prstGeom prst="rect">
+            <a:avLst/>
+          </a:prstGeom>
+        </p:spPr>
+      </p:pic>
+    </p:spTree>
+    <p:extLst>
+      <p:ext uri="{BB962C8B-B14F-4D97-AF65-F5344CB8AC3E}">
+        <p14:creationId xmlns:p14="http://schemas.microsoft.com/office/powerpoint/2010/main" val="1546554140"/>
+      </p:ext>
+    </p:extLst>
+  </p:cSld>
+  <p:clrMapOvr>
+    <a:masterClrMapping/>
+  </p:clrMapOvr>
+</p:sld>
+</file>
+
+<file path=ppt/slides/slide22.xml><?xml version="1.0" encoding="utf-8"?>
 <p:sld xmlns:a="http://schemas.openxmlformats.org/drawingml/2006/main" xmlns:r="http://schemas.openxmlformats.org/officeDocument/2006/relationships" xmlns:p="http://schemas.openxmlformats.org/presentationml/2006/main">
   <p:cSld>
     <p:spTree>
@@ -6874,127 +8592,7 @@
 </p:sld>
 </file>
 
-<file path=ppt/slides/slide2.xml><?xml version="1.0" encoding="utf-8"?>
-<p:sld xmlns:a="http://schemas.openxmlformats.org/drawingml/2006/main" xmlns:r="http://schemas.openxmlformats.org/officeDocument/2006/relationships" xmlns:p="http://schemas.openxmlformats.org/presentationml/2006/main">
-  <p:cSld>
-    <p:spTree>
-      <p:nvGrpSpPr>
-        <p:cNvPr id="1" name=""/>
-        <p:cNvGrpSpPr/>
-        <p:nvPr/>
-      </p:nvGrpSpPr>
-      <p:grpSpPr>
-        <a:xfrm>
-          <a:off x="0" y="0"/>
-          <a:ext cx="0" cy="0"/>
-          <a:chOff x="0" y="0"/>
-          <a:chExt cx="0" cy="0"/>
-        </a:xfrm>
-      </p:grpSpPr>
-      <p:sp>
-        <p:nvSpPr>
-          <p:cNvPr id="2" name="Title 1"/>
-          <p:cNvSpPr>
-            <a:spLocks noGrp="1"/>
-          </p:cNvSpPr>
-          <p:nvPr>
-            <p:ph type="title"/>
-          </p:nvPr>
-        </p:nvSpPr>
-        <p:spPr/>
-        <p:txBody>
-          <a:bodyPr/>
-          <a:lstStyle/>
-          <a:p>
-            <a:r>
-              <a:rPr lang="en-US" dirty="0"/>
-              <a:t>The specific problem</a:t>
-            </a:r>
-          </a:p>
-        </p:txBody>
-      </p:sp>
-      <p:sp>
-        <p:nvSpPr>
-          <p:cNvPr id="3" name="Content Placeholder 2"/>
-          <p:cNvSpPr>
-            <a:spLocks noGrp="1"/>
-          </p:cNvSpPr>
-          <p:nvPr>
-            <p:ph idx="1"/>
-          </p:nvPr>
-        </p:nvSpPr>
-        <p:spPr/>
-        <p:txBody>
-          <a:bodyPr>
-            <a:normAutofit/>
-          </a:bodyPr>
-          <a:lstStyle/>
-          <a:p>
-            <a:r>
-              <a:rPr lang="en-US" dirty="0"/>
-              <a:t>Monsters can collide with the Player.</a:t>
-            </a:r>
-          </a:p>
-          <a:p>
-            <a:r>
-              <a:rPr lang="en-US" dirty="0"/>
-              <a:t>Players can take </a:t>
-            </a:r>
-            <a:r>
-              <a:rPr lang="en-US" dirty="0" err="1"/>
-              <a:t>powerups</a:t>
-            </a:r>
-            <a:r>
-              <a:rPr lang="en-US" dirty="0"/>
-              <a:t>.</a:t>
-            </a:r>
-          </a:p>
-          <a:p>
-            <a:r>
-              <a:rPr lang="en-US" dirty="0"/>
-              <a:t>Players can collide with eggs</a:t>
-            </a:r>
-          </a:p>
-          <a:p>
-            <a:r>
-              <a:rPr lang="en-US" dirty="0"/>
-              <a:t>Player can collide with “bullets”</a:t>
-            </a:r>
-          </a:p>
-          <a:p>
-            <a:r>
-              <a:rPr lang="en-US" dirty="0"/>
-              <a:t>Bonus: Player collide with another Player?</a:t>
-            </a:r>
-          </a:p>
-          <a:p>
-            <a:endParaRPr lang="en-US" dirty="0"/>
-          </a:p>
-          <a:p>
-            <a:pPr marL="0" indent="0">
-              <a:buNone/>
-            </a:pPr>
-            <a:r>
-              <a:rPr lang="en-US" dirty="0"/>
-              <a:t>So many collisions! How do we handle them all?</a:t>
-            </a:r>
-          </a:p>
-        </p:txBody>
-      </p:sp>
-    </p:spTree>
-    <p:extLst>
-      <p:ext uri="{BB962C8B-B14F-4D97-AF65-F5344CB8AC3E}">
-        <p14:creationId xmlns:p14="http://schemas.microsoft.com/office/powerpoint/2010/main" val="3625972094"/>
-      </p:ext>
-    </p:extLst>
-  </p:cSld>
-  <p:clrMapOvr>
-    <a:masterClrMapping/>
-  </p:clrMapOvr>
-</p:sld>
-</file>
-
-<file path=ppt/slides/slide20.xml><?xml version="1.0" encoding="utf-8"?>
+<file path=ppt/slides/slide23.xml><?xml version="1.0" encoding="utf-8"?>
 <p:sld xmlns:a="http://schemas.openxmlformats.org/drawingml/2006/main" xmlns:r="http://schemas.openxmlformats.org/officeDocument/2006/relationships" xmlns:p="http://schemas.openxmlformats.org/presentationml/2006/main">
   <p:cSld>
     <p:spTree>
@@ -7527,7 +9125,7 @@
 </p:sld>
 </file>
 
-<file path=ppt/slides/slide21.xml><?xml version="1.0" encoding="utf-8"?>
+<file path=ppt/slides/slide24.xml><?xml version="1.0" encoding="utf-8"?>
 <p:sld xmlns:a="http://schemas.openxmlformats.org/drawingml/2006/main" xmlns:r="http://schemas.openxmlformats.org/officeDocument/2006/relationships" xmlns:p="http://schemas.openxmlformats.org/presentationml/2006/main">
   <p:cSld>
     <p:spTree>
@@ -7632,7 +9230,7 @@
 </file>
 
 <file path=ppt/slides/slide3.xml><?xml version="1.0" encoding="utf-8"?>
-<p:sld xmlns:a="http://schemas.openxmlformats.org/drawingml/2006/main" xmlns:r="http://schemas.openxmlformats.org/officeDocument/2006/relationships" xmlns:p="http://schemas.openxmlformats.org/presentationml/2006/main" show="0">
+<p:sld xmlns:a="http://schemas.openxmlformats.org/drawingml/2006/main" xmlns:r="http://schemas.openxmlformats.org/officeDocument/2006/relationships" xmlns:p="http://schemas.openxmlformats.org/presentationml/2006/main">
   <p:cSld>
     <p:spTree>
       <p:nvGrpSpPr>
@@ -7665,7 +9263,7 @@
           <a:p>
             <a:r>
               <a:rPr lang="en-US" dirty="0"/>
-              <a:t>The specific problem</a:t>
+              <a:t>Handling Collisions in General</a:t>
             </a:r>
           </a:p>
         </p:txBody>
@@ -7680,60 +9278,216 @@
             <p:ph idx="1"/>
           </p:nvPr>
         </p:nvSpPr>
-        <p:spPr/>
+        <p:spPr>
+          <a:xfrm>
+            <a:off x="0" y="1600200"/>
+            <a:ext cx="9067800" cy="4525963"/>
+          </a:xfrm>
+        </p:spPr>
         <p:txBody>
           <a:bodyPr>
-            <a:normAutofit/>
+            <a:normAutofit fontScale="92500" lnSpcReduction="20000"/>
           </a:bodyPr>
           <a:lstStyle/>
           <a:p>
             <a:r>
               <a:rPr lang="en-US" dirty="0"/>
-              <a:t>Monsters can collide with rocks.</a:t>
+              <a:t>Many ways it can be done</a:t>
             </a:r>
           </a:p>
           <a:p>
             <a:r>
               <a:rPr lang="en-US" dirty="0"/>
-              <a:t>Rocks can crush monsters.</a:t>
-            </a:r>
-          </a:p>
-          <a:p>
+              <a:t>Good design principles</a:t>
+            </a:r>
+          </a:p>
+          <a:p>
+            <a:pPr lvl="1"/>
             <a:r>
               <a:rPr lang="en-US" dirty="0"/>
-              <a:t>Players can collide with monsters.</a:t>
+              <a:t>Make it </a:t>
+            </a:r>
+            <a:r>
+              <a:rPr lang="en-US" b="1" dirty="0"/>
+              <a:t>easy to use and extend code</a:t>
             </a:r>
           </a:p>
           <a:p>
             <a:r>
               <a:rPr lang="en-US" dirty="0"/>
-              <a:t>Players can be crushed by rocks.</a:t>
-            </a:r>
-          </a:p>
-          <a:p>
+              <a:t>Functional but bad design principles</a:t>
+            </a:r>
+          </a:p>
+          <a:p>
+            <a:pPr marL="115888" lvl="1" indent="0"/>
             <a:r>
               <a:rPr lang="en-US" dirty="0"/>
-              <a:t>Players can take </a:t>
-            </a:r>
-            <a:r>
-              <a:rPr lang="en-US" dirty="0" err="1"/>
-              <a:t>powerups</a:t>
+              <a:t>Use what is known as: </a:t>
+            </a:r>
+            <a:r>
+              <a:rPr lang="en-US" i="1" dirty="0"/>
+              <a:t>type predicated code</a:t>
             </a:r>
             <a:r>
               <a:rPr lang="en-US" dirty="0"/>
-              <a:t>.</a:t>
-            </a:r>
-          </a:p>
-          <a:p>
-            <a:endParaRPr lang="en-US" dirty="0"/>
-          </a:p>
-          <a:p>
-            <a:pPr marL="0" indent="0">
-              <a:buNone/>
-            </a:pPr>
+              <a:t>:</a:t>
+            </a:r>
+            <a:br>
+              <a:rPr lang="en-US" i="1" dirty="0"/>
+            </a:br>
+            <a:r>
+              <a:rPr lang="en-US" sz="2000" b="1" dirty="0">
+                <a:latin typeface="Courier New" panose="02070309020205020404" pitchFamily="49" charset="0"/>
+                <a:cs typeface="Courier New" panose="02070309020205020404" pitchFamily="49" charset="0"/>
+              </a:rPr>
+              <a:t>if</a:t>
+            </a:r>
+            <a:r>
+              <a:rPr lang="en-US" sz="2000" dirty="0">
+                <a:latin typeface="Courier New" panose="02070309020205020404" pitchFamily="49" charset="0"/>
+                <a:cs typeface="Courier New" panose="02070309020205020404" pitchFamily="49" charset="0"/>
+              </a:rPr>
+              <a:t> (</a:t>
+            </a:r>
+            <a:r>
+              <a:rPr lang="en-US" sz="2000" dirty="0" err="1">
+                <a:latin typeface="Courier New" panose="02070309020205020404" pitchFamily="49" charset="0"/>
+                <a:cs typeface="Courier New" panose="02070309020205020404" pitchFamily="49" charset="0"/>
+              </a:rPr>
+              <a:t>instanceof</a:t>
+            </a:r>
+            <a:r>
+              <a:rPr lang="en-US" sz="2000" dirty="0">
+                <a:latin typeface="Courier New" panose="02070309020205020404" pitchFamily="49" charset="0"/>
+                <a:cs typeface="Courier New" panose="02070309020205020404" pitchFamily="49" charset="0"/>
+              </a:rPr>
+              <a:t>, </a:t>
+            </a:r>
+            <a:r>
+              <a:rPr lang="en-US" sz="2000" dirty="0" err="1">
+                <a:latin typeface="Courier New" panose="02070309020205020404" pitchFamily="49" charset="0"/>
+                <a:cs typeface="Courier New" panose="02070309020205020404" pitchFamily="49" charset="0"/>
+              </a:rPr>
+              <a:t>getClass</a:t>
+            </a:r>
+            <a:r>
+              <a:rPr lang="en-US" sz="2000" dirty="0">
+                <a:latin typeface="Courier New" panose="02070309020205020404" pitchFamily="49" charset="0"/>
+                <a:cs typeface="Courier New" panose="02070309020205020404" pitchFamily="49" charset="0"/>
+              </a:rPr>
+              <a:t>(), </a:t>
+            </a:r>
+            <a:r>
+              <a:rPr lang="en-US" sz="2000" dirty="0" err="1">
+                <a:latin typeface="Courier New" panose="02070309020205020404" pitchFamily="49" charset="0"/>
+                <a:cs typeface="Courier New" panose="02070309020205020404" pitchFamily="49" charset="0"/>
+              </a:rPr>
+              <a:t>getType</a:t>
+            </a:r>
+            <a:r>
+              <a:rPr lang="en-US" sz="2000" dirty="0">
+                <a:latin typeface="Courier New" panose="02070309020205020404" pitchFamily="49" charset="0"/>
+                <a:cs typeface="Courier New" panose="02070309020205020404" pitchFamily="49" charset="0"/>
+              </a:rPr>
+              <a:t>(),  ==  / equals)</a:t>
+            </a:r>
+            <a:br>
+              <a:rPr lang="en-US" sz="2000" dirty="0">
+                <a:latin typeface="Courier New" panose="02070309020205020404" pitchFamily="49" charset="0"/>
+                <a:cs typeface="Courier New" panose="02070309020205020404" pitchFamily="49" charset="0"/>
+              </a:rPr>
+            </a:br>
+            <a:r>
+              <a:rPr lang="en-US" sz="1900" b="1" dirty="0">
+                <a:latin typeface="Courier New" panose="02070309020205020404" pitchFamily="49" charset="0"/>
+                <a:cs typeface="Courier New" panose="02070309020205020404" pitchFamily="49" charset="0"/>
+              </a:rPr>
+              <a:t>if</a:t>
+            </a:r>
+            <a:r>
+              <a:rPr lang="en-US" sz="1900" dirty="0">
+                <a:latin typeface="Courier New" panose="02070309020205020404" pitchFamily="49" charset="0"/>
+                <a:cs typeface="Courier New" panose="02070309020205020404" pitchFamily="49" charset="0"/>
+              </a:rPr>
+              <a:t> (</a:t>
+            </a:r>
+            <a:r>
+              <a:rPr lang="en-US" sz="1900" dirty="0" err="1">
+                <a:latin typeface="Courier New" panose="02070309020205020404" pitchFamily="49" charset="0"/>
+                <a:cs typeface="Courier New" panose="02070309020205020404" pitchFamily="49" charset="0"/>
+              </a:rPr>
+              <a:t>gameObject</a:t>
+            </a:r>
+            <a:r>
+              <a:rPr lang="en-US" sz="1900" dirty="0">
+                <a:latin typeface="Courier New" panose="02070309020205020404" pitchFamily="49" charset="0"/>
+                <a:cs typeface="Courier New" panose="02070309020205020404" pitchFamily="49" charset="0"/>
+              </a:rPr>
+              <a:t> </a:t>
+            </a:r>
+            <a:r>
+              <a:rPr lang="en-US" sz="1900" b="1" dirty="0" err="1">
+                <a:latin typeface="Courier New" panose="02070309020205020404" pitchFamily="49" charset="0"/>
+                <a:cs typeface="Courier New" panose="02070309020205020404" pitchFamily="49" charset="0"/>
+              </a:rPr>
+              <a:t>instanceof</a:t>
+            </a:r>
+            <a:r>
+              <a:rPr lang="en-US" sz="1900" dirty="0">
+                <a:latin typeface="Courier New" panose="02070309020205020404" pitchFamily="49" charset="0"/>
+                <a:cs typeface="Courier New" panose="02070309020205020404" pitchFamily="49" charset="0"/>
+              </a:rPr>
+              <a:t> </a:t>
+            </a:r>
+            <a:r>
+              <a:rPr lang="en-US" sz="1900" dirty="0" err="1">
+                <a:latin typeface="Courier New" panose="02070309020205020404" pitchFamily="49" charset="0"/>
+                <a:cs typeface="Courier New" panose="02070309020205020404" pitchFamily="49" charset="0"/>
+              </a:rPr>
+              <a:t>DamagingDrop</a:t>
+            </a:r>
+            <a:r>
+              <a:rPr lang="en-US" sz="1900" dirty="0">
+                <a:latin typeface="Courier New" panose="02070309020205020404" pitchFamily="49" charset="0"/>
+                <a:cs typeface="Courier New" panose="02070309020205020404" pitchFamily="49" charset="0"/>
+              </a:rPr>
+              <a:t>) { ... }</a:t>
+            </a:r>
+            <a:r>
+              <a:rPr lang="en-US" dirty="0">
+                <a:latin typeface="Courier New" panose="02070309020205020404" pitchFamily="49" charset="0"/>
+                <a:cs typeface="Courier New" panose="02070309020205020404" pitchFamily="49" charset="0"/>
+              </a:rPr>
+              <a:t> </a:t>
+            </a:r>
+          </a:p>
+          <a:p>
+            <a:pPr marL="115888" lvl="1" indent="0"/>
+            <a:endParaRPr lang="en-US" sz="2000" dirty="0">
+              <a:latin typeface="Courier New" panose="02070309020205020404" pitchFamily="49" charset="0"/>
+              <a:cs typeface="Courier New" panose="02070309020205020404" pitchFamily="49" charset="0"/>
+            </a:endParaRPr>
+          </a:p>
+          <a:p>
+            <a:pPr lvl="1"/>
             <a:r>
               <a:rPr lang="en-US" dirty="0"/>
-              <a:t>So many collisions! How do we handle them all?</a:t>
+              <a:t>Type predicated code is </a:t>
+            </a:r>
+            <a:r>
+              <a:rPr lang="en-US" b="1" u="sng" dirty="0"/>
+              <a:t>OUTLAWED</a:t>
+            </a:r>
+            <a:r>
+              <a:rPr lang="en-US" dirty="0"/>
+              <a:t> in your project design!</a:t>
+            </a:r>
+          </a:p>
+          <a:p>
+            <a:pPr lvl="1"/>
+            <a:r>
+              <a:rPr lang="en-US" dirty="0"/>
+              <a:t>I.e., your design and implementation must not use these at all!</a:t>
             </a:r>
           </a:p>
         </p:txBody>
@@ -7741,7 +9495,7 @@
     </p:spTree>
     <p:extLst>
       <p:ext uri="{BB962C8B-B14F-4D97-AF65-F5344CB8AC3E}">
-        <p14:creationId xmlns:p14="http://schemas.microsoft.com/office/powerpoint/2010/main" val="3208378425"/>
+        <p14:creationId xmlns:p14="http://schemas.microsoft.com/office/powerpoint/2010/main" val="1121517323"/>
       </p:ext>
     </p:extLst>
   </p:cSld>
@@ -7770,29 +9524,13 @@
       </p:grpSpPr>
       <p:sp>
         <p:nvSpPr>
-          <p:cNvPr id="2" name="Title 1"/>
-          <p:cNvSpPr>
-            <a:spLocks noGrp="1"/>
-          </p:cNvSpPr>
-          <p:nvPr>
-            <p:ph type="title"/>
-          </p:nvPr>
-        </p:nvSpPr>
-        <p:spPr/>
-        <p:txBody>
-          <a:bodyPr/>
-          <a:lstStyle/>
-          <a:p>
-            <a:r>
-              <a:rPr lang="en-US" dirty="0"/>
-              <a:t>Handling Collisions in General</a:t>
-            </a:r>
-          </a:p>
-        </p:txBody>
-      </p:sp>
-      <p:sp>
-        <p:nvSpPr>
-          <p:cNvPr id="3" name="Content Placeholder 2"/>
+          <p:cNvPr id="3" name="Content Placeholder 2">
+            <a:extLst>
+              <a:ext uri="{FF2B5EF4-FFF2-40B4-BE49-F238E27FC236}">
+                <a16:creationId xmlns:a16="http://schemas.microsoft.com/office/drawing/2014/main" id="{4896B2E5-B95B-0ED9-F343-7088581D3C0F}"/>
+              </a:ext>
+            </a:extLst>
+          </p:cNvPr>
           <p:cNvSpPr>
             <a:spLocks noGrp="1"/>
           </p:cNvSpPr>
@@ -7800,203 +9538,141 @@
             <p:ph idx="1"/>
           </p:nvPr>
         </p:nvSpPr>
-        <p:spPr/>
+        <p:spPr>
+          <a:xfrm>
+            <a:off x="457200" y="3207563"/>
+            <a:ext cx="8229600" cy="3535363"/>
+          </a:xfrm>
+        </p:spPr>
         <p:txBody>
           <a:bodyPr>
-            <a:normAutofit fontScale="92500" lnSpcReduction="20000"/>
+            <a:normAutofit fontScale="92500" lnSpcReduction="10000"/>
           </a:bodyPr>
           <a:lstStyle/>
           <a:p>
-            <a:r>
-              <a:rPr lang="en-US" dirty="0"/>
-              <a:t>Many ways it can be done</a:t>
-            </a:r>
-          </a:p>
-          <a:p>
-            <a:r>
-              <a:rPr lang="en-US" dirty="0"/>
-              <a:t>Good design principles</a:t>
-            </a:r>
-          </a:p>
-          <a:p>
-            <a:pPr lvl="1"/>
-            <a:r>
-              <a:rPr lang="en-US" dirty="0"/>
-              <a:t>Make it </a:t>
-            </a:r>
-            <a:r>
-              <a:rPr lang="en-US" b="1" dirty="0"/>
-              <a:t>easy to use and extend code</a:t>
-            </a:r>
-          </a:p>
-          <a:p>
-            <a:r>
-              <a:rPr lang="en-US" dirty="0"/>
-              <a:t>Functional but bad design principles</a:t>
-            </a:r>
-          </a:p>
-          <a:p>
-            <a:pPr marL="115888" lvl="1" indent="0"/>
-            <a:r>
-              <a:rPr lang="en-US" dirty="0"/>
-              <a:t>Use what is known as: </a:t>
-            </a:r>
-            <a:r>
-              <a:rPr lang="en-US" i="1" dirty="0"/>
-              <a:t>type predicated code</a:t>
-            </a:r>
-            <a:r>
-              <a:rPr lang="en-US" dirty="0"/>
-              <a:t>:</a:t>
-            </a:r>
-            <a:br>
-              <a:rPr lang="en-US" i="1" dirty="0"/>
-            </a:br>
-            <a:r>
-              <a:rPr lang="en-US" sz="2000" b="1" dirty="0">
-                <a:latin typeface="Courier New" panose="02070309020205020404" pitchFamily="49" charset="0"/>
-                <a:cs typeface="Courier New" panose="02070309020205020404" pitchFamily="49" charset="0"/>
-              </a:rPr>
-              <a:t>if</a:t>
-            </a:r>
-            <a:r>
-              <a:rPr lang="en-US" sz="2000" dirty="0">
-                <a:latin typeface="Courier New" panose="02070309020205020404" pitchFamily="49" charset="0"/>
-                <a:cs typeface="Courier New" panose="02070309020205020404" pitchFamily="49" charset="0"/>
-              </a:rPr>
-              <a:t> (“</a:t>
-            </a:r>
-            <a:r>
-              <a:rPr lang="en-US" sz="2000" dirty="0" err="1">
-                <a:latin typeface="Courier New" panose="02070309020205020404" pitchFamily="49" charset="0"/>
-                <a:cs typeface="Courier New" panose="02070309020205020404" pitchFamily="49" charset="0"/>
-              </a:rPr>
-              <a:t>instanceof</a:t>
-            </a:r>
-            <a:r>
-              <a:rPr lang="en-US" sz="2000" dirty="0">
-                <a:latin typeface="Courier New" panose="02070309020205020404" pitchFamily="49" charset="0"/>
-                <a:cs typeface="Courier New" panose="02070309020205020404" pitchFamily="49" charset="0"/>
-              </a:rPr>
-              <a:t>, </a:t>
-            </a:r>
-            <a:r>
-              <a:rPr lang="en-US" sz="2000" dirty="0" err="1">
-                <a:latin typeface="Courier New" panose="02070309020205020404" pitchFamily="49" charset="0"/>
-                <a:cs typeface="Courier New" panose="02070309020205020404" pitchFamily="49" charset="0"/>
-              </a:rPr>
-              <a:t>getClass</a:t>
-            </a:r>
-            <a:r>
-              <a:rPr lang="en-US" sz="2000" dirty="0">
-                <a:latin typeface="Courier New" panose="02070309020205020404" pitchFamily="49" charset="0"/>
-                <a:cs typeface="Courier New" panose="02070309020205020404" pitchFamily="49" charset="0"/>
-              </a:rPr>
-              <a:t>(), </a:t>
-            </a:r>
-            <a:r>
-              <a:rPr lang="en-US" sz="2000" dirty="0" err="1">
-                <a:latin typeface="Courier New" panose="02070309020205020404" pitchFamily="49" charset="0"/>
-                <a:cs typeface="Courier New" panose="02070309020205020404" pitchFamily="49" charset="0"/>
-              </a:rPr>
-              <a:t>getType</a:t>
-            </a:r>
-            <a:r>
-              <a:rPr lang="en-US" sz="2000" dirty="0">
-                <a:latin typeface="Courier New" panose="02070309020205020404" pitchFamily="49" charset="0"/>
-                <a:cs typeface="Courier New" panose="02070309020205020404" pitchFamily="49" charset="0"/>
-              </a:rPr>
-              <a:t>()” ==/equals)</a:t>
-            </a:r>
-            <a:br>
-              <a:rPr lang="en-US" sz="2000" dirty="0">
-                <a:latin typeface="Courier New" panose="02070309020205020404" pitchFamily="49" charset="0"/>
-                <a:cs typeface="Courier New" panose="02070309020205020404" pitchFamily="49" charset="0"/>
-              </a:rPr>
-            </a:br>
-            <a:r>
-              <a:rPr lang="en-US" sz="1900" b="1" dirty="0">
-                <a:latin typeface="Courier New" panose="02070309020205020404" pitchFamily="49" charset="0"/>
-                <a:cs typeface="Courier New" panose="02070309020205020404" pitchFamily="49" charset="0"/>
-              </a:rPr>
-              <a:t>if</a:t>
-            </a:r>
-            <a:r>
-              <a:rPr lang="en-US" sz="1900" dirty="0">
-                <a:latin typeface="Courier New" panose="02070309020205020404" pitchFamily="49" charset="0"/>
-                <a:cs typeface="Courier New" panose="02070309020205020404" pitchFamily="49" charset="0"/>
-              </a:rPr>
-              <a:t> (</a:t>
-            </a:r>
-            <a:r>
-              <a:rPr lang="en-US" sz="1900" dirty="0" err="1">
-                <a:latin typeface="Courier New" panose="02070309020205020404" pitchFamily="49" charset="0"/>
-                <a:cs typeface="Courier New" panose="02070309020205020404" pitchFamily="49" charset="0"/>
-              </a:rPr>
-              <a:t>gameObject</a:t>
-            </a:r>
-            <a:r>
-              <a:rPr lang="en-US" sz="1900" dirty="0">
-                <a:latin typeface="Courier New" panose="02070309020205020404" pitchFamily="49" charset="0"/>
-                <a:cs typeface="Courier New" panose="02070309020205020404" pitchFamily="49" charset="0"/>
-              </a:rPr>
-              <a:t> </a:t>
-            </a:r>
-            <a:r>
-              <a:rPr lang="en-US" sz="1900" b="1" dirty="0" err="1">
-                <a:latin typeface="Courier New" panose="02070309020205020404" pitchFamily="49" charset="0"/>
-                <a:cs typeface="Courier New" panose="02070309020205020404" pitchFamily="49" charset="0"/>
-              </a:rPr>
-              <a:t>instanceof</a:t>
-            </a:r>
-            <a:r>
-              <a:rPr lang="en-US" sz="1900" dirty="0">
-                <a:latin typeface="Courier New" panose="02070309020205020404" pitchFamily="49" charset="0"/>
-                <a:cs typeface="Courier New" panose="02070309020205020404" pitchFamily="49" charset="0"/>
-              </a:rPr>
-              <a:t> </a:t>
-            </a:r>
-            <a:r>
-              <a:rPr lang="en-US" sz="1900" dirty="0" err="1">
-                <a:latin typeface="Courier New" panose="02070309020205020404" pitchFamily="49" charset="0"/>
-                <a:cs typeface="Courier New" panose="02070309020205020404" pitchFamily="49" charset="0"/>
-              </a:rPr>
-              <a:t>DamagingDrop</a:t>
-            </a:r>
-            <a:r>
-              <a:rPr lang="en-US" sz="1900" dirty="0">
-                <a:latin typeface="Courier New" panose="02070309020205020404" pitchFamily="49" charset="0"/>
-                <a:cs typeface="Courier New" panose="02070309020205020404" pitchFamily="49" charset="0"/>
-              </a:rPr>
-              <a:t>) { ... }</a:t>
-            </a:r>
-            <a:r>
-              <a:rPr lang="en-US" dirty="0">
-                <a:latin typeface="Courier New" panose="02070309020205020404" pitchFamily="49" charset="0"/>
-                <a:cs typeface="Courier New" panose="02070309020205020404" pitchFamily="49" charset="0"/>
-              </a:rPr>
-              <a:t> </a:t>
-            </a:r>
-          </a:p>
-          <a:p>
-            <a:pPr marL="115888" lvl="1" indent="0"/>
-            <a:endParaRPr lang="en-US" sz="2000" dirty="0">
-              <a:latin typeface="Courier New" panose="02070309020205020404" pitchFamily="49" charset="0"/>
-              <a:cs typeface="Courier New" panose="02070309020205020404" pitchFamily="49" charset="0"/>
-            </a:endParaRPr>
-          </a:p>
-          <a:p>
-            <a:pPr lvl="1"/>
-            <a:r>
-              <a:rPr lang="en-US" dirty="0"/>
-              <a:t>Type predicated code is OUTLAWED in your project design!</a:t>
-            </a:r>
-          </a:p>
-          <a:p>
-            <a:pPr lvl="1"/>
-            <a:r>
-              <a:rPr lang="en-US" dirty="0"/>
-              <a:t>I.e., your design and implementation must not use these at all!</a:t>
+            <a:pPr marL="0" indent="0">
+              <a:buNone/>
+            </a:pPr>
+            <a:r>
+              <a:rPr lang="en-US" sz="2800" dirty="0"/>
+              <a:t>Let’s unpack this phrase: </a:t>
+            </a:r>
+            <a:r>
+              <a:rPr lang="en-US" sz="2800" i="1" dirty="0"/>
+              <a:t>type predicted code</a:t>
+            </a:r>
+            <a:endParaRPr lang="en-US" sz="2800" dirty="0"/>
+          </a:p>
+          <a:p>
+            <a:r>
+              <a:rPr lang="en-US" sz="2800" dirty="0"/>
+              <a:t>Type = </a:t>
+            </a:r>
+            <a:r>
+              <a:rPr lang="en-US" sz="2800" i="1" dirty="0"/>
+              <a:t>the specific class</a:t>
+            </a:r>
+          </a:p>
+          <a:p>
+            <a:r>
+              <a:rPr lang="en-US" sz="2800" dirty="0"/>
+              <a:t>Predicated = </a:t>
+            </a:r>
+            <a:r>
+              <a:rPr lang="en-US" sz="2800" i="1" dirty="0"/>
+              <a:t>conditionally dependent upon</a:t>
+            </a:r>
+          </a:p>
+          <a:p>
+            <a:pPr marL="0" indent="0">
+              <a:buNone/>
+            </a:pPr>
+            <a:r>
+              <a:rPr lang="en-US" sz="2800" dirty="0"/>
+              <a:t>If you are using a condition to check the type of an object to decide what to do, you are using type predicated code.</a:t>
+            </a:r>
+          </a:p>
+          <a:p>
+            <a:pPr marL="0" indent="0">
+              <a:buNone/>
+            </a:pPr>
+            <a:r>
+              <a:rPr lang="en-US" sz="2800" b="1" i="1" dirty="0"/>
+              <a:t>Note: </a:t>
+            </a:r>
+            <a:r>
+              <a:rPr lang="en-US" sz="2800" dirty="0"/>
+              <a:t>Creating a field in your classes (e.g. String type=“Enemy”) is NOT fixing the problem, you are still using type predicated code!</a:t>
+            </a:r>
+          </a:p>
+        </p:txBody>
+      </p:sp>
+      <p:pic>
+        <p:nvPicPr>
+          <p:cNvPr id="5" name="Picture 4">
+            <a:extLst>
+              <a:ext uri="{FF2B5EF4-FFF2-40B4-BE49-F238E27FC236}">
+                <a16:creationId xmlns:a16="http://schemas.microsoft.com/office/drawing/2014/main" id="{D9B8CEFD-B45A-0DB5-EC77-4F259CE306AE}"/>
+              </a:ext>
+            </a:extLst>
+          </p:cNvPr>
+          <p:cNvPicPr>
+            <a:picLocks noChangeAspect="1"/>
+          </p:cNvPicPr>
+          <p:nvPr/>
+        </p:nvPicPr>
+        <p:blipFill>
+          <a:blip r:embed="rId2"/>
+          <a:stretch>
+            <a:fillRect/>
+          </a:stretch>
+        </p:blipFill>
+        <p:spPr>
+          <a:xfrm>
+            <a:off x="0" y="1179980"/>
+            <a:ext cx="9144000" cy="2027583"/>
+          </a:xfrm>
+          <a:prstGeom prst="rect">
+            <a:avLst/>
+          </a:prstGeom>
+          <a:ln>
+            <a:solidFill>
+              <a:schemeClr val="tx1"/>
+            </a:solidFill>
+          </a:ln>
+        </p:spPr>
+      </p:pic>
+      <p:sp>
+        <p:nvSpPr>
+          <p:cNvPr id="6" name="TextBox 5">
+            <a:extLst>
+              <a:ext uri="{FF2B5EF4-FFF2-40B4-BE49-F238E27FC236}">
+                <a16:creationId xmlns:a16="http://schemas.microsoft.com/office/drawing/2014/main" id="{CF72062C-5743-3BBE-C686-BFB76EEF2D1D}"/>
+              </a:ext>
+            </a:extLst>
+          </p:cNvPr>
+          <p:cNvSpPr txBox="1"/>
+          <p:nvPr/>
+        </p:nvSpPr>
+        <p:spPr>
+          <a:xfrm>
+            <a:off x="1371600" y="0"/>
+            <a:ext cx="6096000" cy="1107996"/>
+          </a:xfrm>
+          <a:prstGeom prst="rect">
+            <a:avLst/>
+          </a:prstGeom>
+          <a:noFill/>
+        </p:spPr>
+        <p:txBody>
+          <a:bodyPr wrap="square" rtlCol="0">
+            <a:spAutoFit/>
+          </a:bodyPr>
+          <a:lstStyle/>
+          <a:p>
+            <a:r>
+              <a:rPr lang="en-US" sz="6600" dirty="0"/>
+              <a:t>Final OODP #5</a:t>
             </a:r>
           </a:p>
         </p:txBody>
@@ -8004,7 +9680,7 @@
     </p:spTree>
     <p:extLst>
       <p:ext uri="{BB962C8B-B14F-4D97-AF65-F5344CB8AC3E}">
-        <p14:creationId xmlns:p14="http://schemas.microsoft.com/office/powerpoint/2010/main" val="1121517323"/>
+        <p14:creationId xmlns:p14="http://schemas.microsoft.com/office/powerpoint/2010/main" val="1607171347"/>
       </p:ext>
     </p:extLst>
   </p:cSld>
@@ -8065,12 +9741,46 @@
         </p:nvSpPr>
         <p:spPr/>
         <p:txBody>
-          <a:bodyPr/>
+          <a:bodyPr>
+            <a:normAutofit lnSpcReduction="10000"/>
+          </a:bodyPr>
           <a:lstStyle/>
           <a:p>
             <a:r>
               <a:rPr lang="en-US" dirty="0"/>
-              <a:t>Let’s consider a simulator with collisions</a:t>
+              <a:t>Why is type predicated code bad?</a:t>
+            </a:r>
+          </a:p>
+          <a:p>
+            <a:pPr lvl="1"/>
+            <a:r>
+              <a:rPr lang="en-US" dirty="0"/>
+              <a:t>Harder to understand/read</a:t>
+            </a:r>
+          </a:p>
+          <a:p>
+            <a:pPr lvl="1"/>
+            <a:r>
+              <a:rPr lang="en-US" dirty="0"/>
+              <a:t>Harder to extend</a:t>
+            </a:r>
+          </a:p>
+          <a:p>
+            <a:endParaRPr lang="en-US" dirty="0"/>
+          </a:p>
+          <a:p>
+            <a:pPr marL="0" indent="0">
+              <a:buNone/>
+            </a:pPr>
+            <a:r>
+              <a:rPr lang="en-US" i="1" dirty="0"/>
+              <a:t>Let’s actually see how this looks in practice</a:t>
+            </a:r>
+          </a:p>
+          <a:p>
+            <a:r>
+              <a:rPr lang="en-US" dirty="0"/>
+              <a:t>We will consider a simulator with collisions</a:t>
             </a:r>
           </a:p>
           <a:p>
